--- a/Lecture slides/AMOS B07 - Demo Day Preparation.pptx
+++ b/Lecture slides/AMOS B07 - Demo Day Preparation.pptx
@@ -2502,7 +2502,7 @@
             <a:avLst/>
           </a:prstGeom>
           <a:solidFill>
-            <a:schemeClr val="accent1"/>
+            <a:schemeClr val="accent3"/>
           </a:solidFill>
           <a:ln>
             <a:noFill/>
@@ -2526,7 +2526,11 @@
             <a:r>
               <a:t/>
             </a:r>
-            <a:endParaRPr/>
+            <a:endParaRPr>
+              <a:solidFill>
+                <a:schemeClr val="dk1"/>
+              </a:solidFill>
+            </a:endParaRPr>
           </a:p>
         </p:txBody>
       </p:sp>
@@ -2695,7 +2699,7 @@
             <a:avLst/>
           </a:prstGeom>
           <a:solidFill>
-            <a:schemeClr val="accent1"/>
+            <a:schemeClr val="accent3"/>
           </a:solidFill>
           <a:ln>
             <a:noFill/>
@@ -2719,7 +2723,11 @@
             <a:r>
               <a:t/>
             </a:r>
-            <a:endParaRPr/>
+            <a:endParaRPr>
+              <a:solidFill>
+                <a:schemeClr val="dk1"/>
+              </a:solidFill>
+            </a:endParaRPr>
           </a:p>
         </p:txBody>
       </p:sp>
@@ -3155,7 +3163,7 @@
             <a:avLst/>
           </a:prstGeom>
           <a:solidFill>
-            <a:schemeClr val="accent1"/>
+            <a:schemeClr val="accent3"/>
           </a:solidFill>
           <a:ln>
             <a:noFill/>
@@ -3179,7 +3187,11 @@
             <a:r>
               <a:t/>
             </a:r>
-            <a:endParaRPr/>
+            <a:endParaRPr>
+              <a:solidFill>
+                <a:schemeClr val="dk1"/>
+              </a:solidFill>
+            </a:endParaRPr>
           </a:p>
         </p:txBody>
       </p:sp>
@@ -3743,7 +3755,7 @@
             <a:avLst/>
           </a:prstGeom>
           <a:solidFill>
-            <a:schemeClr val="accent1"/>
+            <a:schemeClr val="accent3"/>
           </a:solidFill>
           <a:ln>
             <a:noFill/>
@@ -3767,7 +3779,11 @@
             <a:r>
               <a:t/>
             </a:r>
-            <a:endParaRPr/>
+            <a:endParaRPr>
+              <a:solidFill>
+                <a:schemeClr val="dk1"/>
+              </a:solidFill>
+            </a:endParaRPr>
           </a:p>
         </p:txBody>
       </p:sp>
@@ -4078,7 +4094,7 @@
             <a:avLst/>
           </a:prstGeom>
           <a:solidFill>
-            <a:schemeClr val="accent1"/>
+            <a:schemeClr val="accent3"/>
           </a:solidFill>
           <a:ln>
             <a:noFill/>
@@ -5924,7 +5940,7 @@
             <a:tbl>
               <a:tblPr>
                 <a:noFill/>
-                <a:tableStyleId>{6E57D9A7-B1EF-42C5-B2EA-04B284E89780}</a:tableStyleId>
+                <a:tableStyleId>{3EC40C68-0E02-447F-814F-9F5FF353D932}</a:tableStyleId>
               </a:tblPr>
               <a:tblGrid>
                 <a:gridCol w="1315250"/>
@@ -7685,10 +7701,14 @@
               <a:t>https://profriehle.com</a:t>
             </a:r>
             <a:r>
-              <a:rPr b="0" lang="en" sz="900"/>
+              <a:rPr b="0" lang="en" sz="900">
+                <a:solidFill>
+                  <a:schemeClr val="dk2"/>
+                </a:solidFill>
+              </a:rPr>
               <a:t> </a:t>
             </a:r>
-            <a:endParaRPr b="0" sz="900"/>
+            <a:endParaRPr/>
           </a:p>
         </p:txBody>
       </p:sp>
@@ -8713,7 +8733,7 @@
             <a:tbl>
               <a:tblPr>
                 <a:noFill/>
-                <a:tableStyleId>{83629667-5002-483D-84C9-4849AC5E477E}</a:tableStyleId>
+                <a:tableStyleId>{DDEAD4A5-A33D-4462-AC87-FE6992CD2B84}</a:tableStyleId>
               </a:tblPr>
               <a:tblGrid>
                 <a:gridCol w="1432550"/>
@@ -12745,6 +12765,285 @@
 </file>
 
 <file path=ppt/theme/theme1.xml><?xml version="1.0" encoding="utf-8"?>
+<a:theme xmlns:a="http://schemas.openxmlformats.org/drawingml/2006/main" xmlns:r="http://schemas.openxmlformats.org/officeDocument/2006/relationships" name="AMOS Slides Template">
+  <a:themeElements>
+    <a:clrScheme name="Simple Light">
+      <a:dk1>
+        <a:srgbClr val="000000"/>
+      </a:dk1>
+      <a:lt1>
+        <a:srgbClr val="FFFFFF"/>
+      </a:lt1>
+      <a:dk2>
+        <a:srgbClr val="404040"/>
+      </a:dk2>
+      <a:lt2>
+        <a:srgbClr val="808080"/>
+      </a:lt2>
+      <a:accent1>
+        <a:srgbClr val="D0D0D0"/>
+      </a:accent1>
+      <a:accent2>
+        <a:srgbClr val="4169E1"/>
+      </a:accent2>
+      <a:accent3>
+        <a:srgbClr val="D50D01"/>
+      </a:accent3>
+      <a:accent4>
+        <a:srgbClr val="FEB612"/>
+      </a:accent4>
+      <a:accent5>
+        <a:srgbClr val="4CAF50"/>
+      </a:accent5>
+      <a:accent6>
+        <a:srgbClr val="8E44AD"/>
+      </a:accent6>
+      <a:hlink>
+        <a:srgbClr val="34A3C5"/>
+      </a:hlink>
+      <a:folHlink>
+        <a:srgbClr val="0097A7"/>
+      </a:folHlink>
+    </a:clrScheme>
+    <a:fontScheme name="Office">
+      <a:majorFont>
+        <a:latin typeface="Arial"/>
+        <a:ea typeface=""/>
+        <a:cs typeface=""/>
+        <a:font script="Jpan" typeface="ＭＳ Ｐゴシック"/>
+        <a:font script="Hang" typeface="맑은 고딕"/>
+        <a:font script="Hans" typeface="宋体"/>
+        <a:font script="Hant" typeface="新細明體"/>
+        <a:font script="Arab" typeface="Times New Roman"/>
+        <a:font script="Hebr" typeface="Times New Roman"/>
+        <a:font script="Thai" typeface="Angsana New"/>
+        <a:font script="Ethi" typeface="Nyala"/>
+        <a:font script="Beng" typeface="Vrinda"/>
+        <a:font script="Gujr" typeface="Shruti"/>
+        <a:font script="Khmr" typeface="MoolBoran"/>
+        <a:font script="Knda" typeface="Tunga"/>
+        <a:font script="Guru" typeface="Raavi"/>
+        <a:font script="Cans" typeface="Euphemia"/>
+        <a:font script="Cher" typeface="Plantagenet Cherokee"/>
+        <a:font script="Yiii" typeface="Microsoft Yi Baiti"/>
+        <a:font script="Tibt" typeface="Microsoft Himalaya"/>
+        <a:font script="Thaa" typeface="MV Boli"/>
+        <a:font script="Deva" typeface="Mangal"/>
+        <a:font script="Telu" typeface="Gautami"/>
+        <a:font script="Taml" typeface="Latha"/>
+        <a:font script="Syrc" typeface="Estrangelo Edessa"/>
+        <a:font script="Orya" typeface="Kalinga"/>
+        <a:font script="Mlym" typeface="Kartika"/>
+        <a:font script="Laoo" typeface="DokChampa"/>
+        <a:font script="Sinh" typeface="Iskoola Pota"/>
+        <a:font script="Mong" typeface="Mongolian Baiti"/>
+        <a:font script="Viet" typeface="Times New Roman"/>
+        <a:font script="Uigh" typeface="Microsoft Uighur"/>
+        <a:font script="Geor" typeface="Sylfaen"/>
+      </a:majorFont>
+      <a:minorFont>
+        <a:latin typeface="Arial"/>
+        <a:ea typeface=""/>
+        <a:cs typeface=""/>
+        <a:font script="Jpan" typeface="ＭＳ Ｐゴシック"/>
+        <a:font script="Hang" typeface="맑은 고딕"/>
+        <a:font script="Hans" typeface="宋体"/>
+        <a:font script="Hant" typeface="新細明體"/>
+        <a:font script="Arab" typeface="Arial"/>
+        <a:font script="Hebr" typeface="Arial"/>
+        <a:font script="Thai" typeface="Cordia New"/>
+        <a:font script="Ethi" typeface="Nyala"/>
+        <a:font script="Beng" typeface="Vrinda"/>
+        <a:font script="Gujr" typeface="Shruti"/>
+        <a:font script="Khmr" typeface="DaunPenh"/>
+        <a:font script="Knda" typeface="Tunga"/>
+        <a:font script="Guru" typeface="Raavi"/>
+        <a:font script="Cans" typeface="Euphemia"/>
+        <a:font script="Cher" typeface="Plantagenet Cherokee"/>
+        <a:font script="Yiii" typeface="Microsoft Yi Baiti"/>
+        <a:font script="Tibt" typeface="Microsoft Himalaya"/>
+        <a:font script="Thaa" typeface="MV Boli"/>
+        <a:font script="Deva" typeface="Mangal"/>
+        <a:font script="Telu" typeface="Gautami"/>
+        <a:font script="Taml" typeface="Latha"/>
+        <a:font script="Syrc" typeface="Estrangelo Edessa"/>
+        <a:font script="Orya" typeface="Kalinga"/>
+        <a:font script="Mlym" typeface="Kartika"/>
+        <a:font script="Laoo" typeface="DokChampa"/>
+        <a:font script="Sinh" typeface="Iskoola Pota"/>
+        <a:font script="Mong" typeface="Mongolian Baiti"/>
+        <a:font script="Viet" typeface="Arial"/>
+        <a:font script="Uigh" typeface="Microsoft Uighur"/>
+        <a:font script="Geor" typeface="Sylfaen"/>
+      </a:minorFont>
+    </a:fontScheme>
+    <a:fmtScheme name="Office">
+      <a:fillStyleLst>
+        <a:solidFill>
+          <a:schemeClr val="phClr"/>
+        </a:solidFill>
+        <a:gradFill rotWithShape="1">
+          <a:gsLst>
+            <a:gs pos="0">
+              <a:schemeClr val="phClr">
+                <a:tint val="50000"/>
+                <a:satMod val="300000"/>
+              </a:schemeClr>
+            </a:gs>
+            <a:gs pos="35000">
+              <a:schemeClr val="phClr">
+                <a:tint val="37000"/>
+                <a:satMod val="300000"/>
+              </a:schemeClr>
+            </a:gs>
+            <a:gs pos="100000">
+              <a:schemeClr val="phClr">
+                <a:tint val="15000"/>
+                <a:satMod val="350000"/>
+              </a:schemeClr>
+            </a:gs>
+          </a:gsLst>
+          <a:lin ang="16200000" scaled="1"/>
+        </a:gradFill>
+        <a:gradFill rotWithShape="1">
+          <a:gsLst>
+            <a:gs pos="0">
+              <a:schemeClr val="phClr">
+                <a:tint val="100000"/>
+                <a:shade val="100000"/>
+                <a:satMod val="130000"/>
+              </a:schemeClr>
+            </a:gs>
+            <a:gs pos="100000">
+              <a:schemeClr val="phClr">
+                <a:tint val="50000"/>
+                <a:shade val="100000"/>
+                <a:satMod val="350000"/>
+              </a:schemeClr>
+            </a:gs>
+          </a:gsLst>
+          <a:lin ang="16200000" scaled="0"/>
+        </a:gradFill>
+      </a:fillStyleLst>
+      <a:lnStyleLst>
+        <a:ln w="9525" cap="flat" cmpd="sng" algn="ctr">
+          <a:solidFill>
+            <a:schemeClr val="phClr">
+              <a:shade val="95000"/>
+              <a:satMod val="105000"/>
+            </a:schemeClr>
+          </a:solidFill>
+          <a:prstDash val="solid"/>
+        </a:ln>
+        <a:ln w="25400" cap="flat" cmpd="sng" algn="ctr">
+          <a:solidFill>
+            <a:schemeClr val="phClr"/>
+          </a:solidFill>
+          <a:prstDash val="solid"/>
+        </a:ln>
+        <a:ln w="38100" cap="flat" cmpd="sng" algn="ctr">
+          <a:solidFill>
+            <a:schemeClr val="phClr"/>
+          </a:solidFill>
+          <a:prstDash val="solid"/>
+        </a:ln>
+      </a:lnStyleLst>
+      <a:effectStyleLst>
+        <a:effectStyle>
+          <a:effectLst>
+            <a:outerShdw blurRad="40000" dist="20000" dir="5400000" rotWithShape="0">
+              <a:srgbClr val="000000">
+                <a:alpha val="38000"/>
+              </a:srgbClr>
+            </a:outerShdw>
+          </a:effectLst>
+        </a:effectStyle>
+        <a:effectStyle>
+          <a:effectLst>
+            <a:outerShdw blurRad="40000" dist="23000" dir="5400000" rotWithShape="0">
+              <a:srgbClr val="000000">
+                <a:alpha val="35000"/>
+              </a:srgbClr>
+            </a:outerShdw>
+          </a:effectLst>
+        </a:effectStyle>
+        <a:effectStyle>
+          <a:effectLst>
+            <a:outerShdw blurRad="40000" dist="23000" dir="5400000" rotWithShape="0">
+              <a:srgbClr val="000000">
+                <a:alpha val="35000"/>
+              </a:srgbClr>
+            </a:outerShdw>
+          </a:effectLst>
+          <a:scene3d>
+            <a:camera prst="orthographicFront">
+              <a:rot lat="0" lon="0" rev="0"/>
+            </a:camera>
+            <a:lightRig rig="threePt" dir="t">
+              <a:rot lat="0" lon="0" rev="1200000"/>
+            </a:lightRig>
+          </a:scene3d>
+          <a:sp3d>
+            <a:bevelT w="63500" h="25400"/>
+          </a:sp3d>
+        </a:effectStyle>
+      </a:effectStyleLst>
+      <a:bgFillStyleLst>
+        <a:solidFill>
+          <a:schemeClr val="phClr"/>
+        </a:solidFill>
+        <a:gradFill rotWithShape="1">
+          <a:gsLst>
+            <a:gs pos="0">
+              <a:schemeClr val="phClr">
+                <a:tint val="40000"/>
+                <a:satMod val="350000"/>
+              </a:schemeClr>
+            </a:gs>
+            <a:gs pos="40000">
+              <a:schemeClr val="phClr">
+                <a:tint val="45000"/>
+                <a:shade val="99000"/>
+                <a:satMod val="350000"/>
+              </a:schemeClr>
+            </a:gs>
+            <a:gs pos="100000">
+              <a:schemeClr val="phClr">
+                <a:shade val="20000"/>
+                <a:satMod val="255000"/>
+              </a:schemeClr>
+            </a:gs>
+          </a:gsLst>
+          <a:path path="circle">
+            <a:fillToRect l="50000" t="-80000" r="50000" b="180000"/>
+          </a:path>
+        </a:gradFill>
+        <a:gradFill rotWithShape="1">
+          <a:gsLst>
+            <a:gs pos="0">
+              <a:schemeClr val="phClr">
+                <a:tint val="80000"/>
+                <a:satMod val="300000"/>
+              </a:schemeClr>
+            </a:gs>
+            <a:gs pos="100000">
+              <a:schemeClr val="phClr">
+                <a:shade val="30000"/>
+                <a:satMod val="200000"/>
+              </a:schemeClr>
+            </a:gs>
+          </a:gsLst>
+          <a:path path="circle">
+            <a:fillToRect l="50000" t="50000" r="50000" b="50000"/>
+          </a:path>
+        </a:gradFill>
+      </a:bgFillStyleLst>
+    </a:fmtScheme>
+  </a:themeElements>
+</a:theme>
+</file>
+
+<file path=ppt/theme/theme2.xml><?xml version="1.0" encoding="utf-8"?>
 <a:theme xmlns:a="http://schemas.openxmlformats.org/drawingml/2006/main" xmlns:r="http://schemas.openxmlformats.org/officeDocument/2006/relationships">
   <a:themeElements>
     <a:clrScheme name="Default">
@@ -13021,283 +13320,4 @@
     </a:fmtScheme>
   </a:themeElements>
 </a:theme>
-</file>
-
-<file path=ppt/theme/theme2.xml><?xml version="1.0" encoding="utf-8"?>
-<a:theme xmlns:a="http://schemas.openxmlformats.org/drawingml/2006/main" xmlns:r="http://schemas.openxmlformats.org/officeDocument/2006/relationships" name="AMOS Slides Template">
-  <a:themeElements>
-    <a:clrScheme name="Simple Light">
-      <a:dk1>
-        <a:srgbClr val="000000"/>
-      </a:dk1>
-      <a:lt1>
-        <a:srgbClr val="FFFFFF"/>
-      </a:lt1>
-      <a:dk2>
-        <a:srgbClr val="808080"/>
-      </a:dk2>
-      <a:lt2>
-        <a:srgbClr val="DCDCDC"/>
-      </a:lt2>
-      <a:accent1>
-        <a:srgbClr val="D50D01"/>
-      </a:accent1>
-      <a:accent2>
-        <a:srgbClr val="448AFF"/>
-      </a:accent2>
-      <a:accent3>
-        <a:srgbClr val="D50D01"/>
-      </a:accent3>
-      <a:accent4>
-        <a:srgbClr val="424242"/>
-      </a:accent4>
-      <a:accent5>
-        <a:srgbClr val="3F51B5"/>
-      </a:accent5>
-      <a:accent6>
-        <a:srgbClr val="4CAF50"/>
-      </a:accent6>
-      <a:hlink>
-        <a:srgbClr val="34A3C5"/>
-      </a:hlink>
-      <a:folHlink>
-        <a:srgbClr val="0097A7"/>
-      </a:folHlink>
-    </a:clrScheme>
-    <a:fontScheme name="Office">
-      <a:majorFont>
-        <a:latin typeface="Arial"/>
-        <a:ea typeface=""/>
-        <a:cs typeface=""/>
-        <a:font script="Jpan" typeface="ＭＳ Ｐゴシック"/>
-        <a:font script="Hang" typeface="맑은 고딕"/>
-        <a:font script="Hans" typeface="宋体"/>
-        <a:font script="Hant" typeface="新細明體"/>
-        <a:font script="Arab" typeface="Times New Roman"/>
-        <a:font script="Hebr" typeface="Times New Roman"/>
-        <a:font script="Thai" typeface="Angsana New"/>
-        <a:font script="Ethi" typeface="Nyala"/>
-        <a:font script="Beng" typeface="Vrinda"/>
-        <a:font script="Gujr" typeface="Shruti"/>
-        <a:font script="Khmr" typeface="MoolBoran"/>
-        <a:font script="Knda" typeface="Tunga"/>
-        <a:font script="Guru" typeface="Raavi"/>
-        <a:font script="Cans" typeface="Euphemia"/>
-        <a:font script="Cher" typeface="Plantagenet Cherokee"/>
-        <a:font script="Yiii" typeface="Microsoft Yi Baiti"/>
-        <a:font script="Tibt" typeface="Microsoft Himalaya"/>
-        <a:font script="Thaa" typeface="MV Boli"/>
-        <a:font script="Deva" typeface="Mangal"/>
-        <a:font script="Telu" typeface="Gautami"/>
-        <a:font script="Taml" typeface="Latha"/>
-        <a:font script="Syrc" typeface="Estrangelo Edessa"/>
-        <a:font script="Orya" typeface="Kalinga"/>
-        <a:font script="Mlym" typeface="Kartika"/>
-        <a:font script="Laoo" typeface="DokChampa"/>
-        <a:font script="Sinh" typeface="Iskoola Pota"/>
-        <a:font script="Mong" typeface="Mongolian Baiti"/>
-        <a:font script="Viet" typeface="Times New Roman"/>
-        <a:font script="Uigh" typeface="Microsoft Uighur"/>
-        <a:font script="Geor" typeface="Sylfaen"/>
-      </a:majorFont>
-      <a:minorFont>
-        <a:latin typeface="Arial"/>
-        <a:ea typeface=""/>
-        <a:cs typeface=""/>
-        <a:font script="Jpan" typeface="ＭＳ Ｐゴシック"/>
-        <a:font script="Hang" typeface="맑은 고딕"/>
-        <a:font script="Hans" typeface="宋体"/>
-        <a:font script="Hant" typeface="新細明體"/>
-        <a:font script="Arab" typeface="Arial"/>
-        <a:font script="Hebr" typeface="Arial"/>
-        <a:font script="Thai" typeface="Cordia New"/>
-        <a:font script="Ethi" typeface="Nyala"/>
-        <a:font script="Beng" typeface="Vrinda"/>
-        <a:font script="Gujr" typeface="Shruti"/>
-        <a:font script="Khmr" typeface="DaunPenh"/>
-        <a:font script="Knda" typeface="Tunga"/>
-        <a:font script="Guru" typeface="Raavi"/>
-        <a:font script="Cans" typeface="Euphemia"/>
-        <a:font script="Cher" typeface="Plantagenet Cherokee"/>
-        <a:font script="Yiii" typeface="Microsoft Yi Baiti"/>
-        <a:font script="Tibt" typeface="Microsoft Himalaya"/>
-        <a:font script="Thaa" typeface="MV Boli"/>
-        <a:font script="Deva" typeface="Mangal"/>
-        <a:font script="Telu" typeface="Gautami"/>
-        <a:font script="Taml" typeface="Latha"/>
-        <a:font script="Syrc" typeface="Estrangelo Edessa"/>
-        <a:font script="Orya" typeface="Kalinga"/>
-        <a:font script="Mlym" typeface="Kartika"/>
-        <a:font script="Laoo" typeface="DokChampa"/>
-        <a:font script="Sinh" typeface="Iskoola Pota"/>
-        <a:font script="Mong" typeface="Mongolian Baiti"/>
-        <a:font script="Viet" typeface="Arial"/>
-        <a:font script="Uigh" typeface="Microsoft Uighur"/>
-        <a:font script="Geor" typeface="Sylfaen"/>
-      </a:minorFont>
-    </a:fontScheme>
-    <a:fmtScheme name="Office">
-      <a:fillStyleLst>
-        <a:solidFill>
-          <a:schemeClr val="phClr"/>
-        </a:solidFill>
-        <a:gradFill rotWithShape="1">
-          <a:gsLst>
-            <a:gs pos="0">
-              <a:schemeClr val="phClr">
-                <a:tint val="50000"/>
-                <a:satMod val="300000"/>
-              </a:schemeClr>
-            </a:gs>
-            <a:gs pos="35000">
-              <a:schemeClr val="phClr">
-                <a:tint val="37000"/>
-                <a:satMod val="300000"/>
-              </a:schemeClr>
-            </a:gs>
-            <a:gs pos="100000">
-              <a:schemeClr val="phClr">
-                <a:tint val="15000"/>
-                <a:satMod val="350000"/>
-              </a:schemeClr>
-            </a:gs>
-          </a:gsLst>
-          <a:lin ang="16200000" scaled="1"/>
-        </a:gradFill>
-        <a:gradFill rotWithShape="1">
-          <a:gsLst>
-            <a:gs pos="0">
-              <a:schemeClr val="phClr">
-                <a:tint val="100000"/>
-                <a:shade val="100000"/>
-                <a:satMod val="130000"/>
-              </a:schemeClr>
-            </a:gs>
-            <a:gs pos="100000">
-              <a:schemeClr val="phClr">
-                <a:tint val="50000"/>
-                <a:shade val="100000"/>
-                <a:satMod val="350000"/>
-              </a:schemeClr>
-            </a:gs>
-          </a:gsLst>
-          <a:lin ang="16200000" scaled="0"/>
-        </a:gradFill>
-      </a:fillStyleLst>
-      <a:lnStyleLst>
-        <a:ln w="9525" cap="flat" cmpd="sng" algn="ctr">
-          <a:solidFill>
-            <a:schemeClr val="phClr">
-              <a:shade val="95000"/>
-              <a:satMod val="105000"/>
-            </a:schemeClr>
-          </a:solidFill>
-          <a:prstDash val="solid"/>
-        </a:ln>
-        <a:ln w="25400" cap="flat" cmpd="sng" algn="ctr">
-          <a:solidFill>
-            <a:schemeClr val="phClr"/>
-          </a:solidFill>
-          <a:prstDash val="solid"/>
-        </a:ln>
-        <a:ln w="38100" cap="flat" cmpd="sng" algn="ctr">
-          <a:solidFill>
-            <a:schemeClr val="phClr"/>
-          </a:solidFill>
-          <a:prstDash val="solid"/>
-        </a:ln>
-      </a:lnStyleLst>
-      <a:effectStyleLst>
-        <a:effectStyle>
-          <a:effectLst>
-            <a:outerShdw blurRad="40000" dist="20000" dir="5400000" rotWithShape="0">
-              <a:srgbClr val="000000">
-                <a:alpha val="38000"/>
-              </a:srgbClr>
-            </a:outerShdw>
-          </a:effectLst>
-        </a:effectStyle>
-        <a:effectStyle>
-          <a:effectLst>
-            <a:outerShdw blurRad="40000" dist="23000" dir="5400000" rotWithShape="0">
-              <a:srgbClr val="000000">
-                <a:alpha val="35000"/>
-              </a:srgbClr>
-            </a:outerShdw>
-          </a:effectLst>
-        </a:effectStyle>
-        <a:effectStyle>
-          <a:effectLst>
-            <a:outerShdw blurRad="40000" dist="23000" dir="5400000" rotWithShape="0">
-              <a:srgbClr val="000000">
-                <a:alpha val="35000"/>
-              </a:srgbClr>
-            </a:outerShdw>
-          </a:effectLst>
-          <a:scene3d>
-            <a:camera prst="orthographicFront">
-              <a:rot lat="0" lon="0" rev="0"/>
-            </a:camera>
-            <a:lightRig rig="threePt" dir="t">
-              <a:rot lat="0" lon="0" rev="1200000"/>
-            </a:lightRig>
-          </a:scene3d>
-          <a:sp3d>
-            <a:bevelT w="63500" h="25400"/>
-          </a:sp3d>
-        </a:effectStyle>
-      </a:effectStyleLst>
-      <a:bgFillStyleLst>
-        <a:solidFill>
-          <a:schemeClr val="phClr"/>
-        </a:solidFill>
-        <a:gradFill rotWithShape="1">
-          <a:gsLst>
-            <a:gs pos="0">
-              <a:schemeClr val="phClr">
-                <a:tint val="40000"/>
-                <a:satMod val="350000"/>
-              </a:schemeClr>
-            </a:gs>
-            <a:gs pos="40000">
-              <a:schemeClr val="phClr">
-                <a:tint val="45000"/>
-                <a:shade val="99000"/>
-                <a:satMod val="350000"/>
-              </a:schemeClr>
-            </a:gs>
-            <a:gs pos="100000">
-              <a:schemeClr val="phClr">
-                <a:shade val="20000"/>
-                <a:satMod val="255000"/>
-              </a:schemeClr>
-            </a:gs>
-          </a:gsLst>
-          <a:path path="circle">
-            <a:fillToRect l="50000" t="-80000" r="50000" b="180000"/>
-          </a:path>
-        </a:gradFill>
-        <a:gradFill rotWithShape="1">
-          <a:gsLst>
-            <a:gs pos="0">
-              <a:schemeClr val="phClr">
-                <a:tint val="80000"/>
-                <a:satMod val="300000"/>
-              </a:schemeClr>
-            </a:gs>
-            <a:gs pos="100000">
-              <a:schemeClr val="phClr">
-                <a:shade val="30000"/>
-                <a:satMod val="200000"/>
-              </a:schemeClr>
-            </a:gs>
-          </a:gsLst>
-          <a:path path="circle">
-            <a:fillToRect l="50000" t="50000" r="50000" b="50000"/>
-          </a:path>
-        </a:gradFill>
-      </a:bgFillStyleLst>
-    </a:fmtScheme>
-  </a:themeElements>
-</a:theme>
 </file>
--- a/Lecture slides/AMOS B07 - Demo Day Preparation.pptx
+++ b/Lecture slides/AMOS B07 - Demo Day Preparation.pptx
@@ -23,6 +23,18 @@
     <p:sldId id="268" r:id="rId19"/>
     <p:sldId id="269" r:id="rId20"/>
     <p:sldId id="270" r:id="rId21"/>
+    <p:sldId id="271" r:id="rId22"/>
+    <p:sldId id="272" r:id="rId23"/>
+    <p:sldId id="273" r:id="rId24"/>
+    <p:sldId id="274" r:id="rId25"/>
+    <p:sldId id="275" r:id="rId26"/>
+    <p:sldId id="276" r:id="rId27"/>
+    <p:sldId id="277" r:id="rId28"/>
+    <p:sldId id="278" r:id="rId29"/>
+    <p:sldId id="279" r:id="rId30"/>
+    <p:sldId id="280" r:id="rId31"/>
+    <p:sldId id="281" r:id="rId32"/>
+    <p:sldId id="282" r:id="rId33"/>
   </p:sldIdLst>
   <p:sldSz cy="5143500" cx="9144000"/>
   <p:notesSz cx="6858000" cy="9144000"/>
@@ -804,7 +816,7 @@
   <p:cSld>
     <p:spTree>
       <p:nvGrpSpPr>
-        <p:cNvPr id="95" name="Shape 95"/>
+        <p:cNvPr id="92" name="Shape 92"/>
         <p:cNvGrpSpPr/>
         <p:nvPr/>
       </p:nvGrpSpPr>
@@ -818,7 +830,7 @@
       </p:grpSpPr>
       <p:sp>
         <p:nvSpPr>
-          <p:cNvPr id="96" name="Google Shape;96;g15365535e7d_0_40:notes"/>
+          <p:cNvPr id="93" name="Google Shape;93;g15365535e7d_0_47:notes"/>
           <p:cNvSpPr/>
           <p:nvPr>
             <p:ph idx="2" type="sldImg"/>
@@ -853,7 +865,7 @@
       </p:sp>
       <p:sp>
         <p:nvSpPr>
-          <p:cNvPr id="97" name="Google Shape;97;g15365535e7d_0_40:notes"/>
+          <p:cNvPr id="94" name="Google Shape;94;g15365535e7d_0_47:notes"/>
           <p:cNvSpPr txBox="1"/>
           <p:nvPr>
             <p:ph idx="1" type="body"/>
@@ -903,7 +915,7 @@
   <p:cSld>
     <p:spTree>
       <p:nvGrpSpPr>
-        <p:cNvPr id="103" name="Shape 103"/>
+        <p:cNvPr id="99" name="Shape 99"/>
         <p:cNvGrpSpPr/>
         <p:nvPr/>
       </p:nvGrpSpPr>
@@ -917,7 +929,7 @@
       </p:grpSpPr>
       <p:sp>
         <p:nvSpPr>
-          <p:cNvPr id="104" name="Google Shape;104;g206af0edc8b_0_0:notes"/>
+          <p:cNvPr id="100" name="Google Shape;100;g15365535e7d_0_32:notes"/>
           <p:cNvSpPr/>
           <p:nvPr>
             <p:ph idx="2" type="sldImg"/>
@@ -952,7 +964,7 @@
       </p:sp>
       <p:sp>
         <p:nvSpPr>
-          <p:cNvPr id="105" name="Google Shape;105;g206af0edc8b_0_0:notes"/>
+          <p:cNvPr id="101" name="Google Shape;101;g15365535e7d_0_32:notes"/>
           <p:cNvSpPr txBox="1"/>
           <p:nvPr>
             <p:ph idx="1" type="body"/>
@@ -1002,7 +1014,7 @@
   <p:cSld>
     <p:spTree>
       <p:nvGrpSpPr>
-        <p:cNvPr id="110" name="Shape 110"/>
+        <p:cNvPr id="107" name="Shape 107"/>
         <p:cNvGrpSpPr/>
         <p:nvPr/>
       </p:nvGrpSpPr>
@@ -1016,7 +1028,7 @@
       </p:grpSpPr>
       <p:sp>
         <p:nvSpPr>
-          <p:cNvPr id="111" name="Google Shape;111;g15365535e7d_0_54:notes"/>
+          <p:cNvPr id="108" name="Google Shape;108;g15365535e7d_0_40:notes"/>
           <p:cNvSpPr/>
           <p:nvPr>
             <p:ph idx="2" type="sldImg"/>
@@ -1051,7 +1063,7 @@
       </p:sp>
       <p:sp>
         <p:nvSpPr>
-          <p:cNvPr id="112" name="Google Shape;112;g15365535e7d_0_54:notes"/>
+          <p:cNvPr id="109" name="Google Shape;109;g15365535e7d_0_40:notes"/>
           <p:cNvSpPr txBox="1"/>
           <p:nvPr>
             <p:ph idx="1" type="body"/>
@@ -1101,7 +1113,7 @@
   <p:cSld>
     <p:spTree>
       <p:nvGrpSpPr>
-        <p:cNvPr id="118" name="Shape 118"/>
+        <p:cNvPr id="115" name="Shape 115"/>
         <p:cNvGrpSpPr/>
         <p:nvPr/>
       </p:nvGrpSpPr>
@@ -1115,7 +1127,7 @@
       </p:grpSpPr>
       <p:sp>
         <p:nvSpPr>
-          <p:cNvPr id="119" name="Google Shape;119;g15365535e7d_0_61:notes"/>
+          <p:cNvPr id="116" name="Google Shape;116;g2397aca6fd1_0_108:notes"/>
           <p:cNvSpPr/>
           <p:nvPr>
             <p:ph idx="2" type="sldImg"/>
@@ -1150,7 +1162,7 @@
       </p:sp>
       <p:sp>
         <p:nvSpPr>
-          <p:cNvPr id="120" name="Google Shape;120;g15365535e7d_0_61:notes"/>
+          <p:cNvPr id="117" name="Google Shape;117;g2397aca6fd1_0_108:notes"/>
           <p:cNvSpPr txBox="1"/>
           <p:nvPr>
             <p:ph idx="1" type="body"/>
@@ -1200,7 +1212,7 @@
   <p:cSld>
     <p:spTree>
       <p:nvGrpSpPr>
-        <p:cNvPr id="125" name="Shape 125"/>
+        <p:cNvPr id="122" name="Shape 122"/>
         <p:cNvGrpSpPr/>
         <p:nvPr/>
       </p:nvGrpSpPr>
@@ -1214,7 +1226,7 @@
       </p:grpSpPr>
       <p:sp>
         <p:nvSpPr>
-          <p:cNvPr id="126" name="Google Shape;126;g1a19e7038b0_0_75:notes"/>
+          <p:cNvPr id="123" name="Google Shape;123;g206af0edc8b_0_0:notes"/>
           <p:cNvSpPr/>
           <p:nvPr>
             <p:ph idx="2" type="sldImg"/>
@@ -1249,7 +1261,7 @@
       </p:sp>
       <p:sp>
         <p:nvSpPr>
-          <p:cNvPr id="127" name="Google Shape;127;g1a19e7038b0_0_75:notes"/>
+          <p:cNvPr id="124" name="Google Shape;124;g206af0edc8b_0_0:notes"/>
           <p:cNvSpPr txBox="1"/>
           <p:nvPr>
             <p:ph idx="1" type="body"/>
@@ -1299,7 +1311,7 @@
   <p:cSld>
     <p:spTree>
       <p:nvGrpSpPr>
-        <p:cNvPr id="131" name="Shape 131"/>
+        <p:cNvPr id="129" name="Shape 129"/>
         <p:cNvGrpSpPr/>
         <p:nvPr/>
       </p:nvGrpSpPr>
@@ -1313,7 +1325,7 @@
       </p:grpSpPr>
       <p:sp>
         <p:nvSpPr>
-          <p:cNvPr id="132" name="Google Shape;132;g1a19e7038b0_0_80:notes"/>
+          <p:cNvPr id="130" name="Google Shape;130;g15365535e7d_0_54:notes"/>
           <p:cNvSpPr/>
           <p:nvPr>
             <p:ph idx="2" type="sldImg"/>
@@ -1348,7 +1360,403 @@
       </p:sp>
       <p:sp>
         <p:nvSpPr>
-          <p:cNvPr id="133" name="Google Shape;133;g1a19e7038b0_0_80:notes"/>
+          <p:cNvPr id="131" name="Google Shape;131;g15365535e7d_0_54:notes"/>
+          <p:cNvSpPr txBox="1"/>
+          <p:nvPr>
+            <p:ph idx="1" type="body"/>
+          </p:nvPr>
+        </p:nvSpPr>
+        <p:spPr>
+          <a:xfrm>
+            <a:off x="685800" y="4343400"/>
+            <a:ext cx="5486400" cy="4114800"/>
+          </a:xfrm>
+          <a:prstGeom prst="rect">
+            <a:avLst/>
+          </a:prstGeom>
+        </p:spPr>
+        <p:txBody>
+          <a:bodyPr anchorCtr="0" anchor="t" bIns="91425" lIns="91425" spcFirstLastPara="1" rIns="91425" wrap="square" tIns="91425">
+            <a:noAutofit/>
+          </a:bodyPr>
+          <a:lstStyle/>
+          <a:p>
+            <a:pPr indent="0" lvl="0" marL="0" rtl="0" algn="l">
+              <a:spcBef>
+                <a:spcPts val="0"/>
+              </a:spcBef>
+              <a:spcAft>
+                <a:spcPts val="0"/>
+              </a:spcAft>
+              <a:buNone/>
+            </a:pPr>
+            <a:r>
+              <a:t/>
+            </a:r>
+            <a:endParaRPr/>
+          </a:p>
+        </p:txBody>
+      </p:sp>
+    </p:spTree>
+  </p:cSld>
+  <p:clrMapOvr>
+    <a:masterClrMapping/>
+  </p:clrMapOvr>
+</p:notes>
+</file>
+
+<file path=ppt/notesSlides/notesSlide16.xml><?xml version="1.0" encoding="utf-8"?>
+<p:notes xmlns:a="http://schemas.openxmlformats.org/drawingml/2006/main" xmlns:r="http://schemas.openxmlformats.org/officeDocument/2006/relationships" xmlns:mc="http://schemas.openxmlformats.org/markup-compatibility/2006" xmlns:mv="urn:schemas-microsoft-com:mac:vml" xmlns:p="http://schemas.openxmlformats.org/presentationml/2006/main" xmlns:c="http://schemas.openxmlformats.org/drawingml/2006/chart" xmlns:dgm="http://schemas.openxmlformats.org/drawingml/2006/diagram" xmlns:o="urn:schemas-microsoft-com:office:office" xmlns:v="urn:schemas-microsoft-com:vml" xmlns:pvml="urn:schemas-microsoft-com:office:powerpoint" xmlns:com="http://schemas.openxmlformats.org/drawingml/2006/compatibility" xmlns:p14="http://schemas.microsoft.com/office/powerpoint/2010/main" xmlns:p15="http://schemas.microsoft.com/office/powerpoint/2012/main" xmlns:ahyp="http://schemas.microsoft.com/office/drawing/2018/hyperlinkcolor" showMasterPhAnim="0" showMasterSp="0">
+  <p:cSld>
+    <p:spTree>
+      <p:nvGrpSpPr>
+        <p:cNvPr id="137" name="Shape 137"/>
+        <p:cNvGrpSpPr/>
+        <p:nvPr/>
+      </p:nvGrpSpPr>
+      <p:grpSpPr>
+        <a:xfrm>
+          <a:off x="0" y="0"/>
+          <a:ext cx="0" cy="0"/>
+          <a:chOff x="0" y="0"/>
+          <a:chExt cx="0" cy="0"/>
+        </a:xfrm>
+      </p:grpSpPr>
+      <p:sp>
+        <p:nvSpPr>
+          <p:cNvPr id="138" name="Google Shape;138;g2397aca6fd1_0_114:notes"/>
+          <p:cNvSpPr/>
+          <p:nvPr>
+            <p:ph idx="2" type="sldImg"/>
+          </p:nvPr>
+        </p:nvSpPr>
+        <p:spPr>
+          <a:xfrm>
+            <a:off x="381300" y="685800"/>
+            <a:ext cx="6096000" cy="3429000"/>
+          </a:xfrm>
+          <a:custGeom>
+            <a:rect b="b" l="l" r="r" t="t"/>
+            <a:pathLst>
+              <a:path extrusionOk="0" h="120000" w="120000">
+                <a:moveTo>
+                  <a:pt x="0" y="0"/>
+                </a:moveTo>
+                <a:lnTo>
+                  <a:pt x="120000" y="0"/>
+                </a:lnTo>
+                <a:lnTo>
+                  <a:pt x="120000" y="120000"/>
+                </a:lnTo>
+                <a:lnTo>
+                  <a:pt x="0" y="120000"/>
+                </a:lnTo>
+                <a:close/>
+              </a:path>
+            </a:pathLst>
+          </a:custGeom>
+        </p:spPr>
+      </p:sp>
+      <p:sp>
+        <p:nvSpPr>
+          <p:cNvPr id="139" name="Google Shape;139;g2397aca6fd1_0_114:notes"/>
+          <p:cNvSpPr txBox="1"/>
+          <p:nvPr>
+            <p:ph idx="1" type="body"/>
+          </p:nvPr>
+        </p:nvSpPr>
+        <p:spPr>
+          <a:xfrm>
+            <a:off x="685800" y="4343400"/>
+            <a:ext cx="5486400" cy="4114800"/>
+          </a:xfrm>
+          <a:prstGeom prst="rect">
+            <a:avLst/>
+          </a:prstGeom>
+        </p:spPr>
+        <p:txBody>
+          <a:bodyPr anchorCtr="0" anchor="t" bIns="91425" lIns="91425" spcFirstLastPara="1" rIns="91425" wrap="square" tIns="91425">
+            <a:noAutofit/>
+          </a:bodyPr>
+          <a:lstStyle/>
+          <a:p>
+            <a:pPr indent="0" lvl="0" marL="0" rtl="0" algn="l">
+              <a:spcBef>
+                <a:spcPts val="0"/>
+              </a:spcBef>
+              <a:spcAft>
+                <a:spcPts val="0"/>
+              </a:spcAft>
+              <a:buNone/>
+            </a:pPr>
+            <a:r>
+              <a:t/>
+            </a:r>
+            <a:endParaRPr/>
+          </a:p>
+        </p:txBody>
+      </p:sp>
+    </p:spTree>
+  </p:cSld>
+  <p:clrMapOvr>
+    <a:masterClrMapping/>
+  </p:clrMapOvr>
+</p:notes>
+</file>
+
+<file path=ppt/notesSlides/notesSlide17.xml><?xml version="1.0" encoding="utf-8"?>
+<p:notes xmlns:a="http://schemas.openxmlformats.org/drawingml/2006/main" xmlns:r="http://schemas.openxmlformats.org/officeDocument/2006/relationships" xmlns:mc="http://schemas.openxmlformats.org/markup-compatibility/2006" xmlns:mv="urn:schemas-microsoft-com:mac:vml" xmlns:p="http://schemas.openxmlformats.org/presentationml/2006/main" xmlns:c="http://schemas.openxmlformats.org/drawingml/2006/chart" xmlns:dgm="http://schemas.openxmlformats.org/drawingml/2006/diagram" xmlns:o="urn:schemas-microsoft-com:office:office" xmlns:v="urn:schemas-microsoft-com:vml" xmlns:pvml="urn:schemas-microsoft-com:office:powerpoint" xmlns:com="http://schemas.openxmlformats.org/drawingml/2006/compatibility" xmlns:p14="http://schemas.microsoft.com/office/powerpoint/2010/main" xmlns:p15="http://schemas.microsoft.com/office/powerpoint/2012/main" xmlns:ahyp="http://schemas.microsoft.com/office/drawing/2018/hyperlinkcolor" showMasterPhAnim="0" showMasterSp="0">
+  <p:cSld>
+    <p:spTree>
+      <p:nvGrpSpPr>
+        <p:cNvPr id="144" name="Shape 144"/>
+        <p:cNvGrpSpPr/>
+        <p:nvPr/>
+      </p:nvGrpSpPr>
+      <p:grpSpPr>
+        <a:xfrm>
+          <a:off x="0" y="0"/>
+          <a:ext cx="0" cy="0"/>
+          <a:chOff x="0" y="0"/>
+          <a:chExt cx="0" cy="0"/>
+        </a:xfrm>
+      </p:grpSpPr>
+      <p:sp>
+        <p:nvSpPr>
+          <p:cNvPr id="145" name="Google Shape;145;g15365535e7d_0_61:notes"/>
+          <p:cNvSpPr/>
+          <p:nvPr>
+            <p:ph idx="2" type="sldImg"/>
+          </p:nvPr>
+        </p:nvSpPr>
+        <p:spPr>
+          <a:xfrm>
+            <a:off x="381300" y="685800"/>
+            <a:ext cx="6096000" cy="3429000"/>
+          </a:xfrm>
+          <a:custGeom>
+            <a:rect b="b" l="l" r="r" t="t"/>
+            <a:pathLst>
+              <a:path extrusionOk="0" h="120000" w="120000">
+                <a:moveTo>
+                  <a:pt x="0" y="0"/>
+                </a:moveTo>
+                <a:lnTo>
+                  <a:pt x="120000" y="0"/>
+                </a:lnTo>
+                <a:lnTo>
+                  <a:pt x="120000" y="120000"/>
+                </a:lnTo>
+                <a:lnTo>
+                  <a:pt x="0" y="120000"/>
+                </a:lnTo>
+                <a:close/>
+              </a:path>
+            </a:pathLst>
+          </a:custGeom>
+        </p:spPr>
+      </p:sp>
+      <p:sp>
+        <p:nvSpPr>
+          <p:cNvPr id="146" name="Google Shape;146;g15365535e7d_0_61:notes"/>
+          <p:cNvSpPr txBox="1"/>
+          <p:nvPr>
+            <p:ph idx="1" type="body"/>
+          </p:nvPr>
+        </p:nvSpPr>
+        <p:spPr>
+          <a:xfrm>
+            <a:off x="685800" y="4343400"/>
+            <a:ext cx="5486400" cy="4114800"/>
+          </a:xfrm>
+          <a:prstGeom prst="rect">
+            <a:avLst/>
+          </a:prstGeom>
+        </p:spPr>
+        <p:txBody>
+          <a:bodyPr anchorCtr="0" anchor="t" bIns="91425" lIns="91425" spcFirstLastPara="1" rIns="91425" wrap="square" tIns="91425">
+            <a:noAutofit/>
+          </a:bodyPr>
+          <a:lstStyle/>
+          <a:p>
+            <a:pPr indent="0" lvl="0" marL="0" rtl="0" algn="l">
+              <a:spcBef>
+                <a:spcPts val="0"/>
+              </a:spcBef>
+              <a:spcAft>
+                <a:spcPts val="0"/>
+              </a:spcAft>
+              <a:buNone/>
+            </a:pPr>
+            <a:r>
+              <a:t/>
+            </a:r>
+            <a:endParaRPr/>
+          </a:p>
+        </p:txBody>
+      </p:sp>
+    </p:spTree>
+  </p:cSld>
+  <p:clrMapOvr>
+    <a:masterClrMapping/>
+  </p:clrMapOvr>
+</p:notes>
+</file>
+
+<file path=ppt/notesSlides/notesSlide18.xml><?xml version="1.0" encoding="utf-8"?>
+<p:notes xmlns:a="http://schemas.openxmlformats.org/drawingml/2006/main" xmlns:r="http://schemas.openxmlformats.org/officeDocument/2006/relationships" xmlns:mc="http://schemas.openxmlformats.org/markup-compatibility/2006" xmlns:mv="urn:schemas-microsoft-com:mac:vml" xmlns:p="http://schemas.openxmlformats.org/presentationml/2006/main" xmlns:c="http://schemas.openxmlformats.org/drawingml/2006/chart" xmlns:dgm="http://schemas.openxmlformats.org/drawingml/2006/diagram" xmlns:o="urn:schemas-microsoft-com:office:office" xmlns:v="urn:schemas-microsoft-com:vml" xmlns:pvml="urn:schemas-microsoft-com:office:powerpoint" xmlns:com="http://schemas.openxmlformats.org/drawingml/2006/compatibility" xmlns:p14="http://schemas.microsoft.com/office/powerpoint/2010/main" xmlns:p15="http://schemas.microsoft.com/office/powerpoint/2012/main" xmlns:ahyp="http://schemas.microsoft.com/office/drawing/2018/hyperlinkcolor" showMasterPhAnim="0" showMasterSp="0">
+  <p:cSld>
+    <p:spTree>
+      <p:nvGrpSpPr>
+        <p:cNvPr id="151" name="Shape 151"/>
+        <p:cNvGrpSpPr/>
+        <p:nvPr/>
+      </p:nvGrpSpPr>
+      <p:grpSpPr>
+        <a:xfrm>
+          <a:off x="0" y="0"/>
+          <a:ext cx="0" cy="0"/>
+          <a:chOff x="0" y="0"/>
+          <a:chExt cx="0" cy="0"/>
+        </a:xfrm>
+      </p:grpSpPr>
+      <p:sp>
+        <p:nvSpPr>
+          <p:cNvPr id="152" name="Google Shape;152;g2397aca6fd1_0_94:notes"/>
+          <p:cNvSpPr/>
+          <p:nvPr>
+            <p:ph idx="2" type="sldImg"/>
+          </p:nvPr>
+        </p:nvSpPr>
+        <p:spPr>
+          <a:xfrm>
+            <a:off x="381300" y="685800"/>
+            <a:ext cx="6096000" cy="3429000"/>
+          </a:xfrm>
+          <a:custGeom>
+            <a:rect b="b" l="l" r="r" t="t"/>
+            <a:pathLst>
+              <a:path extrusionOk="0" h="120000" w="120000">
+                <a:moveTo>
+                  <a:pt x="0" y="0"/>
+                </a:moveTo>
+                <a:lnTo>
+                  <a:pt x="120000" y="0"/>
+                </a:lnTo>
+                <a:lnTo>
+                  <a:pt x="120000" y="120000"/>
+                </a:lnTo>
+                <a:lnTo>
+                  <a:pt x="0" y="120000"/>
+                </a:lnTo>
+                <a:close/>
+              </a:path>
+            </a:pathLst>
+          </a:custGeom>
+        </p:spPr>
+      </p:sp>
+      <p:sp>
+        <p:nvSpPr>
+          <p:cNvPr id="153" name="Google Shape;153;g2397aca6fd1_0_94:notes"/>
+          <p:cNvSpPr txBox="1"/>
+          <p:nvPr>
+            <p:ph idx="1" type="body"/>
+          </p:nvPr>
+        </p:nvSpPr>
+        <p:spPr>
+          <a:xfrm>
+            <a:off x="685800" y="4343400"/>
+            <a:ext cx="5486400" cy="4114800"/>
+          </a:xfrm>
+          <a:prstGeom prst="rect">
+            <a:avLst/>
+          </a:prstGeom>
+        </p:spPr>
+        <p:txBody>
+          <a:bodyPr anchorCtr="0" anchor="t" bIns="91425" lIns="91425" spcFirstLastPara="1" rIns="91425" wrap="square" tIns="91425">
+            <a:noAutofit/>
+          </a:bodyPr>
+          <a:lstStyle/>
+          <a:p>
+            <a:pPr indent="0" lvl="0" marL="0" rtl="0" algn="l">
+              <a:spcBef>
+                <a:spcPts val="0"/>
+              </a:spcBef>
+              <a:spcAft>
+                <a:spcPts val="0"/>
+              </a:spcAft>
+              <a:buNone/>
+            </a:pPr>
+            <a:r>
+              <a:t/>
+            </a:r>
+            <a:endParaRPr/>
+          </a:p>
+        </p:txBody>
+      </p:sp>
+    </p:spTree>
+  </p:cSld>
+  <p:clrMapOvr>
+    <a:masterClrMapping/>
+  </p:clrMapOvr>
+</p:notes>
+</file>
+
+<file path=ppt/notesSlides/notesSlide19.xml><?xml version="1.0" encoding="utf-8"?>
+<p:notes xmlns:a="http://schemas.openxmlformats.org/drawingml/2006/main" xmlns:r="http://schemas.openxmlformats.org/officeDocument/2006/relationships" xmlns:mc="http://schemas.openxmlformats.org/markup-compatibility/2006" xmlns:mv="urn:schemas-microsoft-com:mac:vml" xmlns:p="http://schemas.openxmlformats.org/presentationml/2006/main" xmlns:c="http://schemas.openxmlformats.org/drawingml/2006/chart" xmlns:dgm="http://schemas.openxmlformats.org/drawingml/2006/diagram" xmlns:o="urn:schemas-microsoft-com:office:office" xmlns:v="urn:schemas-microsoft-com:vml" xmlns:pvml="urn:schemas-microsoft-com:office:powerpoint" xmlns:com="http://schemas.openxmlformats.org/drawingml/2006/compatibility" xmlns:p14="http://schemas.microsoft.com/office/powerpoint/2010/main" xmlns:p15="http://schemas.microsoft.com/office/powerpoint/2012/main" xmlns:ahyp="http://schemas.microsoft.com/office/drawing/2018/hyperlinkcolor" showMasterPhAnim="0" showMasterSp="0">
+  <p:cSld>
+    <p:spTree>
+      <p:nvGrpSpPr>
+        <p:cNvPr id="156" name="Shape 156"/>
+        <p:cNvGrpSpPr/>
+        <p:nvPr/>
+      </p:nvGrpSpPr>
+      <p:grpSpPr>
+        <a:xfrm>
+          <a:off x="0" y="0"/>
+          <a:ext cx="0" cy="0"/>
+          <a:chOff x="0" y="0"/>
+          <a:chExt cx="0" cy="0"/>
+        </a:xfrm>
+      </p:grpSpPr>
+      <p:sp>
+        <p:nvSpPr>
+          <p:cNvPr id="157" name="Google Shape;157;g2397aca6fd1_0_76:notes"/>
+          <p:cNvSpPr/>
+          <p:nvPr>
+            <p:ph idx="2" type="sldImg"/>
+          </p:nvPr>
+        </p:nvSpPr>
+        <p:spPr>
+          <a:xfrm>
+            <a:off x="381300" y="685800"/>
+            <a:ext cx="6096000" cy="3429000"/>
+          </a:xfrm>
+          <a:custGeom>
+            <a:rect b="b" l="l" r="r" t="t"/>
+            <a:pathLst>
+              <a:path extrusionOk="0" h="120000" w="120000">
+                <a:moveTo>
+                  <a:pt x="0" y="0"/>
+                </a:moveTo>
+                <a:lnTo>
+                  <a:pt x="120000" y="0"/>
+                </a:lnTo>
+                <a:lnTo>
+                  <a:pt x="120000" y="120000"/>
+                </a:lnTo>
+                <a:lnTo>
+                  <a:pt x="0" y="120000"/>
+                </a:lnTo>
+                <a:close/>
+              </a:path>
+            </a:pathLst>
+          </a:custGeom>
+        </p:spPr>
+      </p:sp>
+      <p:sp>
+        <p:nvSpPr>
+          <p:cNvPr id="158" name="Google Shape;158;g2397aca6fd1_0_76:notes"/>
           <p:cNvSpPr txBox="1"/>
           <p:nvPr>
             <p:ph idx="1" type="body"/>
@@ -1492,12 +1900,12 @@
 </p:notes>
 </file>
 
-<file path=ppt/notesSlides/notesSlide3.xml><?xml version="1.0" encoding="utf-8"?>
+<file path=ppt/notesSlides/notesSlide20.xml><?xml version="1.0" encoding="utf-8"?>
 <p:notes xmlns:a="http://schemas.openxmlformats.org/drawingml/2006/main" xmlns:r="http://schemas.openxmlformats.org/officeDocument/2006/relationships" xmlns:mc="http://schemas.openxmlformats.org/markup-compatibility/2006" xmlns:mv="urn:schemas-microsoft-com:mac:vml" xmlns:p="http://schemas.openxmlformats.org/presentationml/2006/main" xmlns:c="http://schemas.openxmlformats.org/drawingml/2006/chart" xmlns:dgm="http://schemas.openxmlformats.org/drawingml/2006/diagram" xmlns:o="urn:schemas-microsoft-com:office:office" xmlns:v="urn:schemas-microsoft-com:vml" xmlns:pvml="urn:schemas-microsoft-com:office:powerpoint" xmlns:com="http://schemas.openxmlformats.org/drawingml/2006/compatibility" xmlns:p14="http://schemas.microsoft.com/office/powerpoint/2010/main" xmlns:p15="http://schemas.microsoft.com/office/powerpoint/2012/main" xmlns:ahyp="http://schemas.microsoft.com/office/drawing/2018/hyperlinkcolor" showMasterPhAnim="0" showMasterSp="0">
   <p:cSld>
     <p:spTree>
       <p:nvGrpSpPr>
-        <p:cNvPr id="45" name="Shape 45"/>
+        <p:cNvPr id="163" name="Shape 163"/>
         <p:cNvGrpSpPr/>
         <p:nvPr/>
       </p:nvGrpSpPr>
@@ -1511,7 +1919,7 @@
       </p:grpSpPr>
       <p:sp>
         <p:nvSpPr>
-          <p:cNvPr id="46" name="Google Shape;46;g15365535e7d_0_0:notes"/>
+          <p:cNvPr id="164" name="Google Shape;164;g2397aca6fd1_0_121:notes"/>
           <p:cNvSpPr/>
           <p:nvPr>
             <p:ph idx="2" type="sldImg"/>
@@ -1546,7 +1954,7 @@
       </p:sp>
       <p:sp>
         <p:nvSpPr>
-          <p:cNvPr id="47" name="Google Shape;47;g15365535e7d_0_0:notes"/>
+          <p:cNvPr id="165" name="Google Shape;165;g2397aca6fd1_0_121:notes"/>
           <p:cNvSpPr txBox="1"/>
           <p:nvPr>
             <p:ph idx="1" type="body"/>
@@ -1591,12 +1999,12 @@
 </p:notes>
 </file>
 
-<file path=ppt/notesSlides/notesSlide4.xml><?xml version="1.0" encoding="utf-8"?>
+<file path=ppt/notesSlides/notesSlide21.xml><?xml version="1.0" encoding="utf-8"?>
 <p:notes xmlns:a="http://schemas.openxmlformats.org/drawingml/2006/main" xmlns:r="http://schemas.openxmlformats.org/officeDocument/2006/relationships" xmlns:mc="http://schemas.openxmlformats.org/markup-compatibility/2006" xmlns:mv="urn:schemas-microsoft-com:mac:vml" xmlns:p="http://schemas.openxmlformats.org/presentationml/2006/main" xmlns:c="http://schemas.openxmlformats.org/drawingml/2006/chart" xmlns:dgm="http://schemas.openxmlformats.org/drawingml/2006/diagram" xmlns:o="urn:schemas-microsoft-com:office:office" xmlns:v="urn:schemas-microsoft-com:vml" xmlns:pvml="urn:schemas-microsoft-com:office:powerpoint" xmlns:com="http://schemas.openxmlformats.org/drawingml/2006/compatibility" xmlns:p14="http://schemas.microsoft.com/office/powerpoint/2010/main" xmlns:p15="http://schemas.microsoft.com/office/powerpoint/2012/main" xmlns:ahyp="http://schemas.microsoft.com/office/drawing/2018/hyperlinkcolor" showMasterPhAnim="0" showMasterSp="0">
   <p:cSld>
     <p:spTree>
       <p:nvGrpSpPr>
-        <p:cNvPr id="52" name="Shape 52"/>
+        <p:cNvPr id="170" name="Shape 170"/>
         <p:cNvGrpSpPr/>
         <p:nvPr/>
       </p:nvGrpSpPr>
@@ -1610,7 +2018,7 @@
       </p:grpSpPr>
       <p:sp>
         <p:nvSpPr>
-          <p:cNvPr id="53" name="Google Shape;53;g15365535e7d_0_7:notes"/>
+          <p:cNvPr id="171" name="Google Shape;171;g2397aca6fd1_0_127:notes"/>
           <p:cNvSpPr/>
           <p:nvPr>
             <p:ph idx="2" type="sldImg"/>
@@ -1645,7 +2053,7 @@
       </p:sp>
       <p:sp>
         <p:nvSpPr>
-          <p:cNvPr id="54" name="Google Shape;54;g15365535e7d_0_7:notes"/>
+          <p:cNvPr id="172" name="Google Shape;172;g2397aca6fd1_0_127:notes"/>
           <p:cNvSpPr txBox="1"/>
           <p:nvPr>
             <p:ph idx="1" type="body"/>
@@ -1690,12 +2098,12 @@
 </p:notes>
 </file>
 
-<file path=ppt/notesSlides/notesSlide5.xml><?xml version="1.0" encoding="utf-8"?>
+<file path=ppt/notesSlides/notesSlide22.xml><?xml version="1.0" encoding="utf-8"?>
 <p:notes xmlns:a="http://schemas.openxmlformats.org/drawingml/2006/main" xmlns:r="http://schemas.openxmlformats.org/officeDocument/2006/relationships" xmlns:mc="http://schemas.openxmlformats.org/markup-compatibility/2006" xmlns:mv="urn:schemas-microsoft-com:mac:vml" xmlns:p="http://schemas.openxmlformats.org/presentationml/2006/main" xmlns:c="http://schemas.openxmlformats.org/drawingml/2006/chart" xmlns:dgm="http://schemas.openxmlformats.org/drawingml/2006/diagram" xmlns:o="urn:schemas-microsoft-com:office:office" xmlns:v="urn:schemas-microsoft-com:vml" xmlns:pvml="urn:schemas-microsoft-com:office:powerpoint" xmlns:com="http://schemas.openxmlformats.org/drawingml/2006/compatibility" xmlns:p14="http://schemas.microsoft.com/office/powerpoint/2010/main" xmlns:p15="http://schemas.microsoft.com/office/powerpoint/2012/main" xmlns:ahyp="http://schemas.microsoft.com/office/drawing/2018/hyperlinkcolor" showMasterPhAnim="0" showMasterSp="0">
   <p:cSld>
     <p:spTree>
       <p:nvGrpSpPr>
-        <p:cNvPr id="59" name="Shape 59"/>
+        <p:cNvPr id="177" name="Shape 177"/>
         <p:cNvGrpSpPr/>
         <p:nvPr/>
       </p:nvGrpSpPr>
@@ -1709,7 +2117,7 @@
       </p:grpSpPr>
       <p:sp>
         <p:nvSpPr>
-          <p:cNvPr id="60" name="Google Shape;60;g13ec7d76bec_0_95:notes"/>
+          <p:cNvPr id="178" name="Google Shape;178;g2397aca6fd1_0_98:notes"/>
           <p:cNvSpPr/>
           <p:nvPr>
             <p:ph idx="2" type="sldImg"/>
@@ -1744,7 +2152,7 @@
       </p:sp>
       <p:sp>
         <p:nvSpPr>
-          <p:cNvPr id="61" name="Google Shape;61;g13ec7d76bec_0_95:notes"/>
+          <p:cNvPr id="179" name="Google Shape;179;g2397aca6fd1_0_98:notes"/>
           <p:cNvSpPr txBox="1"/>
           <p:nvPr>
             <p:ph idx="1" type="body"/>
@@ -1789,12 +2197,12 @@
 </p:notes>
 </file>
 
-<file path=ppt/notesSlides/notesSlide6.xml><?xml version="1.0" encoding="utf-8"?>
+<file path=ppt/notesSlides/notesSlide23.xml><?xml version="1.0" encoding="utf-8"?>
 <p:notes xmlns:a="http://schemas.openxmlformats.org/drawingml/2006/main" xmlns:r="http://schemas.openxmlformats.org/officeDocument/2006/relationships" xmlns:mc="http://schemas.openxmlformats.org/markup-compatibility/2006" xmlns:mv="urn:schemas-microsoft-com:mac:vml" xmlns:p="http://schemas.openxmlformats.org/presentationml/2006/main" xmlns:c="http://schemas.openxmlformats.org/drawingml/2006/chart" xmlns:dgm="http://schemas.openxmlformats.org/drawingml/2006/diagram" xmlns:o="urn:schemas-microsoft-com:office:office" xmlns:v="urn:schemas-microsoft-com:vml" xmlns:pvml="urn:schemas-microsoft-com:office:powerpoint" xmlns:com="http://schemas.openxmlformats.org/drawingml/2006/compatibility" xmlns:p14="http://schemas.microsoft.com/office/powerpoint/2010/main" xmlns:p15="http://schemas.microsoft.com/office/powerpoint/2012/main" xmlns:ahyp="http://schemas.microsoft.com/office/drawing/2018/hyperlinkcolor" showMasterPhAnim="0" showMasterSp="0">
   <p:cSld>
     <p:spTree>
       <p:nvGrpSpPr>
-        <p:cNvPr id="66" name="Shape 66"/>
+        <p:cNvPr id="182" name="Shape 182"/>
         <p:cNvGrpSpPr/>
         <p:nvPr/>
       </p:nvGrpSpPr>
@@ -1808,7 +2216,7 @@
       </p:grpSpPr>
       <p:sp>
         <p:nvSpPr>
-          <p:cNvPr id="67" name="Google Shape;67;g15365535e7d_0_15:notes"/>
+          <p:cNvPr id="183" name="Google Shape;183;g2397aca6fd1_0_133:notes"/>
           <p:cNvSpPr/>
           <p:nvPr>
             <p:ph idx="2" type="sldImg"/>
@@ -1843,7 +2251,7 @@
       </p:sp>
       <p:sp>
         <p:nvSpPr>
-          <p:cNvPr id="68" name="Google Shape;68;g15365535e7d_0_15:notes"/>
+          <p:cNvPr id="184" name="Google Shape;184;g2397aca6fd1_0_133:notes"/>
           <p:cNvSpPr txBox="1"/>
           <p:nvPr>
             <p:ph idx="1" type="body"/>
@@ -1888,12 +2296,12 @@
 </p:notes>
 </file>
 
-<file path=ppt/notesSlides/notesSlide7.xml><?xml version="1.0" encoding="utf-8"?>
+<file path=ppt/notesSlides/notesSlide24.xml><?xml version="1.0" encoding="utf-8"?>
 <p:notes xmlns:a="http://schemas.openxmlformats.org/drawingml/2006/main" xmlns:r="http://schemas.openxmlformats.org/officeDocument/2006/relationships" xmlns:mc="http://schemas.openxmlformats.org/markup-compatibility/2006" xmlns:mv="urn:schemas-microsoft-com:mac:vml" xmlns:p="http://schemas.openxmlformats.org/presentationml/2006/main" xmlns:c="http://schemas.openxmlformats.org/drawingml/2006/chart" xmlns:dgm="http://schemas.openxmlformats.org/drawingml/2006/diagram" xmlns:o="urn:schemas-microsoft-com:office:office" xmlns:v="urn:schemas-microsoft-com:vml" xmlns:pvml="urn:schemas-microsoft-com:office:powerpoint" xmlns:com="http://schemas.openxmlformats.org/drawingml/2006/compatibility" xmlns:p14="http://schemas.microsoft.com/office/powerpoint/2010/main" xmlns:p15="http://schemas.microsoft.com/office/powerpoint/2012/main" xmlns:ahyp="http://schemas.microsoft.com/office/drawing/2018/hyperlinkcolor" showMasterPhAnim="0" showMasterSp="0">
   <p:cSld>
     <p:spTree>
       <p:nvGrpSpPr>
-        <p:cNvPr id="73" name="Shape 73"/>
+        <p:cNvPr id="189" name="Shape 189"/>
         <p:cNvGrpSpPr/>
         <p:nvPr/>
       </p:nvGrpSpPr>
@@ -1907,7 +2315,7 @@
       </p:grpSpPr>
       <p:sp>
         <p:nvSpPr>
-          <p:cNvPr id="74" name="Google Shape;74;g15365535e7d_0_25:notes"/>
+          <p:cNvPr id="190" name="Google Shape;190;g2397aca6fd1_0_139:notes"/>
           <p:cNvSpPr/>
           <p:nvPr>
             <p:ph idx="2" type="sldImg"/>
@@ -1942,7 +2350,7 @@
       </p:sp>
       <p:sp>
         <p:nvSpPr>
-          <p:cNvPr id="75" name="Google Shape;75;g15365535e7d_0_25:notes"/>
+          <p:cNvPr id="191" name="Google Shape;191;g2397aca6fd1_0_139:notes"/>
           <p:cNvSpPr txBox="1"/>
           <p:nvPr>
             <p:ph idx="1" type="body"/>
@@ -1987,12 +2395,12 @@
 </p:notes>
 </file>
 
-<file path=ppt/notesSlides/notesSlide8.xml><?xml version="1.0" encoding="utf-8"?>
+<file path=ppt/notesSlides/notesSlide25.xml><?xml version="1.0" encoding="utf-8"?>
 <p:notes xmlns:a="http://schemas.openxmlformats.org/drawingml/2006/main" xmlns:r="http://schemas.openxmlformats.org/officeDocument/2006/relationships" xmlns:mc="http://schemas.openxmlformats.org/markup-compatibility/2006" xmlns:mv="urn:schemas-microsoft-com:mac:vml" xmlns:p="http://schemas.openxmlformats.org/presentationml/2006/main" xmlns:c="http://schemas.openxmlformats.org/drawingml/2006/chart" xmlns:dgm="http://schemas.openxmlformats.org/drawingml/2006/diagram" xmlns:o="urn:schemas-microsoft-com:office:office" xmlns:v="urn:schemas-microsoft-com:vml" xmlns:pvml="urn:schemas-microsoft-com:office:powerpoint" xmlns:com="http://schemas.openxmlformats.org/drawingml/2006/compatibility" xmlns:p14="http://schemas.microsoft.com/office/powerpoint/2010/main" xmlns:p15="http://schemas.microsoft.com/office/powerpoint/2012/main" xmlns:ahyp="http://schemas.microsoft.com/office/drawing/2018/hyperlinkcolor" showMasterPhAnim="0" showMasterSp="0">
   <p:cSld>
     <p:spTree>
       <p:nvGrpSpPr>
-        <p:cNvPr id="80" name="Shape 80"/>
+        <p:cNvPr id="196" name="Shape 196"/>
         <p:cNvGrpSpPr/>
         <p:nvPr/>
       </p:nvGrpSpPr>
@@ -2006,7 +2414,7 @@
       </p:grpSpPr>
       <p:sp>
         <p:nvSpPr>
-          <p:cNvPr id="81" name="Google Shape;81;g15365535e7d_0_47:notes"/>
+          <p:cNvPr id="197" name="Google Shape;197;g2397aca6fd1_0_82:notes"/>
           <p:cNvSpPr/>
           <p:nvPr>
             <p:ph idx="2" type="sldImg"/>
@@ -2041,7 +2449,7 @@
       </p:sp>
       <p:sp>
         <p:nvSpPr>
-          <p:cNvPr id="82" name="Google Shape;82;g15365535e7d_0_47:notes"/>
+          <p:cNvPr id="198" name="Google Shape;198;g2397aca6fd1_0_82:notes"/>
           <p:cNvSpPr txBox="1"/>
           <p:nvPr>
             <p:ph idx="1" type="body"/>
@@ -2086,12 +2494,12 @@
 </p:notes>
 </file>
 
-<file path=ppt/notesSlides/notesSlide9.xml><?xml version="1.0" encoding="utf-8"?>
+<file path=ppt/notesSlides/notesSlide26.xml><?xml version="1.0" encoding="utf-8"?>
 <p:notes xmlns:a="http://schemas.openxmlformats.org/drawingml/2006/main" xmlns:r="http://schemas.openxmlformats.org/officeDocument/2006/relationships" xmlns:mc="http://schemas.openxmlformats.org/markup-compatibility/2006" xmlns:mv="urn:schemas-microsoft-com:mac:vml" xmlns:p="http://schemas.openxmlformats.org/presentationml/2006/main" xmlns:c="http://schemas.openxmlformats.org/drawingml/2006/chart" xmlns:dgm="http://schemas.openxmlformats.org/drawingml/2006/diagram" xmlns:o="urn:schemas-microsoft-com:office:office" xmlns:v="urn:schemas-microsoft-com:vml" xmlns:pvml="urn:schemas-microsoft-com:office:powerpoint" xmlns:com="http://schemas.openxmlformats.org/drawingml/2006/compatibility" xmlns:p14="http://schemas.microsoft.com/office/powerpoint/2010/main" xmlns:p15="http://schemas.microsoft.com/office/powerpoint/2012/main" xmlns:ahyp="http://schemas.microsoft.com/office/drawing/2018/hyperlinkcolor" showMasterPhAnim="0" showMasterSp="0">
   <p:cSld>
     <p:spTree>
       <p:nvGrpSpPr>
-        <p:cNvPr id="87" name="Shape 87"/>
+        <p:cNvPr id="203" name="Shape 203"/>
         <p:cNvGrpSpPr/>
         <p:nvPr/>
       </p:nvGrpSpPr>
@@ -2105,7 +2513,7 @@
       </p:grpSpPr>
       <p:sp>
         <p:nvSpPr>
-          <p:cNvPr id="88" name="Google Shape;88;g15365535e7d_0_32:notes"/>
+          <p:cNvPr id="204" name="Google Shape;204;g2397aca6fd1_0_38:notes"/>
           <p:cNvSpPr/>
           <p:nvPr>
             <p:ph idx="2" type="sldImg"/>
@@ -2140,7 +2548,799 @@
       </p:sp>
       <p:sp>
         <p:nvSpPr>
-          <p:cNvPr id="89" name="Google Shape;89;g15365535e7d_0_32:notes"/>
+          <p:cNvPr id="205" name="Google Shape;205;g2397aca6fd1_0_38:notes"/>
+          <p:cNvSpPr txBox="1"/>
+          <p:nvPr>
+            <p:ph idx="1" type="body"/>
+          </p:nvPr>
+        </p:nvSpPr>
+        <p:spPr>
+          <a:xfrm>
+            <a:off x="685800" y="4343400"/>
+            <a:ext cx="5486400" cy="4114800"/>
+          </a:xfrm>
+          <a:prstGeom prst="rect">
+            <a:avLst/>
+          </a:prstGeom>
+        </p:spPr>
+        <p:txBody>
+          <a:bodyPr anchorCtr="0" anchor="t" bIns="91425" lIns="91425" spcFirstLastPara="1" rIns="91425" wrap="square" tIns="91425">
+            <a:noAutofit/>
+          </a:bodyPr>
+          <a:lstStyle/>
+          <a:p>
+            <a:pPr indent="0" lvl="0" marL="0" rtl="0" algn="l">
+              <a:spcBef>
+                <a:spcPts val="0"/>
+              </a:spcBef>
+              <a:spcAft>
+                <a:spcPts val="0"/>
+              </a:spcAft>
+              <a:buNone/>
+            </a:pPr>
+            <a:r>
+              <a:t/>
+            </a:r>
+            <a:endParaRPr/>
+          </a:p>
+        </p:txBody>
+      </p:sp>
+    </p:spTree>
+  </p:cSld>
+  <p:clrMapOvr>
+    <a:masterClrMapping/>
+  </p:clrMapOvr>
+</p:notes>
+</file>
+
+<file path=ppt/notesSlides/notesSlide27.xml><?xml version="1.0" encoding="utf-8"?>
+<p:notes xmlns:a="http://schemas.openxmlformats.org/drawingml/2006/main" xmlns:r="http://schemas.openxmlformats.org/officeDocument/2006/relationships" xmlns:mc="http://schemas.openxmlformats.org/markup-compatibility/2006" xmlns:mv="urn:schemas-microsoft-com:mac:vml" xmlns:p="http://schemas.openxmlformats.org/presentationml/2006/main" xmlns:c="http://schemas.openxmlformats.org/drawingml/2006/chart" xmlns:dgm="http://schemas.openxmlformats.org/drawingml/2006/diagram" xmlns:o="urn:schemas-microsoft-com:office:office" xmlns:v="urn:schemas-microsoft-com:vml" xmlns:pvml="urn:schemas-microsoft-com:office:powerpoint" xmlns:com="http://schemas.openxmlformats.org/drawingml/2006/compatibility" xmlns:p14="http://schemas.microsoft.com/office/powerpoint/2010/main" xmlns:p15="http://schemas.microsoft.com/office/powerpoint/2012/main" xmlns:ahyp="http://schemas.microsoft.com/office/drawing/2018/hyperlinkcolor" showMasterPhAnim="0" showMasterSp="0">
+  <p:cSld>
+    <p:spTree>
+      <p:nvGrpSpPr>
+        <p:cNvPr id="209" name="Shape 209"/>
+        <p:cNvGrpSpPr/>
+        <p:nvPr/>
+      </p:nvGrpSpPr>
+      <p:grpSpPr>
+        <a:xfrm>
+          <a:off x="0" y="0"/>
+          <a:ext cx="0" cy="0"/>
+          <a:chOff x="0" y="0"/>
+          <a:chExt cx="0" cy="0"/>
+        </a:xfrm>
+      </p:grpSpPr>
+      <p:sp>
+        <p:nvSpPr>
+          <p:cNvPr id="210" name="Google Shape;210;g2397aca6fd1_0_43:notes"/>
+          <p:cNvSpPr/>
+          <p:nvPr>
+            <p:ph idx="2" type="sldImg"/>
+          </p:nvPr>
+        </p:nvSpPr>
+        <p:spPr>
+          <a:xfrm>
+            <a:off x="381300" y="685800"/>
+            <a:ext cx="6096000" cy="3429000"/>
+          </a:xfrm>
+          <a:custGeom>
+            <a:rect b="b" l="l" r="r" t="t"/>
+            <a:pathLst>
+              <a:path extrusionOk="0" h="120000" w="120000">
+                <a:moveTo>
+                  <a:pt x="0" y="0"/>
+                </a:moveTo>
+                <a:lnTo>
+                  <a:pt x="120000" y="0"/>
+                </a:lnTo>
+                <a:lnTo>
+                  <a:pt x="120000" y="120000"/>
+                </a:lnTo>
+                <a:lnTo>
+                  <a:pt x="0" y="120000"/>
+                </a:lnTo>
+                <a:close/>
+              </a:path>
+            </a:pathLst>
+          </a:custGeom>
+        </p:spPr>
+      </p:sp>
+      <p:sp>
+        <p:nvSpPr>
+          <p:cNvPr id="211" name="Google Shape;211;g2397aca6fd1_0_43:notes"/>
+          <p:cNvSpPr txBox="1"/>
+          <p:nvPr>
+            <p:ph idx="1" type="body"/>
+          </p:nvPr>
+        </p:nvSpPr>
+        <p:spPr>
+          <a:xfrm>
+            <a:off x="685800" y="4343400"/>
+            <a:ext cx="5486400" cy="4114800"/>
+          </a:xfrm>
+          <a:prstGeom prst="rect">
+            <a:avLst/>
+          </a:prstGeom>
+        </p:spPr>
+        <p:txBody>
+          <a:bodyPr anchorCtr="0" anchor="t" bIns="91425" lIns="91425" spcFirstLastPara="1" rIns="91425" wrap="square" tIns="91425">
+            <a:noAutofit/>
+          </a:bodyPr>
+          <a:lstStyle/>
+          <a:p>
+            <a:pPr indent="0" lvl="0" marL="0" rtl="0" algn="l">
+              <a:spcBef>
+                <a:spcPts val="0"/>
+              </a:spcBef>
+              <a:spcAft>
+                <a:spcPts val="0"/>
+              </a:spcAft>
+              <a:buNone/>
+            </a:pPr>
+            <a:r>
+              <a:t/>
+            </a:r>
+            <a:endParaRPr/>
+          </a:p>
+        </p:txBody>
+      </p:sp>
+    </p:spTree>
+  </p:cSld>
+  <p:clrMapOvr>
+    <a:masterClrMapping/>
+  </p:clrMapOvr>
+</p:notes>
+</file>
+
+<file path=ppt/notesSlides/notesSlide3.xml><?xml version="1.0" encoding="utf-8"?>
+<p:notes xmlns:a="http://schemas.openxmlformats.org/drawingml/2006/main" xmlns:r="http://schemas.openxmlformats.org/officeDocument/2006/relationships" xmlns:mc="http://schemas.openxmlformats.org/markup-compatibility/2006" xmlns:mv="urn:schemas-microsoft-com:mac:vml" xmlns:p="http://schemas.openxmlformats.org/presentationml/2006/main" xmlns:c="http://schemas.openxmlformats.org/drawingml/2006/chart" xmlns:dgm="http://schemas.openxmlformats.org/drawingml/2006/diagram" xmlns:o="urn:schemas-microsoft-com:office:office" xmlns:v="urn:schemas-microsoft-com:vml" xmlns:pvml="urn:schemas-microsoft-com:office:powerpoint" xmlns:com="http://schemas.openxmlformats.org/drawingml/2006/compatibility" xmlns:p14="http://schemas.microsoft.com/office/powerpoint/2010/main" xmlns:p15="http://schemas.microsoft.com/office/powerpoint/2012/main" xmlns:ahyp="http://schemas.microsoft.com/office/drawing/2018/hyperlinkcolor" showMasterPhAnim="0" showMasterSp="0">
+  <p:cSld>
+    <p:spTree>
+      <p:nvGrpSpPr>
+        <p:cNvPr id="45" name="Shape 45"/>
+        <p:cNvGrpSpPr/>
+        <p:nvPr/>
+      </p:nvGrpSpPr>
+      <p:grpSpPr>
+        <a:xfrm>
+          <a:off x="0" y="0"/>
+          <a:ext cx="0" cy="0"/>
+          <a:chOff x="0" y="0"/>
+          <a:chExt cx="0" cy="0"/>
+        </a:xfrm>
+      </p:grpSpPr>
+      <p:sp>
+        <p:nvSpPr>
+          <p:cNvPr id="46" name="Google Shape;46;g2397aca6fd1_0_88:notes"/>
+          <p:cNvSpPr/>
+          <p:nvPr>
+            <p:ph idx="2" type="sldImg"/>
+          </p:nvPr>
+        </p:nvSpPr>
+        <p:spPr>
+          <a:xfrm>
+            <a:off x="381300" y="685800"/>
+            <a:ext cx="6096000" cy="3429000"/>
+          </a:xfrm>
+          <a:custGeom>
+            <a:rect b="b" l="l" r="r" t="t"/>
+            <a:pathLst>
+              <a:path extrusionOk="0" h="120000" w="120000">
+                <a:moveTo>
+                  <a:pt x="0" y="0"/>
+                </a:moveTo>
+                <a:lnTo>
+                  <a:pt x="120000" y="0"/>
+                </a:lnTo>
+                <a:lnTo>
+                  <a:pt x="120000" y="120000"/>
+                </a:lnTo>
+                <a:lnTo>
+                  <a:pt x="0" y="120000"/>
+                </a:lnTo>
+                <a:close/>
+              </a:path>
+            </a:pathLst>
+          </a:custGeom>
+        </p:spPr>
+      </p:sp>
+      <p:sp>
+        <p:nvSpPr>
+          <p:cNvPr id="47" name="Google Shape;47;g2397aca6fd1_0_88:notes"/>
+          <p:cNvSpPr txBox="1"/>
+          <p:nvPr>
+            <p:ph idx="1" type="body"/>
+          </p:nvPr>
+        </p:nvSpPr>
+        <p:spPr>
+          <a:xfrm>
+            <a:off x="685800" y="4343400"/>
+            <a:ext cx="5486400" cy="4114800"/>
+          </a:xfrm>
+          <a:prstGeom prst="rect">
+            <a:avLst/>
+          </a:prstGeom>
+        </p:spPr>
+        <p:txBody>
+          <a:bodyPr anchorCtr="0" anchor="t" bIns="91425" lIns="91425" spcFirstLastPara="1" rIns="91425" wrap="square" tIns="91425">
+            <a:noAutofit/>
+          </a:bodyPr>
+          <a:lstStyle/>
+          <a:p>
+            <a:pPr indent="0" lvl="0" marL="0" rtl="0" algn="l">
+              <a:spcBef>
+                <a:spcPts val="0"/>
+              </a:spcBef>
+              <a:spcAft>
+                <a:spcPts val="0"/>
+              </a:spcAft>
+              <a:buNone/>
+            </a:pPr>
+            <a:r>
+              <a:t/>
+            </a:r>
+            <a:endParaRPr/>
+          </a:p>
+        </p:txBody>
+      </p:sp>
+    </p:spTree>
+  </p:cSld>
+  <p:clrMapOvr>
+    <a:masterClrMapping/>
+  </p:clrMapOvr>
+</p:notes>
+</file>
+
+<file path=ppt/notesSlides/notesSlide4.xml><?xml version="1.0" encoding="utf-8"?>
+<p:notes xmlns:a="http://schemas.openxmlformats.org/drawingml/2006/main" xmlns:r="http://schemas.openxmlformats.org/officeDocument/2006/relationships" xmlns:mc="http://schemas.openxmlformats.org/markup-compatibility/2006" xmlns:mv="urn:schemas-microsoft-com:mac:vml" xmlns:p="http://schemas.openxmlformats.org/presentationml/2006/main" xmlns:c="http://schemas.openxmlformats.org/drawingml/2006/chart" xmlns:dgm="http://schemas.openxmlformats.org/drawingml/2006/diagram" xmlns:o="urn:schemas-microsoft-com:office:office" xmlns:v="urn:schemas-microsoft-com:vml" xmlns:pvml="urn:schemas-microsoft-com:office:powerpoint" xmlns:com="http://schemas.openxmlformats.org/drawingml/2006/compatibility" xmlns:p14="http://schemas.microsoft.com/office/powerpoint/2010/main" xmlns:p15="http://schemas.microsoft.com/office/powerpoint/2012/main" xmlns:ahyp="http://schemas.microsoft.com/office/drawing/2018/hyperlinkcolor" showMasterPhAnim="0" showMasterSp="0">
+  <p:cSld>
+    <p:spTree>
+      <p:nvGrpSpPr>
+        <p:cNvPr id="50" name="Shape 50"/>
+        <p:cNvGrpSpPr/>
+        <p:nvPr/>
+      </p:nvGrpSpPr>
+      <p:grpSpPr>
+        <a:xfrm>
+          <a:off x="0" y="0"/>
+          <a:ext cx="0" cy="0"/>
+          <a:chOff x="0" y="0"/>
+          <a:chExt cx="0" cy="0"/>
+        </a:xfrm>
+      </p:grpSpPr>
+      <p:sp>
+        <p:nvSpPr>
+          <p:cNvPr id="51" name="Google Shape;51;g15365535e7d_0_0:notes"/>
+          <p:cNvSpPr/>
+          <p:nvPr>
+            <p:ph idx="2" type="sldImg"/>
+          </p:nvPr>
+        </p:nvSpPr>
+        <p:spPr>
+          <a:xfrm>
+            <a:off x="381300" y="685800"/>
+            <a:ext cx="6096000" cy="3429000"/>
+          </a:xfrm>
+          <a:custGeom>
+            <a:rect b="b" l="l" r="r" t="t"/>
+            <a:pathLst>
+              <a:path extrusionOk="0" h="120000" w="120000">
+                <a:moveTo>
+                  <a:pt x="0" y="0"/>
+                </a:moveTo>
+                <a:lnTo>
+                  <a:pt x="120000" y="0"/>
+                </a:lnTo>
+                <a:lnTo>
+                  <a:pt x="120000" y="120000"/>
+                </a:lnTo>
+                <a:lnTo>
+                  <a:pt x="0" y="120000"/>
+                </a:lnTo>
+                <a:close/>
+              </a:path>
+            </a:pathLst>
+          </a:custGeom>
+        </p:spPr>
+      </p:sp>
+      <p:sp>
+        <p:nvSpPr>
+          <p:cNvPr id="52" name="Google Shape;52;g15365535e7d_0_0:notes"/>
+          <p:cNvSpPr txBox="1"/>
+          <p:nvPr>
+            <p:ph idx="1" type="body"/>
+          </p:nvPr>
+        </p:nvSpPr>
+        <p:spPr>
+          <a:xfrm>
+            <a:off x="685800" y="4343400"/>
+            <a:ext cx="5486400" cy="4114800"/>
+          </a:xfrm>
+          <a:prstGeom prst="rect">
+            <a:avLst/>
+          </a:prstGeom>
+        </p:spPr>
+        <p:txBody>
+          <a:bodyPr anchorCtr="0" anchor="t" bIns="91425" lIns="91425" spcFirstLastPara="1" rIns="91425" wrap="square" tIns="91425">
+            <a:noAutofit/>
+          </a:bodyPr>
+          <a:lstStyle/>
+          <a:p>
+            <a:pPr indent="0" lvl="0" marL="0" rtl="0" algn="l">
+              <a:spcBef>
+                <a:spcPts val="0"/>
+              </a:spcBef>
+              <a:spcAft>
+                <a:spcPts val="0"/>
+              </a:spcAft>
+              <a:buNone/>
+            </a:pPr>
+            <a:r>
+              <a:t/>
+            </a:r>
+            <a:endParaRPr/>
+          </a:p>
+        </p:txBody>
+      </p:sp>
+    </p:spTree>
+  </p:cSld>
+  <p:clrMapOvr>
+    <a:masterClrMapping/>
+  </p:clrMapOvr>
+</p:notes>
+</file>
+
+<file path=ppt/notesSlides/notesSlide5.xml><?xml version="1.0" encoding="utf-8"?>
+<p:notes xmlns:a="http://schemas.openxmlformats.org/drawingml/2006/main" xmlns:r="http://schemas.openxmlformats.org/officeDocument/2006/relationships" xmlns:mc="http://schemas.openxmlformats.org/markup-compatibility/2006" xmlns:mv="urn:schemas-microsoft-com:mac:vml" xmlns:p="http://schemas.openxmlformats.org/presentationml/2006/main" xmlns:c="http://schemas.openxmlformats.org/drawingml/2006/chart" xmlns:dgm="http://schemas.openxmlformats.org/drawingml/2006/diagram" xmlns:o="urn:schemas-microsoft-com:office:office" xmlns:v="urn:schemas-microsoft-com:vml" xmlns:pvml="urn:schemas-microsoft-com:office:powerpoint" xmlns:com="http://schemas.openxmlformats.org/drawingml/2006/compatibility" xmlns:p14="http://schemas.microsoft.com/office/powerpoint/2010/main" xmlns:p15="http://schemas.microsoft.com/office/powerpoint/2012/main" xmlns:ahyp="http://schemas.microsoft.com/office/drawing/2018/hyperlinkcolor" showMasterPhAnim="0" showMasterSp="0">
+  <p:cSld>
+    <p:spTree>
+      <p:nvGrpSpPr>
+        <p:cNvPr id="57" name="Shape 57"/>
+        <p:cNvGrpSpPr/>
+        <p:nvPr/>
+      </p:nvGrpSpPr>
+      <p:grpSpPr>
+        <a:xfrm>
+          <a:off x="0" y="0"/>
+          <a:ext cx="0" cy="0"/>
+          <a:chOff x="0" y="0"/>
+          <a:chExt cx="0" cy="0"/>
+        </a:xfrm>
+      </p:grpSpPr>
+      <p:sp>
+        <p:nvSpPr>
+          <p:cNvPr id="58" name="Google Shape;58;g15365535e7d_0_7:notes"/>
+          <p:cNvSpPr/>
+          <p:nvPr>
+            <p:ph idx="2" type="sldImg"/>
+          </p:nvPr>
+        </p:nvSpPr>
+        <p:spPr>
+          <a:xfrm>
+            <a:off x="381300" y="685800"/>
+            <a:ext cx="6096000" cy="3429000"/>
+          </a:xfrm>
+          <a:custGeom>
+            <a:rect b="b" l="l" r="r" t="t"/>
+            <a:pathLst>
+              <a:path extrusionOk="0" h="120000" w="120000">
+                <a:moveTo>
+                  <a:pt x="0" y="0"/>
+                </a:moveTo>
+                <a:lnTo>
+                  <a:pt x="120000" y="0"/>
+                </a:lnTo>
+                <a:lnTo>
+                  <a:pt x="120000" y="120000"/>
+                </a:lnTo>
+                <a:lnTo>
+                  <a:pt x="0" y="120000"/>
+                </a:lnTo>
+                <a:close/>
+              </a:path>
+            </a:pathLst>
+          </a:custGeom>
+        </p:spPr>
+      </p:sp>
+      <p:sp>
+        <p:nvSpPr>
+          <p:cNvPr id="59" name="Google Shape;59;g15365535e7d_0_7:notes"/>
+          <p:cNvSpPr txBox="1"/>
+          <p:nvPr>
+            <p:ph idx="1" type="body"/>
+          </p:nvPr>
+        </p:nvSpPr>
+        <p:spPr>
+          <a:xfrm>
+            <a:off x="685800" y="4343400"/>
+            <a:ext cx="5486400" cy="4114800"/>
+          </a:xfrm>
+          <a:prstGeom prst="rect">
+            <a:avLst/>
+          </a:prstGeom>
+        </p:spPr>
+        <p:txBody>
+          <a:bodyPr anchorCtr="0" anchor="t" bIns="91425" lIns="91425" spcFirstLastPara="1" rIns="91425" wrap="square" tIns="91425">
+            <a:noAutofit/>
+          </a:bodyPr>
+          <a:lstStyle/>
+          <a:p>
+            <a:pPr indent="0" lvl="0" marL="0" rtl="0" algn="l">
+              <a:spcBef>
+                <a:spcPts val="0"/>
+              </a:spcBef>
+              <a:spcAft>
+                <a:spcPts val="0"/>
+              </a:spcAft>
+              <a:buNone/>
+            </a:pPr>
+            <a:r>
+              <a:t/>
+            </a:r>
+            <a:endParaRPr/>
+          </a:p>
+        </p:txBody>
+      </p:sp>
+    </p:spTree>
+  </p:cSld>
+  <p:clrMapOvr>
+    <a:masterClrMapping/>
+  </p:clrMapOvr>
+</p:notes>
+</file>
+
+<file path=ppt/notesSlides/notesSlide6.xml><?xml version="1.0" encoding="utf-8"?>
+<p:notes xmlns:a="http://schemas.openxmlformats.org/drawingml/2006/main" xmlns:r="http://schemas.openxmlformats.org/officeDocument/2006/relationships" xmlns:mc="http://schemas.openxmlformats.org/markup-compatibility/2006" xmlns:mv="urn:schemas-microsoft-com:mac:vml" xmlns:p="http://schemas.openxmlformats.org/presentationml/2006/main" xmlns:c="http://schemas.openxmlformats.org/drawingml/2006/chart" xmlns:dgm="http://schemas.openxmlformats.org/drawingml/2006/diagram" xmlns:o="urn:schemas-microsoft-com:office:office" xmlns:v="urn:schemas-microsoft-com:vml" xmlns:pvml="urn:schemas-microsoft-com:office:powerpoint" xmlns:com="http://schemas.openxmlformats.org/drawingml/2006/compatibility" xmlns:p14="http://schemas.microsoft.com/office/powerpoint/2010/main" xmlns:p15="http://schemas.microsoft.com/office/powerpoint/2012/main" xmlns:ahyp="http://schemas.microsoft.com/office/drawing/2018/hyperlinkcolor" showMasterPhAnim="0" showMasterSp="0">
+  <p:cSld>
+    <p:spTree>
+      <p:nvGrpSpPr>
+        <p:cNvPr id="64" name="Shape 64"/>
+        <p:cNvGrpSpPr/>
+        <p:nvPr/>
+      </p:nvGrpSpPr>
+      <p:grpSpPr>
+        <a:xfrm>
+          <a:off x="0" y="0"/>
+          <a:ext cx="0" cy="0"/>
+          <a:chOff x="0" y="0"/>
+          <a:chExt cx="0" cy="0"/>
+        </a:xfrm>
+      </p:grpSpPr>
+      <p:sp>
+        <p:nvSpPr>
+          <p:cNvPr id="65" name="Google Shape;65;g13ec7d76bec_0_95:notes"/>
+          <p:cNvSpPr/>
+          <p:nvPr>
+            <p:ph idx="2" type="sldImg"/>
+          </p:nvPr>
+        </p:nvSpPr>
+        <p:spPr>
+          <a:xfrm>
+            <a:off x="381300" y="685800"/>
+            <a:ext cx="6096000" cy="3429000"/>
+          </a:xfrm>
+          <a:custGeom>
+            <a:rect b="b" l="l" r="r" t="t"/>
+            <a:pathLst>
+              <a:path extrusionOk="0" h="120000" w="120000">
+                <a:moveTo>
+                  <a:pt x="0" y="0"/>
+                </a:moveTo>
+                <a:lnTo>
+                  <a:pt x="120000" y="0"/>
+                </a:lnTo>
+                <a:lnTo>
+                  <a:pt x="120000" y="120000"/>
+                </a:lnTo>
+                <a:lnTo>
+                  <a:pt x="0" y="120000"/>
+                </a:lnTo>
+                <a:close/>
+              </a:path>
+            </a:pathLst>
+          </a:custGeom>
+        </p:spPr>
+      </p:sp>
+      <p:sp>
+        <p:nvSpPr>
+          <p:cNvPr id="66" name="Google Shape;66;g13ec7d76bec_0_95:notes"/>
+          <p:cNvSpPr txBox="1"/>
+          <p:nvPr>
+            <p:ph idx="1" type="body"/>
+          </p:nvPr>
+        </p:nvSpPr>
+        <p:spPr>
+          <a:xfrm>
+            <a:off x="685800" y="4343400"/>
+            <a:ext cx="5486400" cy="4114800"/>
+          </a:xfrm>
+          <a:prstGeom prst="rect">
+            <a:avLst/>
+          </a:prstGeom>
+        </p:spPr>
+        <p:txBody>
+          <a:bodyPr anchorCtr="0" anchor="t" bIns="91425" lIns="91425" spcFirstLastPara="1" rIns="91425" wrap="square" tIns="91425">
+            <a:noAutofit/>
+          </a:bodyPr>
+          <a:lstStyle/>
+          <a:p>
+            <a:pPr indent="0" lvl="0" marL="0" rtl="0" algn="l">
+              <a:spcBef>
+                <a:spcPts val="0"/>
+              </a:spcBef>
+              <a:spcAft>
+                <a:spcPts val="0"/>
+              </a:spcAft>
+              <a:buNone/>
+            </a:pPr>
+            <a:r>
+              <a:t/>
+            </a:r>
+            <a:endParaRPr/>
+          </a:p>
+        </p:txBody>
+      </p:sp>
+    </p:spTree>
+  </p:cSld>
+  <p:clrMapOvr>
+    <a:masterClrMapping/>
+  </p:clrMapOvr>
+</p:notes>
+</file>
+
+<file path=ppt/notesSlides/notesSlide7.xml><?xml version="1.0" encoding="utf-8"?>
+<p:notes xmlns:a="http://schemas.openxmlformats.org/drawingml/2006/main" xmlns:r="http://schemas.openxmlformats.org/officeDocument/2006/relationships" xmlns:mc="http://schemas.openxmlformats.org/markup-compatibility/2006" xmlns:mv="urn:schemas-microsoft-com:mac:vml" xmlns:p="http://schemas.openxmlformats.org/presentationml/2006/main" xmlns:c="http://schemas.openxmlformats.org/drawingml/2006/chart" xmlns:dgm="http://schemas.openxmlformats.org/drawingml/2006/diagram" xmlns:o="urn:schemas-microsoft-com:office:office" xmlns:v="urn:schemas-microsoft-com:vml" xmlns:pvml="urn:schemas-microsoft-com:office:powerpoint" xmlns:com="http://schemas.openxmlformats.org/drawingml/2006/compatibility" xmlns:p14="http://schemas.microsoft.com/office/powerpoint/2010/main" xmlns:p15="http://schemas.microsoft.com/office/powerpoint/2012/main" xmlns:ahyp="http://schemas.microsoft.com/office/drawing/2018/hyperlinkcolor" showMasterPhAnim="0" showMasterSp="0">
+  <p:cSld>
+    <p:spTree>
+      <p:nvGrpSpPr>
+        <p:cNvPr id="71" name="Shape 71"/>
+        <p:cNvGrpSpPr/>
+        <p:nvPr/>
+      </p:nvGrpSpPr>
+      <p:grpSpPr>
+        <a:xfrm>
+          <a:off x="0" y="0"/>
+          <a:ext cx="0" cy="0"/>
+          <a:chOff x="0" y="0"/>
+          <a:chExt cx="0" cy="0"/>
+        </a:xfrm>
+      </p:grpSpPr>
+      <p:sp>
+        <p:nvSpPr>
+          <p:cNvPr id="72" name="Google Shape;72;g2397aca6fd1_0_102:notes"/>
+          <p:cNvSpPr/>
+          <p:nvPr>
+            <p:ph idx="2" type="sldImg"/>
+          </p:nvPr>
+        </p:nvSpPr>
+        <p:spPr>
+          <a:xfrm>
+            <a:off x="381300" y="685800"/>
+            <a:ext cx="6096000" cy="3429000"/>
+          </a:xfrm>
+          <a:custGeom>
+            <a:rect b="b" l="l" r="r" t="t"/>
+            <a:pathLst>
+              <a:path extrusionOk="0" h="120000" w="120000">
+                <a:moveTo>
+                  <a:pt x="0" y="0"/>
+                </a:moveTo>
+                <a:lnTo>
+                  <a:pt x="120000" y="0"/>
+                </a:lnTo>
+                <a:lnTo>
+                  <a:pt x="120000" y="120000"/>
+                </a:lnTo>
+                <a:lnTo>
+                  <a:pt x="0" y="120000"/>
+                </a:lnTo>
+                <a:close/>
+              </a:path>
+            </a:pathLst>
+          </a:custGeom>
+        </p:spPr>
+      </p:sp>
+      <p:sp>
+        <p:nvSpPr>
+          <p:cNvPr id="73" name="Google Shape;73;g2397aca6fd1_0_102:notes"/>
+          <p:cNvSpPr txBox="1"/>
+          <p:nvPr>
+            <p:ph idx="1" type="body"/>
+          </p:nvPr>
+        </p:nvSpPr>
+        <p:spPr>
+          <a:xfrm>
+            <a:off x="685800" y="4343400"/>
+            <a:ext cx="5486400" cy="4114800"/>
+          </a:xfrm>
+          <a:prstGeom prst="rect">
+            <a:avLst/>
+          </a:prstGeom>
+        </p:spPr>
+        <p:txBody>
+          <a:bodyPr anchorCtr="0" anchor="t" bIns="91425" lIns="91425" spcFirstLastPara="1" rIns="91425" wrap="square" tIns="91425">
+            <a:noAutofit/>
+          </a:bodyPr>
+          <a:lstStyle/>
+          <a:p>
+            <a:pPr indent="0" lvl="0" marL="0" rtl="0" algn="l">
+              <a:spcBef>
+                <a:spcPts val="0"/>
+              </a:spcBef>
+              <a:spcAft>
+                <a:spcPts val="0"/>
+              </a:spcAft>
+              <a:buNone/>
+            </a:pPr>
+            <a:r>
+              <a:t/>
+            </a:r>
+            <a:endParaRPr/>
+          </a:p>
+        </p:txBody>
+      </p:sp>
+    </p:spTree>
+  </p:cSld>
+  <p:clrMapOvr>
+    <a:masterClrMapping/>
+  </p:clrMapOvr>
+</p:notes>
+</file>
+
+<file path=ppt/notesSlides/notesSlide8.xml><?xml version="1.0" encoding="utf-8"?>
+<p:notes xmlns:a="http://schemas.openxmlformats.org/drawingml/2006/main" xmlns:r="http://schemas.openxmlformats.org/officeDocument/2006/relationships" xmlns:mc="http://schemas.openxmlformats.org/markup-compatibility/2006" xmlns:mv="urn:schemas-microsoft-com:mac:vml" xmlns:p="http://schemas.openxmlformats.org/presentationml/2006/main" xmlns:c="http://schemas.openxmlformats.org/drawingml/2006/chart" xmlns:dgm="http://schemas.openxmlformats.org/drawingml/2006/diagram" xmlns:o="urn:schemas-microsoft-com:office:office" xmlns:v="urn:schemas-microsoft-com:vml" xmlns:pvml="urn:schemas-microsoft-com:office:powerpoint" xmlns:com="http://schemas.openxmlformats.org/drawingml/2006/compatibility" xmlns:p14="http://schemas.microsoft.com/office/powerpoint/2010/main" xmlns:p15="http://schemas.microsoft.com/office/powerpoint/2012/main" xmlns:ahyp="http://schemas.microsoft.com/office/drawing/2018/hyperlinkcolor" showMasterPhAnim="0" showMasterSp="0">
+  <p:cSld>
+    <p:spTree>
+      <p:nvGrpSpPr>
+        <p:cNvPr id="78" name="Shape 78"/>
+        <p:cNvGrpSpPr/>
+        <p:nvPr/>
+      </p:nvGrpSpPr>
+      <p:grpSpPr>
+        <a:xfrm>
+          <a:off x="0" y="0"/>
+          <a:ext cx="0" cy="0"/>
+          <a:chOff x="0" y="0"/>
+          <a:chExt cx="0" cy="0"/>
+        </a:xfrm>
+      </p:grpSpPr>
+      <p:sp>
+        <p:nvSpPr>
+          <p:cNvPr id="79" name="Google Shape;79;g15365535e7d_0_15:notes"/>
+          <p:cNvSpPr/>
+          <p:nvPr>
+            <p:ph idx="2" type="sldImg"/>
+          </p:nvPr>
+        </p:nvSpPr>
+        <p:spPr>
+          <a:xfrm>
+            <a:off x="381300" y="685800"/>
+            <a:ext cx="6096000" cy="3429000"/>
+          </a:xfrm>
+          <a:custGeom>
+            <a:rect b="b" l="l" r="r" t="t"/>
+            <a:pathLst>
+              <a:path extrusionOk="0" h="120000" w="120000">
+                <a:moveTo>
+                  <a:pt x="0" y="0"/>
+                </a:moveTo>
+                <a:lnTo>
+                  <a:pt x="120000" y="0"/>
+                </a:lnTo>
+                <a:lnTo>
+                  <a:pt x="120000" y="120000"/>
+                </a:lnTo>
+                <a:lnTo>
+                  <a:pt x="0" y="120000"/>
+                </a:lnTo>
+                <a:close/>
+              </a:path>
+            </a:pathLst>
+          </a:custGeom>
+        </p:spPr>
+      </p:sp>
+      <p:sp>
+        <p:nvSpPr>
+          <p:cNvPr id="80" name="Google Shape;80;g15365535e7d_0_15:notes"/>
+          <p:cNvSpPr txBox="1"/>
+          <p:nvPr>
+            <p:ph idx="1" type="body"/>
+          </p:nvPr>
+        </p:nvSpPr>
+        <p:spPr>
+          <a:xfrm>
+            <a:off x="685800" y="4343400"/>
+            <a:ext cx="5486400" cy="4114800"/>
+          </a:xfrm>
+          <a:prstGeom prst="rect">
+            <a:avLst/>
+          </a:prstGeom>
+        </p:spPr>
+        <p:txBody>
+          <a:bodyPr anchorCtr="0" anchor="t" bIns="91425" lIns="91425" spcFirstLastPara="1" rIns="91425" wrap="square" tIns="91425">
+            <a:noAutofit/>
+          </a:bodyPr>
+          <a:lstStyle/>
+          <a:p>
+            <a:pPr indent="0" lvl="0" marL="0" rtl="0" algn="l">
+              <a:spcBef>
+                <a:spcPts val="0"/>
+              </a:spcBef>
+              <a:spcAft>
+                <a:spcPts val="0"/>
+              </a:spcAft>
+              <a:buNone/>
+            </a:pPr>
+            <a:r>
+              <a:t/>
+            </a:r>
+            <a:endParaRPr/>
+          </a:p>
+        </p:txBody>
+      </p:sp>
+    </p:spTree>
+  </p:cSld>
+  <p:clrMapOvr>
+    <a:masterClrMapping/>
+  </p:clrMapOvr>
+</p:notes>
+</file>
+
+<file path=ppt/notesSlides/notesSlide9.xml><?xml version="1.0" encoding="utf-8"?>
+<p:notes xmlns:a="http://schemas.openxmlformats.org/drawingml/2006/main" xmlns:r="http://schemas.openxmlformats.org/officeDocument/2006/relationships" xmlns:mc="http://schemas.openxmlformats.org/markup-compatibility/2006" xmlns:mv="urn:schemas-microsoft-com:mac:vml" xmlns:p="http://schemas.openxmlformats.org/presentationml/2006/main" xmlns:c="http://schemas.openxmlformats.org/drawingml/2006/chart" xmlns:dgm="http://schemas.openxmlformats.org/drawingml/2006/diagram" xmlns:o="urn:schemas-microsoft-com:office:office" xmlns:v="urn:schemas-microsoft-com:vml" xmlns:pvml="urn:schemas-microsoft-com:office:powerpoint" xmlns:com="http://schemas.openxmlformats.org/drawingml/2006/compatibility" xmlns:p14="http://schemas.microsoft.com/office/powerpoint/2010/main" xmlns:p15="http://schemas.microsoft.com/office/powerpoint/2012/main" xmlns:ahyp="http://schemas.microsoft.com/office/drawing/2018/hyperlinkcolor" showMasterPhAnim="0" showMasterSp="0">
+  <p:cSld>
+    <p:spTree>
+      <p:nvGrpSpPr>
+        <p:cNvPr id="85" name="Shape 85"/>
+        <p:cNvGrpSpPr/>
+        <p:nvPr/>
+      </p:nvGrpSpPr>
+      <p:grpSpPr>
+        <a:xfrm>
+          <a:off x="0" y="0"/>
+          <a:ext cx="0" cy="0"/>
+          <a:chOff x="0" y="0"/>
+          <a:chExt cx="0" cy="0"/>
+        </a:xfrm>
+      </p:grpSpPr>
+      <p:sp>
+        <p:nvSpPr>
+          <p:cNvPr id="86" name="Google Shape;86;g15365535e7d_0_25:notes"/>
+          <p:cNvSpPr/>
+          <p:nvPr>
+            <p:ph idx="2" type="sldImg"/>
+          </p:nvPr>
+        </p:nvSpPr>
+        <p:spPr>
+          <a:xfrm>
+            <a:off x="381300" y="685800"/>
+            <a:ext cx="6096000" cy="3429000"/>
+          </a:xfrm>
+          <a:custGeom>
+            <a:rect b="b" l="l" r="r" t="t"/>
+            <a:pathLst>
+              <a:path extrusionOk="0" h="120000" w="120000">
+                <a:moveTo>
+                  <a:pt x="0" y="0"/>
+                </a:moveTo>
+                <a:lnTo>
+                  <a:pt x="120000" y="0"/>
+                </a:lnTo>
+                <a:lnTo>
+                  <a:pt x="120000" y="120000"/>
+                </a:lnTo>
+                <a:lnTo>
+                  <a:pt x="0" y="120000"/>
+                </a:lnTo>
+                <a:close/>
+              </a:path>
+            </a:pathLst>
+          </a:custGeom>
+        </p:spPr>
+      </p:sp>
+      <p:sp>
+        <p:nvSpPr>
+          <p:cNvPr id="87" name="Google Shape;87;g15365535e7d_0_25:notes"/>
           <p:cNvSpPr txBox="1"/>
           <p:nvPr>
             <p:ph idx="1" type="body"/>
@@ -5602,7 +6802,7 @@
   <p:cSld>
     <p:spTree>
       <p:nvGrpSpPr>
-        <p:cNvPr id="98" name="Shape 98"/>
+        <p:cNvPr id="95" name="Shape 95"/>
         <p:cNvGrpSpPr/>
         <p:nvPr/>
       </p:nvGrpSpPr>
@@ -5616,7 +6816,228 @@
       </p:grpSpPr>
       <p:sp>
         <p:nvSpPr>
-          <p:cNvPr id="99" name="Google Shape;99;p17"/>
+          <p:cNvPr id="96" name="Google Shape;96;p17"/>
+          <p:cNvSpPr txBox="1"/>
+          <p:nvPr>
+            <p:ph type="title"/>
+          </p:nvPr>
+        </p:nvSpPr>
+        <p:spPr>
+          <a:xfrm>
+            <a:off x="0" y="0"/>
+            <a:ext cx="9144000" cy="685800"/>
+          </a:xfrm>
+          <a:prstGeom prst="rect">
+            <a:avLst/>
+          </a:prstGeom>
+        </p:spPr>
+        <p:txBody>
+          <a:bodyPr anchorCtr="0" anchor="ctr" bIns="91425" lIns="274300" spcFirstLastPara="1" rIns="91425" wrap="square" tIns="91425">
+            <a:noAutofit/>
+          </a:bodyPr>
+          <a:lstStyle/>
+          <a:p>
+            <a:pPr indent="0" lvl="0" marL="0" rtl="0" algn="l">
+              <a:spcBef>
+                <a:spcPts val="0"/>
+              </a:spcBef>
+              <a:spcAft>
+                <a:spcPts val="0"/>
+              </a:spcAft>
+              <a:buNone/>
+            </a:pPr>
+            <a:r>
+              <a:rPr lang="en"/>
+              <a:t>Use of Corporate Identities</a:t>
+            </a:r>
+            <a:endParaRPr/>
+          </a:p>
+        </p:txBody>
+      </p:sp>
+      <p:sp>
+        <p:nvSpPr>
+          <p:cNvPr id="97" name="Google Shape;97;p17"/>
+          <p:cNvSpPr txBox="1"/>
+          <p:nvPr>
+            <p:ph idx="1" type="body"/>
+          </p:nvPr>
+        </p:nvSpPr>
+        <p:spPr>
+          <a:xfrm>
+            <a:off x="274320" y="914400"/>
+            <a:ext cx="8595300" cy="4114800"/>
+          </a:xfrm>
+          <a:prstGeom prst="rect">
+            <a:avLst/>
+          </a:prstGeom>
+        </p:spPr>
+        <p:txBody>
+          <a:bodyPr anchorCtr="0" anchor="t" bIns="0" lIns="0" spcFirstLastPara="1" rIns="0" wrap="square" tIns="0">
+            <a:noAutofit/>
+          </a:bodyPr>
+          <a:lstStyle/>
+          <a:p>
+            <a:pPr indent="0" lvl="0" marL="0" rtl="0" algn="l">
+              <a:spcBef>
+                <a:spcPts val="0"/>
+              </a:spcBef>
+              <a:spcAft>
+                <a:spcPts val="0"/>
+              </a:spcAft>
+              <a:buNone/>
+            </a:pPr>
+            <a:r>
+              <a:rPr lang="en"/>
+              <a:t>Please use your university logo</a:t>
+            </a:r>
+            <a:endParaRPr/>
+          </a:p>
+          <a:p>
+            <a:pPr indent="0" lvl="0" marL="0" rtl="0" algn="l">
+              <a:spcBef>
+                <a:spcPts val="1200"/>
+              </a:spcBef>
+              <a:spcAft>
+                <a:spcPts val="0"/>
+              </a:spcAft>
+              <a:buNone/>
+            </a:pPr>
+            <a:r>
+              <a:rPr lang="en"/>
+              <a:t>Please use your team logo</a:t>
+            </a:r>
+            <a:endParaRPr/>
+          </a:p>
+          <a:p>
+            <a:pPr indent="0" lvl="0" marL="0" rtl="0" algn="l">
+              <a:spcBef>
+                <a:spcPts val="1200"/>
+              </a:spcBef>
+              <a:spcAft>
+                <a:spcPts val="0"/>
+              </a:spcAft>
+              <a:buNone/>
+            </a:pPr>
+            <a:r>
+              <a:rPr lang="en"/>
+              <a:t>Please use your industry partner logo, but ask first</a:t>
+            </a:r>
+            <a:endParaRPr/>
+          </a:p>
+          <a:p>
+            <a:pPr indent="0" lvl="0" marL="0" rtl="0" algn="l">
+              <a:spcBef>
+                <a:spcPts val="1200"/>
+              </a:spcBef>
+              <a:spcAft>
+                <a:spcPts val="1200"/>
+              </a:spcAft>
+              <a:buNone/>
+            </a:pPr>
+            <a:r>
+              <a:t/>
+            </a:r>
+            <a:endParaRPr/>
+          </a:p>
+        </p:txBody>
+      </p:sp>
+      <p:sp>
+        <p:nvSpPr>
+          <p:cNvPr id="98" name="Google Shape;98;p17"/>
+          <p:cNvSpPr txBox="1"/>
+          <p:nvPr>
+            <p:ph idx="12" type="sldNum"/>
+          </p:nvPr>
+        </p:nvSpPr>
+        <p:spPr>
+          <a:xfrm>
+            <a:off x="7315202" y="4416550"/>
+            <a:ext cx="1828800" cy="731400"/>
+          </a:xfrm>
+          <a:prstGeom prst="rect">
+            <a:avLst/>
+          </a:prstGeom>
+        </p:spPr>
+        <p:txBody>
+          <a:bodyPr anchorCtr="0" anchor="b" bIns="91425" lIns="91425" spcFirstLastPara="1" rIns="91425" wrap="square" tIns="91425">
+            <a:noAutofit/>
+          </a:bodyPr>
+          <a:lstStyle/>
+          <a:p>
+            <a:pPr indent="0" lvl="0" marL="0" rtl="0" algn="r">
+              <a:spcBef>
+                <a:spcPts val="0"/>
+              </a:spcBef>
+              <a:spcAft>
+                <a:spcPts val="0"/>
+              </a:spcAft>
+              <a:buNone/>
+            </a:pPr>
+            <a:fld id="{00000000-1234-1234-1234-123412341234}" type="slidenum">
+              <a:rPr lang="en"/>
+              <a:t>‹#›</a:t>
+            </a:fld>
+            <a:endParaRPr/>
+          </a:p>
+          <a:p>
+            <a:pPr indent="0" lvl="0" marL="0" rtl="0" algn="r">
+              <a:spcBef>
+                <a:spcPts val="0"/>
+              </a:spcBef>
+              <a:spcAft>
+                <a:spcPts val="0"/>
+              </a:spcAft>
+              <a:buNone/>
+            </a:pPr>
+            <a:r>
+              <a:rPr b="0" lang="en" sz="900" u="sng">
+                <a:solidFill>
+                  <a:schemeClr val="hlink"/>
+                </a:solidFill>
+                <a:hlinkClick r:id="rId3"/>
+              </a:rPr>
+              <a:t>https://profriehle.com</a:t>
+            </a:r>
+            <a:r>
+              <a:rPr b="0" lang="en" sz="900">
+                <a:solidFill>
+                  <a:schemeClr val="dk2"/>
+                </a:solidFill>
+              </a:rPr>
+              <a:t> </a:t>
+            </a:r>
+            <a:endParaRPr/>
+          </a:p>
+        </p:txBody>
+      </p:sp>
+    </p:spTree>
+  </p:cSld>
+  <p:clrMapOvr>
+    <a:masterClrMapping/>
+  </p:clrMapOvr>
+</p:sld>
+</file>
+
+<file path=ppt/slides/slide11.xml><?xml version="1.0" encoding="utf-8"?>
+<p:sld xmlns:a="http://schemas.openxmlformats.org/drawingml/2006/main" xmlns:r="http://schemas.openxmlformats.org/officeDocument/2006/relationships" xmlns:mc="http://schemas.openxmlformats.org/markup-compatibility/2006" xmlns:mv="urn:schemas-microsoft-com:mac:vml" xmlns:p="http://schemas.openxmlformats.org/presentationml/2006/main" xmlns:c="http://schemas.openxmlformats.org/drawingml/2006/chart" xmlns:dgm="http://schemas.openxmlformats.org/drawingml/2006/diagram" xmlns:o="urn:schemas-microsoft-com:office:office" xmlns:v="urn:schemas-microsoft-com:vml" xmlns:pvml="urn:schemas-microsoft-com:office:powerpoint" xmlns:com="http://schemas.openxmlformats.org/drawingml/2006/compatibility" xmlns:p14="http://schemas.microsoft.com/office/powerpoint/2010/main" xmlns:p15="http://schemas.microsoft.com/office/powerpoint/2012/main" xmlns:ahyp="http://schemas.microsoft.com/office/drawing/2018/hyperlinkcolor">
+  <p:cSld>
+    <p:spTree>
+      <p:nvGrpSpPr>
+        <p:cNvPr id="102" name="Shape 102"/>
+        <p:cNvGrpSpPr/>
+        <p:nvPr/>
+      </p:nvGrpSpPr>
+      <p:grpSpPr>
+        <a:xfrm>
+          <a:off x="0" y="0"/>
+          <a:ext cx="0" cy="0"/>
+          <a:chOff x="0" y="0"/>
+          <a:chExt cx="0" cy="0"/>
+        </a:xfrm>
+      </p:grpSpPr>
+      <p:sp>
+        <p:nvSpPr>
+          <p:cNvPr id="103" name="Google Shape;103;p18"/>
           <p:cNvSpPr txBox="1"/>
           <p:nvPr>
             <p:ph type="title"/>
@@ -5648,7 +7069,7 @@
             </a:pPr>
             <a:r>
               <a:rPr lang="en"/>
-              <a:t>Example Posters 2 / 2</a:t>
+              <a:t>Example Posters 1 / 2</a:t>
             </a:r>
             <a:endParaRPr/>
           </a:p>
@@ -5656,7 +7077,7 @@
       </p:sp>
       <p:sp>
         <p:nvSpPr>
-          <p:cNvPr id="100" name="Google Shape;100;p17"/>
+          <p:cNvPr id="104" name="Google Shape;104;p18"/>
           <p:cNvSpPr txBox="1"/>
           <p:nvPr>
             <p:ph idx="12" type="sldNum"/>
@@ -5725,7 +7146,209 @@
       </p:sp>
       <p:pic>
         <p:nvPicPr>
-          <p:cNvPr id="101" name="Google Shape;101;p17"/>
+          <p:cNvPr id="105" name="Google Shape;105;p18"/>
+          <p:cNvPicPr preferRelativeResize="0"/>
+          <p:nvPr/>
+        </p:nvPicPr>
+        <p:blipFill>
+          <a:blip r:embed="rId4">
+            <a:alphaModFix/>
+          </a:blip>
+          <a:stretch>
+            <a:fillRect/>
+          </a:stretch>
+        </p:blipFill>
+        <p:spPr>
+          <a:xfrm>
+            <a:off x="274320" y="914400"/>
+            <a:ext cx="2907791" cy="4114800"/>
+          </a:xfrm>
+          <a:prstGeom prst="rect">
+            <a:avLst/>
+          </a:prstGeom>
+          <a:noFill/>
+          <a:ln cap="flat" cmpd="sng" w="9525">
+            <a:solidFill>
+              <a:schemeClr val="dk2"/>
+            </a:solidFill>
+            <a:prstDash val="solid"/>
+            <a:round/>
+            <a:headEnd len="sm" w="sm" type="none"/>
+            <a:tailEnd len="sm" w="sm" type="none"/>
+          </a:ln>
+        </p:spPr>
+      </p:pic>
+      <p:pic>
+        <p:nvPicPr>
+          <p:cNvPr id="106" name="Google Shape;106;p18"/>
+          <p:cNvPicPr preferRelativeResize="0"/>
+          <p:nvPr/>
+        </p:nvPicPr>
+        <p:blipFill>
+          <a:blip r:embed="rId5">
+            <a:alphaModFix/>
+          </a:blip>
+          <a:stretch>
+            <a:fillRect/>
+          </a:stretch>
+        </p:blipFill>
+        <p:spPr>
+          <a:xfrm>
+            <a:off x="3474720" y="914400"/>
+            <a:ext cx="2907792" cy="4114800"/>
+          </a:xfrm>
+          <a:prstGeom prst="rect">
+            <a:avLst/>
+          </a:prstGeom>
+          <a:noFill/>
+          <a:ln cap="flat" cmpd="sng" w="9525">
+            <a:solidFill>
+              <a:schemeClr val="dk2"/>
+            </a:solidFill>
+            <a:prstDash val="solid"/>
+            <a:round/>
+            <a:headEnd len="sm" w="sm" type="none"/>
+            <a:tailEnd len="sm" w="sm" type="none"/>
+          </a:ln>
+        </p:spPr>
+      </p:pic>
+    </p:spTree>
+  </p:cSld>
+  <p:clrMapOvr>
+    <a:masterClrMapping/>
+  </p:clrMapOvr>
+</p:sld>
+</file>
+
+<file path=ppt/slides/slide12.xml><?xml version="1.0" encoding="utf-8"?>
+<p:sld xmlns:a="http://schemas.openxmlformats.org/drawingml/2006/main" xmlns:r="http://schemas.openxmlformats.org/officeDocument/2006/relationships" xmlns:mc="http://schemas.openxmlformats.org/markup-compatibility/2006" xmlns:mv="urn:schemas-microsoft-com:mac:vml" xmlns:p="http://schemas.openxmlformats.org/presentationml/2006/main" xmlns:c="http://schemas.openxmlformats.org/drawingml/2006/chart" xmlns:dgm="http://schemas.openxmlformats.org/drawingml/2006/diagram" xmlns:o="urn:schemas-microsoft-com:office:office" xmlns:v="urn:schemas-microsoft-com:vml" xmlns:pvml="urn:schemas-microsoft-com:office:powerpoint" xmlns:com="http://schemas.openxmlformats.org/drawingml/2006/compatibility" xmlns:p14="http://schemas.microsoft.com/office/powerpoint/2010/main" xmlns:p15="http://schemas.microsoft.com/office/powerpoint/2012/main" xmlns:ahyp="http://schemas.microsoft.com/office/drawing/2018/hyperlinkcolor">
+  <p:cSld>
+    <p:spTree>
+      <p:nvGrpSpPr>
+        <p:cNvPr id="110" name="Shape 110"/>
+        <p:cNvGrpSpPr/>
+        <p:nvPr/>
+      </p:nvGrpSpPr>
+      <p:grpSpPr>
+        <a:xfrm>
+          <a:off x="0" y="0"/>
+          <a:ext cx="0" cy="0"/>
+          <a:chOff x="0" y="0"/>
+          <a:chExt cx="0" cy="0"/>
+        </a:xfrm>
+      </p:grpSpPr>
+      <p:sp>
+        <p:nvSpPr>
+          <p:cNvPr id="111" name="Google Shape;111;p19"/>
+          <p:cNvSpPr txBox="1"/>
+          <p:nvPr>
+            <p:ph type="title"/>
+          </p:nvPr>
+        </p:nvSpPr>
+        <p:spPr>
+          <a:xfrm>
+            <a:off x="0" y="0"/>
+            <a:ext cx="9144000" cy="685800"/>
+          </a:xfrm>
+          <a:prstGeom prst="rect">
+            <a:avLst/>
+          </a:prstGeom>
+        </p:spPr>
+        <p:txBody>
+          <a:bodyPr anchorCtr="0" anchor="ctr" bIns="0" lIns="274300" spcFirstLastPara="1" rIns="0" wrap="square" tIns="0">
+            <a:noAutofit/>
+          </a:bodyPr>
+          <a:lstStyle/>
+          <a:p>
+            <a:pPr indent="0" lvl="0" marL="0" rtl="0" algn="l">
+              <a:spcBef>
+                <a:spcPts val="0"/>
+              </a:spcBef>
+              <a:spcAft>
+                <a:spcPts val="0"/>
+              </a:spcAft>
+              <a:buNone/>
+            </a:pPr>
+            <a:r>
+              <a:rPr lang="en"/>
+              <a:t>Example Posters 2 / 2</a:t>
+            </a:r>
+            <a:endParaRPr/>
+          </a:p>
+        </p:txBody>
+      </p:sp>
+      <p:sp>
+        <p:nvSpPr>
+          <p:cNvPr id="112" name="Google Shape;112;p19"/>
+          <p:cNvSpPr txBox="1"/>
+          <p:nvPr>
+            <p:ph idx="12" type="sldNum"/>
+          </p:nvPr>
+        </p:nvSpPr>
+        <p:spPr>
+          <a:xfrm>
+            <a:off x="7315202" y="4416550"/>
+            <a:ext cx="1828800" cy="731400"/>
+          </a:xfrm>
+          <a:prstGeom prst="rect">
+            <a:avLst/>
+          </a:prstGeom>
+        </p:spPr>
+        <p:txBody>
+          <a:bodyPr anchorCtr="0" anchor="b" bIns="91425" lIns="91425" spcFirstLastPara="1" rIns="91425" wrap="square" tIns="91425">
+            <a:noAutofit/>
+          </a:bodyPr>
+          <a:lstStyle/>
+          <a:p>
+            <a:pPr indent="0" lvl="0" marL="0" rtl="0" algn="r">
+              <a:spcBef>
+                <a:spcPts val="0"/>
+              </a:spcBef>
+              <a:spcAft>
+                <a:spcPts val="0"/>
+              </a:spcAft>
+              <a:buNone/>
+            </a:pPr>
+            <a:fld id="{00000000-1234-1234-1234-123412341234}" type="slidenum">
+              <a:rPr lang="en"/>
+              <a:t>‹#›</a:t>
+            </a:fld>
+            <a:endParaRPr/>
+          </a:p>
+          <a:p>
+            <a:pPr indent="0" lvl="0" marL="0" rtl="0" algn="r">
+              <a:spcBef>
+                <a:spcPts val="0"/>
+              </a:spcBef>
+              <a:spcAft>
+                <a:spcPts val="0"/>
+              </a:spcAft>
+              <a:buNone/>
+            </a:pPr>
+            <a:r>
+              <a:rPr b="0" lang="en" sz="900" u="sng">
+                <a:solidFill>
+                  <a:schemeClr val="hlink"/>
+                </a:solidFill>
+                <a:hlinkClick r:id="rId3"/>
+              </a:rPr>
+              <a:t>https://profriehle.com</a:t>
+            </a:r>
+            <a:r>
+              <a:rPr b="0" lang="en" sz="900">
+                <a:solidFill>
+                  <a:schemeClr val="dk2"/>
+                </a:solidFill>
+              </a:rPr>
+              <a:t> </a:t>
+            </a:r>
+            <a:endParaRPr/>
+          </a:p>
+        </p:txBody>
+      </p:sp>
+      <p:pic>
+        <p:nvPicPr>
+          <p:cNvPr id="113" name="Google Shape;113;p19"/>
           <p:cNvPicPr preferRelativeResize="0"/>
           <p:nvPr/>
         </p:nvPicPr>
@@ -5759,7 +7382,7 @@
       </p:pic>
       <p:pic>
         <p:nvPicPr>
-          <p:cNvPr id="102" name="Google Shape;102;p17"/>
+          <p:cNvPr id="114" name="Google Shape;114;p19"/>
           <p:cNvPicPr preferRelativeResize="0"/>
           <p:nvPr/>
         </p:nvPicPr>
@@ -5799,12 +7422,12 @@
 </p:sld>
 </file>
 
-<file path=ppt/slides/slide11.xml><?xml version="1.0" encoding="utf-8"?>
+<file path=ppt/slides/slide13.xml><?xml version="1.0" encoding="utf-8"?>
 <p:sld xmlns:a="http://schemas.openxmlformats.org/drawingml/2006/main" xmlns:r="http://schemas.openxmlformats.org/officeDocument/2006/relationships" xmlns:mc="http://schemas.openxmlformats.org/markup-compatibility/2006" xmlns:mv="urn:schemas-microsoft-com:mac:vml" xmlns:p="http://schemas.openxmlformats.org/presentationml/2006/main" xmlns:c="http://schemas.openxmlformats.org/drawingml/2006/chart" xmlns:dgm="http://schemas.openxmlformats.org/drawingml/2006/diagram" xmlns:o="urn:schemas-microsoft-com:office:office" xmlns:v="urn:schemas-microsoft-com:vml" xmlns:pvml="urn:schemas-microsoft-com:office:powerpoint" xmlns:com="http://schemas.openxmlformats.org/drawingml/2006/compatibility" xmlns:p14="http://schemas.microsoft.com/office/powerpoint/2010/main" xmlns:p15="http://schemas.microsoft.com/office/powerpoint/2012/main" xmlns:ahyp="http://schemas.microsoft.com/office/drawing/2018/hyperlinkcolor">
   <p:cSld>
     <p:spTree>
       <p:nvGrpSpPr>
-        <p:cNvPr id="106" name="Shape 106"/>
+        <p:cNvPr id="118" name="Shape 118"/>
         <p:cNvGrpSpPr/>
         <p:nvPr/>
       </p:nvGrpSpPr>
@@ -5818,7 +7441,223 @@
       </p:grpSpPr>
       <p:sp>
         <p:nvSpPr>
-          <p:cNvPr id="107" name="Google Shape;107;p18"/>
+          <p:cNvPr id="119" name="Google Shape;119;p20"/>
+          <p:cNvSpPr txBox="1"/>
+          <p:nvPr>
+            <p:ph type="title"/>
+          </p:nvPr>
+        </p:nvSpPr>
+        <p:spPr>
+          <a:xfrm>
+            <a:off x="0" y="0"/>
+            <a:ext cx="9144000" cy="685800"/>
+          </a:xfrm>
+          <a:prstGeom prst="rect">
+            <a:avLst/>
+          </a:prstGeom>
+        </p:spPr>
+        <p:txBody>
+          <a:bodyPr anchorCtr="0" anchor="ctr" bIns="91425" lIns="274300" spcFirstLastPara="1" rIns="91425" wrap="square" tIns="91425">
+            <a:noAutofit/>
+          </a:bodyPr>
+          <a:lstStyle/>
+          <a:p>
+            <a:pPr indent="0" lvl="0" marL="0" rtl="0" algn="l">
+              <a:spcBef>
+                <a:spcPts val="0"/>
+              </a:spcBef>
+              <a:spcAft>
+                <a:spcPts val="0"/>
+              </a:spcAft>
+              <a:buNone/>
+            </a:pPr>
+            <a:r>
+              <a:rPr lang="en"/>
+              <a:t>One-Time Deliverable: Demo Day Posters</a:t>
+            </a:r>
+            <a:endParaRPr/>
+          </a:p>
+        </p:txBody>
+      </p:sp>
+      <p:sp>
+        <p:nvSpPr>
+          <p:cNvPr id="120" name="Google Shape;120;p20"/>
+          <p:cNvSpPr txBox="1"/>
+          <p:nvPr>
+            <p:ph idx="12" type="sldNum"/>
+          </p:nvPr>
+        </p:nvSpPr>
+        <p:spPr>
+          <a:xfrm>
+            <a:off x="7315202" y="4416550"/>
+            <a:ext cx="1828800" cy="731400"/>
+          </a:xfrm>
+          <a:prstGeom prst="rect">
+            <a:avLst/>
+          </a:prstGeom>
+        </p:spPr>
+        <p:txBody>
+          <a:bodyPr anchorCtr="0" anchor="b" bIns="91425" lIns="91425" spcFirstLastPara="1" rIns="91425" wrap="square" tIns="91425">
+            <a:noAutofit/>
+          </a:bodyPr>
+          <a:lstStyle/>
+          <a:p>
+            <a:pPr indent="0" lvl="0" marL="0" rtl="0" algn="r">
+              <a:spcBef>
+                <a:spcPts val="0"/>
+              </a:spcBef>
+              <a:spcAft>
+                <a:spcPts val="0"/>
+              </a:spcAft>
+              <a:buNone/>
+            </a:pPr>
+            <a:fld id="{00000000-1234-1234-1234-123412341234}" type="slidenum">
+              <a:rPr lang="en"/>
+              <a:t>‹#›</a:t>
+            </a:fld>
+            <a:endParaRPr/>
+          </a:p>
+          <a:p>
+            <a:pPr indent="0" lvl="0" marL="0" rtl="0" algn="r">
+              <a:spcBef>
+                <a:spcPts val="0"/>
+              </a:spcBef>
+              <a:spcAft>
+                <a:spcPts val="0"/>
+              </a:spcAft>
+              <a:buNone/>
+            </a:pPr>
+            <a:r>
+              <a:rPr b="0" lang="en" sz="900" u="sng">
+                <a:solidFill>
+                  <a:schemeClr val="hlink"/>
+                </a:solidFill>
+                <a:hlinkClick r:id="rId3"/>
+              </a:rPr>
+              <a:t>https://profriehle.com</a:t>
+            </a:r>
+            <a:r>
+              <a:rPr b="0" lang="en" sz="900">
+                <a:solidFill>
+                  <a:schemeClr val="dk2"/>
+                </a:solidFill>
+              </a:rPr>
+              <a:t> </a:t>
+            </a:r>
+            <a:endParaRPr/>
+          </a:p>
+        </p:txBody>
+      </p:sp>
+      <p:sp>
+        <p:nvSpPr>
+          <p:cNvPr id="121" name="Google Shape;121;p20"/>
+          <p:cNvSpPr txBox="1"/>
+          <p:nvPr>
+            <p:ph idx="1" type="body"/>
+          </p:nvPr>
+        </p:nvSpPr>
+        <p:spPr>
+          <a:xfrm>
+            <a:off x="274320" y="914400"/>
+            <a:ext cx="8595300" cy="4114800"/>
+          </a:xfrm>
+          <a:prstGeom prst="rect">
+            <a:avLst/>
+          </a:prstGeom>
+        </p:spPr>
+        <p:txBody>
+          <a:bodyPr anchorCtr="0" anchor="t" bIns="0" lIns="0" spcFirstLastPara="1" rIns="0" wrap="square" tIns="0">
+            <a:noAutofit/>
+          </a:bodyPr>
+          <a:lstStyle/>
+          <a:p>
+            <a:pPr indent="0" lvl="0" marL="0" rtl="0" algn="l">
+              <a:spcBef>
+                <a:spcPts val="0"/>
+              </a:spcBef>
+              <a:spcAft>
+                <a:spcPts val="0"/>
+              </a:spcAft>
+              <a:buNone/>
+            </a:pPr>
+            <a:r>
+              <a:rPr lang="en"/>
+              <a:t>Please create two posters for your demo day booth</a:t>
+            </a:r>
+            <a:endParaRPr/>
+          </a:p>
+          <a:p>
+            <a:pPr indent="-342900" lvl="0" marL="457200" rtl="0" algn="l">
+              <a:spcBef>
+                <a:spcPts val="1200"/>
+              </a:spcBef>
+              <a:spcAft>
+                <a:spcPts val="0"/>
+              </a:spcAft>
+              <a:buSzPts val="1800"/>
+              <a:buChar char="●"/>
+            </a:pPr>
+            <a:r>
+              <a:rPr lang="en"/>
+              <a:t>One product management / product owner poster</a:t>
+            </a:r>
+            <a:endParaRPr/>
+          </a:p>
+          <a:p>
+            <a:pPr indent="-342900" lvl="0" marL="457200" rtl="0" algn="l">
+              <a:spcBef>
+                <a:spcPts val="0"/>
+              </a:spcBef>
+              <a:spcAft>
+                <a:spcPts val="0"/>
+              </a:spcAft>
+              <a:buSzPts val="1800"/>
+              <a:buChar char="●"/>
+            </a:pPr>
+            <a:r>
+              <a:rPr lang="en"/>
+              <a:t>One software </a:t>
+            </a:r>
+            <a:r>
+              <a:rPr lang="en"/>
+              <a:t>development</a:t>
+            </a:r>
+            <a:r>
+              <a:rPr lang="en"/>
+              <a:t> poster</a:t>
+            </a:r>
+            <a:endParaRPr/>
+          </a:p>
+        </p:txBody>
+      </p:sp>
+    </p:spTree>
+  </p:cSld>
+  <p:clrMapOvr>
+    <a:masterClrMapping/>
+  </p:clrMapOvr>
+</p:sld>
+</file>
+
+<file path=ppt/slides/slide14.xml><?xml version="1.0" encoding="utf-8"?>
+<p:sld xmlns:a="http://schemas.openxmlformats.org/drawingml/2006/main" xmlns:r="http://schemas.openxmlformats.org/officeDocument/2006/relationships" xmlns:mc="http://schemas.openxmlformats.org/markup-compatibility/2006" xmlns:mv="urn:schemas-microsoft-com:mac:vml" xmlns:p="http://schemas.openxmlformats.org/presentationml/2006/main" xmlns:c="http://schemas.openxmlformats.org/drawingml/2006/chart" xmlns:dgm="http://schemas.openxmlformats.org/drawingml/2006/diagram" xmlns:o="urn:schemas-microsoft-com:office:office" xmlns:v="urn:schemas-microsoft-com:vml" xmlns:pvml="urn:schemas-microsoft-com:office:powerpoint" xmlns:com="http://schemas.openxmlformats.org/drawingml/2006/compatibility" xmlns:p14="http://schemas.microsoft.com/office/powerpoint/2010/main" xmlns:p15="http://schemas.microsoft.com/office/powerpoint/2012/main" xmlns:ahyp="http://schemas.microsoft.com/office/drawing/2018/hyperlinkcolor">
+  <p:cSld>
+    <p:spTree>
+      <p:nvGrpSpPr>
+        <p:cNvPr id="125" name="Shape 125"/>
+        <p:cNvGrpSpPr/>
+        <p:nvPr/>
+      </p:nvGrpSpPr>
+      <p:grpSpPr>
+        <a:xfrm>
+          <a:off x="0" y="0"/>
+          <a:ext cx="0" cy="0"/>
+          <a:chOff x="0" y="0"/>
+          <a:chExt cx="0" cy="0"/>
+        </a:xfrm>
+      </p:grpSpPr>
+      <p:sp>
+        <p:nvSpPr>
+          <p:cNvPr id="126" name="Google Shape;126;p21"/>
           <p:cNvSpPr txBox="1"/>
           <p:nvPr>
             <p:ph type="title"/>
@@ -5858,7 +7697,7 @@
       </p:sp>
       <p:sp>
         <p:nvSpPr>
-          <p:cNvPr id="108" name="Google Shape;108;p18"/>
+          <p:cNvPr id="127" name="Google Shape;127;p21"/>
           <p:cNvSpPr txBox="1"/>
           <p:nvPr>
             <p:ph idx="12" type="sldNum"/>
@@ -5927,7 +7766,7 @@
       </p:sp>
       <p:graphicFrame>
         <p:nvGraphicFramePr>
-          <p:cNvPr id="109" name="Google Shape;109;p18"/>
+          <p:cNvPr id="128" name="Google Shape;128;p21"/>
           <p:cNvGraphicFramePr/>
           <p:nvPr/>
         </p:nvGraphicFramePr>
@@ -5940,7 +7779,7 @@
             <a:tbl>
               <a:tblPr>
                 <a:noFill/>
-                <a:tableStyleId>{3EC40C68-0E02-447F-814F-9F5FF353D932}</a:tableStyleId>
+                <a:tableStyleId>{1A17AD95-258F-47B0-ABB0-459FB53B9226}</a:tableStyleId>
               </a:tblPr>
               <a:tblGrid>
                 <a:gridCol w="1315250"/>
@@ -6014,7 +7853,7 @@
                       <a:tailEnd len="sm" w="sm" type="none"/>
                     </a:lnB>
                     <a:solidFill>
-                      <a:schemeClr val="accent4"/>
+                      <a:schemeClr val="dk2"/>
                     </a:solidFill>
                   </a:tcPr>
                 </a:tc>
@@ -6085,7 +7924,7 @@
                       <a:tailEnd len="sm" w="sm" type="none"/>
                     </a:lnB>
                     <a:solidFill>
-                      <a:schemeClr val="accent4"/>
+                      <a:schemeClr val="dk2"/>
                     </a:solidFill>
                   </a:tcPr>
                 </a:tc>
@@ -6276,7 +8115,7 @@
                       <a:tailEnd len="sm" w="sm" type="none"/>
                     </a:lnB>
                     <a:solidFill>
-                      <a:schemeClr val="lt2"/>
+                      <a:schemeClr val="accent1"/>
                     </a:solidFill>
                   </a:tcPr>
                 </a:tc>
@@ -6339,7 +8178,7 @@
                       <a:tailEnd len="sm" w="sm" type="none"/>
                     </a:lnB>
                     <a:solidFill>
-                      <a:schemeClr val="lt2"/>
+                      <a:schemeClr val="accent1"/>
                     </a:solidFill>
                   </a:tcPr>
                 </a:tc>
@@ -6532,7 +8371,7 @@
                       <a:tailEnd len="sm" w="sm" type="none"/>
                     </a:lnB>
                     <a:solidFill>
-                      <a:schemeClr val="lt2"/>
+                      <a:schemeClr val="accent1"/>
                     </a:solidFill>
                   </a:tcPr>
                 </a:tc>
@@ -6595,7 +8434,7 @@
                       <a:tailEnd len="sm" w="sm" type="none"/>
                     </a:lnB>
                     <a:solidFill>
-                      <a:schemeClr val="lt2"/>
+                      <a:schemeClr val="accent1"/>
                     </a:solidFill>
                   </a:tcPr>
                 </a:tc>
@@ -6734,12 +8573,12 @@
 </p:sld>
 </file>
 
-<file path=ppt/slides/slide12.xml><?xml version="1.0" encoding="utf-8"?>
+<file path=ppt/slides/slide15.xml><?xml version="1.0" encoding="utf-8"?>
 <p:sld xmlns:a="http://schemas.openxmlformats.org/drawingml/2006/main" xmlns:r="http://schemas.openxmlformats.org/officeDocument/2006/relationships" xmlns:mc="http://schemas.openxmlformats.org/markup-compatibility/2006" xmlns:mv="urn:schemas-microsoft-com:mac:vml" xmlns:p="http://schemas.openxmlformats.org/presentationml/2006/main" xmlns:c="http://schemas.openxmlformats.org/drawingml/2006/chart" xmlns:dgm="http://schemas.openxmlformats.org/drawingml/2006/diagram" xmlns:o="urn:schemas-microsoft-com:office:office" xmlns:v="urn:schemas-microsoft-com:vml" xmlns:pvml="urn:schemas-microsoft-com:office:powerpoint" xmlns:com="http://schemas.openxmlformats.org/drawingml/2006/compatibility" xmlns:p14="http://schemas.microsoft.com/office/powerpoint/2010/main" xmlns:p15="http://schemas.microsoft.com/office/powerpoint/2012/main" xmlns:ahyp="http://schemas.microsoft.com/office/drawing/2018/hyperlinkcolor">
   <p:cSld>
     <p:spTree>
       <p:nvGrpSpPr>
-        <p:cNvPr id="113" name="Shape 113"/>
+        <p:cNvPr id="132" name="Shape 132"/>
         <p:cNvGrpSpPr/>
         <p:nvPr/>
       </p:nvGrpSpPr>
@@ -6753,7 +8592,7 @@
       </p:grpSpPr>
       <p:sp>
         <p:nvSpPr>
-          <p:cNvPr id="114" name="Google Shape;114;p19"/>
+          <p:cNvPr id="133" name="Google Shape;133;p22"/>
           <p:cNvSpPr txBox="1"/>
           <p:nvPr>
             <p:ph type="title"/>
@@ -6793,7 +8632,7 @@
       </p:sp>
       <p:sp>
         <p:nvSpPr>
-          <p:cNvPr id="115" name="Google Shape;115;p19"/>
+          <p:cNvPr id="134" name="Google Shape;134;p22"/>
           <p:cNvSpPr txBox="1"/>
           <p:nvPr>
             <p:ph idx="12" type="sldNum"/>
@@ -6862,7 +8701,7 @@
       </p:sp>
       <p:sp>
         <p:nvSpPr>
-          <p:cNvPr id="116" name="Google Shape;116;p19"/>
+          <p:cNvPr id="135" name="Google Shape;135;p22"/>
           <p:cNvSpPr txBox="1"/>
           <p:nvPr>
             <p:ph idx="1" type="body"/>
@@ -6932,7 +8771,7 @@
             </a:pPr>
             <a:r>
               <a:rPr lang="en"/>
-              <a:t>Use domain terms and examples</a:t>
+              <a:t>Have a story to tell, for example,</a:t>
             </a:r>
             <a:endParaRPr/>
           </a:p>
@@ -6949,7 +8788,7 @@
             </a:pPr>
             <a:r>
               <a:rPr lang="en"/>
-              <a:t>In the user interface (labels, titles)</a:t>
+              <a:t>A day in the life of …</a:t>
             </a:r>
             <a:endParaRPr/>
           </a:p>
@@ -6966,7 +8805,7 @@
             </a:pPr>
             <a:r>
               <a:rPr lang="en"/>
-              <a:t>In the stories you tell</a:t>
+              <a:t>A workflow example</a:t>
             </a:r>
             <a:endParaRPr/>
           </a:p>
@@ -6983,7 +8822,7 @@
             </a:pPr>
             <a:r>
               <a:rPr lang="en"/>
-              <a:t>Have a story to tell, for example,</a:t>
+              <a:t>Use domain terms and examples</a:t>
             </a:r>
             <a:endParaRPr/>
           </a:p>
@@ -7000,7 +8839,7 @@
             </a:pPr>
             <a:r>
               <a:rPr lang="en"/>
-              <a:t>A day in the life of …</a:t>
+              <a:t>In the user interface (labels, titles)</a:t>
             </a:r>
             <a:endParaRPr/>
           </a:p>
@@ -7017,7 +8856,7 @@
             </a:pPr>
             <a:r>
               <a:rPr lang="en"/>
-              <a:t>A workflow example</a:t>
+              <a:t>In the stories you tell</a:t>
             </a:r>
             <a:endParaRPr/>
           </a:p>
@@ -7099,7 +8938,7 @@
       </p:sp>
       <p:sp>
         <p:nvSpPr>
-          <p:cNvPr id="117" name="Google Shape;117;p19"/>
+          <p:cNvPr id="136" name="Google Shape;136;p22"/>
           <p:cNvSpPr txBox="1"/>
           <p:nvPr>
             <p:ph idx="2" type="body"/>
@@ -7148,7 +8987,7 @@
             </a:pPr>
             <a:r>
               <a:rPr lang="en"/>
-              <a:t>Use “test” or “help” as labels</a:t>
+              <a:t>Use “test1” or “user2” as labels</a:t>
             </a:r>
             <a:endParaRPr/>
           </a:p>
@@ -7194,12 +9033,12 @@
 </p:sld>
 </file>
 
-<file path=ppt/slides/slide13.xml><?xml version="1.0" encoding="utf-8"?>
+<file path=ppt/slides/slide16.xml><?xml version="1.0" encoding="utf-8"?>
 <p:sld xmlns:a="http://schemas.openxmlformats.org/drawingml/2006/main" xmlns:r="http://schemas.openxmlformats.org/officeDocument/2006/relationships" xmlns:mc="http://schemas.openxmlformats.org/markup-compatibility/2006" xmlns:mv="urn:schemas-microsoft-com:mac:vml" xmlns:p="http://schemas.openxmlformats.org/presentationml/2006/main" xmlns:c="http://schemas.openxmlformats.org/drawingml/2006/chart" xmlns:dgm="http://schemas.openxmlformats.org/drawingml/2006/diagram" xmlns:o="urn:schemas-microsoft-com:office:office" xmlns:v="urn:schemas-microsoft-com:vml" xmlns:pvml="urn:schemas-microsoft-com:office:powerpoint" xmlns:com="http://schemas.openxmlformats.org/drawingml/2006/compatibility" xmlns:p14="http://schemas.microsoft.com/office/powerpoint/2010/main" xmlns:p15="http://schemas.microsoft.com/office/powerpoint/2012/main" xmlns:ahyp="http://schemas.microsoft.com/office/drawing/2018/hyperlinkcolor">
   <p:cSld>
     <p:spTree>
       <p:nvGrpSpPr>
-        <p:cNvPr id="121" name="Shape 121"/>
+        <p:cNvPr id="140" name="Shape 140"/>
         <p:cNvGrpSpPr/>
         <p:nvPr/>
       </p:nvGrpSpPr>
@@ -7213,7 +9052,7 @@
       </p:grpSpPr>
       <p:sp>
         <p:nvSpPr>
-          <p:cNvPr id="122" name="Google Shape;122;p20"/>
+          <p:cNvPr id="141" name="Google Shape;141;p23"/>
           <p:cNvSpPr txBox="1"/>
           <p:nvPr>
             <p:ph type="title"/>
@@ -7245,7 +9084,7 @@
             </a:pPr>
             <a:r>
               <a:rPr lang="en"/>
-              <a:t>Demo Execution</a:t>
+              <a:t>One-Time Deliverable: Demo Day Video</a:t>
             </a:r>
             <a:endParaRPr/>
           </a:p>
@@ -7253,7 +9092,7 @@
       </p:sp>
       <p:sp>
         <p:nvSpPr>
-          <p:cNvPr id="123" name="Google Shape;123;p20"/>
+          <p:cNvPr id="142" name="Google Shape;142;p23"/>
           <p:cNvSpPr txBox="1"/>
           <p:nvPr>
             <p:ph idx="1" type="body"/>
@@ -7285,7 +9124,7 @@
             </a:pPr>
             <a:r>
               <a:rPr lang="en"/>
-              <a:t>Have two people ready to demo</a:t>
+              <a:t>Please create a 3 min. video demoing your work</a:t>
             </a:r>
             <a:endParaRPr/>
           </a:p>
@@ -7297,19 +9136,46 @@
               <a:spcAft>
                 <a:spcPts val="0"/>
               </a:spcAft>
+              <a:buClr>
+                <a:schemeClr val="accent3"/>
+              </a:buClr>
               <a:buSzPts val="1800"/>
               <a:buChar char="●"/>
             </a:pPr>
             <a:r>
+              <a:rPr b="1" lang="en">
+                <a:solidFill>
+                  <a:schemeClr val="accent3"/>
+                </a:solidFill>
+              </a:rPr>
+              <a:t>You should show running software, not just talk about it!</a:t>
+            </a:r>
+            <a:endParaRPr b="1">
+              <a:solidFill>
+                <a:schemeClr val="accent3"/>
+              </a:solidFill>
+            </a:endParaRPr>
+          </a:p>
+          <a:p>
+            <a:pPr indent="0" lvl="0" marL="0" rtl="0" algn="l">
+              <a:spcBef>
+                <a:spcPts val="1200"/>
+              </a:spcBef>
+              <a:spcAft>
+                <a:spcPts val="0"/>
+              </a:spcAft>
+              <a:buNone/>
+            </a:pPr>
+            <a:r>
               <a:rPr lang="en"/>
-              <a:t>One explains what is going on (talks to people)</a:t>
+              <a:t>The demo video will be your demo backup</a:t>
             </a:r>
             <a:endParaRPr/>
           </a:p>
           <a:p>
             <a:pPr indent="-342900" lvl="0" marL="457200" rtl="0" algn="l">
               <a:spcBef>
-                <a:spcPts val="0"/>
+                <a:spcPts val="1200"/>
               </a:spcBef>
               <a:spcAft>
                 <a:spcPts val="0"/>
@@ -7319,7 +9185,7 @@
             </a:pPr>
             <a:r>
               <a:rPr lang="en"/>
-              <a:t>One demos the software in line with story</a:t>
+              <a:t>Will also be posted on our blog and on LinkedIn</a:t>
             </a:r>
             <a:endParaRPr/>
           </a:p>
@@ -7327,7 +9193,7 @@
       </p:sp>
       <p:sp>
         <p:nvSpPr>
-          <p:cNvPr id="124" name="Google Shape;124;p20"/>
+          <p:cNvPr id="143" name="Google Shape;143;p23"/>
           <p:cNvSpPr txBox="1"/>
           <p:nvPr>
             <p:ph idx="12" type="sldNum"/>
@@ -7402,12 +9268,12 @@
 </p:sld>
 </file>
 
-<file path=ppt/slides/slide14.xml><?xml version="1.0" encoding="utf-8"?>
+<file path=ppt/slides/slide17.xml><?xml version="1.0" encoding="utf-8"?>
 <p:sld xmlns:a="http://schemas.openxmlformats.org/drawingml/2006/main" xmlns:r="http://schemas.openxmlformats.org/officeDocument/2006/relationships" xmlns:mc="http://schemas.openxmlformats.org/markup-compatibility/2006" xmlns:mv="urn:schemas-microsoft-com:mac:vml" xmlns:p="http://schemas.openxmlformats.org/presentationml/2006/main" xmlns:c="http://schemas.openxmlformats.org/drawingml/2006/chart" xmlns:dgm="http://schemas.openxmlformats.org/drawingml/2006/diagram" xmlns:o="urn:schemas-microsoft-com:office:office" xmlns:v="urn:schemas-microsoft-com:vml" xmlns:pvml="urn:schemas-microsoft-com:office:powerpoint" xmlns:com="http://schemas.openxmlformats.org/drawingml/2006/compatibility" xmlns:p14="http://schemas.microsoft.com/office/powerpoint/2010/main" xmlns:p15="http://schemas.microsoft.com/office/powerpoint/2012/main" xmlns:ahyp="http://schemas.microsoft.com/office/drawing/2018/hyperlinkcolor">
   <p:cSld>
     <p:spTree>
       <p:nvGrpSpPr>
-        <p:cNvPr id="128" name="Shape 128"/>
+        <p:cNvPr id="147" name="Shape 147"/>
         <p:cNvGrpSpPr/>
         <p:nvPr/>
       </p:nvGrpSpPr>
@@ -7421,191 +9287,7 @@
       </p:grpSpPr>
       <p:sp>
         <p:nvSpPr>
-          <p:cNvPr id="129" name="Google Shape;129;p21"/>
-          <p:cNvSpPr txBox="1"/>
-          <p:nvPr>
-            <p:ph type="ctrTitle"/>
-          </p:nvPr>
-        </p:nvSpPr>
-        <p:spPr>
-          <a:xfrm>
-            <a:off x="0" y="0"/>
-            <a:ext cx="9144000" cy="2388900"/>
-          </a:xfrm>
-          <a:prstGeom prst="rect">
-            <a:avLst/>
-          </a:prstGeom>
-        </p:spPr>
-        <p:txBody>
-          <a:bodyPr anchorCtr="0" anchor="b" bIns="274300" lIns="91425" spcFirstLastPara="1" rIns="91425" wrap="square" tIns="91425">
-            <a:noAutofit/>
-          </a:bodyPr>
-          <a:lstStyle/>
-          <a:p>
-            <a:pPr indent="0" lvl="0" marL="0" rtl="0" algn="ctr">
-              <a:spcBef>
-                <a:spcPts val="0"/>
-              </a:spcBef>
-              <a:spcAft>
-                <a:spcPts val="0"/>
-              </a:spcAft>
-              <a:buNone/>
-            </a:pPr>
-            <a:r>
-              <a:rPr lang="en"/>
-              <a:t>Thank you! Any questions?</a:t>
-            </a:r>
-            <a:endParaRPr/>
-          </a:p>
-        </p:txBody>
-      </p:sp>
-      <p:sp>
-        <p:nvSpPr>
-          <p:cNvPr id="130" name="Google Shape;130;p21"/>
-          <p:cNvSpPr txBox="1"/>
-          <p:nvPr>
-            <p:ph idx="1" type="subTitle"/>
-          </p:nvPr>
-        </p:nvSpPr>
-        <p:spPr>
-          <a:xfrm>
-            <a:off x="0" y="2569475"/>
-            <a:ext cx="9144000" cy="2574000"/>
-          </a:xfrm>
-          <a:prstGeom prst="rect">
-            <a:avLst/>
-          </a:prstGeom>
-        </p:spPr>
-        <p:txBody>
-          <a:bodyPr anchorCtr="0" anchor="t" bIns="91425" lIns="91425" spcFirstLastPara="1" rIns="91425" wrap="square" tIns="274300">
-            <a:noAutofit/>
-          </a:bodyPr>
-          <a:lstStyle/>
-          <a:p>
-            <a:pPr indent="0" lvl="0" marL="0" rtl="0" algn="ctr">
-              <a:lnSpc>
-                <a:spcPct val="150000"/>
-              </a:lnSpc>
-              <a:spcBef>
-                <a:spcPts val="0"/>
-              </a:spcBef>
-              <a:spcAft>
-                <a:spcPts val="0"/>
-              </a:spcAft>
-              <a:buNone/>
-            </a:pPr>
-            <a:r>
-              <a:rPr lang="en" u="sng">
-                <a:solidFill>
-                  <a:schemeClr val="hlink"/>
-                </a:solidFill>
-                <a:hlinkClick r:id="rId3"/>
-              </a:rPr>
-              <a:t>dirk.riehle@fau.de</a:t>
-            </a:r>
-            <a:r>
-              <a:rPr lang="en"/>
-              <a:t> </a:t>
-            </a:r>
-            <a:r>
-              <a:rPr lang="en" sz="2400"/>
-              <a:t>–</a:t>
-            </a:r>
-            <a:r>
-              <a:rPr lang="en"/>
-              <a:t> </a:t>
-            </a:r>
-            <a:r>
-              <a:rPr lang="en" u="sng">
-                <a:solidFill>
-                  <a:schemeClr val="hlink"/>
-                </a:solidFill>
-                <a:hlinkClick r:id="rId4"/>
-              </a:rPr>
-              <a:t>https://oss.cs.fau.de</a:t>
-            </a:r>
-            <a:endParaRPr/>
-          </a:p>
-          <a:p>
-            <a:pPr indent="0" lvl="0" marL="0" rtl="0" algn="ctr">
-              <a:lnSpc>
-                <a:spcPct val="150000"/>
-              </a:lnSpc>
-              <a:spcBef>
-                <a:spcPts val="0"/>
-              </a:spcBef>
-              <a:spcAft>
-                <a:spcPts val="0"/>
-              </a:spcAft>
-              <a:buNone/>
-            </a:pPr>
-            <a:r>
-              <a:rPr lang="en" sz="2400" u="sng">
-                <a:solidFill>
-                  <a:schemeClr val="hlink"/>
-                </a:solidFill>
-                <a:hlinkClick r:id="rId5"/>
-              </a:rPr>
-              <a:t>dirk@riehle.org</a:t>
-            </a:r>
-            <a:r>
-              <a:rPr lang="en" sz="2400"/>
-              <a:t> – </a:t>
-            </a:r>
-            <a:r>
-              <a:rPr lang="en" sz="2400" u="sng">
-                <a:solidFill>
-                  <a:schemeClr val="hlink"/>
-                </a:solidFill>
-                <a:hlinkClick r:id="rId6"/>
-              </a:rPr>
-              <a:t>https://dirkriehle.com</a:t>
-            </a:r>
-            <a:r>
-              <a:rPr lang="en" sz="2400"/>
-              <a:t> – </a:t>
-            </a:r>
-            <a:r>
-              <a:rPr lang="en" sz="2400" u="sng">
-                <a:solidFill>
-                  <a:schemeClr val="hlink"/>
-                </a:solidFill>
-                <a:hlinkClick r:id="rId7"/>
-              </a:rPr>
-              <a:t>@dirkriehle</a:t>
-            </a:r>
-            <a:endParaRPr sz="2400"/>
-          </a:p>
-        </p:txBody>
-      </p:sp>
-    </p:spTree>
-  </p:cSld>
-  <p:clrMapOvr>
-    <a:masterClrMapping/>
-  </p:clrMapOvr>
-</p:sld>
-</file>
-
-<file path=ppt/slides/slide15.xml><?xml version="1.0" encoding="utf-8"?>
-<p:sld xmlns:a="http://schemas.openxmlformats.org/drawingml/2006/main" xmlns:r="http://schemas.openxmlformats.org/officeDocument/2006/relationships" xmlns:mc="http://schemas.openxmlformats.org/markup-compatibility/2006" xmlns:mv="urn:schemas-microsoft-com:mac:vml" xmlns:p="http://schemas.openxmlformats.org/presentationml/2006/main" xmlns:c="http://schemas.openxmlformats.org/drawingml/2006/chart" xmlns:dgm="http://schemas.openxmlformats.org/drawingml/2006/diagram" xmlns:o="urn:schemas-microsoft-com:office:office" xmlns:v="urn:schemas-microsoft-com:vml" xmlns:pvml="urn:schemas-microsoft-com:office:powerpoint" xmlns:com="http://schemas.openxmlformats.org/drawingml/2006/compatibility" xmlns:p14="http://schemas.microsoft.com/office/powerpoint/2010/main" xmlns:p15="http://schemas.microsoft.com/office/powerpoint/2012/main" xmlns:ahyp="http://schemas.microsoft.com/office/drawing/2018/hyperlinkcolor">
-  <p:cSld>
-    <p:spTree>
-      <p:nvGrpSpPr>
-        <p:cNvPr id="134" name="Shape 134"/>
-        <p:cNvGrpSpPr/>
-        <p:nvPr/>
-      </p:nvGrpSpPr>
-      <p:grpSpPr>
-        <a:xfrm>
-          <a:off x="0" y="0"/>
-          <a:ext cx="0" cy="0"/>
-          <a:chOff x="0" y="0"/>
-          <a:chExt cx="0" cy="0"/>
-        </a:xfrm>
-      </p:grpSpPr>
-      <p:sp>
-        <p:nvSpPr>
-          <p:cNvPr id="135" name="Google Shape;135;p22"/>
+          <p:cNvPr id="148" name="Google Shape;148;p24"/>
           <p:cNvSpPr txBox="1"/>
           <p:nvPr>
             <p:ph type="title"/>
@@ -7637,7 +9319,7 @@
             </a:pPr>
             <a:r>
               <a:rPr lang="en"/>
-              <a:t>Legal Notices</a:t>
+              <a:t>Demo Execution</a:t>
             </a:r>
             <a:endParaRPr/>
           </a:p>
@@ -7645,7 +9327,81 @@
       </p:sp>
       <p:sp>
         <p:nvSpPr>
-          <p:cNvPr id="136" name="Google Shape;136;p22"/>
+          <p:cNvPr id="149" name="Google Shape;149;p24"/>
+          <p:cNvSpPr txBox="1"/>
+          <p:nvPr>
+            <p:ph idx="1" type="body"/>
+          </p:nvPr>
+        </p:nvSpPr>
+        <p:spPr>
+          <a:xfrm>
+            <a:off x="274320" y="914400"/>
+            <a:ext cx="8595300" cy="4114800"/>
+          </a:xfrm>
+          <a:prstGeom prst="rect">
+            <a:avLst/>
+          </a:prstGeom>
+        </p:spPr>
+        <p:txBody>
+          <a:bodyPr anchorCtr="0" anchor="t" bIns="0" lIns="0" spcFirstLastPara="1" rIns="0" wrap="square" tIns="0">
+            <a:noAutofit/>
+          </a:bodyPr>
+          <a:lstStyle/>
+          <a:p>
+            <a:pPr indent="0" lvl="0" marL="0" rtl="0" algn="l">
+              <a:spcBef>
+                <a:spcPts val="0"/>
+              </a:spcBef>
+              <a:spcAft>
+                <a:spcPts val="0"/>
+              </a:spcAft>
+              <a:buNone/>
+            </a:pPr>
+            <a:r>
+              <a:rPr lang="en"/>
+              <a:t>Have two people ready to demo</a:t>
+            </a:r>
+            <a:endParaRPr/>
+          </a:p>
+          <a:p>
+            <a:pPr indent="-342900" lvl="0" marL="457200" rtl="0" algn="l">
+              <a:spcBef>
+                <a:spcPts val="1200"/>
+              </a:spcBef>
+              <a:spcAft>
+                <a:spcPts val="0"/>
+              </a:spcAft>
+              <a:buSzPts val="1800"/>
+              <a:buChar char="●"/>
+            </a:pPr>
+            <a:r>
+              <a:rPr lang="en"/>
+              <a:t>One explains what is going on (talks to people)</a:t>
+            </a:r>
+            <a:endParaRPr/>
+          </a:p>
+          <a:p>
+            <a:pPr indent="-342900" lvl="0" marL="457200" rtl="0" algn="l">
+              <a:spcBef>
+                <a:spcPts val="0"/>
+              </a:spcBef>
+              <a:spcAft>
+                <a:spcPts val="0"/>
+              </a:spcAft>
+              <a:buSzPts val="1800"/>
+              <a:buChar char="●"/>
+            </a:pPr>
+            <a:r>
+              <a:rPr lang="en"/>
+              <a:t>One demos the software in line with story</a:t>
+            </a:r>
+            <a:endParaRPr/>
+          </a:p>
+        </p:txBody>
+      </p:sp>
+      <p:sp>
+        <p:nvSpPr>
+          <p:cNvPr id="150" name="Google Shape;150;p24"/>
           <p:cNvSpPr txBox="1"/>
           <p:nvPr>
             <p:ph idx="12" type="sldNum"/>
@@ -7712,9 +9468,143 @@
           </a:p>
         </p:txBody>
       </p:sp>
+    </p:spTree>
+  </p:cSld>
+  <p:clrMapOvr>
+    <a:masterClrMapping/>
+  </p:clrMapOvr>
+</p:sld>
+</file>
+
+<file path=ppt/slides/slide18.xml><?xml version="1.0" encoding="utf-8"?>
+<p:sld xmlns:a="http://schemas.openxmlformats.org/drawingml/2006/main" xmlns:r="http://schemas.openxmlformats.org/officeDocument/2006/relationships" xmlns:mc="http://schemas.openxmlformats.org/markup-compatibility/2006" xmlns:mv="urn:schemas-microsoft-com:mac:vml" xmlns:p="http://schemas.openxmlformats.org/presentationml/2006/main" xmlns:c="http://schemas.openxmlformats.org/drawingml/2006/chart" xmlns:dgm="http://schemas.openxmlformats.org/drawingml/2006/diagram" xmlns:o="urn:schemas-microsoft-com:office:office" xmlns:v="urn:schemas-microsoft-com:vml" xmlns:pvml="urn:schemas-microsoft-com:office:powerpoint" xmlns:com="http://schemas.openxmlformats.org/drawingml/2006/compatibility" xmlns:p14="http://schemas.microsoft.com/office/powerpoint/2010/main" xmlns:p15="http://schemas.microsoft.com/office/powerpoint/2012/main" xmlns:ahyp="http://schemas.microsoft.com/office/drawing/2018/hyperlinkcolor">
+  <p:cSld>
+    <p:spTree>
+      <p:nvGrpSpPr>
+        <p:cNvPr id="154" name="Shape 154"/>
+        <p:cNvGrpSpPr/>
+        <p:nvPr/>
+      </p:nvGrpSpPr>
+      <p:grpSpPr>
+        <a:xfrm>
+          <a:off x="0" y="0"/>
+          <a:ext cx="0" cy="0"/>
+          <a:chOff x="0" y="0"/>
+          <a:chExt cx="0" cy="0"/>
+        </a:xfrm>
+      </p:grpSpPr>
       <p:sp>
         <p:nvSpPr>
-          <p:cNvPr id="137" name="Google Shape;137;p22"/>
+          <p:cNvPr id="155" name="Google Shape;155;p25"/>
+          <p:cNvSpPr txBox="1"/>
+          <p:nvPr>
+            <p:ph type="title"/>
+          </p:nvPr>
+        </p:nvSpPr>
+        <p:spPr>
+          <a:xfrm>
+            <a:off x="0" y="-7"/>
+            <a:ext cx="9144000" cy="2386500"/>
+          </a:xfrm>
+          <a:prstGeom prst="rect">
+            <a:avLst/>
+          </a:prstGeom>
+        </p:spPr>
+        <p:txBody>
+          <a:bodyPr anchorCtr="0" anchor="b" bIns="274300" lIns="91425" spcFirstLastPara="1" rIns="91425" wrap="square" tIns="91425">
+            <a:noAutofit/>
+          </a:bodyPr>
+          <a:lstStyle/>
+          <a:p>
+            <a:pPr indent="0" lvl="0" marL="0" rtl="0" algn="ctr">
+              <a:spcBef>
+                <a:spcPts val="0"/>
+              </a:spcBef>
+              <a:spcAft>
+                <a:spcPts val="0"/>
+              </a:spcAft>
+              <a:buNone/>
+            </a:pPr>
+            <a:r>
+              <a:rPr lang="en"/>
+              <a:t>2. Final Release</a:t>
+            </a:r>
+            <a:endParaRPr/>
+          </a:p>
+        </p:txBody>
+      </p:sp>
+    </p:spTree>
+  </p:cSld>
+  <p:clrMapOvr>
+    <a:masterClrMapping/>
+  </p:clrMapOvr>
+</p:sld>
+</file>
+
+<file path=ppt/slides/slide19.xml><?xml version="1.0" encoding="utf-8"?>
+<p:sld xmlns:a="http://schemas.openxmlformats.org/drawingml/2006/main" xmlns:r="http://schemas.openxmlformats.org/officeDocument/2006/relationships" xmlns:mc="http://schemas.openxmlformats.org/markup-compatibility/2006" xmlns:mv="urn:schemas-microsoft-com:mac:vml" xmlns:p="http://schemas.openxmlformats.org/presentationml/2006/main" xmlns:c="http://schemas.openxmlformats.org/drawingml/2006/chart" xmlns:dgm="http://schemas.openxmlformats.org/drawingml/2006/diagram" xmlns:o="urn:schemas-microsoft-com:office:office" xmlns:v="urn:schemas-microsoft-com:vml" xmlns:pvml="urn:schemas-microsoft-com:office:powerpoint" xmlns:com="http://schemas.openxmlformats.org/drawingml/2006/compatibility" xmlns:p14="http://schemas.microsoft.com/office/powerpoint/2010/main" xmlns:p15="http://schemas.microsoft.com/office/powerpoint/2012/main" xmlns:ahyp="http://schemas.microsoft.com/office/drawing/2018/hyperlinkcolor">
+  <p:cSld>
+    <p:spTree>
+      <p:nvGrpSpPr>
+        <p:cNvPr id="159" name="Shape 159"/>
+        <p:cNvGrpSpPr/>
+        <p:nvPr/>
+      </p:nvGrpSpPr>
+      <p:grpSpPr>
+        <a:xfrm>
+          <a:off x="0" y="0"/>
+          <a:ext cx="0" cy="0"/>
+          <a:chOff x="0" y="0"/>
+          <a:chExt cx="0" cy="0"/>
+        </a:xfrm>
+      </p:grpSpPr>
+      <p:sp>
+        <p:nvSpPr>
+          <p:cNvPr id="160" name="Google Shape;160;p26"/>
+          <p:cNvSpPr txBox="1"/>
+          <p:nvPr>
+            <p:ph type="title"/>
+          </p:nvPr>
+        </p:nvSpPr>
+        <p:spPr>
+          <a:xfrm>
+            <a:off x="0" y="0"/>
+            <a:ext cx="9144000" cy="685800"/>
+          </a:xfrm>
+          <a:prstGeom prst="rect">
+            <a:avLst/>
+          </a:prstGeom>
+        </p:spPr>
+        <p:txBody>
+          <a:bodyPr anchorCtr="0" anchor="ctr" bIns="91425" lIns="274300" spcFirstLastPara="1" rIns="91425" wrap="square" tIns="91425">
+            <a:noAutofit/>
+          </a:bodyPr>
+          <a:lstStyle/>
+          <a:p>
+            <a:pPr indent="0" lvl="0" marL="0" rtl="0" algn="l">
+              <a:spcBef>
+                <a:spcPts val="0"/>
+              </a:spcBef>
+              <a:spcAft>
+                <a:spcPts val="0"/>
+              </a:spcAft>
+              <a:buNone/>
+            </a:pPr>
+            <a:r>
+              <a:rPr lang="en"/>
+              <a:t>One-Time Deliverable: Final </a:t>
+            </a:r>
+            <a:r>
+              <a:rPr lang="en"/>
+              <a:t>Documentation</a:t>
+            </a:r>
+            <a:endParaRPr/>
+          </a:p>
+        </p:txBody>
+      </p:sp>
+      <p:sp>
+        <p:nvSpPr>
+          <p:cNvPr id="161" name="Google Shape;161;p26"/>
           <p:cNvSpPr txBox="1"/>
           <p:nvPr>
             <p:ph idx="1" type="body"/>
@@ -7740,91 +9630,82 @@
                 <a:spcPts val="0"/>
               </a:spcBef>
               <a:spcAft>
-                <a:spcPts val="0"/>
+                <a:spcPts val="1200"/>
               </a:spcAft>
               <a:buNone/>
             </a:pPr>
             <a:r>
               <a:rPr lang="en"/>
-              <a:t>License</a:t>
-            </a:r>
-            <a:endParaRPr/>
-          </a:p>
-          <a:p>
-            <a:pPr indent="-342900" lvl="0" marL="457200" rtl="0" algn="l">
-              <a:spcBef>
-                <a:spcPts val="1200"/>
-              </a:spcBef>
-              <a:spcAft>
-                <a:spcPts val="0"/>
-              </a:spcAft>
-              <a:buSzPts val="1800"/>
-              <a:buChar char="●"/>
-            </a:pPr>
-            <a:r>
+              <a:t>Please clean-up and finalize your documentation</a:t>
+            </a:r>
+            <a:endParaRPr/>
+          </a:p>
+        </p:txBody>
+      </p:sp>
+      <p:sp>
+        <p:nvSpPr>
+          <p:cNvPr id="162" name="Google Shape;162;p26"/>
+          <p:cNvSpPr txBox="1"/>
+          <p:nvPr>
+            <p:ph idx="12" type="sldNum"/>
+          </p:nvPr>
+        </p:nvSpPr>
+        <p:spPr>
+          <a:xfrm>
+            <a:off x="7315202" y="4416550"/>
+            <a:ext cx="1828800" cy="731400"/>
+          </a:xfrm>
+          <a:prstGeom prst="rect">
+            <a:avLst/>
+          </a:prstGeom>
+        </p:spPr>
+        <p:txBody>
+          <a:bodyPr anchorCtr="0" anchor="b" bIns="91425" lIns="91425" spcFirstLastPara="1" rIns="91425" wrap="square" tIns="91425">
+            <a:noAutofit/>
+          </a:bodyPr>
+          <a:lstStyle/>
+          <a:p>
+            <a:pPr indent="0" lvl="0" marL="0" rtl="0" algn="r">
+              <a:spcBef>
+                <a:spcPts val="0"/>
+              </a:spcBef>
+              <a:spcAft>
+                <a:spcPts val="0"/>
+              </a:spcAft>
+              <a:buNone/>
+            </a:pPr>
+            <a:fld id="{00000000-1234-1234-1234-123412341234}" type="slidenum">
               <a:rPr lang="en"/>
-              <a:t>Licensed under the </a:t>
-            </a:r>
-            <a:r>
-              <a:rPr lang="en" u="sng">
+              <a:t>‹#›</a:t>
+            </a:fld>
+            <a:endParaRPr/>
+          </a:p>
+          <a:p>
+            <a:pPr indent="0" lvl="0" marL="0" rtl="0" algn="r">
+              <a:spcBef>
+                <a:spcPts val="0"/>
+              </a:spcBef>
+              <a:spcAft>
+                <a:spcPts val="0"/>
+              </a:spcAft>
+              <a:buNone/>
+            </a:pPr>
+            <a:r>
+              <a:rPr b="0" lang="en" sz="900" u="sng">
                 <a:solidFill>
                   <a:schemeClr val="hlink"/>
                 </a:solidFill>
-                <a:hlinkClick r:id="rId4"/>
+                <a:hlinkClick r:id="rId3"/>
               </a:rPr>
-              <a:t>CC BY 4.0 International</a:t>
-            </a:r>
-            <a:r>
-              <a:rPr lang="en"/>
-              <a:t> license</a:t>
-            </a:r>
-            <a:endParaRPr/>
-          </a:p>
-          <a:p>
-            <a:pPr indent="0" lvl="0" marL="0" rtl="0" algn="l">
-              <a:spcBef>
-                <a:spcPts val="1200"/>
-              </a:spcBef>
-              <a:spcAft>
-                <a:spcPts val="0"/>
-              </a:spcAft>
-              <a:buNone/>
-            </a:pPr>
-            <a:r>
-              <a:rPr lang="en"/>
-              <a:t>Copyright</a:t>
-            </a:r>
-            <a:endParaRPr/>
-          </a:p>
-          <a:p>
-            <a:pPr indent="-342900" lvl="0" marL="457200" rtl="0" algn="l">
-              <a:spcBef>
-                <a:spcPts val="1200"/>
-              </a:spcBef>
-              <a:spcAft>
-                <a:spcPts val="0"/>
-              </a:spcAft>
-              <a:buSzPts val="1800"/>
-              <a:buChar char="●"/>
-            </a:pPr>
-            <a:r>
-              <a:rPr lang="en"/>
-              <a:t>© Copyright 2023 Dirk Riehle, some rights reserved</a:t>
-            </a:r>
-            <a:endParaRPr/>
-          </a:p>
-          <a:p>
-            <a:pPr indent="0" lvl="0" marL="0" rtl="0" algn="l">
-              <a:spcBef>
-                <a:spcPts val="1200"/>
-              </a:spcBef>
-              <a:spcAft>
-                <a:spcPts val="1200"/>
-              </a:spcAft>
-              <a:buNone/>
-            </a:pPr>
-            <a:r>
-              <a:t/>
+              <a:t>https://profriehle.com</a:t>
+            </a:r>
+            <a:r>
+              <a:rPr b="0" lang="en" sz="900">
+                <a:solidFill>
+                  <a:schemeClr val="dk2"/>
+                </a:solidFill>
+              </a:rPr>
+              <a:t> </a:t>
             </a:r>
             <a:endParaRPr/>
           </a:p>
@@ -7889,7 +9770,7 @@
             </a:pPr>
             <a:r>
               <a:rPr lang="en"/>
-              <a:t>Documentation</a:t>
+              <a:t>Agenda</a:t>
             </a:r>
             <a:endParaRPr/>
           </a:p>
@@ -7918,18 +9799,204 @@
           </a:bodyPr>
           <a:lstStyle/>
           <a:p>
+            <a:pPr indent="-342900" lvl="0" marL="457200" rtl="0" algn="l">
+              <a:spcBef>
+                <a:spcPts val="0"/>
+              </a:spcBef>
+              <a:spcAft>
+                <a:spcPts val="0"/>
+              </a:spcAft>
+              <a:buSzPts val="1800"/>
+              <a:buAutoNum type="arabicPeriod"/>
+            </a:pPr>
+            <a:r>
+              <a:rPr lang="en"/>
+              <a:t>Demo day</a:t>
+            </a:r>
+            <a:endParaRPr/>
+          </a:p>
+          <a:p>
+            <a:pPr indent="-317500" lvl="1" marL="914400" rtl="0" algn="l">
+              <a:spcBef>
+                <a:spcPts val="1000"/>
+              </a:spcBef>
+              <a:spcAft>
+                <a:spcPts val="0"/>
+              </a:spcAft>
+              <a:buSzPts val="1400"/>
+              <a:buAutoNum type="alphaLcPeriod"/>
+            </a:pPr>
+            <a:r>
+              <a:rPr lang="en"/>
+              <a:t>Demo day slide</a:t>
+            </a:r>
+            <a:endParaRPr/>
+          </a:p>
+          <a:p>
+            <a:pPr indent="-317500" lvl="1" marL="914400" rtl="0" algn="l">
+              <a:spcBef>
+                <a:spcPts val="0"/>
+              </a:spcBef>
+              <a:spcAft>
+                <a:spcPts val="0"/>
+              </a:spcAft>
+              <a:buSzPts val="1400"/>
+              <a:buAutoNum type="alphaLcPeriod"/>
+            </a:pPr>
+            <a:r>
+              <a:rPr lang="en"/>
+              <a:t>Demo day posters</a:t>
+            </a:r>
+            <a:endParaRPr/>
+          </a:p>
+          <a:p>
+            <a:pPr indent="-317500" lvl="1" marL="914400" rtl="0" algn="l">
+              <a:spcBef>
+                <a:spcPts val="0"/>
+              </a:spcBef>
+              <a:spcAft>
+                <a:spcPts val="0"/>
+              </a:spcAft>
+              <a:buSzPts val="1400"/>
+              <a:buAutoNum type="alphaLcPeriod"/>
+            </a:pPr>
+            <a:r>
+              <a:rPr lang="en"/>
+              <a:t>Demo day video</a:t>
+            </a:r>
+            <a:endParaRPr/>
+          </a:p>
+          <a:p>
+            <a:pPr indent="-342900" lvl="0" marL="457200" rtl="0" algn="l">
+              <a:spcBef>
+                <a:spcPts val="1000"/>
+              </a:spcBef>
+              <a:spcAft>
+                <a:spcPts val="0"/>
+              </a:spcAft>
+              <a:buSzPts val="1800"/>
+              <a:buAutoNum type="arabicPeriod"/>
+            </a:pPr>
+            <a:r>
+              <a:rPr lang="en"/>
+              <a:t>Final release</a:t>
+            </a:r>
+            <a:endParaRPr/>
+          </a:p>
+          <a:p>
+            <a:pPr indent="-317500" lvl="1" marL="914400" rtl="0" algn="l">
+              <a:spcBef>
+                <a:spcPts val="1000"/>
+              </a:spcBef>
+              <a:spcAft>
+                <a:spcPts val="0"/>
+              </a:spcAft>
+              <a:buSzPts val="1400"/>
+              <a:buAutoNum type="alphaLcPeriod"/>
+            </a:pPr>
+            <a:r>
+              <a:rPr lang="en"/>
+              <a:t>Final documentation</a:t>
+            </a:r>
+            <a:endParaRPr/>
+          </a:p>
+          <a:p>
+            <a:pPr indent="-317500" lvl="1" marL="914400" rtl="0" algn="l">
+              <a:spcBef>
+                <a:spcPts val="0"/>
+              </a:spcBef>
+              <a:spcAft>
+                <a:spcPts val="0"/>
+              </a:spcAft>
+              <a:buSzPts val="1400"/>
+              <a:buAutoNum type="alphaLcPeriod"/>
+            </a:pPr>
+            <a:r>
+              <a:rPr lang="en"/>
+              <a:t>Final planning documents</a:t>
+            </a:r>
+            <a:endParaRPr/>
+          </a:p>
+          <a:p>
+            <a:pPr indent="-317500" lvl="1" marL="914400" rtl="0" algn="l">
+              <a:spcBef>
+                <a:spcPts val="0"/>
+              </a:spcBef>
+              <a:spcAft>
+                <a:spcPts val="0"/>
+              </a:spcAft>
+              <a:buSzPts val="1400"/>
+              <a:buAutoNum type="alphaLcPeriod"/>
+            </a:pPr>
+            <a:r>
+              <a:rPr lang="en"/>
+              <a:t>Final release tag</a:t>
+            </a:r>
+            <a:endParaRPr/>
+          </a:p>
+          <a:p>
+            <a:pPr indent="-342900" lvl="0" marL="457200" rtl="0" algn="l">
+              <a:spcBef>
+                <a:spcPts val="1000"/>
+              </a:spcBef>
+              <a:spcAft>
+                <a:spcPts val="0"/>
+              </a:spcAft>
+              <a:buSzPts val="1800"/>
+              <a:buAutoNum type="arabicPeriod"/>
+            </a:pPr>
+            <a:r>
+              <a:rPr lang="en"/>
+              <a:t>After-work</a:t>
+            </a:r>
+            <a:endParaRPr/>
+          </a:p>
+          <a:p>
+            <a:pPr indent="-317500" lvl="1" marL="914400" rtl="0" algn="l">
+              <a:spcBef>
+                <a:spcPts val="1000"/>
+              </a:spcBef>
+              <a:spcAft>
+                <a:spcPts val="0"/>
+              </a:spcAft>
+              <a:buSzPts val="1400"/>
+              <a:buAutoNum type="alphaLcPeriod"/>
+            </a:pPr>
+            <a:r>
+              <a:rPr lang="en"/>
+              <a:t>Project report</a:t>
+            </a:r>
+            <a:endParaRPr/>
+          </a:p>
+          <a:p>
+            <a:pPr indent="-317500" lvl="1" marL="914400" rtl="0" algn="l">
+              <a:spcBef>
+                <a:spcPts val="0"/>
+              </a:spcBef>
+              <a:spcAft>
+                <a:spcPts val="0"/>
+              </a:spcAft>
+              <a:buSzPts val="1400"/>
+              <a:buAutoNum type="alphaLcPeriod"/>
+            </a:pPr>
+            <a:r>
+              <a:rPr lang="en"/>
+              <a:t>Project retrospective</a:t>
+            </a:r>
+            <a:endParaRPr/>
+          </a:p>
+          <a:p>
             <a:pPr indent="0" lvl="0" marL="0" rtl="0" algn="l">
               <a:spcBef>
-                <a:spcPts val="0"/>
-              </a:spcBef>
-              <a:spcAft>
                 <a:spcPts val="1200"/>
-              </a:spcAft>
-              <a:buNone/>
-            </a:pPr>
-            <a:r>
-              <a:rPr lang="en"/>
-              <a:t>Documentation has been initialized and is being maintained</a:t>
+              </a:spcBef>
+              <a:spcAft>
+                <a:spcPts val="1000"/>
+              </a:spcAft>
+              <a:buNone/>
+            </a:pPr>
+            <a:r>
+              <a:t/>
             </a:r>
             <a:endParaRPr/>
           </a:p>
@@ -7999,6 +10066,1561 @@
                 </a:solidFill>
               </a:rPr>
               <a:t> </a:t>
+            </a:r>
+            <a:endParaRPr/>
+          </a:p>
+        </p:txBody>
+      </p:sp>
+    </p:spTree>
+  </p:cSld>
+  <p:clrMapOvr>
+    <a:masterClrMapping/>
+  </p:clrMapOvr>
+</p:sld>
+</file>
+
+<file path=ppt/slides/slide20.xml><?xml version="1.0" encoding="utf-8"?>
+<p:sld xmlns:a="http://schemas.openxmlformats.org/drawingml/2006/main" xmlns:r="http://schemas.openxmlformats.org/officeDocument/2006/relationships" xmlns:mc="http://schemas.openxmlformats.org/markup-compatibility/2006" xmlns:mv="urn:schemas-microsoft-com:mac:vml" xmlns:p="http://schemas.openxmlformats.org/presentationml/2006/main" xmlns:c="http://schemas.openxmlformats.org/drawingml/2006/chart" xmlns:dgm="http://schemas.openxmlformats.org/drawingml/2006/diagram" xmlns:o="urn:schemas-microsoft-com:office:office" xmlns:v="urn:schemas-microsoft-com:vml" xmlns:pvml="urn:schemas-microsoft-com:office:powerpoint" xmlns:com="http://schemas.openxmlformats.org/drawingml/2006/compatibility" xmlns:p14="http://schemas.microsoft.com/office/powerpoint/2010/main" xmlns:p15="http://schemas.microsoft.com/office/powerpoint/2012/main" xmlns:ahyp="http://schemas.microsoft.com/office/drawing/2018/hyperlinkcolor">
+  <p:cSld>
+    <p:spTree>
+      <p:nvGrpSpPr>
+        <p:cNvPr id="166" name="Shape 166"/>
+        <p:cNvGrpSpPr/>
+        <p:nvPr/>
+      </p:nvGrpSpPr>
+      <p:grpSpPr>
+        <a:xfrm>
+          <a:off x="0" y="0"/>
+          <a:ext cx="0" cy="0"/>
+          <a:chOff x="0" y="0"/>
+          <a:chExt cx="0" cy="0"/>
+        </a:xfrm>
+      </p:grpSpPr>
+      <p:sp>
+        <p:nvSpPr>
+          <p:cNvPr id="167" name="Google Shape;167;p27"/>
+          <p:cNvSpPr txBox="1"/>
+          <p:nvPr>
+            <p:ph type="title"/>
+          </p:nvPr>
+        </p:nvSpPr>
+        <p:spPr>
+          <a:xfrm>
+            <a:off x="0" y="0"/>
+            <a:ext cx="9144000" cy="685800"/>
+          </a:xfrm>
+          <a:prstGeom prst="rect">
+            <a:avLst/>
+          </a:prstGeom>
+        </p:spPr>
+        <p:txBody>
+          <a:bodyPr anchorCtr="0" anchor="ctr" bIns="91425" lIns="274300" spcFirstLastPara="1" rIns="91425" wrap="square" tIns="91425">
+            <a:noAutofit/>
+          </a:bodyPr>
+          <a:lstStyle/>
+          <a:p>
+            <a:pPr indent="0" lvl="0" marL="0" rtl="0" algn="l">
+              <a:spcBef>
+                <a:spcPts val="0"/>
+              </a:spcBef>
+              <a:spcAft>
+                <a:spcPts val="0"/>
+              </a:spcAft>
+              <a:buNone/>
+            </a:pPr>
+            <a:r>
+              <a:rPr lang="en"/>
+              <a:t>One-Time Deliverable: Final Planning Documents</a:t>
+            </a:r>
+            <a:endParaRPr/>
+          </a:p>
+        </p:txBody>
+      </p:sp>
+      <p:sp>
+        <p:nvSpPr>
+          <p:cNvPr id="168" name="Google Shape;168;p27"/>
+          <p:cNvSpPr txBox="1"/>
+          <p:nvPr>
+            <p:ph idx="1" type="body"/>
+          </p:nvPr>
+        </p:nvSpPr>
+        <p:spPr>
+          <a:xfrm>
+            <a:off x="274320" y="914400"/>
+            <a:ext cx="8595300" cy="4114800"/>
+          </a:xfrm>
+          <a:prstGeom prst="rect">
+            <a:avLst/>
+          </a:prstGeom>
+        </p:spPr>
+        <p:txBody>
+          <a:bodyPr anchorCtr="0" anchor="t" bIns="0" lIns="0" spcFirstLastPara="1" rIns="0" wrap="square" tIns="0">
+            <a:noAutofit/>
+          </a:bodyPr>
+          <a:lstStyle/>
+          <a:p>
+            <a:pPr indent="0" lvl="0" marL="0" rtl="0" algn="l">
+              <a:spcBef>
+                <a:spcPts val="0"/>
+              </a:spcBef>
+              <a:spcAft>
+                <a:spcPts val="1200"/>
+              </a:spcAft>
+              <a:buNone/>
+            </a:pPr>
+            <a:r>
+              <a:rPr lang="en"/>
+              <a:t>Please clean up your planning documents, in particular the final release plan</a:t>
+            </a:r>
+            <a:endParaRPr/>
+          </a:p>
+        </p:txBody>
+      </p:sp>
+      <p:sp>
+        <p:nvSpPr>
+          <p:cNvPr id="169" name="Google Shape;169;p27"/>
+          <p:cNvSpPr txBox="1"/>
+          <p:nvPr>
+            <p:ph idx="12" type="sldNum"/>
+          </p:nvPr>
+        </p:nvSpPr>
+        <p:spPr>
+          <a:xfrm>
+            <a:off x="7315202" y="4416550"/>
+            <a:ext cx="1828800" cy="731400"/>
+          </a:xfrm>
+          <a:prstGeom prst="rect">
+            <a:avLst/>
+          </a:prstGeom>
+        </p:spPr>
+        <p:txBody>
+          <a:bodyPr anchorCtr="0" anchor="b" bIns="91425" lIns="91425" spcFirstLastPara="1" rIns="91425" wrap="square" tIns="91425">
+            <a:noAutofit/>
+          </a:bodyPr>
+          <a:lstStyle/>
+          <a:p>
+            <a:pPr indent="0" lvl="0" marL="0" rtl="0" algn="r">
+              <a:spcBef>
+                <a:spcPts val="0"/>
+              </a:spcBef>
+              <a:spcAft>
+                <a:spcPts val="0"/>
+              </a:spcAft>
+              <a:buNone/>
+            </a:pPr>
+            <a:fld id="{00000000-1234-1234-1234-123412341234}" type="slidenum">
+              <a:rPr lang="en"/>
+              <a:t>‹#›</a:t>
+            </a:fld>
+            <a:endParaRPr/>
+          </a:p>
+          <a:p>
+            <a:pPr indent="0" lvl="0" marL="0" rtl="0" algn="r">
+              <a:spcBef>
+                <a:spcPts val="0"/>
+              </a:spcBef>
+              <a:spcAft>
+                <a:spcPts val="0"/>
+              </a:spcAft>
+              <a:buNone/>
+            </a:pPr>
+            <a:r>
+              <a:rPr b="0" lang="en" sz="900" u="sng">
+                <a:solidFill>
+                  <a:schemeClr val="hlink"/>
+                </a:solidFill>
+                <a:hlinkClick r:id="rId3"/>
+              </a:rPr>
+              <a:t>https://profriehle.com</a:t>
+            </a:r>
+            <a:r>
+              <a:rPr b="0" lang="en" sz="900">
+                <a:solidFill>
+                  <a:schemeClr val="dk2"/>
+                </a:solidFill>
+              </a:rPr>
+              <a:t> </a:t>
+            </a:r>
+            <a:endParaRPr/>
+          </a:p>
+        </p:txBody>
+      </p:sp>
+    </p:spTree>
+  </p:cSld>
+  <p:clrMapOvr>
+    <a:masterClrMapping/>
+  </p:clrMapOvr>
+</p:sld>
+</file>
+
+<file path=ppt/slides/slide21.xml><?xml version="1.0" encoding="utf-8"?>
+<p:sld xmlns:a="http://schemas.openxmlformats.org/drawingml/2006/main" xmlns:r="http://schemas.openxmlformats.org/officeDocument/2006/relationships" xmlns:mc="http://schemas.openxmlformats.org/markup-compatibility/2006" xmlns:mv="urn:schemas-microsoft-com:mac:vml" xmlns:p="http://schemas.openxmlformats.org/presentationml/2006/main" xmlns:c="http://schemas.openxmlformats.org/drawingml/2006/chart" xmlns:dgm="http://schemas.openxmlformats.org/drawingml/2006/diagram" xmlns:o="urn:schemas-microsoft-com:office:office" xmlns:v="urn:schemas-microsoft-com:vml" xmlns:pvml="urn:schemas-microsoft-com:office:powerpoint" xmlns:com="http://schemas.openxmlformats.org/drawingml/2006/compatibility" xmlns:p14="http://schemas.microsoft.com/office/powerpoint/2010/main" xmlns:p15="http://schemas.microsoft.com/office/powerpoint/2012/main" xmlns:ahyp="http://schemas.microsoft.com/office/drawing/2018/hyperlinkcolor">
+  <p:cSld>
+    <p:spTree>
+      <p:nvGrpSpPr>
+        <p:cNvPr id="173" name="Shape 173"/>
+        <p:cNvGrpSpPr/>
+        <p:nvPr/>
+      </p:nvGrpSpPr>
+      <p:grpSpPr>
+        <a:xfrm>
+          <a:off x="0" y="0"/>
+          <a:ext cx="0" cy="0"/>
+          <a:chOff x="0" y="0"/>
+          <a:chExt cx="0" cy="0"/>
+        </a:xfrm>
+      </p:grpSpPr>
+      <p:sp>
+        <p:nvSpPr>
+          <p:cNvPr id="174" name="Google Shape;174;p28"/>
+          <p:cNvSpPr txBox="1"/>
+          <p:nvPr>
+            <p:ph type="title"/>
+          </p:nvPr>
+        </p:nvSpPr>
+        <p:spPr>
+          <a:xfrm>
+            <a:off x="0" y="0"/>
+            <a:ext cx="9144000" cy="685800"/>
+          </a:xfrm>
+          <a:prstGeom prst="rect">
+            <a:avLst/>
+          </a:prstGeom>
+        </p:spPr>
+        <p:txBody>
+          <a:bodyPr anchorCtr="0" anchor="ctr" bIns="91425" lIns="274300" spcFirstLastPara="1" rIns="91425" wrap="square" tIns="91425">
+            <a:noAutofit/>
+          </a:bodyPr>
+          <a:lstStyle/>
+          <a:p>
+            <a:pPr indent="0" lvl="0" marL="0" rtl="0" algn="l">
+              <a:spcBef>
+                <a:spcPts val="0"/>
+              </a:spcBef>
+              <a:spcAft>
+                <a:spcPts val="0"/>
+              </a:spcAft>
+              <a:buNone/>
+            </a:pPr>
+            <a:r>
+              <a:rPr lang="en"/>
+              <a:t>One-Time Deliverable: Final Release Tag</a:t>
+            </a:r>
+            <a:endParaRPr/>
+          </a:p>
+        </p:txBody>
+      </p:sp>
+      <p:sp>
+        <p:nvSpPr>
+          <p:cNvPr id="175" name="Google Shape;175;p28"/>
+          <p:cNvSpPr txBox="1"/>
+          <p:nvPr>
+            <p:ph idx="1" type="body"/>
+          </p:nvPr>
+        </p:nvSpPr>
+        <p:spPr>
+          <a:xfrm>
+            <a:off x="274320" y="914400"/>
+            <a:ext cx="8595300" cy="4114800"/>
+          </a:xfrm>
+          <a:prstGeom prst="rect">
+            <a:avLst/>
+          </a:prstGeom>
+        </p:spPr>
+        <p:txBody>
+          <a:bodyPr anchorCtr="0" anchor="t" bIns="0" lIns="0" spcFirstLastPara="1" rIns="0" wrap="square" tIns="0">
+            <a:noAutofit/>
+          </a:bodyPr>
+          <a:lstStyle/>
+          <a:p>
+            <a:pPr indent="0" lvl="0" marL="0" rtl="0" algn="l">
+              <a:spcBef>
+                <a:spcPts val="0"/>
+              </a:spcBef>
+              <a:spcAft>
+                <a:spcPts val="1200"/>
+              </a:spcAft>
+              <a:buNone/>
+            </a:pPr>
+            <a:r>
+              <a:rPr lang="en"/>
+              <a:t>Please clean up your code base, in particular set the final-release tag</a:t>
+            </a:r>
+            <a:endParaRPr/>
+          </a:p>
+        </p:txBody>
+      </p:sp>
+      <p:sp>
+        <p:nvSpPr>
+          <p:cNvPr id="176" name="Google Shape;176;p28"/>
+          <p:cNvSpPr txBox="1"/>
+          <p:nvPr>
+            <p:ph idx="12" type="sldNum"/>
+          </p:nvPr>
+        </p:nvSpPr>
+        <p:spPr>
+          <a:xfrm>
+            <a:off x="7315202" y="4416550"/>
+            <a:ext cx="1828800" cy="731400"/>
+          </a:xfrm>
+          <a:prstGeom prst="rect">
+            <a:avLst/>
+          </a:prstGeom>
+        </p:spPr>
+        <p:txBody>
+          <a:bodyPr anchorCtr="0" anchor="b" bIns="91425" lIns="91425" spcFirstLastPara="1" rIns="91425" wrap="square" tIns="91425">
+            <a:noAutofit/>
+          </a:bodyPr>
+          <a:lstStyle/>
+          <a:p>
+            <a:pPr indent="0" lvl="0" marL="0" rtl="0" algn="r">
+              <a:spcBef>
+                <a:spcPts val="0"/>
+              </a:spcBef>
+              <a:spcAft>
+                <a:spcPts val="0"/>
+              </a:spcAft>
+              <a:buNone/>
+            </a:pPr>
+            <a:fld id="{00000000-1234-1234-1234-123412341234}" type="slidenum">
+              <a:rPr lang="en"/>
+              <a:t>‹#›</a:t>
+            </a:fld>
+            <a:endParaRPr/>
+          </a:p>
+          <a:p>
+            <a:pPr indent="0" lvl="0" marL="0" rtl="0" algn="r">
+              <a:spcBef>
+                <a:spcPts val="0"/>
+              </a:spcBef>
+              <a:spcAft>
+                <a:spcPts val="0"/>
+              </a:spcAft>
+              <a:buNone/>
+            </a:pPr>
+            <a:r>
+              <a:rPr b="0" lang="en" sz="900" u="sng">
+                <a:solidFill>
+                  <a:schemeClr val="hlink"/>
+                </a:solidFill>
+                <a:hlinkClick r:id="rId3"/>
+              </a:rPr>
+              <a:t>https://profriehle.com</a:t>
+            </a:r>
+            <a:r>
+              <a:rPr b="0" lang="en" sz="900">
+                <a:solidFill>
+                  <a:schemeClr val="dk2"/>
+                </a:solidFill>
+              </a:rPr>
+              <a:t> </a:t>
+            </a:r>
+            <a:endParaRPr/>
+          </a:p>
+        </p:txBody>
+      </p:sp>
+    </p:spTree>
+  </p:cSld>
+  <p:clrMapOvr>
+    <a:masterClrMapping/>
+  </p:clrMapOvr>
+</p:sld>
+</file>
+
+<file path=ppt/slides/slide22.xml><?xml version="1.0" encoding="utf-8"?>
+<p:sld xmlns:a="http://schemas.openxmlformats.org/drawingml/2006/main" xmlns:r="http://schemas.openxmlformats.org/officeDocument/2006/relationships" xmlns:mc="http://schemas.openxmlformats.org/markup-compatibility/2006" xmlns:mv="urn:schemas-microsoft-com:mac:vml" xmlns:p="http://schemas.openxmlformats.org/presentationml/2006/main" xmlns:c="http://schemas.openxmlformats.org/drawingml/2006/chart" xmlns:dgm="http://schemas.openxmlformats.org/drawingml/2006/diagram" xmlns:o="urn:schemas-microsoft-com:office:office" xmlns:v="urn:schemas-microsoft-com:vml" xmlns:pvml="urn:schemas-microsoft-com:office:powerpoint" xmlns:com="http://schemas.openxmlformats.org/drawingml/2006/compatibility" xmlns:p14="http://schemas.microsoft.com/office/powerpoint/2010/main" xmlns:p15="http://schemas.microsoft.com/office/powerpoint/2012/main" xmlns:ahyp="http://schemas.microsoft.com/office/drawing/2018/hyperlinkcolor">
+  <p:cSld>
+    <p:spTree>
+      <p:nvGrpSpPr>
+        <p:cNvPr id="180" name="Shape 180"/>
+        <p:cNvGrpSpPr/>
+        <p:nvPr/>
+      </p:nvGrpSpPr>
+      <p:grpSpPr>
+        <a:xfrm>
+          <a:off x="0" y="0"/>
+          <a:ext cx="0" cy="0"/>
+          <a:chOff x="0" y="0"/>
+          <a:chExt cx="0" cy="0"/>
+        </a:xfrm>
+      </p:grpSpPr>
+      <p:sp>
+        <p:nvSpPr>
+          <p:cNvPr id="181" name="Google Shape;181;p29"/>
+          <p:cNvSpPr txBox="1"/>
+          <p:nvPr>
+            <p:ph type="title"/>
+          </p:nvPr>
+        </p:nvSpPr>
+        <p:spPr>
+          <a:xfrm>
+            <a:off x="0" y="-7"/>
+            <a:ext cx="9144000" cy="2386500"/>
+          </a:xfrm>
+          <a:prstGeom prst="rect">
+            <a:avLst/>
+          </a:prstGeom>
+        </p:spPr>
+        <p:txBody>
+          <a:bodyPr anchorCtr="0" anchor="b" bIns="274300" lIns="91425" spcFirstLastPara="1" rIns="91425" wrap="square" tIns="91425">
+            <a:noAutofit/>
+          </a:bodyPr>
+          <a:lstStyle/>
+          <a:p>
+            <a:pPr indent="0" lvl="0" marL="0" rtl="0" algn="ctr">
+              <a:spcBef>
+                <a:spcPts val="0"/>
+              </a:spcBef>
+              <a:spcAft>
+                <a:spcPts val="0"/>
+              </a:spcAft>
+              <a:buNone/>
+            </a:pPr>
+            <a:r>
+              <a:rPr lang="en"/>
+              <a:t>3. After-work</a:t>
+            </a:r>
+            <a:endParaRPr/>
+          </a:p>
+        </p:txBody>
+      </p:sp>
+    </p:spTree>
+  </p:cSld>
+  <p:clrMapOvr>
+    <a:masterClrMapping/>
+  </p:clrMapOvr>
+</p:sld>
+</file>
+
+<file path=ppt/slides/slide23.xml><?xml version="1.0" encoding="utf-8"?>
+<p:sld xmlns:a="http://schemas.openxmlformats.org/drawingml/2006/main" xmlns:r="http://schemas.openxmlformats.org/officeDocument/2006/relationships" xmlns:mc="http://schemas.openxmlformats.org/markup-compatibility/2006" xmlns:mv="urn:schemas-microsoft-com:mac:vml" xmlns:p="http://schemas.openxmlformats.org/presentationml/2006/main" xmlns:c="http://schemas.openxmlformats.org/drawingml/2006/chart" xmlns:dgm="http://schemas.openxmlformats.org/drawingml/2006/diagram" xmlns:o="urn:schemas-microsoft-com:office:office" xmlns:v="urn:schemas-microsoft-com:vml" xmlns:pvml="urn:schemas-microsoft-com:office:powerpoint" xmlns:com="http://schemas.openxmlformats.org/drawingml/2006/compatibility" xmlns:p14="http://schemas.microsoft.com/office/powerpoint/2010/main" xmlns:p15="http://schemas.microsoft.com/office/powerpoint/2012/main" xmlns:ahyp="http://schemas.microsoft.com/office/drawing/2018/hyperlinkcolor">
+  <p:cSld>
+    <p:spTree>
+      <p:nvGrpSpPr>
+        <p:cNvPr id="185" name="Shape 185"/>
+        <p:cNvGrpSpPr/>
+        <p:nvPr/>
+      </p:nvGrpSpPr>
+      <p:grpSpPr>
+        <a:xfrm>
+          <a:off x="0" y="0"/>
+          <a:ext cx="0" cy="0"/>
+          <a:chOff x="0" y="0"/>
+          <a:chExt cx="0" cy="0"/>
+        </a:xfrm>
+      </p:grpSpPr>
+      <p:sp>
+        <p:nvSpPr>
+          <p:cNvPr id="186" name="Google Shape;186;p30"/>
+          <p:cNvSpPr txBox="1"/>
+          <p:nvPr>
+            <p:ph type="title"/>
+          </p:nvPr>
+        </p:nvSpPr>
+        <p:spPr>
+          <a:xfrm>
+            <a:off x="0" y="0"/>
+            <a:ext cx="9144000" cy="685800"/>
+          </a:xfrm>
+          <a:prstGeom prst="rect">
+            <a:avLst/>
+          </a:prstGeom>
+        </p:spPr>
+        <p:txBody>
+          <a:bodyPr anchorCtr="0" anchor="ctr" bIns="91425" lIns="274300" spcFirstLastPara="1" rIns="91425" wrap="square" tIns="91425">
+            <a:noAutofit/>
+          </a:bodyPr>
+          <a:lstStyle/>
+          <a:p>
+            <a:pPr indent="0" lvl="0" marL="0" rtl="0" algn="l">
+              <a:spcBef>
+                <a:spcPts val="0"/>
+              </a:spcBef>
+              <a:spcAft>
+                <a:spcPts val="0"/>
+              </a:spcAft>
+              <a:buNone/>
+            </a:pPr>
+            <a:r>
+              <a:rPr lang="en"/>
+              <a:t>One-Time Deliverable: Project Report</a:t>
+            </a:r>
+            <a:endParaRPr/>
+          </a:p>
+        </p:txBody>
+      </p:sp>
+      <p:sp>
+        <p:nvSpPr>
+          <p:cNvPr id="187" name="Google Shape;187;p30"/>
+          <p:cNvSpPr txBox="1"/>
+          <p:nvPr>
+            <p:ph idx="1" type="body"/>
+          </p:nvPr>
+        </p:nvSpPr>
+        <p:spPr>
+          <a:xfrm>
+            <a:off x="274320" y="914400"/>
+            <a:ext cx="8595300" cy="4114800"/>
+          </a:xfrm>
+          <a:prstGeom prst="rect">
+            <a:avLst/>
+          </a:prstGeom>
+        </p:spPr>
+        <p:txBody>
+          <a:bodyPr anchorCtr="0" anchor="t" bIns="0" lIns="0" spcFirstLastPara="1" rIns="0" wrap="square" tIns="0">
+            <a:noAutofit/>
+          </a:bodyPr>
+          <a:lstStyle/>
+          <a:p>
+            <a:pPr indent="0" lvl="0" marL="0" rtl="0" algn="l">
+              <a:spcBef>
+                <a:spcPts val="0"/>
+              </a:spcBef>
+              <a:spcAft>
+                <a:spcPts val="0"/>
+              </a:spcAft>
+              <a:buNone/>
+            </a:pPr>
+            <a:r>
+              <a:rPr lang="en"/>
+              <a:t>Please create a project report using out template</a:t>
+            </a:r>
+            <a:endParaRPr/>
+          </a:p>
+          <a:p>
+            <a:pPr indent="-342900" lvl="0" marL="457200" rtl="0" algn="l">
+              <a:spcBef>
+                <a:spcPts val="1200"/>
+              </a:spcBef>
+              <a:spcAft>
+                <a:spcPts val="0"/>
+              </a:spcAft>
+              <a:buSzPts val="1800"/>
+              <a:buChar char="●"/>
+            </a:pPr>
+            <a:r>
+              <a:rPr lang="en"/>
+              <a:t>The report will be posted on our blog and on LinkedIn (together with your video)</a:t>
+            </a:r>
+            <a:endParaRPr/>
+          </a:p>
+        </p:txBody>
+      </p:sp>
+      <p:sp>
+        <p:nvSpPr>
+          <p:cNvPr id="188" name="Google Shape;188;p30"/>
+          <p:cNvSpPr txBox="1"/>
+          <p:nvPr>
+            <p:ph idx="12" type="sldNum"/>
+          </p:nvPr>
+        </p:nvSpPr>
+        <p:spPr>
+          <a:xfrm>
+            <a:off x="7315202" y="4416550"/>
+            <a:ext cx="1828800" cy="731400"/>
+          </a:xfrm>
+          <a:prstGeom prst="rect">
+            <a:avLst/>
+          </a:prstGeom>
+        </p:spPr>
+        <p:txBody>
+          <a:bodyPr anchorCtr="0" anchor="b" bIns="91425" lIns="91425" spcFirstLastPara="1" rIns="91425" wrap="square" tIns="91425">
+            <a:noAutofit/>
+          </a:bodyPr>
+          <a:lstStyle/>
+          <a:p>
+            <a:pPr indent="0" lvl="0" marL="0" rtl="0" algn="r">
+              <a:spcBef>
+                <a:spcPts val="0"/>
+              </a:spcBef>
+              <a:spcAft>
+                <a:spcPts val="0"/>
+              </a:spcAft>
+              <a:buNone/>
+            </a:pPr>
+            <a:fld id="{00000000-1234-1234-1234-123412341234}" type="slidenum">
+              <a:rPr lang="en"/>
+              <a:t>‹#›</a:t>
+            </a:fld>
+            <a:endParaRPr/>
+          </a:p>
+          <a:p>
+            <a:pPr indent="0" lvl="0" marL="0" rtl="0" algn="r">
+              <a:spcBef>
+                <a:spcPts val="0"/>
+              </a:spcBef>
+              <a:spcAft>
+                <a:spcPts val="0"/>
+              </a:spcAft>
+              <a:buNone/>
+            </a:pPr>
+            <a:r>
+              <a:rPr b="0" lang="en" sz="900" u="sng">
+                <a:solidFill>
+                  <a:schemeClr val="hlink"/>
+                </a:solidFill>
+                <a:hlinkClick r:id="rId3"/>
+              </a:rPr>
+              <a:t>https://profriehle.com</a:t>
+            </a:r>
+            <a:r>
+              <a:rPr b="0" lang="en" sz="900">
+                <a:solidFill>
+                  <a:schemeClr val="dk2"/>
+                </a:solidFill>
+              </a:rPr>
+              <a:t> </a:t>
+            </a:r>
+            <a:endParaRPr/>
+          </a:p>
+        </p:txBody>
+      </p:sp>
+    </p:spTree>
+  </p:cSld>
+  <p:clrMapOvr>
+    <a:masterClrMapping/>
+  </p:clrMapOvr>
+</p:sld>
+</file>
+
+<file path=ppt/slides/slide24.xml><?xml version="1.0" encoding="utf-8"?>
+<p:sld xmlns:a="http://schemas.openxmlformats.org/drawingml/2006/main" xmlns:r="http://schemas.openxmlformats.org/officeDocument/2006/relationships" xmlns:mc="http://schemas.openxmlformats.org/markup-compatibility/2006" xmlns:mv="urn:schemas-microsoft-com:mac:vml" xmlns:p="http://schemas.openxmlformats.org/presentationml/2006/main" xmlns:c="http://schemas.openxmlformats.org/drawingml/2006/chart" xmlns:dgm="http://schemas.openxmlformats.org/drawingml/2006/diagram" xmlns:o="urn:schemas-microsoft-com:office:office" xmlns:v="urn:schemas-microsoft-com:vml" xmlns:pvml="urn:schemas-microsoft-com:office:powerpoint" xmlns:com="http://schemas.openxmlformats.org/drawingml/2006/compatibility" xmlns:p14="http://schemas.microsoft.com/office/powerpoint/2010/main" xmlns:p15="http://schemas.microsoft.com/office/powerpoint/2012/main" xmlns:ahyp="http://schemas.microsoft.com/office/drawing/2018/hyperlinkcolor">
+  <p:cSld>
+    <p:spTree>
+      <p:nvGrpSpPr>
+        <p:cNvPr id="192" name="Shape 192"/>
+        <p:cNvGrpSpPr/>
+        <p:nvPr/>
+      </p:nvGrpSpPr>
+      <p:grpSpPr>
+        <a:xfrm>
+          <a:off x="0" y="0"/>
+          <a:ext cx="0" cy="0"/>
+          <a:chOff x="0" y="0"/>
+          <a:chExt cx="0" cy="0"/>
+        </a:xfrm>
+      </p:grpSpPr>
+      <p:sp>
+        <p:nvSpPr>
+          <p:cNvPr id="193" name="Google Shape;193;p31"/>
+          <p:cNvSpPr txBox="1"/>
+          <p:nvPr>
+            <p:ph type="title"/>
+          </p:nvPr>
+        </p:nvSpPr>
+        <p:spPr>
+          <a:xfrm>
+            <a:off x="0" y="0"/>
+            <a:ext cx="9144000" cy="685800"/>
+          </a:xfrm>
+          <a:prstGeom prst="rect">
+            <a:avLst/>
+          </a:prstGeom>
+        </p:spPr>
+        <p:txBody>
+          <a:bodyPr anchorCtr="0" anchor="ctr" bIns="91425" lIns="274300" spcFirstLastPara="1" rIns="91425" wrap="square" tIns="91425">
+            <a:noAutofit/>
+          </a:bodyPr>
+          <a:lstStyle/>
+          <a:p>
+            <a:pPr indent="0" lvl="0" marL="0" rtl="0" algn="l">
+              <a:spcBef>
+                <a:spcPts val="0"/>
+              </a:spcBef>
+              <a:spcAft>
+                <a:spcPts val="0"/>
+              </a:spcAft>
+              <a:buNone/>
+            </a:pPr>
+            <a:r>
+              <a:rPr lang="en"/>
+              <a:t>One-Time Deliverable: Project Retrospective</a:t>
+            </a:r>
+            <a:endParaRPr/>
+          </a:p>
+        </p:txBody>
+      </p:sp>
+      <p:sp>
+        <p:nvSpPr>
+          <p:cNvPr id="194" name="Google Shape;194;p31"/>
+          <p:cNvSpPr txBox="1"/>
+          <p:nvPr>
+            <p:ph idx="1" type="body"/>
+          </p:nvPr>
+        </p:nvSpPr>
+        <p:spPr>
+          <a:xfrm>
+            <a:off x="274320" y="914400"/>
+            <a:ext cx="8595300" cy="4114800"/>
+          </a:xfrm>
+          <a:prstGeom prst="rect">
+            <a:avLst/>
+          </a:prstGeom>
+        </p:spPr>
+        <p:txBody>
+          <a:bodyPr anchorCtr="0" anchor="t" bIns="0" lIns="0" spcFirstLastPara="1" rIns="0" wrap="square" tIns="0">
+            <a:noAutofit/>
+          </a:bodyPr>
+          <a:lstStyle/>
+          <a:p>
+            <a:pPr indent="0" lvl="0" marL="0" rtl="0" algn="l">
+              <a:spcBef>
+                <a:spcPts val="0"/>
+              </a:spcBef>
+              <a:spcAft>
+                <a:spcPts val="1200"/>
+              </a:spcAft>
+              <a:buNone/>
+            </a:pPr>
+            <a:r>
+              <a:rPr lang="en"/>
+              <a:t>Please perform a project retrospective (guided by your Scrum Master)</a:t>
+            </a:r>
+            <a:endParaRPr/>
+          </a:p>
+        </p:txBody>
+      </p:sp>
+      <p:sp>
+        <p:nvSpPr>
+          <p:cNvPr id="195" name="Google Shape;195;p31"/>
+          <p:cNvSpPr txBox="1"/>
+          <p:nvPr>
+            <p:ph idx="12" type="sldNum"/>
+          </p:nvPr>
+        </p:nvSpPr>
+        <p:spPr>
+          <a:xfrm>
+            <a:off x="7315202" y="4416550"/>
+            <a:ext cx="1828800" cy="731400"/>
+          </a:xfrm>
+          <a:prstGeom prst="rect">
+            <a:avLst/>
+          </a:prstGeom>
+        </p:spPr>
+        <p:txBody>
+          <a:bodyPr anchorCtr="0" anchor="b" bIns="91425" lIns="91425" spcFirstLastPara="1" rIns="91425" wrap="square" tIns="91425">
+            <a:noAutofit/>
+          </a:bodyPr>
+          <a:lstStyle/>
+          <a:p>
+            <a:pPr indent="0" lvl="0" marL="0" rtl="0" algn="r">
+              <a:spcBef>
+                <a:spcPts val="0"/>
+              </a:spcBef>
+              <a:spcAft>
+                <a:spcPts val="0"/>
+              </a:spcAft>
+              <a:buNone/>
+            </a:pPr>
+            <a:fld id="{00000000-1234-1234-1234-123412341234}" type="slidenum">
+              <a:rPr lang="en"/>
+              <a:t>‹#›</a:t>
+            </a:fld>
+            <a:endParaRPr/>
+          </a:p>
+          <a:p>
+            <a:pPr indent="0" lvl="0" marL="0" rtl="0" algn="r">
+              <a:spcBef>
+                <a:spcPts val="0"/>
+              </a:spcBef>
+              <a:spcAft>
+                <a:spcPts val="0"/>
+              </a:spcAft>
+              <a:buNone/>
+            </a:pPr>
+            <a:r>
+              <a:rPr b="0" lang="en" sz="900" u="sng">
+                <a:solidFill>
+                  <a:schemeClr val="hlink"/>
+                </a:solidFill>
+                <a:hlinkClick r:id="rId3"/>
+              </a:rPr>
+              <a:t>https://profriehle.com</a:t>
+            </a:r>
+            <a:r>
+              <a:rPr b="0" lang="en" sz="900">
+                <a:solidFill>
+                  <a:schemeClr val="dk2"/>
+                </a:solidFill>
+              </a:rPr>
+              <a:t> </a:t>
+            </a:r>
+            <a:endParaRPr/>
+          </a:p>
+        </p:txBody>
+      </p:sp>
+    </p:spTree>
+  </p:cSld>
+  <p:clrMapOvr>
+    <a:masterClrMapping/>
+  </p:clrMapOvr>
+</p:sld>
+</file>
+
+<file path=ppt/slides/slide25.xml><?xml version="1.0" encoding="utf-8"?>
+<p:sld xmlns:a="http://schemas.openxmlformats.org/drawingml/2006/main" xmlns:r="http://schemas.openxmlformats.org/officeDocument/2006/relationships" xmlns:mc="http://schemas.openxmlformats.org/markup-compatibility/2006" xmlns:mv="urn:schemas-microsoft-com:mac:vml" xmlns:p="http://schemas.openxmlformats.org/presentationml/2006/main" xmlns:c="http://schemas.openxmlformats.org/drawingml/2006/chart" xmlns:dgm="http://schemas.openxmlformats.org/drawingml/2006/diagram" xmlns:o="urn:schemas-microsoft-com:office:office" xmlns:v="urn:schemas-microsoft-com:vml" xmlns:pvml="urn:schemas-microsoft-com:office:powerpoint" xmlns:com="http://schemas.openxmlformats.org/drawingml/2006/compatibility" xmlns:p14="http://schemas.microsoft.com/office/powerpoint/2010/main" xmlns:p15="http://schemas.microsoft.com/office/powerpoint/2012/main" xmlns:ahyp="http://schemas.microsoft.com/office/drawing/2018/hyperlinkcolor">
+  <p:cSld>
+    <p:spTree>
+      <p:nvGrpSpPr>
+        <p:cNvPr id="199" name="Shape 199"/>
+        <p:cNvGrpSpPr/>
+        <p:nvPr/>
+      </p:nvGrpSpPr>
+      <p:grpSpPr>
+        <a:xfrm>
+          <a:off x="0" y="0"/>
+          <a:ext cx="0" cy="0"/>
+          <a:chOff x="0" y="0"/>
+          <a:chExt cx="0" cy="0"/>
+        </a:xfrm>
+      </p:grpSpPr>
+      <p:sp>
+        <p:nvSpPr>
+          <p:cNvPr id="200" name="Google Shape;200;p32"/>
+          <p:cNvSpPr txBox="1"/>
+          <p:nvPr>
+            <p:ph type="title"/>
+          </p:nvPr>
+        </p:nvSpPr>
+        <p:spPr>
+          <a:xfrm>
+            <a:off x="0" y="0"/>
+            <a:ext cx="9144000" cy="685800"/>
+          </a:xfrm>
+          <a:prstGeom prst="rect">
+            <a:avLst/>
+          </a:prstGeom>
+        </p:spPr>
+        <p:txBody>
+          <a:bodyPr anchorCtr="0" anchor="ctr" bIns="91425" lIns="274300" spcFirstLastPara="1" rIns="91425" wrap="square" tIns="91425">
+            <a:noAutofit/>
+          </a:bodyPr>
+          <a:lstStyle/>
+          <a:p>
+            <a:pPr indent="0" lvl="0" marL="0" rtl="0" algn="l">
+              <a:spcBef>
+                <a:spcPts val="0"/>
+              </a:spcBef>
+              <a:spcAft>
+                <a:spcPts val="0"/>
+              </a:spcAft>
+              <a:buNone/>
+            </a:pPr>
+            <a:r>
+              <a:rPr lang="en"/>
+              <a:t>Summary</a:t>
+            </a:r>
+            <a:endParaRPr/>
+          </a:p>
+        </p:txBody>
+      </p:sp>
+      <p:sp>
+        <p:nvSpPr>
+          <p:cNvPr id="201" name="Google Shape;201;p32"/>
+          <p:cNvSpPr txBox="1"/>
+          <p:nvPr>
+            <p:ph idx="1" type="body"/>
+          </p:nvPr>
+        </p:nvSpPr>
+        <p:spPr>
+          <a:xfrm>
+            <a:off x="274320" y="914400"/>
+            <a:ext cx="8595300" cy="4114800"/>
+          </a:xfrm>
+          <a:prstGeom prst="rect">
+            <a:avLst/>
+          </a:prstGeom>
+        </p:spPr>
+        <p:txBody>
+          <a:bodyPr anchorCtr="0" anchor="t" bIns="0" lIns="0" spcFirstLastPara="1" rIns="0" wrap="square" tIns="0">
+            <a:noAutofit/>
+          </a:bodyPr>
+          <a:lstStyle/>
+          <a:p>
+            <a:pPr indent="-342900" lvl="0" marL="457200" rtl="0" algn="l">
+              <a:spcBef>
+                <a:spcPts val="0"/>
+              </a:spcBef>
+              <a:spcAft>
+                <a:spcPts val="0"/>
+              </a:spcAft>
+              <a:buSzPts val="1800"/>
+              <a:buAutoNum type="arabicPeriod"/>
+            </a:pPr>
+            <a:r>
+              <a:rPr lang="en"/>
+              <a:t>Demo day</a:t>
+            </a:r>
+            <a:endParaRPr/>
+          </a:p>
+          <a:p>
+            <a:pPr indent="-317500" lvl="1" marL="914400" rtl="0" algn="l">
+              <a:spcBef>
+                <a:spcPts val="1000"/>
+              </a:spcBef>
+              <a:spcAft>
+                <a:spcPts val="0"/>
+              </a:spcAft>
+              <a:buSzPts val="1400"/>
+              <a:buAutoNum type="alphaLcPeriod"/>
+            </a:pPr>
+            <a:r>
+              <a:rPr lang="en"/>
+              <a:t>Demo day slide</a:t>
+            </a:r>
+            <a:endParaRPr/>
+          </a:p>
+          <a:p>
+            <a:pPr indent="-317500" lvl="1" marL="914400" rtl="0" algn="l">
+              <a:spcBef>
+                <a:spcPts val="0"/>
+              </a:spcBef>
+              <a:spcAft>
+                <a:spcPts val="0"/>
+              </a:spcAft>
+              <a:buSzPts val="1400"/>
+              <a:buAutoNum type="alphaLcPeriod"/>
+            </a:pPr>
+            <a:r>
+              <a:rPr lang="en"/>
+              <a:t>Demo day posters</a:t>
+            </a:r>
+            <a:endParaRPr/>
+          </a:p>
+          <a:p>
+            <a:pPr indent="-317500" lvl="1" marL="914400" rtl="0" algn="l">
+              <a:spcBef>
+                <a:spcPts val="0"/>
+              </a:spcBef>
+              <a:spcAft>
+                <a:spcPts val="0"/>
+              </a:spcAft>
+              <a:buSzPts val="1400"/>
+              <a:buAutoNum type="alphaLcPeriod"/>
+            </a:pPr>
+            <a:r>
+              <a:rPr lang="en"/>
+              <a:t>Demo day video</a:t>
+            </a:r>
+            <a:endParaRPr/>
+          </a:p>
+          <a:p>
+            <a:pPr indent="-342900" lvl="0" marL="457200" rtl="0" algn="l">
+              <a:spcBef>
+                <a:spcPts val="1000"/>
+              </a:spcBef>
+              <a:spcAft>
+                <a:spcPts val="0"/>
+              </a:spcAft>
+              <a:buSzPts val="1800"/>
+              <a:buAutoNum type="arabicPeriod"/>
+            </a:pPr>
+            <a:r>
+              <a:rPr lang="en"/>
+              <a:t>Final release</a:t>
+            </a:r>
+            <a:endParaRPr/>
+          </a:p>
+          <a:p>
+            <a:pPr indent="-317500" lvl="1" marL="914400" rtl="0" algn="l">
+              <a:spcBef>
+                <a:spcPts val="1000"/>
+              </a:spcBef>
+              <a:spcAft>
+                <a:spcPts val="0"/>
+              </a:spcAft>
+              <a:buSzPts val="1400"/>
+              <a:buAutoNum type="alphaLcPeriod"/>
+            </a:pPr>
+            <a:r>
+              <a:rPr lang="en"/>
+              <a:t>Final documentation</a:t>
+            </a:r>
+            <a:endParaRPr/>
+          </a:p>
+          <a:p>
+            <a:pPr indent="-317500" lvl="1" marL="914400" rtl="0" algn="l">
+              <a:spcBef>
+                <a:spcPts val="0"/>
+              </a:spcBef>
+              <a:spcAft>
+                <a:spcPts val="0"/>
+              </a:spcAft>
+              <a:buSzPts val="1400"/>
+              <a:buAutoNum type="alphaLcPeriod"/>
+            </a:pPr>
+            <a:r>
+              <a:rPr lang="en"/>
+              <a:t>Final planning documents</a:t>
+            </a:r>
+            <a:endParaRPr/>
+          </a:p>
+          <a:p>
+            <a:pPr indent="-317500" lvl="1" marL="914400" rtl="0" algn="l">
+              <a:spcBef>
+                <a:spcPts val="0"/>
+              </a:spcBef>
+              <a:spcAft>
+                <a:spcPts val="0"/>
+              </a:spcAft>
+              <a:buSzPts val="1400"/>
+              <a:buAutoNum type="alphaLcPeriod"/>
+            </a:pPr>
+            <a:r>
+              <a:rPr lang="en"/>
+              <a:t>Final release tag</a:t>
+            </a:r>
+            <a:endParaRPr/>
+          </a:p>
+          <a:p>
+            <a:pPr indent="-342900" lvl="0" marL="457200" rtl="0" algn="l">
+              <a:spcBef>
+                <a:spcPts val="1000"/>
+              </a:spcBef>
+              <a:spcAft>
+                <a:spcPts val="0"/>
+              </a:spcAft>
+              <a:buSzPts val="1800"/>
+              <a:buAutoNum type="arabicPeriod"/>
+            </a:pPr>
+            <a:r>
+              <a:rPr lang="en"/>
+              <a:t>After-work</a:t>
+            </a:r>
+            <a:endParaRPr/>
+          </a:p>
+          <a:p>
+            <a:pPr indent="-317500" lvl="1" marL="914400" rtl="0" algn="l">
+              <a:spcBef>
+                <a:spcPts val="1000"/>
+              </a:spcBef>
+              <a:spcAft>
+                <a:spcPts val="0"/>
+              </a:spcAft>
+              <a:buSzPts val="1400"/>
+              <a:buAutoNum type="alphaLcPeriod"/>
+            </a:pPr>
+            <a:r>
+              <a:rPr lang="en"/>
+              <a:t>Project report</a:t>
+            </a:r>
+            <a:endParaRPr/>
+          </a:p>
+          <a:p>
+            <a:pPr indent="-317500" lvl="1" marL="914400" rtl="0" algn="l">
+              <a:spcBef>
+                <a:spcPts val="0"/>
+              </a:spcBef>
+              <a:spcAft>
+                <a:spcPts val="0"/>
+              </a:spcAft>
+              <a:buSzPts val="1400"/>
+              <a:buAutoNum type="alphaLcPeriod"/>
+            </a:pPr>
+            <a:r>
+              <a:rPr lang="en"/>
+              <a:t>Project retrospective</a:t>
+            </a:r>
+            <a:endParaRPr/>
+          </a:p>
+        </p:txBody>
+      </p:sp>
+      <p:sp>
+        <p:nvSpPr>
+          <p:cNvPr id="202" name="Google Shape;202;p32"/>
+          <p:cNvSpPr txBox="1"/>
+          <p:nvPr>
+            <p:ph idx="12" type="sldNum"/>
+          </p:nvPr>
+        </p:nvSpPr>
+        <p:spPr>
+          <a:xfrm>
+            <a:off x="7315202" y="4416550"/>
+            <a:ext cx="1828800" cy="731400"/>
+          </a:xfrm>
+          <a:prstGeom prst="rect">
+            <a:avLst/>
+          </a:prstGeom>
+        </p:spPr>
+        <p:txBody>
+          <a:bodyPr anchorCtr="0" anchor="b" bIns="91425" lIns="91425" spcFirstLastPara="1" rIns="91425" wrap="square" tIns="91425">
+            <a:noAutofit/>
+          </a:bodyPr>
+          <a:lstStyle/>
+          <a:p>
+            <a:pPr indent="0" lvl="0" marL="0" rtl="0" algn="r">
+              <a:spcBef>
+                <a:spcPts val="0"/>
+              </a:spcBef>
+              <a:spcAft>
+                <a:spcPts val="0"/>
+              </a:spcAft>
+              <a:buNone/>
+            </a:pPr>
+            <a:fld id="{00000000-1234-1234-1234-123412341234}" type="slidenum">
+              <a:rPr lang="en"/>
+              <a:t>‹#›</a:t>
+            </a:fld>
+            <a:endParaRPr/>
+          </a:p>
+          <a:p>
+            <a:pPr indent="0" lvl="0" marL="0" rtl="0" algn="r">
+              <a:spcBef>
+                <a:spcPts val="0"/>
+              </a:spcBef>
+              <a:spcAft>
+                <a:spcPts val="0"/>
+              </a:spcAft>
+              <a:buNone/>
+            </a:pPr>
+            <a:r>
+              <a:rPr b="0" lang="en" sz="900" u="sng">
+                <a:solidFill>
+                  <a:schemeClr val="hlink"/>
+                </a:solidFill>
+                <a:hlinkClick r:id="rId3"/>
+              </a:rPr>
+              <a:t>https://profriehle.com</a:t>
+            </a:r>
+            <a:r>
+              <a:rPr b="0" lang="en" sz="900">
+                <a:solidFill>
+                  <a:schemeClr val="dk2"/>
+                </a:solidFill>
+              </a:rPr>
+              <a:t> </a:t>
+            </a:r>
+            <a:endParaRPr/>
+          </a:p>
+        </p:txBody>
+      </p:sp>
+    </p:spTree>
+  </p:cSld>
+  <p:clrMapOvr>
+    <a:masterClrMapping/>
+  </p:clrMapOvr>
+</p:sld>
+</file>
+
+<file path=ppt/slides/slide26.xml><?xml version="1.0" encoding="utf-8"?>
+<p:sld xmlns:a="http://schemas.openxmlformats.org/drawingml/2006/main" xmlns:r="http://schemas.openxmlformats.org/officeDocument/2006/relationships" xmlns:mc="http://schemas.openxmlformats.org/markup-compatibility/2006" xmlns:mv="urn:schemas-microsoft-com:mac:vml" xmlns:p="http://schemas.openxmlformats.org/presentationml/2006/main" xmlns:c="http://schemas.openxmlformats.org/drawingml/2006/chart" xmlns:dgm="http://schemas.openxmlformats.org/drawingml/2006/diagram" xmlns:o="urn:schemas-microsoft-com:office:office" xmlns:v="urn:schemas-microsoft-com:vml" xmlns:pvml="urn:schemas-microsoft-com:office:powerpoint" xmlns:com="http://schemas.openxmlformats.org/drawingml/2006/compatibility" xmlns:p14="http://schemas.microsoft.com/office/powerpoint/2010/main" xmlns:p15="http://schemas.microsoft.com/office/powerpoint/2012/main" xmlns:ahyp="http://schemas.microsoft.com/office/drawing/2018/hyperlinkcolor">
+  <p:cSld>
+    <p:spTree>
+      <p:nvGrpSpPr>
+        <p:cNvPr id="206" name="Shape 206"/>
+        <p:cNvGrpSpPr/>
+        <p:nvPr/>
+      </p:nvGrpSpPr>
+      <p:grpSpPr>
+        <a:xfrm>
+          <a:off x="0" y="0"/>
+          <a:ext cx="0" cy="0"/>
+          <a:chOff x="0" y="0"/>
+          <a:chExt cx="0" cy="0"/>
+        </a:xfrm>
+      </p:grpSpPr>
+      <p:sp>
+        <p:nvSpPr>
+          <p:cNvPr id="207" name="Google Shape;207;p33"/>
+          <p:cNvSpPr txBox="1"/>
+          <p:nvPr>
+            <p:ph type="ctrTitle"/>
+          </p:nvPr>
+        </p:nvSpPr>
+        <p:spPr>
+          <a:xfrm>
+            <a:off x="0" y="0"/>
+            <a:ext cx="9144000" cy="2388900"/>
+          </a:xfrm>
+          <a:prstGeom prst="rect">
+            <a:avLst/>
+          </a:prstGeom>
+        </p:spPr>
+        <p:txBody>
+          <a:bodyPr anchorCtr="0" anchor="b" bIns="274300" lIns="91425" spcFirstLastPara="1" rIns="91425" wrap="square" tIns="91425">
+            <a:noAutofit/>
+          </a:bodyPr>
+          <a:lstStyle/>
+          <a:p>
+            <a:pPr indent="0" lvl="0" marL="0" rtl="0" algn="ctr">
+              <a:spcBef>
+                <a:spcPts val="0"/>
+              </a:spcBef>
+              <a:spcAft>
+                <a:spcPts val="0"/>
+              </a:spcAft>
+              <a:buNone/>
+            </a:pPr>
+            <a:r>
+              <a:rPr lang="en"/>
+              <a:t>Thank you! Any questions?</a:t>
+            </a:r>
+            <a:endParaRPr/>
+          </a:p>
+        </p:txBody>
+      </p:sp>
+      <p:sp>
+        <p:nvSpPr>
+          <p:cNvPr id="208" name="Google Shape;208;p33"/>
+          <p:cNvSpPr txBox="1"/>
+          <p:nvPr>
+            <p:ph idx="1" type="subTitle"/>
+          </p:nvPr>
+        </p:nvSpPr>
+        <p:spPr>
+          <a:xfrm>
+            <a:off x="0" y="2569475"/>
+            <a:ext cx="9144000" cy="2574000"/>
+          </a:xfrm>
+          <a:prstGeom prst="rect">
+            <a:avLst/>
+          </a:prstGeom>
+        </p:spPr>
+        <p:txBody>
+          <a:bodyPr anchorCtr="0" anchor="t" bIns="91425" lIns="91425" spcFirstLastPara="1" rIns="91425" wrap="square" tIns="274300">
+            <a:noAutofit/>
+          </a:bodyPr>
+          <a:lstStyle/>
+          <a:p>
+            <a:pPr indent="0" lvl="0" marL="0" rtl="0" algn="ctr">
+              <a:lnSpc>
+                <a:spcPct val="150000"/>
+              </a:lnSpc>
+              <a:spcBef>
+                <a:spcPts val="0"/>
+              </a:spcBef>
+              <a:spcAft>
+                <a:spcPts val="0"/>
+              </a:spcAft>
+              <a:buNone/>
+            </a:pPr>
+            <a:r>
+              <a:rPr lang="en" u="sng">
+                <a:solidFill>
+                  <a:schemeClr val="hlink"/>
+                </a:solidFill>
+                <a:hlinkClick r:id="rId3"/>
+              </a:rPr>
+              <a:t>dirk.riehle@fau.de</a:t>
+            </a:r>
+            <a:r>
+              <a:rPr lang="en"/>
+              <a:t> </a:t>
+            </a:r>
+            <a:r>
+              <a:rPr lang="en" sz="2400"/>
+              <a:t>–</a:t>
+            </a:r>
+            <a:r>
+              <a:rPr lang="en"/>
+              <a:t> </a:t>
+            </a:r>
+            <a:r>
+              <a:rPr lang="en" u="sng">
+                <a:solidFill>
+                  <a:schemeClr val="hlink"/>
+                </a:solidFill>
+                <a:hlinkClick r:id="rId4"/>
+              </a:rPr>
+              <a:t>https://oss.cs.fau.de</a:t>
+            </a:r>
+            <a:endParaRPr/>
+          </a:p>
+          <a:p>
+            <a:pPr indent="0" lvl="0" marL="0" rtl="0" algn="ctr">
+              <a:lnSpc>
+                <a:spcPct val="150000"/>
+              </a:lnSpc>
+              <a:spcBef>
+                <a:spcPts val="0"/>
+              </a:spcBef>
+              <a:spcAft>
+                <a:spcPts val="0"/>
+              </a:spcAft>
+              <a:buNone/>
+            </a:pPr>
+            <a:r>
+              <a:rPr lang="en" sz="2400" u="sng">
+                <a:solidFill>
+                  <a:schemeClr val="hlink"/>
+                </a:solidFill>
+                <a:hlinkClick r:id="rId5"/>
+              </a:rPr>
+              <a:t>dirk@riehle.org</a:t>
+            </a:r>
+            <a:r>
+              <a:rPr lang="en" sz="2400"/>
+              <a:t> – </a:t>
+            </a:r>
+            <a:r>
+              <a:rPr lang="en" sz="2400" u="sng">
+                <a:solidFill>
+                  <a:schemeClr val="hlink"/>
+                </a:solidFill>
+                <a:hlinkClick r:id="rId6"/>
+              </a:rPr>
+              <a:t>https://dirkriehle.com</a:t>
+            </a:r>
+            <a:r>
+              <a:rPr lang="en" sz="2400"/>
+              <a:t> – </a:t>
+            </a:r>
+            <a:r>
+              <a:rPr lang="en" sz="2400" u="sng">
+                <a:solidFill>
+                  <a:schemeClr val="hlink"/>
+                </a:solidFill>
+                <a:hlinkClick r:id="rId7"/>
+              </a:rPr>
+              <a:t>@dirkriehle</a:t>
+            </a:r>
+            <a:endParaRPr sz="2400"/>
+          </a:p>
+        </p:txBody>
+      </p:sp>
+    </p:spTree>
+  </p:cSld>
+  <p:clrMapOvr>
+    <a:masterClrMapping/>
+  </p:clrMapOvr>
+</p:sld>
+</file>
+
+<file path=ppt/slides/slide27.xml><?xml version="1.0" encoding="utf-8"?>
+<p:sld xmlns:a="http://schemas.openxmlformats.org/drawingml/2006/main" xmlns:r="http://schemas.openxmlformats.org/officeDocument/2006/relationships" xmlns:mc="http://schemas.openxmlformats.org/markup-compatibility/2006" xmlns:mv="urn:schemas-microsoft-com:mac:vml" xmlns:p="http://schemas.openxmlformats.org/presentationml/2006/main" xmlns:c="http://schemas.openxmlformats.org/drawingml/2006/chart" xmlns:dgm="http://schemas.openxmlformats.org/drawingml/2006/diagram" xmlns:o="urn:schemas-microsoft-com:office:office" xmlns:v="urn:schemas-microsoft-com:vml" xmlns:pvml="urn:schemas-microsoft-com:office:powerpoint" xmlns:com="http://schemas.openxmlformats.org/drawingml/2006/compatibility" xmlns:p14="http://schemas.microsoft.com/office/powerpoint/2010/main" xmlns:p15="http://schemas.microsoft.com/office/powerpoint/2012/main" xmlns:ahyp="http://schemas.microsoft.com/office/drawing/2018/hyperlinkcolor">
+  <p:cSld>
+    <p:spTree>
+      <p:nvGrpSpPr>
+        <p:cNvPr id="212" name="Shape 212"/>
+        <p:cNvGrpSpPr/>
+        <p:nvPr/>
+      </p:nvGrpSpPr>
+      <p:grpSpPr>
+        <a:xfrm>
+          <a:off x="0" y="0"/>
+          <a:ext cx="0" cy="0"/>
+          <a:chOff x="0" y="0"/>
+          <a:chExt cx="0" cy="0"/>
+        </a:xfrm>
+      </p:grpSpPr>
+      <p:sp>
+        <p:nvSpPr>
+          <p:cNvPr id="213" name="Google Shape;213;p34"/>
+          <p:cNvSpPr txBox="1"/>
+          <p:nvPr>
+            <p:ph type="title"/>
+          </p:nvPr>
+        </p:nvSpPr>
+        <p:spPr>
+          <a:xfrm>
+            <a:off x="0" y="0"/>
+            <a:ext cx="9144000" cy="685800"/>
+          </a:xfrm>
+          <a:prstGeom prst="rect">
+            <a:avLst/>
+          </a:prstGeom>
+        </p:spPr>
+        <p:txBody>
+          <a:bodyPr anchorCtr="0" anchor="ctr" bIns="91425" lIns="274300" spcFirstLastPara="1" rIns="91425" wrap="square" tIns="91425">
+            <a:noAutofit/>
+          </a:bodyPr>
+          <a:lstStyle/>
+          <a:p>
+            <a:pPr indent="0" lvl="0" marL="0" rtl="0" algn="l">
+              <a:spcBef>
+                <a:spcPts val="0"/>
+              </a:spcBef>
+              <a:spcAft>
+                <a:spcPts val="0"/>
+              </a:spcAft>
+              <a:buNone/>
+            </a:pPr>
+            <a:r>
+              <a:rPr lang="en"/>
+              <a:t>Legal Notices</a:t>
+            </a:r>
+            <a:endParaRPr/>
+          </a:p>
+        </p:txBody>
+      </p:sp>
+      <p:sp>
+        <p:nvSpPr>
+          <p:cNvPr id="214" name="Google Shape;214;p34"/>
+          <p:cNvSpPr txBox="1"/>
+          <p:nvPr>
+            <p:ph idx="12" type="sldNum"/>
+          </p:nvPr>
+        </p:nvSpPr>
+        <p:spPr>
+          <a:xfrm>
+            <a:off x="7315202" y="4416550"/>
+            <a:ext cx="1828800" cy="731400"/>
+          </a:xfrm>
+          <a:prstGeom prst="rect">
+            <a:avLst/>
+          </a:prstGeom>
+        </p:spPr>
+        <p:txBody>
+          <a:bodyPr anchorCtr="0" anchor="b" bIns="91425" lIns="91425" spcFirstLastPara="1" rIns="91425" wrap="square" tIns="91425">
+            <a:noAutofit/>
+          </a:bodyPr>
+          <a:lstStyle/>
+          <a:p>
+            <a:pPr indent="0" lvl="0" marL="0" rtl="0" algn="r">
+              <a:spcBef>
+                <a:spcPts val="0"/>
+              </a:spcBef>
+              <a:spcAft>
+                <a:spcPts val="0"/>
+              </a:spcAft>
+              <a:buNone/>
+            </a:pPr>
+            <a:fld id="{00000000-1234-1234-1234-123412341234}" type="slidenum">
+              <a:rPr lang="en"/>
+              <a:t>‹#›</a:t>
+            </a:fld>
+            <a:endParaRPr/>
+          </a:p>
+          <a:p>
+            <a:pPr indent="0" lvl="0" marL="0" rtl="0" algn="r">
+              <a:spcBef>
+                <a:spcPts val="0"/>
+              </a:spcBef>
+              <a:spcAft>
+                <a:spcPts val="0"/>
+              </a:spcAft>
+              <a:buNone/>
+            </a:pPr>
+            <a:r>
+              <a:rPr b="0" lang="en" sz="900" u="sng">
+                <a:solidFill>
+                  <a:schemeClr val="hlink"/>
+                </a:solidFill>
+                <a:hlinkClick r:id="rId3"/>
+              </a:rPr>
+              <a:t>https://profriehle.com</a:t>
+            </a:r>
+            <a:r>
+              <a:rPr b="0" lang="en" sz="900"/>
+              <a:t> </a:t>
+            </a:r>
+            <a:endParaRPr b="0" sz="900"/>
+          </a:p>
+        </p:txBody>
+      </p:sp>
+      <p:sp>
+        <p:nvSpPr>
+          <p:cNvPr id="215" name="Google Shape;215;p34"/>
+          <p:cNvSpPr txBox="1"/>
+          <p:nvPr>
+            <p:ph idx="1" type="body"/>
+          </p:nvPr>
+        </p:nvSpPr>
+        <p:spPr>
+          <a:xfrm>
+            <a:off x="274320" y="914400"/>
+            <a:ext cx="8595300" cy="4114800"/>
+          </a:xfrm>
+          <a:prstGeom prst="rect">
+            <a:avLst/>
+          </a:prstGeom>
+        </p:spPr>
+        <p:txBody>
+          <a:bodyPr anchorCtr="0" anchor="t" bIns="0" lIns="0" spcFirstLastPara="1" rIns="0" wrap="square" tIns="0">
+            <a:noAutofit/>
+          </a:bodyPr>
+          <a:lstStyle/>
+          <a:p>
+            <a:pPr indent="0" lvl="0" marL="0" rtl="0" algn="l">
+              <a:spcBef>
+                <a:spcPts val="0"/>
+              </a:spcBef>
+              <a:spcAft>
+                <a:spcPts val="0"/>
+              </a:spcAft>
+              <a:buNone/>
+            </a:pPr>
+            <a:r>
+              <a:rPr lang="en"/>
+              <a:t>License</a:t>
+            </a:r>
+            <a:endParaRPr/>
+          </a:p>
+          <a:p>
+            <a:pPr indent="-342900" lvl="0" marL="457200" rtl="0" algn="l">
+              <a:spcBef>
+                <a:spcPts val="1200"/>
+              </a:spcBef>
+              <a:spcAft>
+                <a:spcPts val="0"/>
+              </a:spcAft>
+              <a:buSzPts val="1800"/>
+              <a:buChar char="●"/>
+            </a:pPr>
+            <a:r>
+              <a:rPr lang="en"/>
+              <a:t>Licensed under the </a:t>
+            </a:r>
+            <a:r>
+              <a:rPr lang="en" u="sng">
+                <a:solidFill>
+                  <a:schemeClr val="hlink"/>
+                </a:solidFill>
+                <a:hlinkClick r:id="rId4"/>
+              </a:rPr>
+              <a:t>CC BY 4.0 International</a:t>
+            </a:r>
+            <a:r>
+              <a:rPr lang="en"/>
+              <a:t> license</a:t>
+            </a:r>
+            <a:endParaRPr/>
+          </a:p>
+          <a:p>
+            <a:pPr indent="0" lvl="0" marL="0" rtl="0" algn="l">
+              <a:spcBef>
+                <a:spcPts val="1200"/>
+              </a:spcBef>
+              <a:spcAft>
+                <a:spcPts val="0"/>
+              </a:spcAft>
+              <a:buNone/>
+            </a:pPr>
+            <a:r>
+              <a:rPr lang="en"/>
+              <a:t>Copyright</a:t>
+            </a:r>
+            <a:endParaRPr/>
+          </a:p>
+          <a:p>
+            <a:pPr indent="-342900" lvl="0" marL="457200" rtl="0" algn="l">
+              <a:spcBef>
+                <a:spcPts val="1200"/>
+              </a:spcBef>
+              <a:spcAft>
+                <a:spcPts val="0"/>
+              </a:spcAft>
+              <a:buSzPts val="1800"/>
+              <a:buChar char="●"/>
+            </a:pPr>
+            <a:r>
+              <a:rPr lang="en"/>
+              <a:t>© Copyright 2023 Dirk Riehle, some rights reserved</a:t>
+            </a:r>
+            <a:endParaRPr/>
+          </a:p>
+          <a:p>
+            <a:pPr indent="0" lvl="0" marL="0" rtl="0" algn="l">
+              <a:spcBef>
+                <a:spcPts val="1200"/>
+              </a:spcBef>
+              <a:spcAft>
+                <a:spcPts val="1200"/>
+              </a:spcAft>
+              <a:buNone/>
+            </a:pPr>
+            <a:r>
+              <a:t/>
             </a:r>
             <a:endParaRPr/>
           </a:p>
@@ -8039,6 +11661,71 @@
         </p:nvSpPr>
         <p:spPr>
           <a:xfrm>
+            <a:off x="0" y="-7"/>
+            <a:ext cx="9144000" cy="2386500"/>
+          </a:xfrm>
+          <a:prstGeom prst="rect">
+            <a:avLst/>
+          </a:prstGeom>
+        </p:spPr>
+        <p:txBody>
+          <a:bodyPr anchorCtr="0" anchor="b" bIns="274300" lIns="91425" spcFirstLastPara="1" rIns="91425" wrap="square" tIns="91425">
+            <a:noAutofit/>
+          </a:bodyPr>
+          <a:lstStyle/>
+          <a:p>
+            <a:pPr indent="0" lvl="0" marL="0" rtl="0" algn="ctr">
+              <a:spcBef>
+                <a:spcPts val="0"/>
+              </a:spcBef>
+              <a:spcAft>
+                <a:spcPts val="0"/>
+              </a:spcAft>
+              <a:buNone/>
+            </a:pPr>
+            <a:r>
+              <a:rPr lang="en"/>
+              <a:t>1. Demo Day</a:t>
+            </a:r>
+            <a:endParaRPr/>
+          </a:p>
+        </p:txBody>
+      </p:sp>
+    </p:spTree>
+  </p:cSld>
+  <p:clrMapOvr>
+    <a:masterClrMapping/>
+  </p:clrMapOvr>
+</p:sld>
+</file>
+
+<file path=ppt/slides/slide4.xml><?xml version="1.0" encoding="utf-8"?>
+<p:sld xmlns:a="http://schemas.openxmlformats.org/drawingml/2006/main" xmlns:r="http://schemas.openxmlformats.org/officeDocument/2006/relationships" xmlns:mc="http://schemas.openxmlformats.org/markup-compatibility/2006" xmlns:mv="urn:schemas-microsoft-com:mac:vml" xmlns:p="http://schemas.openxmlformats.org/presentationml/2006/main" xmlns:c="http://schemas.openxmlformats.org/drawingml/2006/chart" xmlns:dgm="http://schemas.openxmlformats.org/drawingml/2006/diagram" xmlns:o="urn:schemas-microsoft-com:office:office" xmlns:v="urn:schemas-microsoft-com:vml" xmlns:pvml="urn:schemas-microsoft-com:office:powerpoint" xmlns:com="http://schemas.openxmlformats.org/drawingml/2006/compatibility" xmlns:p14="http://schemas.microsoft.com/office/powerpoint/2010/main" xmlns:p15="http://schemas.microsoft.com/office/powerpoint/2012/main" xmlns:ahyp="http://schemas.microsoft.com/office/drawing/2018/hyperlinkcolor">
+  <p:cSld>
+    <p:spTree>
+      <p:nvGrpSpPr>
+        <p:cNvPr id="53" name="Shape 53"/>
+        <p:cNvGrpSpPr/>
+        <p:nvPr/>
+      </p:nvGrpSpPr>
+      <p:grpSpPr>
+        <a:xfrm>
+          <a:off x="0" y="0"/>
+          <a:ext cx="0" cy="0"/>
+          <a:chOff x="0" y="0"/>
+          <a:chExt cx="0" cy="0"/>
+        </a:xfrm>
+      </p:grpSpPr>
+      <p:sp>
+        <p:nvSpPr>
+          <p:cNvPr id="54" name="Google Shape;54;p11"/>
+          <p:cNvSpPr txBox="1"/>
+          <p:nvPr>
+            <p:ph type="title"/>
+          </p:nvPr>
+        </p:nvSpPr>
+        <p:spPr>
+          <a:xfrm>
             <a:off x="0" y="0"/>
             <a:ext cx="9144000" cy="685800"/>
           </a:xfrm>
@@ -8071,7 +11758,7 @@
       </p:sp>
       <p:sp>
         <p:nvSpPr>
-          <p:cNvPr id="50" name="Google Shape;50;p10"/>
+          <p:cNvPr id="55" name="Google Shape;55;p11"/>
           <p:cNvSpPr txBox="1"/>
           <p:nvPr>
             <p:ph idx="12" type="sldNum"/>
@@ -8140,7 +11827,7 @@
       </p:sp>
       <p:sp>
         <p:nvSpPr>
-          <p:cNvPr id="51" name="Google Shape;51;p10"/>
+          <p:cNvPr id="56" name="Google Shape;56;p11"/>
           <p:cNvSpPr txBox="1"/>
           <p:nvPr>
             <p:ph idx="1" type="body"/>
@@ -8267,12 +11954,12 @@
 </p:sld>
 </file>
 
-<file path=ppt/slides/slide4.xml><?xml version="1.0" encoding="utf-8"?>
+<file path=ppt/slides/slide5.xml><?xml version="1.0" encoding="utf-8"?>
 <p:sld xmlns:a="http://schemas.openxmlformats.org/drawingml/2006/main" xmlns:r="http://schemas.openxmlformats.org/officeDocument/2006/relationships" xmlns:mc="http://schemas.openxmlformats.org/markup-compatibility/2006" xmlns:mv="urn:schemas-microsoft-com:mac:vml" xmlns:p="http://schemas.openxmlformats.org/presentationml/2006/main" xmlns:c="http://schemas.openxmlformats.org/drawingml/2006/chart" xmlns:dgm="http://schemas.openxmlformats.org/drawingml/2006/diagram" xmlns:o="urn:schemas-microsoft-com:office:office" xmlns:v="urn:schemas-microsoft-com:vml" xmlns:pvml="urn:schemas-microsoft-com:office:powerpoint" xmlns:com="http://schemas.openxmlformats.org/drawingml/2006/compatibility" xmlns:p14="http://schemas.microsoft.com/office/powerpoint/2010/main" xmlns:p15="http://schemas.microsoft.com/office/powerpoint/2012/main" xmlns:ahyp="http://schemas.microsoft.com/office/drawing/2018/hyperlinkcolor">
   <p:cSld>
     <p:spTree>
       <p:nvGrpSpPr>
-        <p:cNvPr id="55" name="Shape 55"/>
+        <p:cNvPr id="60" name="Shape 60"/>
         <p:cNvGrpSpPr/>
         <p:nvPr/>
       </p:nvGrpSpPr>
@@ -8286,7 +11973,7 @@
       </p:grpSpPr>
       <p:sp>
         <p:nvSpPr>
-          <p:cNvPr id="56" name="Google Shape;56;p11"/>
+          <p:cNvPr id="61" name="Google Shape;61;p12"/>
           <p:cNvSpPr txBox="1"/>
           <p:nvPr>
             <p:ph type="title"/>
@@ -8326,7 +12013,7 @@
       </p:sp>
       <p:sp>
         <p:nvSpPr>
-          <p:cNvPr id="57" name="Google Shape;57;p11"/>
+          <p:cNvPr id="62" name="Google Shape;62;p12"/>
           <p:cNvSpPr txBox="1"/>
           <p:nvPr>
             <p:ph idx="12" type="sldNum"/>
@@ -8395,7 +12082,7 @@
       </p:sp>
       <p:sp>
         <p:nvSpPr>
-          <p:cNvPr id="58" name="Google Shape;58;p11"/>
+          <p:cNvPr id="63" name="Google Shape;63;p12"/>
           <p:cNvSpPr txBox="1"/>
           <p:nvPr>
             <p:ph idx="1" type="body"/>
@@ -8477,7 +12164,7 @@
             </a:pPr>
             <a:r>
               <a:rPr b="1" lang="en"/>
-              <a:t>Demos (100 min.)</a:t>
+              <a:t>Demos (duration depends on number of projects)</a:t>
             </a:r>
             <a:endParaRPr b="1"/>
           </a:p>
@@ -8592,12 +12279,12 @@
 </p:sld>
 </file>
 
-<file path=ppt/slides/slide5.xml><?xml version="1.0" encoding="utf-8"?>
+<file path=ppt/slides/slide6.xml><?xml version="1.0" encoding="utf-8"?>
 <p:sld xmlns:a="http://schemas.openxmlformats.org/drawingml/2006/main" xmlns:r="http://schemas.openxmlformats.org/officeDocument/2006/relationships" xmlns:mc="http://schemas.openxmlformats.org/markup-compatibility/2006" xmlns:mv="urn:schemas-microsoft-com:mac:vml" xmlns:p="http://schemas.openxmlformats.org/presentationml/2006/main" xmlns:c="http://schemas.openxmlformats.org/drawingml/2006/chart" xmlns:dgm="http://schemas.openxmlformats.org/drawingml/2006/diagram" xmlns:o="urn:schemas-microsoft-com:office:office" xmlns:v="urn:schemas-microsoft-com:vml" xmlns:pvml="urn:schemas-microsoft-com:office:powerpoint" xmlns:com="http://schemas.openxmlformats.org/drawingml/2006/compatibility" xmlns:p14="http://schemas.microsoft.com/office/powerpoint/2010/main" xmlns:p15="http://schemas.microsoft.com/office/powerpoint/2012/main" xmlns:ahyp="http://schemas.microsoft.com/office/drawing/2018/hyperlinkcolor">
   <p:cSld>
     <p:spTree>
       <p:nvGrpSpPr>
-        <p:cNvPr id="62" name="Shape 62"/>
+        <p:cNvPr id="67" name="Shape 67"/>
         <p:cNvGrpSpPr/>
         <p:nvPr/>
       </p:nvGrpSpPr>
@@ -8611,7 +12298,7 @@
       </p:grpSpPr>
       <p:sp>
         <p:nvSpPr>
-          <p:cNvPr id="63" name="Google Shape;63;p12"/>
+          <p:cNvPr id="68" name="Google Shape;68;p13"/>
           <p:cNvSpPr txBox="1"/>
           <p:nvPr>
             <p:ph type="title"/>
@@ -8643,7 +12330,7 @@
             </a:pPr>
             <a:r>
               <a:rPr lang="en"/>
-              <a:t>Demo Day Schedule</a:t>
+              <a:t>Typical Demo Day Schedule</a:t>
             </a:r>
             <a:endParaRPr/>
           </a:p>
@@ -8651,7 +12338,7 @@
       </p:sp>
       <p:sp>
         <p:nvSpPr>
-          <p:cNvPr id="64" name="Google Shape;64;p12"/>
+          <p:cNvPr id="69" name="Google Shape;69;p13"/>
           <p:cNvSpPr txBox="1"/>
           <p:nvPr>
             <p:ph idx="12" type="sldNum"/>
@@ -8720,7 +12407,7 @@
       </p:sp>
       <p:graphicFrame>
         <p:nvGraphicFramePr>
-          <p:cNvPr id="65" name="Google Shape;65;p12"/>
+          <p:cNvPr id="70" name="Google Shape;70;p13"/>
           <p:cNvGraphicFramePr/>
           <p:nvPr/>
         </p:nvGraphicFramePr>
@@ -8733,7 +12420,7 @@
             <a:tbl>
               <a:tblPr>
                 <a:noFill/>
-                <a:tableStyleId>{DDEAD4A5-A33D-4462-AC87-FE6992CD2B84}</a:tableStyleId>
+                <a:tableStyleId>{63535843-8C52-46C1-98AA-86C85E4A7672}</a:tableStyleId>
               </a:tblPr>
               <a:tblGrid>
                 <a:gridCol w="1432550"/>
@@ -8810,7 +12497,7 @@
                       <a:tailEnd len="sm" w="sm" type="none"/>
                     </a:lnB>
                     <a:solidFill>
-                      <a:schemeClr val="accent4"/>
+                      <a:schemeClr val="dk2"/>
                     </a:solidFill>
                   </a:tcPr>
                 </a:tc>
@@ -8881,7 +12568,7 @@
                       <a:tailEnd len="sm" w="sm" type="none"/>
                     </a:lnB>
                     <a:solidFill>
-                      <a:schemeClr val="accent4"/>
+                      <a:schemeClr val="dk2"/>
                     </a:solidFill>
                   </a:tcPr>
                 </a:tc>
@@ -8952,7 +12639,7 @@
                       <a:tailEnd len="sm" w="sm" type="none"/>
                     </a:lnB>
                     <a:solidFill>
-                      <a:schemeClr val="accent4"/>
+                      <a:schemeClr val="dk2"/>
                     </a:solidFill>
                   </a:tcPr>
                 </a:tc>
@@ -9023,7 +12710,7 @@
                       <a:tailEnd len="sm" w="sm" type="none"/>
                     </a:lnB>
                     <a:solidFill>
-                      <a:schemeClr val="accent4"/>
+                      <a:schemeClr val="dk2"/>
                     </a:solidFill>
                   </a:tcPr>
                 </a:tc>
@@ -9094,7 +12781,7 @@
                       <a:tailEnd len="sm" w="sm" type="none"/>
                     </a:lnB>
                     <a:solidFill>
-                      <a:schemeClr val="accent4"/>
+                      <a:schemeClr val="dk2"/>
                     </a:solidFill>
                   </a:tcPr>
                 </a:tc>
@@ -9476,7 +13163,7 @@
                       <a:tailEnd len="sm" w="sm" type="none"/>
                     </a:lnB>
                     <a:solidFill>
-                      <a:schemeClr val="lt2"/>
+                      <a:schemeClr val="accent1"/>
                     </a:solidFill>
                   </a:tcPr>
                 </a:tc>
@@ -9539,7 +13226,7 @@
                       <a:tailEnd len="sm" w="sm" type="none"/>
                     </a:lnB>
                     <a:solidFill>
-                      <a:schemeClr val="lt2"/>
+                      <a:schemeClr val="accent1"/>
                     </a:solidFill>
                   </a:tcPr>
                 </a:tc>
@@ -9602,7 +13289,7 @@
                       <a:tailEnd len="sm" w="sm" type="none"/>
                     </a:lnB>
                     <a:solidFill>
-                      <a:schemeClr val="lt2"/>
+                      <a:schemeClr val="accent1"/>
                     </a:solidFill>
                   </a:tcPr>
                 </a:tc>
@@ -9665,7 +13352,7 @@
                       <a:tailEnd len="sm" w="sm" type="none"/>
                     </a:lnB>
                     <a:solidFill>
-                      <a:schemeClr val="lt2"/>
+                      <a:schemeClr val="accent1"/>
                     </a:solidFill>
                   </a:tcPr>
                 </a:tc>
@@ -9728,7 +13415,7 @@
                       <a:tailEnd len="sm" w="sm" type="none"/>
                     </a:lnB>
                     <a:solidFill>
-                      <a:schemeClr val="lt2"/>
+                      <a:schemeClr val="accent1"/>
                     </a:solidFill>
                   </a:tcPr>
                 </a:tc>
@@ -10110,7 +13797,7 @@
                       <a:tailEnd len="sm" w="sm" type="none"/>
                     </a:lnB>
                     <a:solidFill>
-                      <a:schemeClr val="lt2"/>
+                      <a:schemeClr val="accent1"/>
                     </a:solidFill>
                   </a:tcPr>
                 </a:tc>
@@ -10173,7 +13860,7 @@
                       <a:tailEnd len="sm" w="sm" type="none"/>
                     </a:lnB>
                     <a:solidFill>
-                      <a:schemeClr val="lt2"/>
+                      <a:schemeClr val="accent1"/>
                     </a:solidFill>
                   </a:tcPr>
                 </a:tc>
@@ -10236,7 +13923,7 @@
                       <a:tailEnd len="sm" w="sm" type="none"/>
                     </a:lnB>
                     <a:solidFill>
-                      <a:schemeClr val="lt2"/>
+                      <a:schemeClr val="accent1"/>
                     </a:solidFill>
                   </a:tcPr>
                 </a:tc>
@@ -10299,7 +13986,7 @@
                       <a:tailEnd len="sm" w="sm" type="none"/>
                     </a:lnB>
                     <a:solidFill>
-                      <a:schemeClr val="lt2"/>
+                      <a:schemeClr val="accent1"/>
                     </a:solidFill>
                   </a:tcPr>
                 </a:tc>
@@ -10362,7 +14049,7 @@
                       <a:tailEnd len="sm" w="sm" type="none"/>
                     </a:lnB>
                     <a:solidFill>
-                      <a:schemeClr val="lt2"/>
+                      <a:schemeClr val="accent1"/>
                     </a:solidFill>
                   </a:tcPr>
                 </a:tc>
@@ -10744,7 +14431,7 @@
                       <a:tailEnd len="sm" w="sm" type="none"/>
                     </a:lnB>
                     <a:solidFill>
-                      <a:schemeClr val="lt2"/>
+                      <a:schemeClr val="accent1"/>
                     </a:solidFill>
                   </a:tcPr>
                 </a:tc>
@@ -10807,7 +14494,7 @@
                       <a:tailEnd len="sm" w="sm" type="none"/>
                     </a:lnB>
                     <a:solidFill>
-                      <a:schemeClr val="lt2"/>
+                      <a:schemeClr val="accent1"/>
                     </a:solidFill>
                   </a:tcPr>
                 </a:tc>
@@ -10870,7 +14557,7 @@
                       <a:tailEnd len="sm" w="sm" type="none"/>
                     </a:lnB>
                     <a:solidFill>
-                      <a:schemeClr val="lt2"/>
+                      <a:schemeClr val="accent1"/>
                     </a:solidFill>
                   </a:tcPr>
                 </a:tc>
@@ -10933,7 +14620,7 @@
                       <a:tailEnd len="sm" w="sm" type="none"/>
                     </a:lnB>
                     <a:solidFill>
-                      <a:schemeClr val="lt2"/>
+                      <a:schemeClr val="accent1"/>
                     </a:solidFill>
                   </a:tcPr>
                 </a:tc>
@@ -10996,7 +14683,7 @@
                       <a:tailEnd len="sm" w="sm" type="none"/>
                     </a:lnB>
                     <a:solidFill>
-                      <a:schemeClr val="lt2"/>
+                      <a:schemeClr val="accent1"/>
                     </a:solidFill>
                   </a:tcPr>
                 </a:tc>
@@ -11378,7 +15065,7 @@
                       <a:tailEnd len="sm" w="sm" type="none"/>
                     </a:lnB>
                     <a:solidFill>
-                      <a:schemeClr val="lt2"/>
+                      <a:schemeClr val="accent1"/>
                     </a:solidFill>
                   </a:tcPr>
                 </a:tc>
@@ -11441,7 +15128,7 @@
                       <a:tailEnd len="sm" w="sm" type="none"/>
                     </a:lnB>
                     <a:solidFill>
-                      <a:schemeClr val="lt2"/>
+                      <a:schemeClr val="accent1"/>
                     </a:solidFill>
                   </a:tcPr>
                 </a:tc>
@@ -11504,7 +15191,7 @@
                       <a:tailEnd len="sm" w="sm" type="none"/>
                     </a:lnB>
                     <a:solidFill>
-                      <a:schemeClr val="lt2"/>
+                      <a:schemeClr val="accent1"/>
                     </a:solidFill>
                   </a:tcPr>
                 </a:tc>
@@ -11567,7 +15254,7 @@
                       <a:tailEnd len="sm" w="sm" type="none"/>
                     </a:lnB>
                     <a:solidFill>
-                      <a:schemeClr val="lt2"/>
+                      <a:schemeClr val="accent1"/>
                     </a:solidFill>
                   </a:tcPr>
                 </a:tc>
@@ -11630,7 +15317,7 @@
                       <a:tailEnd len="sm" w="sm" type="none"/>
                     </a:lnB>
                     <a:solidFill>
-                      <a:schemeClr val="lt2"/>
+                      <a:schemeClr val="accent1"/>
                     </a:solidFill>
                   </a:tcPr>
                 </a:tc>
@@ -11647,12 +15334,12 @@
 </p:sld>
 </file>
 
-<file path=ppt/slides/slide6.xml><?xml version="1.0" encoding="utf-8"?>
+<file path=ppt/slides/slide7.xml><?xml version="1.0" encoding="utf-8"?>
 <p:sld xmlns:a="http://schemas.openxmlformats.org/drawingml/2006/main" xmlns:r="http://schemas.openxmlformats.org/officeDocument/2006/relationships" xmlns:mc="http://schemas.openxmlformats.org/markup-compatibility/2006" xmlns:mv="urn:schemas-microsoft-com:mac:vml" xmlns:p="http://schemas.openxmlformats.org/presentationml/2006/main" xmlns:c="http://schemas.openxmlformats.org/drawingml/2006/chart" xmlns:dgm="http://schemas.openxmlformats.org/drawingml/2006/diagram" xmlns:o="urn:schemas-microsoft-com:office:office" xmlns:v="urn:schemas-microsoft-com:vml" xmlns:pvml="urn:schemas-microsoft-com:office:powerpoint" xmlns:com="http://schemas.openxmlformats.org/drawingml/2006/compatibility" xmlns:p14="http://schemas.microsoft.com/office/powerpoint/2010/main" xmlns:p15="http://schemas.microsoft.com/office/powerpoint/2012/main" xmlns:ahyp="http://schemas.microsoft.com/office/drawing/2018/hyperlinkcolor">
   <p:cSld>
     <p:spTree>
       <p:nvGrpSpPr>
-        <p:cNvPr id="69" name="Shape 69"/>
+        <p:cNvPr id="74" name="Shape 74"/>
         <p:cNvGrpSpPr/>
         <p:nvPr/>
       </p:nvGrpSpPr>
@@ -11666,7 +15353,7 @@
       </p:grpSpPr>
       <p:sp>
         <p:nvSpPr>
-          <p:cNvPr id="70" name="Google Shape;70;p13"/>
+          <p:cNvPr id="75" name="Google Shape;75;p14"/>
           <p:cNvSpPr txBox="1"/>
           <p:nvPr>
             <p:ph type="title"/>
@@ -11698,7 +15385,7 @@
             </a:pPr>
             <a:r>
               <a:rPr lang="en"/>
-              <a:t>In-Person Presentation Booth</a:t>
+              <a:t>One-Time Deliverable: Demo Day Slide</a:t>
             </a:r>
             <a:endParaRPr/>
           </a:p>
@@ -11706,7 +15393,7 @@
       </p:sp>
       <p:sp>
         <p:nvSpPr>
-          <p:cNvPr id="71" name="Google Shape;71;p13"/>
+          <p:cNvPr id="76" name="Google Shape;76;p14"/>
           <p:cNvSpPr txBox="1"/>
           <p:nvPr>
             <p:ph idx="12" type="sldNum"/>
@@ -11773,220 +15460,6 @@
           </a:p>
         </p:txBody>
       </p:sp>
-      <p:sp>
-        <p:nvSpPr>
-          <p:cNvPr id="72" name="Google Shape;72;p13"/>
-          <p:cNvSpPr txBox="1"/>
-          <p:nvPr>
-            <p:ph idx="1" type="body"/>
-          </p:nvPr>
-        </p:nvSpPr>
-        <p:spPr>
-          <a:xfrm>
-            <a:off x="274320" y="914400"/>
-            <a:ext cx="8595300" cy="4114800"/>
-          </a:xfrm>
-          <a:prstGeom prst="rect">
-            <a:avLst/>
-          </a:prstGeom>
-        </p:spPr>
-        <p:txBody>
-          <a:bodyPr anchorCtr="0" anchor="t" bIns="0" lIns="0" spcFirstLastPara="1" rIns="0" wrap="square" tIns="0">
-            <a:noAutofit/>
-          </a:bodyPr>
-          <a:lstStyle/>
-          <a:p>
-            <a:pPr indent="0" lvl="0" marL="0" rtl="0" algn="l">
-              <a:spcBef>
-                <a:spcPts val="0"/>
-              </a:spcBef>
-              <a:spcAft>
-                <a:spcPts val="0"/>
-              </a:spcAft>
-              <a:buNone/>
-            </a:pPr>
-            <a:r>
-              <a:rPr lang="en"/>
-              <a:t>You (students)</a:t>
-            </a:r>
-            <a:r>
-              <a:rPr lang="en"/>
-              <a:t> are given a “presentation booth”</a:t>
-            </a:r>
-            <a:endParaRPr/>
-          </a:p>
-          <a:p>
-            <a:pPr indent="-342900" lvl="0" marL="457200" rtl="0" algn="l">
-              <a:spcBef>
-                <a:spcPts val="1200"/>
-              </a:spcBef>
-              <a:spcAft>
-                <a:spcPts val="0"/>
-              </a:spcAft>
-              <a:buSzPts val="1800"/>
-              <a:buChar char="●"/>
-            </a:pPr>
-            <a:r>
-              <a:rPr lang="en"/>
-              <a:t>The booth is a table plus </a:t>
-            </a:r>
-            <a:r>
-              <a:rPr lang="en"/>
-              <a:t>pinboards</a:t>
-            </a:r>
-            <a:r>
-              <a:rPr lang="en"/>
-              <a:t> for posters</a:t>
-            </a:r>
-            <a:endParaRPr/>
-          </a:p>
-          <a:p>
-            <a:pPr indent="-342900" lvl="0" marL="457200" rtl="0" algn="l">
-              <a:spcBef>
-                <a:spcPts val="0"/>
-              </a:spcBef>
-              <a:spcAft>
-                <a:spcPts val="0"/>
-              </a:spcAft>
-              <a:buSzPts val="1800"/>
-              <a:buChar char="●"/>
-            </a:pPr>
-            <a:r>
-              <a:rPr lang="en"/>
-              <a:t>Please pin your posters to the pinboards and be ready to discuss them</a:t>
-            </a:r>
-            <a:endParaRPr/>
-          </a:p>
-          <a:p>
-            <a:pPr indent="0" lvl="0" marL="0" rtl="0" algn="l">
-              <a:spcBef>
-                <a:spcPts val="1200"/>
-              </a:spcBef>
-              <a:spcAft>
-                <a:spcPts val="0"/>
-              </a:spcAft>
-              <a:buNone/>
-            </a:pPr>
-            <a:r>
-              <a:rPr lang="en"/>
-              <a:t>You will demo your work in this booth</a:t>
-            </a:r>
-            <a:endParaRPr/>
-          </a:p>
-          <a:p>
-            <a:pPr indent="-342900" lvl="0" marL="457200" rtl="0" algn="l">
-              <a:spcBef>
-                <a:spcPts val="1200"/>
-              </a:spcBef>
-              <a:spcAft>
-                <a:spcPts val="0"/>
-              </a:spcAft>
-              <a:buSzPts val="1800"/>
-              <a:buChar char="●"/>
-            </a:pPr>
-            <a:r>
-              <a:rPr lang="en"/>
-              <a:t>Demo your project, </a:t>
-            </a:r>
-            <a:r>
-              <a:rPr lang="en"/>
-              <a:t>usually using your laptop</a:t>
-            </a:r>
-            <a:endParaRPr/>
-          </a:p>
-          <a:p>
-            <a:pPr indent="-342900" lvl="0" marL="457200" rtl="0" algn="l">
-              <a:spcBef>
-                <a:spcPts val="0"/>
-              </a:spcBef>
-              <a:spcAft>
-                <a:spcPts val="0"/>
-              </a:spcAft>
-              <a:buSzPts val="1800"/>
-              <a:buChar char="●"/>
-            </a:pPr>
-            <a:r>
-              <a:rPr lang="en"/>
-              <a:t>Explain your work using the posters</a:t>
-            </a:r>
-            <a:endParaRPr/>
-          </a:p>
-          <a:p>
-            <a:pPr indent="-342900" lvl="0" marL="457200" rtl="0" algn="l">
-              <a:spcBef>
-                <a:spcPts val="0"/>
-              </a:spcBef>
-              <a:spcAft>
-                <a:spcPts val="0"/>
-              </a:spcAft>
-              <a:buSzPts val="1800"/>
-              <a:buChar char="●"/>
-            </a:pPr>
-            <a:r>
-              <a:rPr lang="en"/>
-              <a:t>Support the demo with a slide deck</a:t>
-            </a:r>
-            <a:endParaRPr/>
-          </a:p>
-          <a:p>
-            <a:pPr indent="-342900" lvl="0" marL="457200" rtl="0" algn="l">
-              <a:spcBef>
-                <a:spcPts val="0"/>
-              </a:spcBef>
-              <a:spcAft>
-                <a:spcPts val="0"/>
-              </a:spcAft>
-              <a:buSzPts val="1800"/>
-              <a:buChar char="●"/>
-            </a:pPr>
-            <a:r>
-              <a:rPr lang="en"/>
-              <a:t>Have the demo day video ready as a backup</a:t>
-            </a:r>
-            <a:endParaRPr/>
-          </a:p>
-          <a:p>
-            <a:pPr indent="0" lvl="0" marL="0" rtl="0" algn="l">
-              <a:spcBef>
-                <a:spcPts val="1200"/>
-              </a:spcBef>
-              <a:spcAft>
-                <a:spcPts val="1200"/>
-              </a:spcAft>
-              <a:buNone/>
-            </a:pPr>
-            <a:r>
-              <a:t/>
-            </a:r>
-            <a:endParaRPr/>
-          </a:p>
-        </p:txBody>
-      </p:sp>
-    </p:spTree>
-  </p:cSld>
-  <p:clrMapOvr>
-    <a:masterClrMapping/>
-  </p:clrMapOvr>
-</p:sld>
-</file>
-
-<file path=ppt/slides/slide7.xml><?xml version="1.0" encoding="utf-8"?>
-<p:sld xmlns:a="http://schemas.openxmlformats.org/drawingml/2006/main" xmlns:r="http://schemas.openxmlformats.org/officeDocument/2006/relationships" xmlns:mc="http://schemas.openxmlformats.org/markup-compatibility/2006" xmlns:mv="urn:schemas-microsoft-com:mac:vml" xmlns:p="http://schemas.openxmlformats.org/presentationml/2006/main" xmlns:c="http://schemas.openxmlformats.org/drawingml/2006/chart" xmlns:dgm="http://schemas.openxmlformats.org/drawingml/2006/diagram" xmlns:o="urn:schemas-microsoft-com:office:office" xmlns:v="urn:schemas-microsoft-com:vml" xmlns:pvml="urn:schemas-microsoft-com:office:powerpoint" xmlns:com="http://schemas.openxmlformats.org/drawingml/2006/compatibility" xmlns:p14="http://schemas.microsoft.com/office/powerpoint/2010/main" xmlns:p15="http://schemas.microsoft.com/office/powerpoint/2012/main" xmlns:ahyp="http://schemas.microsoft.com/office/drawing/2018/hyperlinkcolor">
-  <p:cSld>
-    <p:spTree>
-      <p:nvGrpSpPr>
-        <p:cNvPr id="76" name="Shape 76"/>
-        <p:cNvGrpSpPr/>
-        <p:nvPr/>
-      </p:nvGrpSpPr>
-      <p:grpSpPr>
-        <a:xfrm>
-          <a:off x="0" y="0"/>
-          <a:ext cx="0" cy="0"/>
-          <a:chOff x="0" y="0"/>
-          <a:chExt cx="0" cy="0"/>
-        </a:xfrm>
-      </p:grpSpPr>
       <p:sp>
         <p:nvSpPr>
           <p:cNvPr id="77" name="Google Shape;77;p14"/>
@@ -12015,218 +15488,46 @@
                 <a:spcPts val="0"/>
               </a:spcBef>
               <a:spcAft>
-                <a:spcPts val="0"/>
+                <a:spcPts val="1200"/>
               </a:spcAft>
               <a:buNone/>
             </a:pPr>
             <a:r>
               <a:rPr lang="en"/>
-              <a:t>You (students) create a Zoom room from the project demos </a:t>
-            </a:r>
-            <a:endParaRPr/>
-          </a:p>
-          <a:p>
-            <a:pPr indent="-342900" lvl="0" marL="457200" rtl="0" algn="l">
-              <a:spcBef>
-                <a:spcPts val="1200"/>
-              </a:spcBef>
-              <a:spcAft>
-                <a:spcPts val="0"/>
-              </a:spcAft>
-              <a:buSzPts val="1800"/>
-              <a:buChar char="●"/>
-            </a:pPr>
-            <a:r>
-              <a:rPr lang="en"/>
-              <a:t>Please create the Zoom room and share with the teachers</a:t>
-            </a:r>
-            <a:endParaRPr/>
-          </a:p>
-          <a:p>
-            <a:pPr indent="-342900" lvl="0" marL="457200" rtl="0" algn="l">
-              <a:spcBef>
-                <a:spcPts val="0"/>
-              </a:spcBef>
-              <a:spcAft>
-                <a:spcPts val="0"/>
-              </a:spcAft>
-              <a:buSzPts val="1800"/>
-              <a:buChar char="●"/>
-            </a:pPr>
-            <a:r>
-              <a:rPr lang="en"/>
-              <a:t>We will point demo day participants to your demo rooms</a:t>
-            </a:r>
-            <a:endParaRPr/>
-          </a:p>
-          <a:p>
-            <a:pPr indent="0" lvl="0" marL="0" rtl="0" algn="l">
-              <a:spcBef>
-                <a:spcPts val="1200"/>
-              </a:spcBef>
-              <a:spcAft>
-                <a:spcPts val="0"/>
-              </a:spcAft>
-              <a:buNone/>
-            </a:pPr>
-            <a:r>
-              <a:rPr lang="en"/>
-              <a:t>You will demo your work in this Zoom room</a:t>
-            </a:r>
-            <a:endParaRPr/>
-          </a:p>
-          <a:p>
-            <a:pPr indent="-342900" lvl="0" marL="457200" rtl="0" algn="l">
-              <a:spcBef>
-                <a:spcPts val="1200"/>
-              </a:spcBef>
-              <a:spcAft>
-                <a:spcPts val="0"/>
-              </a:spcAft>
-              <a:buSzPts val="1800"/>
-              <a:buChar char="●"/>
-            </a:pPr>
-            <a:r>
-              <a:rPr lang="en"/>
-              <a:t>Demo your project using your laptop</a:t>
-            </a:r>
-            <a:endParaRPr/>
-          </a:p>
-          <a:p>
-            <a:pPr indent="-342900" lvl="0" marL="457200" rtl="0" algn="l">
-              <a:spcBef>
-                <a:spcPts val="0"/>
-              </a:spcBef>
-              <a:spcAft>
-                <a:spcPts val="0"/>
-              </a:spcAft>
-              <a:buSzPts val="1800"/>
-              <a:buChar char="●"/>
-            </a:pPr>
-            <a:r>
-              <a:rPr lang="en"/>
-              <a:t>Explain your work using a slide deck; should contain</a:t>
-            </a:r>
-            <a:endParaRPr/>
-          </a:p>
-          <a:p>
-            <a:pPr indent="-317500" lvl="1" marL="914400" rtl="0" algn="l">
-              <a:spcBef>
-                <a:spcPts val="0"/>
-              </a:spcBef>
-              <a:spcAft>
-                <a:spcPts val="0"/>
-              </a:spcAft>
-              <a:buSzPts val="1400"/>
-              <a:buChar char="○"/>
-            </a:pPr>
-            <a:r>
-              <a:rPr lang="en"/>
-              <a:t>One slide on product management</a:t>
-            </a:r>
-            <a:endParaRPr/>
-          </a:p>
-          <a:p>
-            <a:pPr indent="-317500" lvl="1" marL="914400" rtl="0" algn="l">
-              <a:spcBef>
-                <a:spcPts val="0"/>
-              </a:spcBef>
-              <a:spcAft>
-                <a:spcPts val="0"/>
-              </a:spcAft>
-              <a:buSzPts val="1400"/>
-              <a:buChar char="○"/>
-            </a:pPr>
-            <a:r>
-              <a:rPr lang="en"/>
-              <a:t>One slide on software development</a:t>
-            </a:r>
-            <a:endParaRPr/>
-          </a:p>
-          <a:p>
-            <a:pPr indent="-317500" lvl="1" marL="914400" rtl="0" algn="l">
-              <a:spcBef>
-                <a:spcPts val="0"/>
-              </a:spcBef>
-              <a:spcAft>
-                <a:spcPts val="0"/>
-              </a:spcAft>
-              <a:buSzPts val="1400"/>
-              <a:buChar char="○"/>
-            </a:pPr>
-            <a:r>
-              <a:rPr lang="en"/>
-              <a:t>A team photo slide (can be screenshot)</a:t>
-            </a:r>
-            <a:endParaRPr/>
-          </a:p>
-          <a:p>
-            <a:pPr indent="-342900" lvl="0" marL="457200" rtl="0" algn="l">
-              <a:spcBef>
-                <a:spcPts val="1000"/>
-              </a:spcBef>
-              <a:spcAft>
-                <a:spcPts val="0"/>
-              </a:spcAft>
-              <a:buSzPts val="1800"/>
-              <a:buChar char="●"/>
-            </a:pPr>
-            <a:r>
-              <a:rPr lang="en"/>
-              <a:t>Have the demo day video ready as a backup</a:t>
-            </a:r>
-            <a:endParaRPr/>
-          </a:p>
-          <a:p>
-            <a:pPr indent="0" lvl="0" marL="0" rtl="0" algn="l">
-              <a:spcBef>
-                <a:spcPts val="1200"/>
-              </a:spcBef>
-              <a:spcAft>
-                <a:spcPts val="0"/>
-              </a:spcAft>
-              <a:buNone/>
-            </a:pPr>
-            <a:r>
-              <a:t/>
-            </a:r>
-            <a:endParaRPr/>
-          </a:p>
-          <a:p>
-            <a:pPr indent="0" lvl="0" marL="0" rtl="0" algn="l">
-              <a:spcBef>
-                <a:spcPts val="1200"/>
-              </a:spcBef>
-              <a:spcAft>
-                <a:spcPts val="0"/>
-              </a:spcAft>
-              <a:buNone/>
-            </a:pPr>
-            <a:r>
-              <a:t/>
-            </a:r>
-            <a:endParaRPr/>
-          </a:p>
-          <a:p>
-            <a:pPr indent="0" lvl="0" marL="0" rtl="0" algn="l">
-              <a:spcBef>
-                <a:spcPts val="1200"/>
-              </a:spcBef>
-              <a:spcAft>
-                <a:spcPts val="1200"/>
-              </a:spcAft>
-              <a:buNone/>
-            </a:pPr>
-            <a:r>
-              <a:t/>
+              <a:t>Please create one 16x9 slide to show during the demo day opening</a:t>
             </a:r>
             <a:endParaRPr/>
           </a:p>
         </p:txBody>
       </p:sp>
+    </p:spTree>
+  </p:cSld>
+  <p:clrMapOvr>
+    <a:masterClrMapping/>
+  </p:clrMapOvr>
+</p:sld>
+</file>
+
+<file path=ppt/slides/slide8.xml><?xml version="1.0" encoding="utf-8"?>
+<p:sld xmlns:a="http://schemas.openxmlformats.org/drawingml/2006/main" xmlns:r="http://schemas.openxmlformats.org/officeDocument/2006/relationships" xmlns:mc="http://schemas.openxmlformats.org/markup-compatibility/2006" xmlns:mv="urn:schemas-microsoft-com:mac:vml" xmlns:p="http://schemas.openxmlformats.org/presentationml/2006/main" xmlns:c="http://schemas.openxmlformats.org/drawingml/2006/chart" xmlns:dgm="http://schemas.openxmlformats.org/drawingml/2006/diagram" xmlns:o="urn:schemas-microsoft-com:office:office" xmlns:v="urn:schemas-microsoft-com:vml" xmlns:pvml="urn:schemas-microsoft-com:office:powerpoint" xmlns:com="http://schemas.openxmlformats.org/drawingml/2006/compatibility" xmlns:p14="http://schemas.microsoft.com/office/powerpoint/2010/main" xmlns:p15="http://schemas.microsoft.com/office/powerpoint/2012/main" xmlns:ahyp="http://schemas.microsoft.com/office/drawing/2018/hyperlinkcolor">
+  <p:cSld>
+    <p:spTree>
+      <p:nvGrpSpPr>
+        <p:cNvPr id="81" name="Shape 81"/>
+        <p:cNvGrpSpPr/>
+        <p:nvPr/>
+      </p:nvGrpSpPr>
+      <p:grpSpPr>
+        <a:xfrm>
+          <a:off x="0" y="0"/>
+          <a:ext cx="0" cy="0"/>
+          <a:chOff x="0" y="0"/>
+          <a:chExt cx="0" cy="0"/>
+        </a:xfrm>
+      </p:grpSpPr>
       <p:sp>
         <p:nvSpPr>
-          <p:cNvPr id="78" name="Google Shape;78;p14"/>
+          <p:cNvPr id="82" name="Google Shape;82;p15"/>
           <p:cNvSpPr txBox="1"/>
           <p:nvPr>
             <p:ph type="title"/>
@@ -12258,7 +15559,7 @@
             </a:pPr>
             <a:r>
               <a:rPr lang="en"/>
-              <a:t>Online Demo Room</a:t>
+              <a:t>In-Person Presentation Booth</a:t>
             </a:r>
             <a:endParaRPr/>
           </a:p>
@@ -12266,7 +15567,7 @@
       </p:sp>
       <p:sp>
         <p:nvSpPr>
-          <p:cNvPr id="79" name="Google Shape;79;p14"/>
+          <p:cNvPr id="83" name="Google Shape;83;p15"/>
           <p:cNvSpPr txBox="1"/>
           <p:nvPr>
             <p:ph idx="12" type="sldNum"/>
@@ -12333,6 +15634,195 @@
           </a:p>
         </p:txBody>
       </p:sp>
+      <p:sp>
+        <p:nvSpPr>
+          <p:cNvPr id="84" name="Google Shape;84;p15"/>
+          <p:cNvSpPr txBox="1"/>
+          <p:nvPr>
+            <p:ph idx="1" type="body"/>
+          </p:nvPr>
+        </p:nvSpPr>
+        <p:spPr>
+          <a:xfrm>
+            <a:off x="274320" y="914400"/>
+            <a:ext cx="8595300" cy="4114800"/>
+          </a:xfrm>
+          <a:prstGeom prst="rect">
+            <a:avLst/>
+          </a:prstGeom>
+        </p:spPr>
+        <p:txBody>
+          <a:bodyPr anchorCtr="0" anchor="t" bIns="0" lIns="0" spcFirstLastPara="1" rIns="0" wrap="square" tIns="0">
+            <a:noAutofit/>
+          </a:bodyPr>
+          <a:lstStyle/>
+          <a:p>
+            <a:pPr indent="0" lvl="0" marL="0" rtl="0" algn="l">
+              <a:spcBef>
+                <a:spcPts val="0"/>
+              </a:spcBef>
+              <a:spcAft>
+                <a:spcPts val="0"/>
+              </a:spcAft>
+              <a:buNone/>
+            </a:pPr>
+            <a:r>
+              <a:rPr lang="en"/>
+              <a:t>You (students)</a:t>
+            </a:r>
+            <a:r>
+              <a:rPr lang="en"/>
+              <a:t> are given a “presentation booth”</a:t>
+            </a:r>
+            <a:endParaRPr/>
+          </a:p>
+          <a:p>
+            <a:pPr indent="-342900" lvl="0" marL="457200" rtl="0" algn="l">
+              <a:spcBef>
+                <a:spcPts val="1200"/>
+              </a:spcBef>
+              <a:spcAft>
+                <a:spcPts val="0"/>
+              </a:spcAft>
+              <a:buSzPts val="1800"/>
+              <a:buChar char="●"/>
+            </a:pPr>
+            <a:r>
+              <a:rPr lang="en"/>
+              <a:t>The booth is a table plus </a:t>
+            </a:r>
+            <a:r>
+              <a:rPr lang="en"/>
+              <a:t>pinboards</a:t>
+            </a:r>
+            <a:r>
+              <a:rPr lang="en"/>
+              <a:t> for posters</a:t>
+            </a:r>
+            <a:endParaRPr/>
+          </a:p>
+          <a:p>
+            <a:pPr indent="-342900" lvl="0" marL="457200" rtl="0" algn="l">
+              <a:spcBef>
+                <a:spcPts val="0"/>
+              </a:spcBef>
+              <a:spcAft>
+                <a:spcPts val="0"/>
+              </a:spcAft>
+              <a:buSzPts val="1800"/>
+              <a:buChar char="●"/>
+            </a:pPr>
+            <a:r>
+              <a:rPr lang="en"/>
+              <a:t>Please pin your posters to the pinboards and be ready to discuss them</a:t>
+            </a:r>
+            <a:endParaRPr/>
+          </a:p>
+          <a:p>
+            <a:pPr indent="0" lvl="0" marL="0" rtl="0" algn="l">
+              <a:spcBef>
+                <a:spcPts val="1200"/>
+              </a:spcBef>
+              <a:spcAft>
+                <a:spcPts val="0"/>
+              </a:spcAft>
+              <a:buNone/>
+            </a:pPr>
+            <a:r>
+              <a:rPr lang="en"/>
+              <a:t>You will demo your work in this booth</a:t>
+            </a:r>
+            <a:endParaRPr/>
+          </a:p>
+          <a:p>
+            <a:pPr indent="-342900" lvl="0" marL="457200" rtl="0" algn="l">
+              <a:spcBef>
+                <a:spcPts val="1200"/>
+              </a:spcBef>
+              <a:spcAft>
+                <a:spcPts val="0"/>
+              </a:spcAft>
+              <a:buSzPts val="1800"/>
+              <a:buChar char="●"/>
+            </a:pPr>
+            <a:r>
+              <a:rPr lang="en"/>
+              <a:t>Demo your project, </a:t>
+            </a:r>
+            <a:r>
+              <a:rPr lang="en"/>
+              <a:t>usually using your laptop</a:t>
+            </a:r>
+            <a:endParaRPr/>
+          </a:p>
+          <a:p>
+            <a:pPr indent="-342900" lvl="0" marL="457200" rtl="0" algn="l">
+              <a:spcBef>
+                <a:spcPts val="0"/>
+              </a:spcBef>
+              <a:spcAft>
+                <a:spcPts val="0"/>
+              </a:spcAft>
+              <a:buSzPts val="1800"/>
+              <a:buChar char="●"/>
+            </a:pPr>
+            <a:r>
+              <a:rPr lang="en"/>
+              <a:t>Explain your work using the posters</a:t>
+            </a:r>
+            <a:endParaRPr/>
+          </a:p>
+          <a:p>
+            <a:pPr indent="-342900" lvl="0" marL="457200" rtl="0" algn="l">
+              <a:spcBef>
+                <a:spcPts val="0"/>
+              </a:spcBef>
+              <a:spcAft>
+                <a:spcPts val="0"/>
+              </a:spcAft>
+              <a:buSzPts val="1800"/>
+              <a:buChar char="●"/>
+            </a:pPr>
+            <a:r>
+              <a:rPr lang="en"/>
+              <a:t>Support the demo with a slide deck</a:t>
+            </a:r>
+            <a:endParaRPr/>
+          </a:p>
+          <a:p>
+            <a:pPr indent="-342900" lvl="0" marL="457200" rtl="0" algn="l">
+              <a:spcBef>
+                <a:spcPts val="0"/>
+              </a:spcBef>
+              <a:spcAft>
+                <a:spcPts val="0"/>
+              </a:spcAft>
+              <a:buSzPts val="1800"/>
+              <a:buChar char="●"/>
+            </a:pPr>
+            <a:r>
+              <a:rPr lang="en"/>
+              <a:t>Have the demo day video ready as a backup</a:t>
+            </a:r>
+            <a:endParaRPr/>
+          </a:p>
+          <a:p>
+            <a:pPr indent="0" lvl="0" marL="0" rtl="0" algn="l">
+              <a:spcBef>
+                <a:spcPts val="1200"/>
+              </a:spcBef>
+              <a:spcAft>
+                <a:spcPts val="1200"/>
+              </a:spcAft>
+              <a:buNone/>
+            </a:pPr>
+            <a:r>
+              <a:t/>
+            </a:r>
+            <a:endParaRPr/>
+          </a:p>
+        </p:txBody>
+      </p:sp>
     </p:spTree>
   </p:cSld>
   <p:clrMapOvr>
@@ -12341,12 +15831,12 @@
 </p:sld>
 </file>
 
-<file path=ppt/slides/slide8.xml><?xml version="1.0" encoding="utf-8"?>
+<file path=ppt/slides/slide9.xml><?xml version="1.0" encoding="utf-8"?>
 <p:sld xmlns:a="http://schemas.openxmlformats.org/drawingml/2006/main" xmlns:r="http://schemas.openxmlformats.org/officeDocument/2006/relationships" xmlns:mc="http://schemas.openxmlformats.org/markup-compatibility/2006" xmlns:mv="urn:schemas-microsoft-com:mac:vml" xmlns:p="http://schemas.openxmlformats.org/presentationml/2006/main" xmlns:c="http://schemas.openxmlformats.org/drawingml/2006/chart" xmlns:dgm="http://schemas.openxmlformats.org/drawingml/2006/diagram" xmlns:o="urn:schemas-microsoft-com:office:office" xmlns:v="urn:schemas-microsoft-com:vml" xmlns:pvml="urn:schemas-microsoft-com:office:powerpoint" xmlns:com="http://schemas.openxmlformats.org/drawingml/2006/compatibility" xmlns:p14="http://schemas.microsoft.com/office/powerpoint/2010/main" xmlns:p15="http://schemas.microsoft.com/office/powerpoint/2012/main" xmlns:ahyp="http://schemas.microsoft.com/office/drawing/2018/hyperlinkcolor">
   <p:cSld>
     <p:spTree>
       <p:nvGrpSpPr>
-        <p:cNvPr id="83" name="Shape 83"/>
+        <p:cNvPr id="88" name="Shape 88"/>
         <p:cNvGrpSpPr/>
         <p:nvPr/>
       </p:nvGrpSpPr>
@@ -12360,7 +15850,210 @@
       </p:grpSpPr>
       <p:sp>
         <p:nvSpPr>
-          <p:cNvPr id="84" name="Google Shape;84;p15"/>
+          <p:cNvPr id="89" name="Google Shape;89;p16"/>
+          <p:cNvSpPr txBox="1"/>
+          <p:nvPr>
+            <p:ph idx="1" type="body"/>
+          </p:nvPr>
+        </p:nvSpPr>
+        <p:spPr>
+          <a:xfrm>
+            <a:off x="274320" y="914400"/>
+            <a:ext cx="8595300" cy="4114800"/>
+          </a:xfrm>
+          <a:prstGeom prst="rect">
+            <a:avLst/>
+          </a:prstGeom>
+        </p:spPr>
+        <p:txBody>
+          <a:bodyPr anchorCtr="0" anchor="t" bIns="0" lIns="0" spcFirstLastPara="1" rIns="0" wrap="square" tIns="0">
+            <a:noAutofit/>
+          </a:bodyPr>
+          <a:lstStyle/>
+          <a:p>
+            <a:pPr indent="0" lvl="0" marL="0" rtl="0" algn="l">
+              <a:spcBef>
+                <a:spcPts val="0"/>
+              </a:spcBef>
+              <a:spcAft>
+                <a:spcPts val="0"/>
+              </a:spcAft>
+              <a:buNone/>
+            </a:pPr>
+            <a:r>
+              <a:rPr lang="en"/>
+              <a:t>We will create Zoom breakout rooms for each project</a:t>
+            </a:r>
+            <a:endParaRPr/>
+          </a:p>
+          <a:p>
+            <a:pPr indent="0" lvl="0" marL="0" rtl="0" algn="l">
+              <a:spcBef>
+                <a:spcPts val="1200"/>
+              </a:spcBef>
+              <a:spcAft>
+                <a:spcPts val="0"/>
+              </a:spcAft>
+              <a:buNone/>
+            </a:pPr>
+            <a:r>
+              <a:rPr lang="en"/>
+              <a:t>You will demo your work in your breakout room</a:t>
+            </a:r>
+            <a:endParaRPr/>
+          </a:p>
+          <a:p>
+            <a:pPr indent="-342900" lvl="0" marL="457200" rtl="0" algn="l">
+              <a:spcBef>
+                <a:spcPts val="1200"/>
+              </a:spcBef>
+              <a:spcAft>
+                <a:spcPts val="0"/>
+              </a:spcAft>
+              <a:buSzPts val="1800"/>
+              <a:buChar char="●"/>
+            </a:pPr>
+            <a:r>
+              <a:rPr lang="en"/>
+              <a:t>Demo your project using your laptop</a:t>
+            </a:r>
+            <a:endParaRPr/>
+          </a:p>
+          <a:p>
+            <a:pPr indent="-342900" lvl="0" marL="457200" rtl="0" algn="l">
+              <a:spcBef>
+                <a:spcPts val="0"/>
+              </a:spcBef>
+              <a:spcAft>
+                <a:spcPts val="0"/>
+              </a:spcAft>
+              <a:buSzPts val="1800"/>
+              <a:buChar char="●"/>
+            </a:pPr>
+            <a:r>
+              <a:rPr lang="en"/>
+              <a:t>Explain your work using a slide deck; should contain</a:t>
+            </a:r>
+            <a:endParaRPr/>
+          </a:p>
+          <a:p>
+            <a:pPr indent="-317500" lvl="1" marL="914400" rtl="0" algn="l">
+              <a:spcBef>
+                <a:spcPts val="0"/>
+              </a:spcBef>
+              <a:spcAft>
+                <a:spcPts val="0"/>
+              </a:spcAft>
+              <a:buSzPts val="1400"/>
+              <a:buChar char="○"/>
+            </a:pPr>
+            <a:r>
+              <a:rPr lang="en"/>
+              <a:t>One slide on product management</a:t>
+            </a:r>
+            <a:endParaRPr/>
+          </a:p>
+          <a:p>
+            <a:pPr indent="-317500" lvl="1" marL="914400" rtl="0" algn="l">
+              <a:spcBef>
+                <a:spcPts val="0"/>
+              </a:spcBef>
+              <a:spcAft>
+                <a:spcPts val="0"/>
+              </a:spcAft>
+              <a:buSzPts val="1400"/>
+              <a:buChar char="○"/>
+            </a:pPr>
+            <a:r>
+              <a:rPr lang="en"/>
+              <a:t>One slide on software development</a:t>
+            </a:r>
+            <a:endParaRPr/>
+          </a:p>
+          <a:p>
+            <a:pPr indent="-317500" lvl="1" marL="914400" rtl="0" algn="l">
+              <a:spcBef>
+                <a:spcPts val="0"/>
+              </a:spcBef>
+              <a:spcAft>
+                <a:spcPts val="0"/>
+              </a:spcAft>
+              <a:buSzPts val="1400"/>
+              <a:buChar char="○"/>
+            </a:pPr>
+            <a:r>
+              <a:rPr lang="en"/>
+              <a:t>A team photo slide (can be screenshot)</a:t>
+            </a:r>
+            <a:endParaRPr/>
+          </a:p>
+          <a:p>
+            <a:pPr indent="-342900" lvl="0" marL="457200" rtl="0" algn="l">
+              <a:spcBef>
+                <a:spcPts val="1000"/>
+              </a:spcBef>
+              <a:spcAft>
+                <a:spcPts val="0"/>
+              </a:spcAft>
+              <a:buSzPts val="1800"/>
+              <a:buChar char="●"/>
+            </a:pPr>
+            <a:r>
+              <a:rPr lang="en"/>
+              <a:t>Have the demo day video ready as a backup</a:t>
+            </a:r>
+            <a:endParaRPr/>
+          </a:p>
+          <a:p>
+            <a:pPr indent="0" lvl="0" marL="0" rtl="0" algn="l">
+              <a:spcBef>
+                <a:spcPts val="1200"/>
+              </a:spcBef>
+              <a:spcAft>
+                <a:spcPts val="0"/>
+              </a:spcAft>
+              <a:buNone/>
+            </a:pPr>
+            <a:r>
+              <a:t/>
+            </a:r>
+            <a:endParaRPr/>
+          </a:p>
+          <a:p>
+            <a:pPr indent="0" lvl="0" marL="0" rtl="0" algn="l">
+              <a:spcBef>
+                <a:spcPts val="1200"/>
+              </a:spcBef>
+              <a:spcAft>
+                <a:spcPts val="0"/>
+              </a:spcAft>
+              <a:buNone/>
+            </a:pPr>
+            <a:r>
+              <a:t/>
+            </a:r>
+            <a:endParaRPr/>
+          </a:p>
+          <a:p>
+            <a:pPr indent="0" lvl="0" marL="0" rtl="0" algn="l">
+              <a:spcBef>
+                <a:spcPts val="1200"/>
+              </a:spcBef>
+              <a:spcAft>
+                <a:spcPts val="1200"/>
+              </a:spcAft>
+              <a:buNone/>
+            </a:pPr>
+            <a:r>
+              <a:t/>
+            </a:r>
+            <a:endParaRPr/>
+          </a:p>
+        </p:txBody>
+      </p:sp>
+      <p:sp>
+        <p:nvSpPr>
+          <p:cNvPr id="90" name="Google Shape;90;p16"/>
           <p:cNvSpPr txBox="1"/>
           <p:nvPr>
             <p:ph type="title"/>
@@ -12392,7 +16085,7 @@
             </a:pPr>
             <a:r>
               <a:rPr lang="en"/>
-              <a:t>Use of Corporate Identities</a:t>
+              <a:t>Online Demo Room</a:t>
             </a:r>
             <a:endParaRPr/>
           </a:p>
@@ -12400,94 +16093,7 @@
       </p:sp>
       <p:sp>
         <p:nvSpPr>
-          <p:cNvPr id="85" name="Google Shape;85;p15"/>
-          <p:cNvSpPr txBox="1"/>
-          <p:nvPr>
-            <p:ph idx="1" type="body"/>
-          </p:nvPr>
-        </p:nvSpPr>
-        <p:spPr>
-          <a:xfrm>
-            <a:off x="274320" y="914400"/>
-            <a:ext cx="8595300" cy="4114800"/>
-          </a:xfrm>
-          <a:prstGeom prst="rect">
-            <a:avLst/>
-          </a:prstGeom>
-        </p:spPr>
-        <p:txBody>
-          <a:bodyPr anchorCtr="0" anchor="t" bIns="0" lIns="0" spcFirstLastPara="1" rIns="0" wrap="square" tIns="0">
-            <a:noAutofit/>
-          </a:bodyPr>
-          <a:lstStyle/>
-          <a:p>
-            <a:pPr indent="0" lvl="0" marL="0" rtl="0" algn="l">
-              <a:spcBef>
-                <a:spcPts val="0"/>
-              </a:spcBef>
-              <a:spcAft>
-                <a:spcPts val="0"/>
-              </a:spcAft>
-              <a:buNone/>
-            </a:pPr>
-            <a:r>
-              <a:rPr lang="en"/>
-              <a:t>Please use your university logo</a:t>
-            </a:r>
-            <a:endParaRPr/>
-          </a:p>
-          <a:p>
-            <a:pPr indent="0" lvl="0" marL="0" rtl="0" algn="l">
-              <a:spcBef>
-                <a:spcPts val="1200"/>
-              </a:spcBef>
-              <a:spcAft>
-                <a:spcPts val="0"/>
-              </a:spcAft>
-              <a:buNone/>
-            </a:pPr>
-            <a:r>
-              <a:rPr lang="en"/>
-              <a:t>Please use your team logo</a:t>
-            </a:r>
-            <a:endParaRPr/>
-          </a:p>
-          <a:p>
-            <a:pPr indent="0" lvl="0" marL="0" rtl="0" algn="l">
-              <a:spcBef>
-                <a:spcPts val="1200"/>
-              </a:spcBef>
-              <a:spcAft>
-                <a:spcPts val="0"/>
-              </a:spcAft>
-              <a:buNone/>
-            </a:pPr>
-            <a:r>
-              <a:rPr lang="en"/>
-              <a:t>Please use your industry partner logo, but ask first</a:t>
-            </a:r>
-            <a:endParaRPr/>
-          </a:p>
-          <a:p>
-            <a:pPr indent="0" lvl="0" marL="0" rtl="0" algn="l">
-              <a:spcBef>
-                <a:spcPts val="1200"/>
-              </a:spcBef>
-              <a:spcAft>
-                <a:spcPts val="1200"/>
-              </a:spcAft>
-              <a:buNone/>
-            </a:pPr>
-            <a:r>
-              <a:t/>
-            </a:r>
-            <a:endParaRPr/>
-          </a:p>
-        </p:txBody>
-      </p:sp>
-      <p:sp>
-        <p:nvSpPr>
-          <p:cNvPr id="86" name="Google Shape;86;p15"/>
+          <p:cNvPr id="91" name="Google Shape;91;p16"/>
           <p:cNvSpPr txBox="1"/>
           <p:nvPr>
             <p:ph idx="12" type="sldNum"/>
@@ -12554,208 +16160,6 @@
           </a:p>
         </p:txBody>
       </p:sp>
-    </p:spTree>
-  </p:cSld>
-  <p:clrMapOvr>
-    <a:masterClrMapping/>
-  </p:clrMapOvr>
-</p:sld>
-</file>
-
-<file path=ppt/slides/slide9.xml><?xml version="1.0" encoding="utf-8"?>
-<p:sld xmlns:a="http://schemas.openxmlformats.org/drawingml/2006/main" xmlns:r="http://schemas.openxmlformats.org/officeDocument/2006/relationships" xmlns:mc="http://schemas.openxmlformats.org/markup-compatibility/2006" xmlns:mv="urn:schemas-microsoft-com:mac:vml" xmlns:p="http://schemas.openxmlformats.org/presentationml/2006/main" xmlns:c="http://schemas.openxmlformats.org/drawingml/2006/chart" xmlns:dgm="http://schemas.openxmlformats.org/drawingml/2006/diagram" xmlns:o="urn:schemas-microsoft-com:office:office" xmlns:v="urn:schemas-microsoft-com:vml" xmlns:pvml="urn:schemas-microsoft-com:office:powerpoint" xmlns:com="http://schemas.openxmlformats.org/drawingml/2006/compatibility" xmlns:p14="http://schemas.microsoft.com/office/powerpoint/2010/main" xmlns:p15="http://schemas.microsoft.com/office/powerpoint/2012/main" xmlns:ahyp="http://schemas.microsoft.com/office/drawing/2018/hyperlinkcolor">
-  <p:cSld>
-    <p:spTree>
-      <p:nvGrpSpPr>
-        <p:cNvPr id="90" name="Shape 90"/>
-        <p:cNvGrpSpPr/>
-        <p:nvPr/>
-      </p:nvGrpSpPr>
-      <p:grpSpPr>
-        <a:xfrm>
-          <a:off x="0" y="0"/>
-          <a:ext cx="0" cy="0"/>
-          <a:chOff x="0" y="0"/>
-          <a:chExt cx="0" cy="0"/>
-        </a:xfrm>
-      </p:grpSpPr>
-      <p:sp>
-        <p:nvSpPr>
-          <p:cNvPr id="91" name="Google Shape;91;p16"/>
-          <p:cNvSpPr txBox="1"/>
-          <p:nvPr>
-            <p:ph type="title"/>
-          </p:nvPr>
-        </p:nvSpPr>
-        <p:spPr>
-          <a:xfrm>
-            <a:off x="0" y="0"/>
-            <a:ext cx="9144000" cy="685800"/>
-          </a:xfrm>
-          <a:prstGeom prst="rect">
-            <a:avLst/>
-          </a:prstGeom>
-        </p:spPr>
-        <p:txBody>
-          <a:bodyPr anchorCtr="0" anchor="ctr" bIns="0" lIns="274300" spcFirstLastPara="1" rIns="0" wrap="square" tIns="0">
-            <a:noAutofit/>
-          </a:bodyPr>
-          <a:lstStyle/>
-          <a:p>
-            <a:pPr indent="0" lvl="0" marL="0" rtl="0" algn="l">
-              <a:spcBef>
-                <a:spcPts val="0"/>
-              </a:spcBef>
-              <a:spcAft>
-                <a:spcPts val="0"/>
-              </a:spcAft>
-              <a:buNone/>
-            </a:pPr>
-            <a:r>
-              <a:rPr lang="en"/>
-              <a:t>Example Posters 1 / 2</a:t>
-            </a:r>
-            <a:endParaRPr/>
-          </a:p>
-        </p:txBody>
-      </p:sp>
-      <p:sp>
-        <p:nvSpPr>
-          <p:cNvPr id="92" name="Google Shape;92;p16"/>
-          <p:cNvSpPr txBox="1"/>
-          <p:nvPr>
-            <p:ph idx="12" type="sldNum"/>
-          </p:nvPr>
-        </p:nvSpPr>
-        <p:spPr>
-          <a:xfrm>
-            <a:off x="7315202" y="4416550"/>
-            <a:ext cx="1828800" cy="731400"/>
-          </a:xfrm>
-          <a:prstGeom prst="rect">
-            <a:avLst/>
-          </a:prstGeom>
-        </p:spPr>
-        <p:txBody>
-          <a:bodyPr anchorCtr="0" anchor="b" bIns="91425" lIns="91425" spcFirstLastPara="1" rIns="91425" wrap="square" tIns="91425">
-            <a:noAutofit/>
-          </a:bodyPr>
-          <a:lstStyle/>
-          <a:p>
-            <a:pPr indent="0" lvl="0" marL="0" rtl="0" algn="r">
-              <a:spcBef>
-                <a:spcPts val="0"/>
-              </a:spcBef>
-              <a:spcAft>
-                <a:spcPts val="0"/>
-              </a:spcAft>
-              <a:buNone/>
-            </a:pPr>
-            <a:fld id="{00000000-1234-1234-1234-123412341234}" type="slidenum">
-              <a:rPr lang="en"/>
-              <a:t>‹#›</a:t>
-            </a:fld>
-            <a:endParaRPr/>
-          </a:p>
-          <a:p>
-            <a:pPr indent="0" lvl="0" marL="0" rtl="0" algn="r">
-              <a:spcBef>
-                <a:spcPts val="0"/>
-              </a:spcBef>
-              <a:spcAft>
-                <a:spcPts val="0"/>
-              </a:spcAft>
-              <a:buNone/>
-            </a:pPr>
-            <a:r>
-              <a:rPr b="0" lang="en" sz="900" u="sng">
-                <a:solidFill>
-                  <a:schemeClr val="hlink"/>
-                </a:solidFill>
-                <a:hlinkClick r:id="rId3"/>
-              </a:rPr>
-              <a:t>https://profriehle.com</a:t>
-            </a:r>
-            <a:r>
-              <a:rPr b="0" lang="en" sz="900">
-                <a:solidFill>
-                  <a:schemeClr val="dk2"/>
-                </a:solidFill>
-              </a:rPr>
-              <a:t> </a:t>
-            </a:r>
-            <a:endParaRPr/>
-          </a:p>
-        </p:txBody>
-      </p:sp>
-      <p:pic>
-        <p:nvPicPr>
-          <p:cNvPr id="93" name="Google Shape;93;p16"/>
-          <p:cNvPicPr preferRelativeResize="0"/>
-          <p:nvPr/>
-        </p:nvPicPr>
-        <p:blipFill>
-          <a:blip r:embed="rId4">
-            <a:alphaModFix/>
-          </a:blip>
-          <a:stretch>
-            <a:fillRect/>
-          </a:stretch>
-        </p:blipFill>
-        <p:spPr>
-          <a:xfrm>
-            <a:off x="274320" y="914400"/>
-            <a:ext cx="2907791" cy="4114800"/>
-          </a:xfrm>
-          <a:prstGeom prst="rect">
-            <a:avLst/>
-          </a:prstGeom>
-          <a:noFill/>
-          <a:ln cap="flat" cmpd="sng" w="9525">
-            <a:solidFill>
-              <a:schemeClr val="dk2"/>
-            </a:solidFill>
-            <a:prstDash val="solid"/>
-            <a:round/>
-            <a:headEnd len="sm" w="sm" type="none"/>
-            <a:tailEnd len="sm" w="sm" type="none"/>
-          </a:ln>
-        </p:spPr>
-      </p:pic>
-      <p:pic>
-        <p:nvPicPr>
-          <p:cNvPr id="94" name="Google Shape;94;p16"/>
-          <p:cNvPicPr preferRelativeResize="0"/>
-          <p:nvPr/>
-        </p:nvPicPr>
-        <p:blipFill>
-          <a:blip r:embed="rId5">
-            <a:alphaModFix/>
-          </a:blip>
-          <a:stretch>
-            <a:fillRect/>
-          </a:stretch>
-        </p:blipFill>
-        <p:spPr>
-          <a:xfrm>
-            <a:off x="3474720" y="914400"/>
-            <a:ext cx="2907792" cy="4114800"/>
-          </a:xfrm>
-          <a:prstGeom prst="rect">
-            <a:avLst/>
-          </a:prstGeom>
-          <a:noFill/>
-          <a:ln cap="flat" cmpd="sng" w="9525">
-            <a:solidFill>
-              <a:schemeClr val="dk2"/>
-            </a:solidFill>
-            <a:prstDash val="solid"/>
-            <a:round/>
-            <a:headEnd len="sm" w="sm" type="none"/>
-            <a:tailEnd len="sm" w="sm" type="none"/>
-          </a:ln>
-        </p:spPr>
-      </p:pic>
     </p:spTree>
   </p:cSld>
   <p:clrMapOvr>

--- a/Lecture slides/AMOS B07 - Demo Day Preparation.pptx
+++ b/Lecture slides/AMOS B07 - Demo Day Preparation.pptx
@@ -7779,7 +7779,7 @@
             <a:tbl>
               <a:tblPr>
                 <a:noFill/>
-                <a:tableStyleId>{1A17AD95-258F-47B0-ABB0-459FB53B9226}</a:tableStyleId>
+                <a:tableStyleId>{66B0EB45-EE49-450D-A477-25FF1C32F1AE}</a:tableStyleId>
               </a:tblPr>
               <a:tblGrid>
                 <a:gridCol w="1315250"/>
@@ -12420,7 +12420,7 @@
             <a:tbl>
               <a:tblPr>
                 <a:noFill/>
-                <a:tableStyleId>{63535843-8C52-46C1-98AA-86C85E4A7672}</a:tableStyleId>
+                <a:tableStyleId>{F574F4D0-4C87-4EFE-9EAA-9E4A408D93CE}</a:tableStyleId>
               </a:tblPr>
               <a:tblGrid>
                 <a:gridCol w="1432550"/>
@@ -16169,6 +16169,285 @@
 </file>
 
 <file path=ppt/theme/theme1.xml><?xml version="1.0" encoding="utf-8"?>
+<a:theme xmlns:a="http://schemas.openxmlformats.org/drawingml/2006/main" xmlns:r="http://schemas.openxmlformats.org/officeDocument/2006/relationships">
+  <a:themeElements>
+    <a:clrScheme name="Default">
+      <a:dk1>
+        <a:srgbClr val="000000"/>
+      </a:dk1>
+      <a:lt1>
+        <a:srgbClr val="FFFFFF"/>
+      </a:lt1>
+      <a:dk2>
+        <a:srgbClr val="158158"/>
+      </a:dk2>
+      <a:lt2>
+        <a:srgbClr val="F3F3F3"/>
+      </a:lt2>
+      <a:accent1>
+        <a:srgbClr val="058DC7"/>
+      </a:accent1>
+      <a:accent2>
+        <a:srgbClr val="50B432"/>
+      </a:accent2>
+      <a:accent3>
+        <a:srgbClr val="ED561B"/>
+      </a:accent3>
+      <a:accent4>
+        <a:srgbClr val="EDEF00"/>
+      </a:accent4>
+      <a:accent5>
+        <a:srgbClr val="24CBE5"/>
+      </a:accent5>
+      <a:accent6>
+        <a:srgbClr val="64E572"/>
+      </a:accent6>
+      <a:hlink>
+        <a:srgbClr val="2200CC"/>
+      </a:hlink>
+      <a:folHlink>
+        <a:srgbClr val="551A8B"/>
+      </a:folHlink>
+    </a:clrScheme>
+    <a:fontScheme name="Office">
+      <a:majorFont>
+        <a:latin typeface="Arial"/>
+        <a:ea typeface=""/>
+        <a:cs typeface=""/>
+        <a:font script="Jpan" typeface="ＭＳ Ｐゴシック"/>
+        <a:font script="Hang" typeface="맑은 고딕"/>
+        <a:font script="Hans" typeface="宋体"/>
+        <a:font script="Hant" typeface="新細明體"/>
+        <a:font script="Arab" typeface="Times New Roman"/>
+        <a:font script="Hebr" typeface="Times New Roman"/>
+        <a:font script="Thai" typeface="Angsana New"/>
+        <a:font script="Ethi" typeface="Nyala"/>
+        <a:font script="Beng" typeface="Vrinda"/>
+        <a:font script="Gujr" typeface="Shruti"/>
+        <a:font script="Khmr" typeface="MoolBoran"/>
+        <a:font script="Knda" typeface="Tunga"/>
+        <a:font script="Guru" typeface="Raavi"/>
+        <a:font script="Cans" typeface="Euphemia"/>
+        <a:font script="Cher" typeface="Plantagenet Cherokee"/>
+        <a:font script="Yiii" typeface="Microsoft Yi Baiti"/>
+        <a:font script="Tibt" typeface="Microsoft Himalaya"/>
+        <a:font script="Thaa" typeface="MV Boli"/>
+        <a:font script="Deva" typeface="Mangal"/>
+        <a:font script="Telu" typeface="Gautami"/>
+        <a:font script="Taml" typeface="Latha"/>
+        <a:font script="Syrc" typeface="Estrangelo Edessa"/>
+        <a:font script="Orya" typeface="Kalinga"/>
+        <a:font script="Mlym" typeface="Kartika"/>
+        <a:font script="Laoo" typeface="DokChampa"/>
+        <a:font script="Sinh" typeface="Iskoola Pota"/>
+        <a:font script="Mong" typeface="Mongolian Baiti"/>
+        <a:font script="Viet" typeface="Times New Roman"/>
+        <a:font script="Uigh" typeface="Microsoft Uighur"/>
+        <a:font script="Geor" typeface="Sylfaen"/>
+      </a:majorFont>
+      <a:minorFont>
+        <a:latin typeface="Arial"/>
+        <a:ea typeface=""/>
+        <a:cs typeface=""/>
+        <a:font script="Jpan" typeface="ＭＳ Ｐゴシック"/>
+        <a:font script="Hang" typeface="맑은 고딕"/>
+        <a:font script="Hans" typeface="宋体"/>
+        <a:font script="Hant" typeface="新細明體"/>
+        <a:font script="Arab" typeface="Arial"/>
+        <a:font script="Hebr" typeface="Arial"/>
+        <a:font script="Thai" typeface="Cordia New"/>
+        <a:font script="Ethi" typeface="Nyala"/>
+        <a:font script="Beng" typeface="Vrinda"/>
+        <a:font script="Gujr" typeface="Shruti"/>
+        <a:font script="Khmr" typeface="DaunPenh"/>
+        <a:font script="Knda" typeface="Tunga"/>
+        <a:font script="Guru" typeface="Raavi"/>
+        <a:font script="Cans" typeface="Euphemia"/>
+        <a:font script="Cher" typeface="Plantagenet Cherokee"/>
+        <a:font script="Yiii" typeface="Microsoft Yi Baiti"/>
+        <a:font script="Tibt" typeface="Microsoft Himalaya"/>
+        <a:font script="Thaa" typeface="MV Boli"/>
+        <a:font script="Deva" typeface="Mangal"/>
+        <a:font script="Telu" typeface="Gautami"/>
+        <a:font script="Taml" typeface="Latha"/>
+        <a:font script="Syrc" typeface="Estrangelo Edessa"/>
+        <a:font script="Orya" typeface="Kalinga"/>
+        <a:font script="Mlym" typeface="Kartika"/>
+        <a:font script="Laoo" typeface="DokChampa"/>
+        <a:font script="Sinh" typeface="Iskoola Pota"/>
+        <a:font script="Mong" typeface="Mongolian Baiti"/>
+        <a:font script="Viet" typeface="Arial"/>
+        <a:font script="Uigh" typeface="Microsoft Uighur"/>
+        <a:font script="Geor" typeface="Sylfaen"/>
+      </a:minorFont>
+    </a:fontScheme>
+    <a:fmtScheme name="Office">
+      <a:fillStyleLst>
+        <a:solidFill>
+          <a:schemeClr val="phClr"/>
+        </a:solidFill>
+        <a:gradFill rotWithShape="1">
+          <a:gsLst>
+            <a:gs pos="0">
+              <a:schemeClr val="phClr">
+                <a:tint val="50000"/>
+                <a:satMod val="300000"/>
+              </a:schemeClr>
+            </a:gs>
+            <a:gs pos="35000">
+              <a:schemeClr val="phClr">
+                <a:tint val="37000"/>
+                <a:satMod val="300000"/>
+              </a:schemeClr>
+            </a:gs>
+            <a:gs pos="100000">
+              <a:schemeClr val="phClr">
+                <a:tint val="15000"/>
+                <a:satMod val="350000"/>
+              </a:schemeClr>
+            </a:gs>
+          </a:gsLst>
+          <a:lin ang="16200000" scaled="1"/>
+        </a:gradFill>
+        <a:gradFill rotWithShape="1">
+          <a:gsLst>
+            <a:gs pos="0">
+              <a:schemeClr val="phClr">
+                <a:tint val="100000"/>
+                <a:shade val="100000"/>
+                <a:satMod val="130000"/>
+              </a:schemeClr>
+            </a:gs>
+            <a:gs pos="100000">
+              <a:schemeClr val="phClr">
+                <a:tint val="50000"/>
+                <a:shade val="100000"/>
+                <a:satMod val="350000"/>
+              </a:schemeClr>
+            </a:gs>
+          </a:gsLst>
+          <a:lin ang="16200000" scaled="0"/>
+        </a:gradFill>
+      </a:fillStyleLst>
+      <a:lnStyleLst>
+        <a:ln w="9525" cap="flat" cmpd="sng" algn="ctr">
+          <a:solidFill>
+            <a:schemeClr val="phClr">
+              <a:shade val="95000"/>
+              <a:satMod val="105000"/>
+            </a:schemeClr>
+          </a:solidFill>
+          <a:prstDash val="solid"/>
+        </a:ln>
+        <a:ln w="25400" cap="flat" cmpd="sng" algn="ctr">
+          <a:solidFill>
+            <a:schemeClr val="phClr"/>
+          </a:solidFill>
+          <a:prstDash val="solid"/>
+        </a:ln>
+        <a:ln w="38100" cap="flat" cmpd="sng" algn="ctr">
+          <a:solidFill>
+            <a:schemeClr val="phClr"/>
+          </a:solidFill>
+          <a:prstDash val="solid"/>
+        </a:ln>
+      </a:lnStyleLst>
+      <a:effectStyleLst>
+        <a:effectStyle>
+          <a:effectLst>
+            <a:outerShdw blurRad="40000" dist="20000" dir="5400000" rotWithShape="0">
+              <a:srgbClr val="000000">
+                <a:alpha val="38000"/>
+              </a:srgbClr>
+            </a:outerShdw>
+          </a:effectLst>
+        </a:effectStyle>
+        <a:effectStyle>
+          <a:effectLst>
+            <a:outerShdw blurRad="40000" dist="23000" dir="5400000" rotWithShape="0">
+              <a:srgbClr val="000000">
+                <a:alpha val="35000"/>
+              </a:srgbClr>
+            </a:outerShdw>
+          </a:effectLst>
+        </a:effectStyle>
+        <a:effectStyle>
+          <a:effectLst>
+            <a:outerShdw blurRad="40000" dist="23000" dir="5400000" rotWithShape="0">
+              <a:srgbClr val="000000">
+                <a:alpha val="35000"/>
+              </a:srgbClr>
+            </a:outerShdw>
+          </a:effectLst>
+          <a:scene3d>
+            <a:camera prst="orthographicFront">
+              <a:rot lat="0" lon="0" rev="0"/>
+            </a:camera>
+            <a:lightRig rig="threePt" dir="t">
+              <a:rot lat="0" lon="0" rev="1200000"/>
+            </a:lightRig>
+          </a:scene3d>
+          <a:sp3d>
+            <a:bevelT w="63500" h="25400"/>
+          </a:sp3d>
+        </a:effectStyle>
+      </a:effectStyleLst>
+      <a:bgFillStyleLst>
+        <a:solidFill>
+          <a:schemeClr val="phClr"/>
+        </a:solidFill>
+        <a:gradFill rotWithShape="1">
+          <a:gsLst>
+            <a:gs pos="0">
+              <a:schemeClr val="phClr">
+                <a:tint val="40000"/>
+                <a:satMod val="350000"/>
+              </a:schemeClr>
+            </a:gs>
+            <a:gs pos="40000">
+              <a:schemeClr val="phClr">
+                <a:tint val="45000"/>
+                <a:shade val="99000"/>
+                <a:satMod val="350000"/>
+              </a:schemeClr>
+            </a:gs>
+            <a:gs pos="100000">
+              <a:schemeClr val="phClr">
+                <a:shade val="20000"/>
+                <a:satMod val="255000"/>
+              </a:schemeClr>
+            </a:gs>
+          </a:gsLst>
+          <a:path path="circle">
+            <a:fillToRect l="50000" t="-80000" r="50000" b="180000"/>
+          </a:path>
+        </a:gradFill>
+        <a:gradFill rotWithShape="1">
+          <a:gsLst>
+            <a:gs pos="0">
+              <a:schemeClr val="phClr">
+                <a:tint val="80000"/>
+                <a:satMod val="300000"/>
+              </a:schemeClr>
+            </a:gs>
+            <a:gs pos="100000">
+              <a:schemeClr val="phClr">
+                <a:shade val="30000"/>
+                <a:satMod val="200000"/>
+              </a:schemeClr>
+            </a:gs>
+          </a:gsLst>
+          <a:path path="circle">
+            <a:fillToRect l="50000" t="50000" r="50000" b="50000"/>
+          </a:path>
+        </a:gradFill>
+      </a:bgFillStyleLst>
+    </a:fmtScheme>
+  </a:themeElements>
+</a:theme>
+</file>
+
+<file path=ppt/theme/theme2.xml><?xml version="1.0" encoding="utf-8"?>
 <a:theme xmlns:a="http://schemas.openxmlformats.org/drawingml/2006/main" xmlns:r="http://schemas.openxmlformats.org/officeDocument/2006/relationships" name="AMOS Slides Template">
   <a:themeElements>
     <a:clrScheme name="Simple Light">
@@ -16445,283 +16724,4 @@
     </a:fmtScheme>
   </a:themeElements>
 </a:theme>
-</file>
-
-<file path=ppt/theme/theme2.xml><?xml version="1.0" encoding="utf-8"?>
-<a:theme xmlns:a="http://schemas.openxmlformats.org/drawingml/2006/main" xmlns:r="http://schemas.openxmlformats.org/officeDocument/2006/relationships">
-  <a:themeElements>
-    <a:clrScheme name="Default">
-      <a:dk1>
-        <a:srgbClr val="000000"/>
-      </a:dk1>
-      <a:lt1>
-        <a:srgbClr val="FFFFFF"/>
-      </a:lt1>
-      <a:dk2>
-        <a:srgbClr val="158158"/>
-      </a:dk2>
-      <a:lt2>
-        <a:srgbClr val="F3F3F3"/>
-      </a:lt2>
-      <a:accent1>
-        <a:srgbClr val="058DC7"/>
-      </a:accent1>
-      <a:accent2>
-        <a:srgbClr val="50B432"/>
-      </a:accent2>
-      <a:accent3>
-        <a:srgbClr val="ED561B"/>
-      </a:accent3>
-      <a:accent4>
-        <a:srgbClr val="EDEF00"/>
-      </a:accent4>
-      <a:accent5>
-        <a:srgbClr val="24CBE5"/>
-      </a:accent5>
-      <a:accent6>
-        <a:srgbClr val="64E572"/>
-      </a:accent6>
-      <a:hlink>
-        <a:srgbClr val="2200CC"/>
-      </a:hlink>
-      <a:folHlink>
-        <a:srgbClr val="551A8B"/>
-      </a:folHlink>
-    </a:clrScheme>
-    <a:fontScheme name="Office">
-      <a:majorFont>
-        <a:latin typeface="Arial"/>
-        <a:ea typeface=""/>
-        <a:cs typeface=""/>
-        <a:font script="Jpan" typeface="ＭＳ Ｐゴシック"/>
-        <a:font script="Hang" typeface="맑은 고딕"/>
-        <a:font script="Hans" typeface="宋体"/>
-        <a:font script="Hant" typeface="新細明體"/>
-        <a:font script="Arab" typeface="Times New Roman"/>
-        <a:font script="Hebr" typeface="Times New Roman"/>
-        <a:font script="Thai" typeface="Angsana New"/>
-        <a:font script="Ethi" typeface="Nyala"/>
-        <a:font script="Beng" typeface="Vrinda"/>
-        <a:font script="Gujr" typeface="Shruti"/>
-        <a:font script="Khmr" typeface="MoolBoran"/>
-        <a:font script="Knda" typeface="Tunga"/>
-        <a:font script="Guru" typeface="Raavi"/>
-        <a:font script="Cans" typeface="Euphemia"/>
-        <a:font script="Cher" typeface="Plantagenet Cherokee"/>
-        <a:font script="Yiii" typeface="Microsoft Yi Baiti"/>
-        <a:font script="Tibt" typeface="Microsoft Himalaya"/>
-        <a:font script="Thaa" typeface="MV Boli"/>
-        <a:font script="Deva" typeface="Mangal"/>
-        <a:font script="Telu" typeface="Gautami"/>
-        <a:font script="Taml" typeface="Latha"/>
-        <a:font script="Syrc" typeface="Estrangelo Edessa"/>
-        <a:font script="Orya" typeface="Kalinga"/>
-        <a:font script="Mlym" typeface="Kartika"/>
-        <a:font script="Laoo" typeface="DokChampa"/>
-        <a:font script="Sinh" typeface="Iskoola Pota"/>
-        <a:font script="Mong" typeface="Mongolian Baiti"/>
-        <a:font script="Viet" typeface="Times New Roman"/>
-        <a:font script="Uigh" typeface="Microsoft Uighur"/>
-        <a:font script="Geor" typeface="Sylfaen"/>
-      </a:majorFont>
-      <a:minorFont>
-        <a:latin typeface="Arial"/>
-        <a:ea typeface=""/>
-        <a:cs typeface=""/>
-        <a:font script="Jpan" typeface="ＭＳ Ｐゴシック"/>
-        <a:font script="Hang" typeface="맑은 고딕"/>
-        <a:font script="Hans" typeface="宋体"/>
-        <a:font script="Hant" typeface="新細明體"/>
-        <a:font script="Arab" typeface="Arial"/>
-        <a:font script="Hebr" typeface="Arial"/>
-        <a:font script="Thai" typeface="Cordia New"/>
-        <a:font script="Ethi" typeface="Nyala"/>
-        <a:font script="Beng" typeface="Vrinda"/>
-        <a:font script="Gujr" typeface="Shruti"/>
-        <a:font script="Khmr" typeface="DaunPenh"/>
-        <a:font script="Knda" typeface="Tunga"/>
-        <a:font script="Guru" typeface="Raavi"/>
-        <a:font script="Cans" typeface="Euphemia"/>
-        <a:font script="Cher" typeface="Plantagenet Cherokee"/>
-        <a:font script="Yiii" typeface="Microsoft Yi Baiti"/>
-        <a:font script="Tibt" typeface="Microsoft Himalaya"/>
-        <a:font script="Thaa" typeface="MV Boli"/>
-        <a:font script="Deva" typeface="Mangal"/>
-        <a:font script="Telu" typeface="Gautami"/>
-        <a:font script="Taml" typeface="Latha"/>
-        <a:font script="Syrc" typeface="Estrangelo Edessa"/>
-        <a:font script="Orya" typeface="Kalinga"/>
-        <a:font script="Mlym" typeface="Kartika"/>
-        <a:font script="Laoo" typeface="DokChampa"/>
-        <a:font script="Sinh" typeface="Iskoola Pota"/>
-        <a:font script="Mong" typeface="Mongolian Baiti"/>
-        <a:font script="Viet" typeface="Arial"/>
-        <a:font script="Uigh" typeface="Microsoft Uighur"/>
-        <a:font script="Geor" typeface="Sylfaen"/>
-      </a:minorFont>
-    </a:fontScheme>
-    <a:fmtScheme name="Office">
-      <a:fillStyleLst>
-        <a:solidFill>
-          <a:schemeClr val="phClr"/>
-        </a:solidFill>
-        <a:gradFill rotWithShape="1">
-          <a:gsLst>
-            <a:gs pos="0">
-              <a:schemeClr val="phClr">
-                <a:tint val="50000"/>
-                <a:satMod val="300000"/>
-              </a:schemeClr>
-            </a:gs>
-            <a:gs pos="35000">
-              <a:schemeClr val="phClr">
-                <a:tint val="37000"/>
-                <a:satMod val="300000"/>
-              </a:schemeClr>
-            </a:gs>
-            <a:gs pos="100000">
-              <a:schemeClr val="phClr">
-                <a:tint val="15000"/>
-                <a:satMod val="350000"/>
-              </a:schemeClr>
-            </a:gs>
-          </a:gsLst>
-          <a:lin ang="16200000" scaled="1"/>
-        </a:gradFill>
-        <a:gradFill rotWithShape="1">
-          <a:gsLst>
-            <a:gs pos="0">
-              <a:schemeClr val="phClr">
-                <a:tint val="100000"/>
-                <a:shade val="100000"/>
-                <a:satMod val="130000"/>
-              </a:schemeClr>
-            </a:gs>
-            <a:gs pos="100000">
-              <a:schemeClr val="phClr">
-                <a:tint val="50000"/>
-                <a:shade val="100000"/>
-                <a:satMod val="350000"/>
-              </a:schemeClr>
-            </a:gs>
-          </a:gsLst>
-          <a:lin ang="16200000" scaled="0"/>
-        </a:gradFill>
-      </a:fillStyleLst>
-      <a:lnStyleLst>
-        <a:ln w="9525" cap="flat" cmpd="sng" algn="ctr">
-          <a:solidFill>
-            <a:schemeClr val="phClr">
-              <a:shade val="95000"/>
-              <a:satMod val="105000"/>
-            </a:schemeClr>
-          </a:solidFill>
-          <a:prstDash val="solid"/>
-        </a:ln>
-        <a:ln w="25400" cap="flat" cmpd="sng" algn="ctr">
-          <a:solidFill>
-            <a:schemeClr val="phClr"/>
-          </a:solidFill>
-          <a:prstDash val="solid"/>
-        </a:ln>
-        <a:ln w="38100" cap="flat" cmpd="sng" algn="ctr">
-          <a:solidFill>
-            <a:schemeClr val="phClr"/>
-          </a:solidFill>
-          <a:prstDash val="solid"/>
-        </a:ln>
-      </a:lnStyleLst>
-      <a:effectStyleLst>
-        <a:effectStyle>
-          <a:effectLst>
-            <a:outerShdw blurRad="40000" dist="20000" dir="5400000" rotWithShape="0">
-              <a:srgbClr val="000000">
-                <a:alpha val="38000"/>
-              </a:srgbClr>
-            </a:outerShdw>
-          </a:effectLst>
-        </a:effectStyle>
-        <a:effectStyle>
-          <a:effectLst>
-            <a:outerShdw blurRad="40000" dist="23000" dir="5400000" rotWithShape="0">
-              <a:srgbClr val="000000">
-                <a:alpha val="35000"/>
-              </a:srgbClr>
-            </a:outerShdw>
-          </a:effectLst>
-        </a:effectStyle>
-        <a:effectStyle>
-          <a:effectLst>
-            <a:outerShdw blurRad="40000" dist="23000" dir="5400000" rotWithShape="0">
-              <a:srgbClr val="000000">
-                <a:alpha val="35000"/>
-              </a:srgbClr>
-            </a:outerShdw>
-          </a:effectLst>
-          <a:scene3d>
-            <a:camera prst="orthographicFront">
-              <a:rot lat="0" lon="0" rev="0"/>
-            </a:camera>
-            <a:lightRig rig="threePt" dir="t">
-              <a:rot lat="0" lon="0" rev="1200000"/>
-            </a:lightRig>
-          </a:scene3d>
-          <a:sp3d>
-            <a:bevelT w="63500" h="25400"/>
-          </a:sp3d>
-        </a:effectStyle>
-      </a:effectStyleLst>
-      <a:bgFillStyleLst>
-        <a:solidFill>
-          <a:schemeClr val="phClr"/>
-        </a:solidFill>
-        <a:gradFill rotWithShape="1">
-          <a:gsLst>
-            <a:gs pos="0">
-              <a:schemeClr val="phClr">
-                <a:tint val="40000"/>
-                <a:satMod val="350000"/>
-              </a:schemeClr>
-            </a:gs>
-            <a:gs pos="40000">
-              <a:schemeClr val="phClr">
-                <a:tint val="45000"/>
-                <a:shade val="99000"/>
-                <a:satMod val="350000"/>
-              </a:schemeClr>
-            </a:gs>
-            <a:gs pos="100000">
-              <a:schemeClr val="phClr">
-                <a:shade val="20000"/>
-                <a:satMod val="255000"/>
-              </a:schemeClr>
-            </a:gs>
-          </a:gsLst>
-          <a:path path="circle">
-            <a:fillToRect l="50000" t="-80000" r="50000" b="180000"/>
-          </a:path>
-        </a:gradFill>
-        <a:gradFill rotWithShape="1">
-          <a:gsLst>
-            <a:gs pos="0">
-              <a:schemeClr val="phClr">
-                <a:tint val="80000"/>
-                <a:satMod val="300000"/>
-              </a:schemeClr>
-            </a:gs>
-            <a:gs pos="100000">
-              <a:schemeClr val="phClr">
-                <a:shade val="30000"/>
-                <a:satMod val="200000"/>
-              </a:schemeClr>
-            </a:gs>
-          </a:gsLst>
-          <a:path path="circle">
-            <a:fillToRect l="50000" t="50000" r="50000" b="50000"/>
-          </a:path>
-        </a:gradFill>
-      </a:bgFillStyleLst>
-    </a:fmtScheme>
-  </a:themeElements>
-</a:theme>
 </file>
--- a/Lecture slides/AMOS B07 - Demo Day Preparation.pptx
+++ b/Lecture slides/AMOS B07 - Demo Day Preparation.pptx
@@ -35,6 +35,7 @@
     <p:sldId id="280" r:id="rId31"/>
     <p:sldId id="281" r:id="rId32"/>
     <p:sldId id="282" r:id="rId33"/>
+    <p:sldId id="283" r:id="rId34"/>
   </p:sldIdLst>
   <p:sldSz cy="5143500" cx="9144000"/>
   <p:notesSz cx="6858000" cy="9144000"/>
@@ -830,7 +831,7 @@
       </p:grpSpPr>
       <p:sp>
         <p:nvSpPr>
-          <p:cNvPr id="93" name="Google Shape;93;g15365535e7d_0_47:notes"/>
+          <p:cNvPr id="93" name="Google Shape;93;g2397aca6fd1_0_108:notes"/>
           <p:cNvSpPr/>
           <p:nvPr>
             <p:ph idx="2" type="sldImg"/>
@@ -865,7 +866,7 @@
       </p:sp>
       <p:sp>
         <p:nvSpPr>
-          <p:cNvPr id="94" name="Google Shape;94;g15365535e7d_0_47:notes"/>
+          <p:cNvPr id="94" name="Google Shape;94;g2397aca6fd1_0_108:notes"/>
           <p:cNvSpPr txBox="1"/>
           <p:nvPr>
             <p:ph idx="1" type="body"/>
@@ -929,7 +930,7 @@
       </p:grpSpPr>
       <p:sp>
         <p:nvSpPr>
-          <p:cNvPr id="100" name="Google Shape;100;g15365535e7d_0_32:notes"/>
+          <p:cNvPr id="100" name="Google Shape;100;g206af0edc8b_0_0:notes"/>
           <p:cNvSpPr/>
           <p:nvPr>
             <p:ph idx="2" type="sldImg"/>
@@ -964,7 +965,7 @@
       </p:sp>
       <p:sp>
         <p:nvSpPr>
-          <p:cNvPr id="101" name="Google Shape;101;g15365535e7d_0_32:notes"/>
+          <p:cNvPr id="101" name="Google Shape;101;g206af0edc8b_0_0:notes"/>
           <p:cNvSpPr txBox="1"/>
           <p:nvPr>
             <p:ph idx="1" type="body"/>
@@ -1014,7 +1015,7 @@
   <p:cSld>
     <p:spTree>
       <p:nvGrpSpPr>
-        <p:cNvPr id="107" name="Shape 107"/>
+        <p:cNvPr id="106" name="Shape 106"/>
         <p:cNvGrpSpPr/>
         <p:nvPr/>
       </p:nvGrpSpPr>
@@ -1028,7 +1029,7 @@
       </p:grpSpPr>
       <p:sp>
         <p:nvSpPr>
-          <p:cNvPr id="108" name="Google Shape;108;g15365535e7d_0_40:notes"/>
+          <p:cNvPr id="107" name="Google Shape;107;g15365535e7d_0_54:notes"/>
           <p:cNvSpPr/>
           <p:nvPr>
             <p:ph idx="2" type="sldImg"/>
@@ -1063,7 +1064,7 @@
       </p:sp>
       <p:sp>
         <p:nvSpPr>
-          <p:cNvPr id="109" name="Google Shape;109;g15365535e7d_0_40:notes"/>
+          <p:cNvPr id="108" name="Google Shape;108;g15365535e7d_0_54:notes"/>
           <p:cNvSpPr txBox="1"/>
           <p:nvPr>
             <p:ph idx="1" type="body"/>
@@ -1113,7 +1114,7 @@
   <p:cSld>
     <p:spTree>
       <p:nvGrpSpPr>
-        <p:cNvPr id="115" name="Shape 115"/>
+        <p:cNvPr id="114" name="Shape 114"/>
         <p:cNvGrpSpPr/>
         <p:nvPr/>
       </p:nvGrpSpPr>
@@ -1127,7 +1128,7 @@
       </p:grpSpPr>
       <p:sp>
         <p:nvSpPr>
-          <p:cNvPr id="116" name="Google Shape;116;g2397aca6fd1_0_108:notes"/>
+          <p:cNvPr id="115" name="Google Shape;115;g1e4fd58693c_0_20:notes"/>
           <p:cNvSpPr/>
           <p:nvPr>
             <p:ph idx="2" type="sldImg"/>
@@ -1162,7 +1163,7 @@
       </p:sp>
       <p:sp>
         <p:nvSpPr>
-          <p:cNvPr id="117" name="Google Shape;117;g2397aca6fd1_0_108:notes"/>
+          <p:cNvPr id="116" name="Google Shape;116;g1e4fd58693c_0_20:notes"/>
           <p:cNvSpPr txBox="1"/>
           <p:nvPr>
             <p:ph idx="1" type="body"/>
@@ -1212,7 +1213,7 @@
   <p:cSld>
     <p:spTree>
       <p:nvGrpSpPr>
-        <p:cNvPr id="122" name="Shape 122"/>
+        <p:cNvPr id="121" name="Shape 121"/>
         <p:cNvGrpSpPr/>
         <p:nvPr/>
       </p:nvGrpSpPr>
@@ -1226,7 +1227,7 @@
       </p:grpSpPr>
       <p:sp>
         <p:nvSpPr>
-          <p:cNvPr id="123" name="Google Shape;123;g206af0edc8b_0_0:notes"/>
+          <p:cNvPr id="122" name="Google Shape;122;g2397aca6fd1_0_114:notes"/>
           <p:cNvSpPr/>
           <p:nvPr>
             <p:ph idx="2" type="sldImg"/>
@@ -1261,7 +1262,7 @@
       </p:sp>
       <p:sp>
         <p:nvSpPr>
-          <p:cNvPr id="124" name="Google Shape;124;g206af0edc8b_0_0:notes"/>
+          <p:cNvPr id="123" name="Google Shape;123;g2397aca6fd1_0_114:notes"/>
           <p:cNvSpPr txBox="1"/>
           <p:nvPr>
             <p:ph idx="1" type="body"/>
@@ -1311,7 +1312,7 @@
   <p:cSld>
     <p:spTree>
       <p:nvGrpSpPr>
-        <p:cNvPr id="129" name="Shape 129"/>
+        <p:cNvPr id="128" name="Shape 128"/>
         <p:cNvGrpSpPr/>
         <p:nvPr/>
       </p:nvGrpSpPr>
@@ -1325,7 +1326,7 @@
       </p:grpSpPr>
       <p:sp>
         <p:nvSpPr>
-          <p:cNvPr id="130" name="Google Shape;130;g15365535e7d_0_54:notes"/>
+          <p:cNvPr id="129" name="Google Shape;129;g15365535e7d_0_61:notes"/>
           <p:cNvSpPr/>
           <p:nvPr>
             <p:ph idx="2" type="sldImg"/>
@@ -1360,7 +1361,7 @@
       </p:sp>
       <p:sp>
         <p:nvSpPr>
-          <p:cNvPr id="131" name="Google Shape;131;g15365535e7d_0_54:notes"/>
+          <p:cNvPr id="130" name="Google Shape;130;g15365535e7d_0_61:notes"/>
           <p:cNvSpPr txBox="1"/>
           <p:nvPr>
             <p:ph idx="1" type="body"/>
@@ -1410,7 +1411,7 @@
   <p:cSld>
     <p:spTree>
       <p:nvGrpSpPr>
-        <p:cNvPr id="137" name="Shape 137"/>
+        <p:cNvPr id="135" name="Shape 135"/>
         <p:cNvGrpSpPr/>
         <p:nvPr/>
       </p:nvGrpSpPr>
@@ -1424,7 +1425,7 @@
       </p:grpSpPr>
       <p:sp>
         <p:nvSpPr>
-          <p:cNvPr id="138" name="Google Shape;138;g2397aca6fd1_0_114:notes"/>
+          <p:cNvPr id="136" name="Google Shape;136;g2397aca6fd1_0_94:notes"/>
           <p:cNvSpPr/>
           <p:nvPr>
             <p:ph idx="2" type="sldImg"/>
@@ -1459,7 +1460,7 @@
       </p:sp>
       <p:sp>
         <p:nvSpPr>
-          <p:cNvPr id="139" name="Google Shape;139;g2397aca6fd1_0_114:notes"/>
+          <p:cNvPr id="137" name="Google Shape;137;g2397aca6fd1_0_94:notes"/>
           <p:cNvSpPr txBox="1"/>
           <p:nvPr>
             <p:ph idx="1" type="body"/>
@@ -1509,7 +1510,7 @@
   <p:cSld>
     <p:spTree>
       <p:nvGrpSpPr>
-        <p:cNvPr id="144" name="Shape 144"/>
+        <p:cNvPr id="140" name="Shape 140"/>
         <p:cNvGrpSpPr/>
         <p:nvPr/>
       </p:nvGrpSpPr>
@@ -1523,7 +1524,7 @@
       </p:grpSpPr>
       <p:sp>
         <p:nvSpPr>
-          <p:cNvPr id="145" name="Google Shape;145;g15365535e7d_0_61:notes"/>
+          <p:cNvPr id="141" name="Google Shape;141;g2397aca6fd1_0_76:notes"/>
           <p:cNvSpPr/>
           <p:nvPr>
             <p:ph idx="2" type="sldImg"/>
@@ -1558,7 +1559,7 @@
       </p:sp>
       <p:sp>
         <p:nvSpPr>
-          <p:cNvPr id="146" name="Google Shape;146;g15365535e7d_0_61:notes"/>
+          <p:cNvPr id="142" name="Google Shape;142;g2397aca6fd1_0_76:notes"/>
           <p:cNvSpPr txBox="1"/>
           <p:nvPr>
             <p:ph idx="1" type="body"/>
@@ -1608,7 +1609,7 @@
   <p:cSld>
     <p:spTree>
       <p:nvGrpSpPr>
-        <p:cNvPr id="151" name="Shape 151"/>
+        <p:cNvPr id="147" name="Shape 147"/>
         <p:cNvGrpSpPr/>
         <p:nvPr/>
       </p:nvGrpSpPr>
@@ -1622,7 +1623,7 @@
       </p:grpSpPr>
       <p:sp>
         <p:nvSpPr>
-          <p:cNvPr id="152" name="Google Shape;152;g2397aca6fd1_0_94:notes"/>
+          <p:cNvPr id="148" name="Google Shape;148;g2397aca6fd1_0_121:notes"/>
           <p:cNvSpPr/>
           <p:nvPr>
             <p:ph idx="2" type="sldImg"/>
@@ -1657,7 +1658,7 @@
       </p:sp>
       <p:sp>
         <p:nvSpPr>
-          <p:cNvPr id="153" name="Google Shape;153;g2397aca6fd1_0_94:notes"/>
+          <p:cNvPr id="149" name="Google Shape;149;g2397aca6fd1_0_121:notes"/>
           <p:cNvSpPr txBox="1"/>
           <p:nvPr>
             <p:ph idx="1" type="body"/>
@@ -1707,7 +1708,7 @@
   <p:cSld>
     <p:spTree>
       <p:nvGrpSpPr>
-        <p:cNvPr id="156" name="Shape 156"/>
+        <p:cNvPr id="154" name="Shape 154"/>
         <p:cNvGrpSpPr/>
         <p:nvPr/>
       </p:nvGrpSpPr>
@@ -1721,7 +1722,7 @@
       </p:grpSpPr>
       <p:sp>
         <p:nvSpPr>
-          <p:cNvPr id="157" name="Google Shape;157;g2397aca6fd1_0_76:notes"/>
+          <p:cNvPr id="155" name="Google Shape;155;g2397aca6fd1_0_127:notes"/>
           <p:cNvSpPr/>
           <p:nvPr>
             <p:ph idx="2" type="sldImg"/>
@@ -1756,7 +1757,7 @@
       </p:sp>
       <p:sp>
         <p:nvSpPr>
-          <p:cNvPr id="158" name="Google Shape;158;g2397aca6fd1_0_76:notes"/>
+          <p:cNvPr id="156" name="Google Shape;156;g2397aca6fd1_0_127:notes"/>
           <p:cNvSpPr txBox="1"/>
           <p:nvPr>
             <p:ph idx="1" type="body"/>
@@ -1905,7 +1906,7 @@
   <p:cSld>
     <p:spTree>
       <p:nvGrpSpPr>
-        <p:cNvPr id="163" name="Shape 163"/>
+        <p:cNvPr id="161" name="Shape 161"/>
         <p:cNvGrpSpPr/>
         <p:nvPr/>
       </p:nvGrpSpPr>
@@ -1919,7 +1920,7 @@
       </p:grpSpPr>
       <p:sp>
         <p:nvSpPr>
-          <p:cNvPr id="164" name="Google Shape;164;g2397aca6fd1_0_121:notes"/>
+          <p:cNvPr id="162" name="Google Shape;162;g2397aca6fd1_0_98:notes"/>
           <p:cNvSpPr/>
           <p:nvPr>
             <p:ph idx="2" type="sldImg"/>
@@ -1954,7 +1955,7 @@
       </p:sp>
       <p:sp>
         <p:nvSpPr>
-          <p:cNvPr id="165" name="Google Shape;165;g2397aca6fd1_0_121:notes"/>
+          <p:cNvPr id="163" name="Google Shape;163;g2397aca6fd1_0_98:notes"/>
           <p:cNvSpPr txBox="1"/>
           <p:nvPr>
             <p:ph idx="1" type="body"/>
@@ -2004,7 +2005,7 @@
   <p:cSld>
     <p:spTree>
       <p:nvGrpSpPr>
-        <p:cNvPr id="170" name="Shape 170"/>
+        <p:cNvPr id="166" name="Shape 166"/>
         <p:cNvGrpSpPr/>
         <p:nvPr/>
       </p:nvGrpSpPr>
@@ -2018,7 +2019,7 @@
       </p:grpSpPr>
       <p:sp>
         <p:nvSpPr>
-          <p:cNvPr id="171" name="Google Shape;171;g2397aca6fd1_0_127:notes"/>
+          <p:cNvPr id="167" name="Google Shape;167;g2397aca6fd1_0_133:notes"/>
           <p:cNvSpPr/>
           <p:nvPr>
             <p:ph idx="2" type="sldImg"/>
@@ -2053,7 +2054,7 @@
       </p:sp>
       <p:sp>
         <p:nvSpPr>
-          <p:cNvPr id="172" name="Google Shape;172;g2397aca6fd1_0_127:notes"/>
+          <p:cNvPr id="168" name="Google Shape;168;g2397aca6fd1_0_133:notes"/>
           <p:cNvSpPr txBox="1"/>
           <p:nvPr>
             <p:ph idx="1" type="body"/>
@@ -2103,7 +2104,7 @@
   <p:cSld>
     <p:spTree>
       <p:nvGrpSpPr>
-        <p:cNvPr id="177" name="Shape 177"/>
+        <p:cNvPr id="173" name="Shape 173"/>
         <p:cNvGrpSpPr/>
         <p:nvPr/>
       </p:nvGrpSpPr>
@@ -2117,7 +2118,7 @@
       </p:grpSpPr>
       <p:sp>
         <p:nvSpPr>
-          <p:cNvPr id="178" name="Google Shape;178;g2397aca6fd1_0_98:notes"/>
+          <p:cNvPr id="174" name="Google Shape;174;g2397aca6fd1_0_139:notes"/>
           <p:cNvSpPr/>
           <p:nvPr>
             <p:ph idx="2" type="sldImg"/>
@@ -2152,7 +2153,7 @@
       </p:sp>
       <p:sp>
         <p:nvSpPr>
-          <p:cNvPr id="179" name="Google Shape;179;g2397aca6fd1_0_98:notes"/>
+          <p:cNvPr id="175" name="Google Shape;175;g2397aca6fd1_0_139:notes"/>
           <p:cNvSpPr txBox="1"/>
           <p:nvPr>
             <p:ph idx="1" type="body"/>
@@ -2202,7 +2203,7 @@
   <p:cSld>
     <p:spTree>
       <p:nvGrpSpPr>
-        <p:cNvPr id="182" name="Shape 182"/>
+        <p:cNvPr id="180" name="Shape 180"/>
         <p:cNvGrpSpPr/>
         <p:nvPr/>
       </p:nvGrpSpPr>
@@ -2216,7 +2217,7 @@
       </p:grpSpPr>
       <p:sp>
         <p:nvSpPr>
-          <p:cNvPr id="183" name="Google Shape;183;g2397aca6fd1_0_133:notes"/>
+          <p:cNvPr id="181" name="Google Shape;181;g2397aca6fd1_0_82:notes"/>
           <p:cNvSpPr/>
           <p:nvPr>
             <p:ph idx="2" type="sldImg"/>
@@ -2251,7 +2252,7 @@
       </p:sp>
       <p:sp>
         <p:nvSpPr>
-          <p:cNvPr id="184" name="Google Shape;184;g2397aca6fd1_0_133:notes"/>
+          <p:cNvPr id="182" name="Google Shape;182;g2397aca6fd1_0_82:notes"/>
           <p:cNvSpPr txBox="1"/>
           <p:nvPr>
             <p:ph idx="1" type="body"/>
@@ -2301,7 +2302,7 @@
   <p:cSld>
     <p:spTree>
       <p:nvGrpSpPr>
-        <p:cNvPr id="189" name="Shape 189"/>
+        <p:cNvPr id="187" name="Shape 187"/>
         <p:cNvGrpSpPr/>
         <p:nvPr/>
       </p:nvGrpSpPr>
@@ -2315,7 +2316,7 @@
       </p:grpSpPr>
       <p:sp>
         <p:nvSpPr>
-          <p:cNvPr id="190" name="Google Shape;190;g2397aca6fd1_0_139:notes"/>
+          <p:cNvPr id="188" name="Google Shape;188;g2397aca6fd1_0_38:notes"/>
           <p:cNvSpPr/>
           <p:nvPr>
             <p:ph idx="2" type="sldImg"/>
@@ -2350,7 +2351,7 @@
       </p:sp>
       <p:sp>
         <p:nvSpPr>
-          <p:cNvPr id="191" name="Google Shape;191;g2397aca6fd1_0_139:notes"/>
+          <p:cNvPr id="189" name="Google Shape;189;g2397aca6fd1_0_38:notes"/>
           <p:cNvSpPr txBox="1"/>
           <p:nvPr>
             <p:ph idx="1" type="body"/>
@@ -2400,7 +2401,7 @@
   <p:cSld>
     <p:spTree>
       <p:nvGrpSpPr>
-        <p:cNvPr id="196" name="Shape 196"/>
+        <p:cNvPr id="193" name="Shape 193"/>
         <p:cNvGrpSpPr/>
         <p:nvPr/>
       </p:nvGrpSpPr>
@@ -2414,7 +2415,7 @@
       </p:grpSpPr>
       <p:sp>
         <p:nvSpPr>
-          <p:cNvPr id="197" name="Google Shape;197;g2397aca6fd1_0_82:notes"/>
+          <p:cNvPr id="194" name="Google Shape;194;g2397aca6fd1_0_43:notes"/>
           <p:cNvSpPr/>
           <p:nvPr>
             <p:ph idx="2" type="sldImg"/>
@@ -2449,7 +2450,7 @@
       </p:sp>
       <p:sp>
         <p:nvSpPr>
-          <p:cNvPr id="198" name="Google Shape;198;g2397aca6fd1_0_82:notes"/>
+          <p:cNvPr id="195" name="Google Shape;195;g2397aca6fd1_0_43:notes"/>
           <p:cNvSpPr txBox="1"/>
           <p:nvPr>
             <p:ph idx="1" type="body"/>
@@ -2499,7 +2500,7 @@
   <p:cSld>
     <p:spTree>
       <p:nvGrpSpPr>
-        <p:cNvPr id="203" name="Shape 203"/>
+        <p:cNvPr id="200" name="Shape 200"/>
         <p:cNvGrpSpPr/>
         <p:nvPr/>
       </p:nvGrpSpPr>
@@ -2513,7 +2514,7 @@
       </p:grpSpPr>
       <p:sp>
         <p:nvSpPr>
-          <p:cNvPr id="204" name="Google Shape;204;g2397aca6fd1_0_38:notes"/>
+          <p:cNvPr id="201" name="Google Shape;201;g1e4fd58693c_0_14:notes"/>
           <p:cNvSpPr/>
           <p:nvPr>
             <p:ph idx="2" type="sldImg"/>
@@ -2548,7 +2549,7 @@
       </p:sp>
       <p:sp>
         <p:nvSpPr>
-          <p:cNvPr id="205" name="Google Shape;205;g2397aca6fd1_0_38:notes"/>
+          <p:cNvPr id="202" name="Google Shape;202;g1e4fd58693c_0_14:notes"/>
           <p:cNvSpPr txBox="1"/>
           <p:nvPr>
             <p:ph idx="1" type="body"/>
@@ -2598,7 +2599,7 @@
   <p:cSld>
     <p:spTree>
       <p:nvGrpSpPr>
-        <p:cNvPr id="209" name="Shape 209"/>
+        <p:cNvPr id="205" name="Shape 205"/>
         <p:cNvGrpSpPr/>
         <p:nvPr/>
       </p:nvGrpSpPr>
@@ -2612,7 +2613,7 @@
       </p:grpSpPr>
       <p:sp>
         <p:nvSpPr>
-          <p:cNvPr id="210" name="Google Shape;210;g2397aca6fd1_0_43:notes"/>
+          <p:cNvPr id="206" name="Google Shape;206;g1e4fd58693c_0_0:notes"/>
           <p:cNvSpPr/>
           <p:nvPr>
             <p:ph idx="2" type="sldImg"/>
@@ -2647,7 +2648,106 @@
       </p:sp>
       <p:sp>
         <p:nvSpPr>
-          <p:cNvPr id="211" name="Google Shape;211;g2397aca6fd1_0_43:notes"/>
+          <p:cNvPr id="207" name="Google Shape;207;g1e4fd58693c_0_0:notes"/>
+          <p:cNvSpPr txBox="1"/>
+          <p:nvPr>
+            <p:ph idx="1" type="body"/>
+          </p:nvPr>
+        </p:nvSpPr>
+        <p:spPr>
+          <a:xfrm>
+            <a:off x="685800" y="4343400"/>
+            <a:ext cx="5486400" cy="4114800"/>
+          </a:xfrm>
+          <a:prstGeom prst="rect">
+            <a:avLst/>
+          </a:prstGeom>
+        </p:spPr>
+        <p:txBody>
+          <a:bodyPr anchorCtr="0" anchor="t" bIns="91425" lIns="91425" spcFirstLastPara="1" rIns="91425" wrap="square" tIns="91425">
+            <a:noAutofit/>
+          </a:bodyPr>
+          <a:lstStyle/>
+          <a:p>
+            <a:pPr indent="0" lvl="0" marL="0" rtl="0" algn="l">
+              <a:spcBef>
+                <a:spcPts val="0"/>
+              </a:spcBef>
+              <a:spcAft>
+                <a:spcPts val="0"/>
+              </a:spcAft>
+              <a:buNone/>
+            </a:pPr>
+            <a:r>
+              <a:t/>
+            </a:r>
+            <a:endParaRPr/>
+          </a:p>
+        </p:txBody>
+      </p:sp>
+    </p:spTree>
+  </p:cSld>
+  <p:clrMapOvr>
+    <a:masterClrMapping/>
+  </p:clrMapOvr>
+</p:notes>
+</file>
+
+<file path=ppt/notesSlides/notesSlide28.xml><?xml version="1.0" encoding="utf-8"?>
+<p:notes xmlns:a="http://schemas.openxmlformats.org/drawingml/2006/main" xmlns:r="http://schemas.openxmlformats.org/officeDocument/2006/relationships" xmlns:mc="http://schemas.openxmlformats.org/markup-compatibility/2006" xmlns:mv="urn:schemas-microsoft-com:mac:vml" xmlns:p="http://schemas.openxmlformats.org/presentationml/2006/main" xmlns:c="http://schemas.openxmlformats.org/drawingml/2006/chart" xmlns:dgm="http://schemas.openxmlformats.org/drawingml/2006/diagram" xmlns:o="urn:schemas-microsoft-com:office:office" xmlns:v="urn:schemas-microsoft-com:vml" xmlns:pvml="urn:schemas-microsoft-com:office:powerpoint" xmlns:com="http://schemas.openxmlformats.org/drawingml/2006/compatibility" xmlns:p14="http://schemas.microsoft.com/office/powerpoint/2010/main" xmlns:p15="http://schemas.microsoft.com/office/powerpoint/2012/main" xmlns:ahyp="http://schemas.microsoft.com/office/drawing/2018/hyperlinkcolor" showMasterPhAnim="0" showMasterSp="0">
+  <p:cSld>
+    <p:spTree>
+      <p:nvGrpSpPr>
+        <p:cNvPr id="213" name="Shape 213"/>
+        <p:cNvGrpSpPr/>
+        <p:nvPr/>
+      </p:nvGrpSpPr>
+      <p:grpSpPr>
+        <a:xfrm>
+          <a:off x="0" y="0"/>
+          <a:ext cx="0" cy="0"/>
+          <a:chOff x="0" y="0"/>
+          <a:chExt cx="0" cy="0"/>
+        </a:xfrm>
+      </p:grpSpPr>
+      <p:sp>
+        <p:nvSpPr>
+          <p:cNvPr id="214" name="Google Shape;214;g1e4fd58693c_0_7:notes"/>
+          <p:cNvSpPr/>
+          <p:nvPr>
+            <p:ph idx="2" type="sldImg"/>
+          </p:nvPr>
+        </p:nvSpPr>
+        <p:spPr>
+          <a:xfrm>
+            <a:off x="381300" y="685800"/>
+            <a:ext cx="6096000" cy="3429000"/>
+          </a:xfrm>
+          <a:custGeom>
+            <a:rect b="b" l="l" r="r" t="t"/>
+            <a:pathLst>
+              <a:path extrusionOk="0" h="120000" w="120000">
+                <a:moveTo>
+                  <a:pt x="0" y="0"/>
+                </a:moveTo>
+                <a:lnTo>
+                  <a:pt x="120000" y="0"/>
+                </a:lnTo>
+                <a:lnTo>
+                  <a:pt x="120000" y="120000"/>
+                </a:lnTo>
+                <a:lnTo>
+                  <a:pt x="0" y="120000"/>
+                </a:lnTo>
+                <a:close/>
+              </a:path>
+            </a:pathLst>
+          </a:custGeom>
+        </p:spPr>
+      </p:sp>
+      <p:sp>
+        <p:nvSpPr>
+          <p:cNvPr id="215" name="Google Shape;215;g1e4fd58693c_0_7:notes"/>
           <p:cNvSpPr txBox="1"/>
           <p:nvPr>
             <p:ph idx="1" type="body"/>
@@ -3206,7 +3306,7 @@
       </p:grpSpPr>
       <p:sp>
         <p:nvSpPr>
-          <p:cNvPr id="79" name="Google Shape;79;g15365535e7d_0_15:notes"/>
+          <p:cNvPr id="79" name="Google Shape;79;g15365535e7d_0_25:notes"/>
           <p:cNvSpPr/>
           <p:nvPr>
             <p:ph idx="2" type="sldImg"/>
@@ -3241,7 +3341,7 @@
       </p:sp>
       <p:sp>
         <p:nvSpPr>
-          <p:cNvPr id="80" name="Google Shape;80;g15365535e7d_0_15:notes"/>
+          <p:cNvPr id="80" name="Google Shape;80;g15365535e7d_0_25:notes"/>
           <p:cNvSpPr txBox="1"/>
           <p:nvPr>
             <p:ph idx="1" type="body"/>
@@ -3305,7 +3405,7 @@
       </p:grpSpPr>
       <p:sp>
         <p:nvSpPr>
-          <p:cNvPr id="86" name="Google Shape;86;g15365535e7d_0_25:notes"/>
+          <p:cNvPr id="86" name="Google Shape;86;g15365535e7d_0_47:notes"/>
           <p:cNvSpPr/>
           <p:nvPr>
             <p:ph idx="2" type="sldImg"/>
@@ -3340,7 +3440,7 @@
       </p:sp>
       <p:sp>
         <p:nvSpPr>
-          <p:cNvPr id="87" name="Google Shape;87;g15365535e7d_0_25:notes"/>
+          <p:cNvPr id="87" name="Google Shape;87;g15365535e7d_0_47:notes"/>
           <p:cNvSpPr txBox="1"/>
           <p:nvPr>
             <p:ph idx="1" type="body"/>
@@ -6848,7 +6948,7 @@
             </a:pPr>
             <a:r>
               <a:rPr lang="en"/>
-              <a:t>Use of Corporate Identities</a:t>
+              <a:t>One-Time Deliverable: Demo Day Posters</a:t>
             </a:r>
             <a:endParaRPr/>
           </a:p>
@@ -6857,6 +6957,75 @@
       <p:sp>
         <p:nvSpPr>
           <p:cNvPr id="97" name="Google Shape;97;p17"/>
+          <p:cNvSpPr txBox="1"/>
+          <p:nvPr>
+            <p:ph idx="12" type="sldNum"/>
+          </p:nvPr>
+        </p:nvSpPr>
+        <p:spPr>
+          <a:xfrm>
+            <a:off x="7315202" y="4416550"/>
+            <a:ext cx="1828800" cy="731400"/>
+          </a:xfrm>
+          <a:prstGeom prst="rect">
+            <a:avLst/>
+          </a:prstGeom>
+        </p:spPr>
+        <p:txBody>
+          <a:bodyPr anchorCtr="0" anchor="b" bIns="91425" lIns="91425" spcFirstLastPara="1" rIns="91425" wrap="square" tIns="91425">
+            <a:noAutofit/>
+          </a:bodyPr>
+          <a:lstStyle/>
+          <a:p>
+            <a:pPr indent="0" lvl="0" marL="0" rtl="0" algn="r">
+              <a:spcBef>
+                <a:spcPts val="0"/>
+              </a:spcBef>
+              <a:spcAft>
+                <a:spcPts val="0"/>
+              </a:spcAft>
+              <a:buNone/>
+            </a:pPr>
+            <a:fld id="{00000000-1234-1234-1234-123412341234}" type="slidenum">
+              <a:rPr lang="en"/>
+              <a:t>‹#›</a:t>
+            </a:fld>
+            <a:endParaRPr/>
+          </a:p>
+          <a:p>
+            <a:pPr indent="0" lvl="0" marL="0" rtl="0" algn="r">
+              <a:spcBef>
+                <a:spcPts val="0"/>
+              </a:spcBef>
+              <a:spcAft>
+                <a:spcPts val="0"/>
+              </a:spcAft>
+              <a:buNone/>
+            </a:pPr>
+            <a:r>
+              <a:rPr b="0" lang="en" sz="900" u="sng">
+                <a:solidFill>
+                  <a:schemeClr val="hlink"/>
+                </a:solidFill>
+                <a:hlinkClick r:id="rId3"/>
+              </a:rPr>
+              <a:t>https://profriehle.com</a:t>
+            </a:r>
+            <a:r>
+              <a:rPr b="0" lang="en" sz="900">
+                <a:solidFill>
+                  <a:schemeClr val="dk2"/>
+                </a:solidFill>
+              </a:rPr>
+              <a:t> </a:t>
+            </a:r>
+            <a:endParaRPr/>
+          </a:p>
+        </p:txBody>
+      </p:sp>
+      <p:sp>
+        <p:nvSpPr>
+          <p:cNvPr id="98" name="Google Shape;98;p17"/>
           <p:cNvSpPr txBox="1"/>
           <p:nvPr>
             <p:ph idx="1" type="body"/>
@@ -6888,123 +7057,49 @@
             </a:pPr>
             <a:r>
               <a:rPr lang="en"/>
-              <a:t>Please use your university logo</a:t>
-            </a:r>
-            <a:endParaRPr/>
-          </a:p>
-          <a:p>
-            <a:pPr indent="0" lvl="0" marL="0" rtl="0" algn="l">
+              <a:t>Please create two posters for your demo day booth</a:t>
+            </a:r>
+            <a:endParaRPr/>
+          </a:p>
+          <a:p>
+            <a:pPr indent="-342900" lvl="0" marL="457200" rtl="0" algn="l">
               <a:spcBef>
                 <a:spcPts val="1200"/>
               </a:spcBef>
               <a:spcAft>
                 <a:spcPts val="0"/>
               </a:spcAft>
-              <a:buNone/>
+              <a:buSzPts val="1800"/>
+              <a:buChar char="●"/>
             </a:pPr>
             <a:r>
               <a:rPr lang="en"/>
-              <a:t>Please use your team logo</a:t>
-            </a:r>
-            <a:endParaRPr/>
-          </a:p>
-          <a:p>
-            <a:pPr indent="0" lvl="0" marL="0" rtl="0" algn="l">
-              <a:spcBef>
-                <a:spcPts val="1200"/>
-              </a:spcBef>
-              <a:spcAft>
-                <a:spcPts val="0"/>
-              </a:spcAft>
-              <a:buNone/>
+              <a:t>One product management / product owner poster</a:t>
+            </a:r>
+            <a:endParaRPr/>
+          </a:p>
+          <a:p>
+            <a:pPr indent="-342900" lvl="0" marL="457200" rtl="0" algn="l">
+              <a:spcBef>
+                <a:spcPts val="0"/>
+              </a:spcBef>
+              <a:spcAft>
+                <a:spcPts val="0"/>
+              </a:spcAft>
+              <a:buSzPts val="1800"/>
+              <a:buChar char="●"/>
             </a:pPr>
             <a:r>
               <a:rPr lang="en"/>
-              <a:t>Please use your industry partner logo, but ask first</a:t>
-            </a:r>
-            <a:endParaRPr/>
-          </a:p>
-          <a:p>
-            <a:pPr indent="0" lvl="0" marL="0" rtl="0" algn="l">
-              <a:spcBef>
-                <a:spcPts val="1200"/>
-              </a:spcBef>
-              <a:spcAft>
-                <a:spcPts val="1200"/>
-              </a:spcAft>
-              <a:buNone/>
-            </a:pPr>
-            <a:r>
-              <a:t/>
-            </a:r>
-            <a:endParaRPr/>
-          </a:p>
-        </p:txBody>
-      </p:sp>
-      <p:sp>
-        <p:nvSpPr>
-          <p:cNvPr id="98" name="Google Shape;98;p17"/>
-          <p:cNvSpPr txBox="1"/>
-          <p:nvPr>
-            <p:ph idx="12" type="sldNum"/>
-          </p:nvPr>
-        </p:nvSpPr>
-        <p:spPr>
-          <a:xfrm>
-            <a:off x="7315202" y="4416550"/>
-            <a:ext cx="1828800" cy="731400"/>
-          </a:xfrm>
-          <a:prstGeom prst="rect">
-            <a:avLst/>
-          </a:prstGeom>
-        </p:spPr>
-        <p:txBody>
-          <a:bodyPr anchorCtr="0" anchor="b" bIns="91425" lIns="91425" spcFirstLastPara="1" rIns="91425" wrap="square" tIns="91425">
-            <a:noAutofit/>
-          </a:bodyPr>
-          <a:lstStyle/>
-          <a:p>
-            <a:pPr indent="0" lvl="0" marL="0" rtl="0" algn="r">
-              <a:spcBef>
-                <a:spcPts val="0"/>
-              </a:spcBef>
-              <a:spcAft>
-                <a:spcPts val="0"/>
-              </a:spcAft>
-              <a:buNone/>
-            </a:pPr>
-            <a:fld id="{00000000-1234-1234-1234-123412341234}" type="slidenum">
+              <a:t>One software </a:t>
+            </a:r>
+            <a:r>
               <a:rPr lang="en"/>
-              <a:t>‹#›</a:t>
-            </a:fld>
-            <a:endParaRPr/>
-          </a:p>
-          <a:p>
-            <a:pPr indent="0" lvl="0" marL="0" rtl="0" algn="r">
-              <a:spcBef>
-                <a:spcPts val="0"/>
-              </a:spcBef>
-              <a:spcAft>
-                <a:spcPts val="0"/>
-              </a:spcAft>
-              <a:buNone/>
-            </a:pPr>
-            <a:r>
-              <a:rPr b="0" lang="en" sz="900" u="sng">
-                <a:solidFill>
-                  <a:schemeClr val="hlink"/>
-                </a:solidFill>
-                <a:hlinkClick r:id="rId3"/>
-              </a:rPr>
-              <a:t>https://profriehle.com</a:t>
-            </a:r>
-            <a:r>
-              <a:rPr b="0" lang="en" sz="900">
-                <a:solidFill>
-                  <a:schemeClr val="dk2"/>
-                </a:solidFill>
-              </a:rPr>
-              <a:t> </a:t>
+              <a:t>development</a:t>
+            </a:r>
+            <a:r>
+              <a:rPr lang="en"/>
+              <a:t> poster</a:t>
             </a:r>
             <a:endParaRPr/>
           </a:p>
@@ -7069,7 +7164,7 @@
             </a:pPr>
             <a:r>
               <a:rPr lang="en"/>
-              <a:t>Example Posters 1 / 2</a:t>
+              <a:t>Twenty Minutes of Fame</a:t>
             </a:r>
             <a:endParaRPr/>
           </a:p>
@@ -7144,629 +7239,9 @@
           </a:p>
         </p:txBody>
       </p:sp>
-      <p:pic>
-        <p:nvPicPr>
-          <p:cNvPr id="105" name="Google Shape;105;p18"/>
-          <p:cNvPicPr preferRelativeResize="0"/>
-          <p:nvPr/>
-        </p:nvPicPr>
-        <p:blipFill>
-          <a:blip r:embed="rId4">
-            <a:alphaModFix/>
-          </a:blip>
-          <a:stretch>
-            <a:fillRect/>
-          </a:stretch>
-        </p:blipFill>
-        <p:spPr>
-          <a:xfrm>
-            <a:off x="274320" y="914400"/>
-            <a:ext cx="2907791" cy="4114800"/>
-          </a:xfrm>
-          <a:prstGeom prst="rect">
-            <a:avLst/>
-          </a:prstGeom>
-          <a:noFill/>
-          <a:ln cap="flat" cmpd="sng" w="9525">
-            <a:solidFill>
-              <a:schemeClr val="dk2"/>
-            </a:solidFill>
-            <a:prstDash val="solid"/>
-            <a:round/>
-            <a:headEnd len="sm" w="sm" type="none"/>
-            <a:tailEnd len="sm" w="sm" type="none"/>
-          </a:ln>
-        </p:spPr>
-      </p:pic>
-      <p:pic>
-        <p:nvPicPr>
-          <p:cNvPr id="106" name="Google Shape;106;p18"/>
-          <p:cNvPicPr preferRelativeResize="0"/>
-          <p:nvPr/>
-        </p:nvPicPr>
-        <p:blipFill>
-          <a:blip r:embed="rId5">
-            <a:alphaModFix/>
-          </a:blip>
-          <a:stretch>
-            <a:fillRect/>
-          </a:stretch>
-        </p:blipFill>
-        <p:spPr>
-          <a:xfrm>
-            <a:off x="3474720" y="914400"/>
-            <a:ext cx="2907792" cy="4114800"/>
-          </a:xfrm>
-          <a:prstGeom prst="rect">
-            <a:avLst/>
-          </a:prstGeom>
-          <a:noFill/>
-          <a:ln cap="flat" cmpd="sng" w="9525">
-            <a:solidFill>
-              <a:schemeClr val="dk2"/>
-            </a:solidFill>
-            <a:prstDash val="solid"/>
-            <a:round/>
-            <a:headEnd len="sm" w="sm" type="none"/>
-            <a:tailEnd len="sm" w="sm" type="none"/>
-          </a:ln>
-        </p:spPr>
-      </p:pic>
-    </p:spTree>
-  </p:cSld>
-  <p:clrMapOvr>
-    <a:masterClrMapping/>
-  </p:clrMapOvr>
-</p:sld>
-</file>
-
-<file path=ppt/slides/slide12.xml><?xml version="1.0" encoding="utf-8"?>
-<p:sld xmlns:a="http://schemas.openxmlformats.org/drawingml/2006/main" xmlns:r="http://schemas.openxmlformats.org/officeDocument/2006/relationships" xmlns:mc="http://schemas.openxmlformats.org/markup-compatibility/2006" xmlns:mv="urn:schemas-microsoft-com:mac:vml" xmlns:p="http://schemas.openxmlformats.org/presentationml/2006/main" xmlns:c="http://schemas.openxmlformats.org/drawingml/2006/chart" xmlns:dgm="http://schemas.openxmlformats.org/drawingml/2006/diagram" xmlns:o="urn:schemas-microsoft-com:office:office" xmlns:v="urn:schemas-microsoft-com:vml" xmlns:pvml="urn:schemas-microsoft-com:office:powerpoint" xmlns:com="http://schemas.openxmlformats.org/drawingml/2006/compatibility" xmlns:p14="http://schemas.microsoft.com/office/powerpoint/2010/main" xmlns:p15="http://schemas.microsoft.com/office/powerpoint/2012/main" xmlns:ahyp="http://schemas.microsoft.com/office/drawing/2018/hyperlinkcolor">
-  <p:cSld>
-    <p:spTree>
-      <p:nvGrpSpPr>
-        <p:cNvPr id="110" name="Shape 110"/>
-        <p:cNvGrpSpPr/>
-        <p:nvPr/>
-      </p:nvGrpSpPr>
-      <p:grpSpPr>
-        <a:xfrm>
-          <a:off x="0" y="0"/>
-          <a:ext cx="0" cy="0"/>
-          <a:chOff x="0" y="0"/>
-          <a:chExt cx="0" cy="0"/>
-        </a:xfrm>
-      </p:grpSpPr>
-      <p:sp>
-        <p:nvSpPr>
-          <p:cNvPr id="111" name="Google Shape;111;p19"/>
-          <p:cNvSpPr txBox="1"/>
-          <p:nvPr>
-            <p:ph type="title"/>
-          </p:nvPr>
-        </p:nvSpPr>
-        <p:spPr>
-          <a:xfrm>
-            <a:off x="0" y="0"/>
-            <a:ext cx="9144000" cy="685800"/>
-          </a:xfrm>
-          <a:prstGeom prst="rect">
-            <a:avLst/>
-          </a:prstGeom>
-        </p:spPr>
-        <p:txBody>
-          <a:bodyPr anchorCtr="0" anchor="ctr" bIns="0" lIns="274300" spcFirstLastPara="1" rIns="0" wrap="square" tIns="0">
-            <a:noAutofit/>
-          </a:bodyPr>
-          <a:lstStyle/>
-          <a:p>
-            <a:pPr indent="0" lvl="0" marL="0" rtl="0" algn="l">
-              <a:spcBef>
-                <a:spcPts val="0"/>
-              </a:spcBef>
-              <a:spcAft>
-                <a:spcPts val="0"/>
-              </a:spcAft>
-              <a:buNone/>
-            </a:pPr>
-            <a:r>
-              <a:rPr lang="en"/>
-              <a:t>Example Posters 2 / 2</a:t>
-            </a:r>
-            <a:endParaRPr/>
-          </a:p>
-        </p:txBody>
-      </p:sp>
-      <p:sp>
-        <p:nvSpPr>
-          <p:cNvPr id="112" name="Google Shape;112;p19"/>
-          <p:cNvSpPr txBox="1"/>
-          <p:nvPr>
-            <p:ph idx="12" type="sldNum"/>
-          </p:nvPr>
-        </p:nvSpPr>
-        <p:spPr>
-          <a:xfrm>
-            <a:off x="7315202" y="4416550"/>
-            <a:ext cx="1828800" cy="731400"/>
-          </a:xfrm>
-          <a:prstGeom prst="rect">
-            <a:avLst/>
-          </a:prstGeom>
-        </p:spPr>
-        <p:txBody>
-          <a:bodyPr anchorCtr="0" anchor="b" bIns="91425" lIns="91425" spcFirstLastPara="1" rIns="91425" wrap="square" tIns="91425">
-            <a:noAutofit/>
-          </a:bodyPr>
-          <a:lstStyle/>
-          <a:p>
-            <a:pPr indent="0" lvl="0" marL="0" rtl="0" algn="r">
-              <a:spcBef>
-                <a:spcPts val="0"/>
-              </a:spcBef>
-              <a:spcAft>
-                <a:spcPts val="0"/>
-              </a:spcAft>
-              <a:buNone/>
-            </a:pPr>
-            <a:fld id="{00000000-1234-1234-1234-123412341234}" type="slidenum">
-              <a:rPr lang="en"/>
-              <a:t>‹#›</a:t>
-            </a:fld>
-            <a:endParaRPr/>
-          </a:p>
-          <a:p>
-            <a:pPr indent="0" lvl="0" marL="0" rtl="0" algn="r">
-              <a:spcBef>
-                <a:spcPts val="0"/>
-              </a:spcBef>
-              <a:spcAft>
-                <a:spcPts val="0"/>
-              </a:spcAft>
-              <a:buNone/>
-            </a:pPr>
-            <a:r>
-              <a:rPr b="0" lang="en" sz="900" u="sng">
-                <a:solidFill>
-                  <a:schemeClr val="hlink"/>
-                </a:solidFill>
-                <a:hlinkClick r:id="rId3"/>
-              </a:rPr>
-              <a:t>https://profriehle.com</a:t>
-            </a:r>
-            <a:r>
-              <a:rPr b="0" lang="en" sz="900">
-                <a:solidFill>
-                  <a:schemeClr val="dk2"/>
-                </a:solidFill>
-              </a:rPr>
-              <a:t> </a:t>
-            </a:r>
-            <a:endParaRPr/>
-          </a:p>
-        </p:txBody>
-      </p:sp>
-      <p:pic>
-        <p:nvPicPr>
-          <p:cNvPr id="113" name="Google Shape;113;p19"/>
-          <p:cNvPicPr preferRelativeResize="0"/>
-          <p:nvPr/>
-        </p:nvPicPr>
-        <p:blipFill>
-          <a:blip r:embed="rId4">
-            <a:alphaModFix/>
-          </a:blip>
-          <a:stretch>
-            <a:fillRect/>
-          </a:stretch>
-        </p:blipFill>
-        <p:spPr>
-          <a:xfrm>
-            <a:off x="274320" y="914400"/>
-            <a:ext cx="2903908" cy="4114800"/>
-          </a:xfrm>
-          <a:prstGeom prst="rect">
-            <a:avLst/>
-          </a:prstGeom>
-          <a:noFill/>
-          <a:ln cap="flat" cmpd="sng" w="9525">
-            <a:solidFill>
-              <a:schemeClr val="dk2"/>
-            </a:solidFill>
-            <a:prstDash val="solid"/>
-            <a:round/>
-            <a:headEnd len="sm" w="sm" type="none"/>
-            <a:tailEnd len="sm" w="sm" type="none"/>
-          </a:ln>
-        </p:spPr>
-      </p:pic>
-      <p:pic>
-        <p:nvPicPr>
-          <p:cNvPr id="114" name="Google Shape;114;p19"/>
-          <p:cNvPicPr preferRelativeResize="0"/>
-          <p:nvPr/>
-        </p:nvPicPr>
-        <p:blipFill>
-          <a:blip r:embed="rId5">
-            <a:alphaModFix/>
-          </a:blip>
-          <a:stretch>
-            <a:fillRect/>
-          </a:stretch>
-        </p:blipFill>
-        <p:spPr>
-          <a:xfrm>
-            <a:off x="3474720" y="914400"/>
-            <a:ext cx="2903908" cy="4114800"/>
-          </a:xfrm>
-          <a:prstGeom prst="rect">
-            <a:avLst/>
-          </a:prstGeom>
-          <a:noFill/>
-          <a:ln cap="flat" cmpd="sng" w="9525">
-            <a:solidFill>
-              <a:schemeClr val="dk2"/>
-            </a:solidFill>
-            <a:prstDash val="solid"/>
-            <a:round/>
-            <a:headEnd len="sm" w="sm" type="none"/>
-            <a:tailEnd len="sm" w="sm" type="none"/>
-          </a:ln>
-        </p:spPr>
-      </p:pic>
-    </p:spTree>
-  </p:cSld>
-  <p:clrMapOvr>
-    <a:masterClrMapping/>
-  </p:clrMapOvr>
-</p:sld>
-</file>
-
-<file path=ppt/slides/slide13.xml><?xml version="1.0" encoding="utf-8"?>
-<p:sld xmlns:a="http://schemas.openxmlformats.org/drawingml/2006/main" xmlns:r="http://schemas.openxmlformats.org/officeDocument/2006/relationships" xmlns:mc="http://schemas.openxmlformats.org/markup-compatibility/2006" xmlns:mv="urn:schemas-microsoft-com:mac:vml" xmlns:p="http://schemas.openxmlformats.org/presentationml/2006/main" xmlns:c="http://schemas.openxmlformats.org/drawingml/2006/chart" xmlns:dgm="http://schemas.openxmlformats.org/drawingml/2006/diagram" xmlns:o="urn:schemas-microsoft-com:office:office" xmlns:v="urn:schemas-microsoft-com:vml" xmlns:pvml="urn:schemas-microsoft-com:office:powerpoint" xmlns:com="http://schemas.openxmlformats.org/drawingml/2006/compatibility" xmlns:p14="http://schemas.microsoft.com/office/powerpoint/2010/main" xmlns:p15="http://schemas.microsoft.com/office/powerpoint/2012/main" xmlns:ahyp="http://schemas.microsoft.com/office/drawing/2018/hyperlinkcolor">
-  <p:cSld>
-    <p:spTree>
-      <p:nvGrpSpPr>
-        <p:cNvPr id="118" name="Shape 118"/>
-        <p:cNvGrpSpPr/>
-        <p:nvPr/>
-      </p:nvGrpSpPr>
-      <p:grpSpPr>
-        <a:xfrm>
-          <a:off x="0" y="0"/>
-          <a:ext cx="0" cy="0"/>
-          <a:chOff x="0" y="0"/>
-          <a:chExt cx="0" cy="0"/>
-        </a:xfrm>
-      </p:grpSpPr>
-      <p:sp>
-        <p:nvSpPr>
-          <p:cNvPr id="119" name="Google Shape;119;p20"/>
-          <p:cNvSpPr txBox="1"/>
-          <p:nvPr>
-            <p:ph type="title"/>
-          </p:nvPr>
-        </p:nvSpPr>
-        <p:spPr>
-          <a:xfrm>
-            <a:off x="0" y="0"/>
-            <a:ext cx="9144000" cy="685800"/>
-          </a:xfrm>
-          <a:prstGeom prst="rect">
-            <a:avLst/>
-          </a:prstGeom>
-        </p:spPr>
-        <p:txBody>
-          <a:bodyPr anchorCtr="0" anchor="ctr" bIns="91425" lIns="274300" spcFirstLastPara="1" rIns="91425" wrap="square" tIns="91425">
-            <a:noAutofit/>
-          </a:bodyPr>
-          <a:lstStyle/>
-          <a:p>
-            <a:pPr indent="0" lvl="0" marL="0" rtl="0" algn="l">
-              <a:spcBef>
-                <a:spcPts val="0"/>
-              </a:spcBef>
-              <a:spcAft>
-                <a:spcPts val="0"/>
-              </a:spcAft>
-              <a:buNone/>
-            </a:pPr>
-            <a:r>
-              <a:rPr lang="en"/>
-              <a:t>One-Time Deliverable: Demo Day Posters</a:t>
-            </a:r>
-            <a:endParaRPr/>
-          </a:p>
-        </p:txBody>
-      </p:sp>
-      <p:sp>
-        <p:nvSpPr>
-          <p:cNvPr id="120" name="Google Shape;120;p20"/>
-          <p:cNvSpPr txBox="1"/>
-          <p:nvPr>
-            <p:ph idx="12" type="sldNum"/>
-          </p:nvPr>
-        </p:nvSpPr>
-        <p:spPr>
-          <a:xfrm>
-            <a:off x="7315202" y="4416550"/>
-            <a:ext cx="1828800" cy="731400"/>
-          </a:xfrm>
-          <a:prstGeom prst="rect">
-            <a:avLst/>
-          </a:prstGeom>
-        </p:spPr>
-        <p:txBody>
-          <a:bodyPr anchorCtr="0" anchor="b" bIns="91425" lIns="91425" spcFirstLastPara="1" rIns="91425" wrap="square" tIns="91425">
-            <a:noAutofit/>
-          </a:bodyPr>
-          <a:lstStyle/>
-          <a:p>
-            <a:pPr indent="0" lvl="0" marL="0" rtl="0" algn="r">
-              <a:spcBef>
-                <a:spcPts val="0"/>
-              </a:spcBef>
-              <a:spcAft>
-                <a:spcPts val="0"/>
-              </a:spcAft>
-              <a:buNone/>
-            </a:pPr>
-            <a:fld id="{00000000-1234-1234-1234-123412341234}" type="slidenum">
-              <a:rPr lang="en"/>
-              <a:t>‹#›</a:t>
-            </a:fld>
-            <a:endParaRPr/>
-          </a:p>
-          <a:p>
-            <a:pPr indent="0" lvl="0" marL="0" rtl="0" algn="r">
-              <a:spcBef>
-                <a:spcPts val="0"/>
-              </a:spcBef>
-              <a:spcAft>
-                <a:spcPts val="0"/>
-              </a:spcAft>
-              <a:buNone/>
-            </a:pPr>
-            <a:r>
-              <a:rPr b="0" lang="en" sz="900" u="sng">
-                <a:solidFill>
-                  <a:schemeClr val="hlink"/>
-                </a:solidFill>
-                <a:hlinkClick r:id="rId3"/>
-              </a:rPr>
-              <a:t>https://profriehle.com</a:t>
-            </a:r>
-            <a:r>
-              <a:rPr b="0" lang="en" sz="900">
-                <a:solidFill>
-                  <a:schemeClr val="dk2"/>
-                </a:solidFill>
-              </a:rPr>
-              <a:t> </a:t>
-            </a:r>
-            <a:endParaRPr/>
-          </a:p>
-        </p:txBody>
-      </p:sp>
-      <p:sp>
-        <p:nvSpPr>
-          <p:cNvPr id="121" name="Google Shape;121;p20"/>
-          <p:cNvSpPr txBox="1"/>
-          <p:nvPr>
-            <p:ph idx="1" type="body"/>
-          </p:nvPr>
-        </p:nvSpPr>
-        <p:spPr>
-          <a:xfrm>
-            <a:off x="274320" y="914400"/>
-            <a:ext cx="8595300" cy="4114800"/>
-          </a:xfrm>
-          <a:prstGeom prst="rect">
-            <a:avLst/>
-          </a:prstGeom>
-        </p:spPr>
-        <p:txBody>
-          <a:bodyPr anchorCtr="0" anchor="t" bIns="0" lIns="0" spcFirstLastPara="1" rIns="0" wrap="square" tIns="0">
-            <a:noAutofit/>
-          </a:bodyPr>
-          <a:lstStyle/>
-          <a:p>
-            <a:pPr indent="0" lvl="0" marL="0" rtl="0" algn="l">
-              <a:spcBef>
-                <a:spcPts val="0"/>
-              </a:spcBef>
-              <a:spcAft>
-                <a:spcPts val="0"/>
-              </a:spcAft>
-              <a:buNone/>
-            </a:pPr>
-            <a:r>
-              <a:rPr lang="en"/>
-              <a:t>Please create two posters for your demo day booth</a:t>
-            </a:r>
-            <a:endParaRPr/>
-          </a:p>
-          <a:p>
-            <a:pPr indent="-342900" lvl="0" marL="457200" rtl="0" algn="l">
-              <a:spcBef>
-                <a:spcPts val="1200"/>
-              </a:spcBef>
-              <a:spcAft>
-                <a:spcPts val="0"/>
-              </a:spcAft>
-              <a:buSzPts val="1800"/>
-              <a:buChar char="●"/>
-            </a:pPr>
-            <a:r>
-              <a:rPr lang="en"/>
-              <a:t>One product management / product owner poster</a:t>
-            </a:r>
-            <a:endParaRPr/>
-          </a:p>
-          <a:p>
-            <a:pPr indent="-342900" lvl="0" marL="457200" rtl="0" algn="l">
-              <a:spcBef>
-                <a:spcPts val="0"/>
-              </a:spcBef>
-              <a:spcAft>
-                <a:spcPts val="0"/>
-              </a:spcAft>
-              <a:buSzPts val="1800"/>
-              <a:buChar char="●"/>
-            </a:pPr>
-            <a:r>
-              <a:rPr lang="en"/>
-              <a:t>One software </a:t>
-            </a:r>
-            <a:r>
-              <a:rPr lang="en"/>
-              <a:t>development</a:t>
-            </a:r>
-            <a:r>
-              <a:rPr lang="en"/>
-              <a:t> poster</a:t>
-            </a:r>
-            <a:endParaRPr/>
-          </a:p>
-        </p:txBody>
-      </p:sp>
-    </p:spTree>
-  </p:cSld>
-  <p:clrMapOvr>
-    <a:masterClrMapping/>
-  </p:clrMapOvr>
-</p:sld>
-</file>
-
-<file path=ppt/slides/slide14.xml><?xml version="1.0" encoding="utf-8"?>
-<p:sld xmlns:a="http://schemas.openxmlformats.org/drawingml/2006/main" xmlns:r="http://schemas.openxmlformats.org/officeDocument/2006/relationships" xmlns:mc="http://schemas.openxmlformats.org/markup-compatibility/2006" xmlns:mv="urn:schemas-microsoft-com:mac:vml" xmlns:p="http://schemas.openxmlformats.org/presentationml/2006/main" xmlns:c="http://schemas.openxmlformats.org/drawingml/2006/chart" xmlns:dgm="http://schemas.openxmlformats.org/drawingml/2006/diagram" xmlns:o="urn:schemas-microsoft-com:office:office" xmlns:v="urn:schemas-microsoft-com:vml" xmlns:pvml="urn:schemas-microsoft-com:office:powerpoint" xmlns:com="http://schemas.openxmlformats.org/drawingml/2006/compatibility" xmlns:p14="http://schemas.microsoft.com/office/powerpoint/2010/main" xmlns:p15="http://schemas.microsoft.com/office/powerpoint/2012/main" xmlns:ahyp="http://schemas.microsoft.com/office/drawing/2018/hyperlinkcolor">
-  <p:cSld>
-    <p:spTree>
-      <p:nvGrpSpPr>
-        <p:cNvPr id="125" name="Shape 125"/>
-        <p:cNvGrpSpPr/>
-        <p:nvPr/>
-      </p:nvGrpSpPr>
-      <p:grpSpPr>
-        <a:xfrm>
-          <a:off x="0" y="0"/>
-          <a:ext cx="0" cy="0"/>
-          <a:chOff x="0" y="0"/>
-          <a:chExt cx="0" cy="0"/>
-        </a:xfrm>
-      </p:grpSpPr>
-      <p:sp>
-        <p:nvSpPr>
-          <p:cNvPr id="126" name="Google Shape;126;p21"/>
-          <p:cNvSpPr txBox="1"/>
-          <p:nvPr>
-            <p:ph type="title"/>
-          </p:nvPr>
-        </p:nvSpPr>
-        <p:spPr>
-          <a:xfrm>
-            <a:off x="0" y="0"/>
-            <a:ext cx="9144000" cy="685800"/>
-          </a:xfrm>
-          <a:prstGeom prst="rect">
-            <a:avLst/>
-          </a:prstGeom>
-        </p:spPr>
-        <p:txBody>
-          <a:bodyPr anchorCtr="0" anchor="ctr" bIns="0" lIns="274300" spcFirstLastPara="1" rIns="0" wrap="square" tIns="0">
-            <a:noAutofit/>
-          </a:bodyPr>
-          <a:lstStyle/>
-          <a:p>
-            <a:pPr indent="0" lvl="0" marL="0" rtl="0" algn="l">
-              <a:spcBef>
-                <a:spcPts val="0"/>
-              </a:spcBef>
-              <a:spcAft>
-                <a:spcPts val="0"/>
-              </a:spcAft>
-              <a:buNone/>
-            </a:pPr>
-            <a:r>
-              <a:rPr lang="en"/>
-              <a:t>Twenty Minutes of Fame</a:t>
-            </a:r>
-            <a:endParaRPr/>
-          </a:p>
-        </p:txBody>
-      </p:sp>
-      <p:sp>
-        <p:nvSpPr>
-          <p:cNvPr id="127" name="Google Shape;127;p21"/>
-          <p:cNvSpPr txBox="1"/>
-          <p:nvPr>
-            <p:ph idx="12" type="sldNum"/>
-          </p:nvPr>
-        </p:nvSpPr>
-        <p:spPr>
-          <a:xfrm>
-            <a:off x="7315202" y="4416550"/>
-            <a:ext cx="1828800" cy="731400"/>
-          </a:xfrm>
-          <a:prstGeom prst="rect">
-            <a:avLst/>
-          </a:prstGeom>
-        </p:spPr>
-        <p:txBody>
-          <a:bodyPr anchorCtr="0" anchor="b" bIns="91425" lIns="91425" spcFirstLastPara="1" rIns="91425" wrap="square" tIns="91425">
-            <a:noAutofit/>
-          </a:bodyPr>
-          <a:lstStyle/>
-          <a:p>
-            <a:pPr indent="0" lvl="0" marL="0" rtl="0" algn="r">
-              <a:spcBef>
-                <a:spcPts val="0"/>
-              </a:spcBef>
-              <a:spcAft>
-                <a:spcPts val="0"/>
-              </a:spcAft>
-              <a:buNone/>
-            </a:pPr>
-            <a:fld id="{00000000-1234-1234-1234-123412341234}" type="slidenum">
-              <a:rPr lang="en"/>
-              <a:t>‹#›</a:t>
-            </a:fld>
-            <a:endParaRPr/>
-          </a:p>
-          <a:p>
-            <a:pPr indent="0" lvl="0" marL="0" rtl="0" algn="r">
-              <a:spcBef>
-                <a:spcPts val="0"/>
-              </a:spcBef>
-              <a:spcAft>
-                <a:spcPts val="0"/>
-              </a:spcAft>
-              <a:buNone/>
-            </a:pPr>
-            <a:r>
-              <a:rPr b="0" lang="en" sz="900" u="sng">
-                <a:solidFill>
-                  <a:schemeClr val="hlink"/>
-                </a:solidFill>
-                <a:hlinkClick r:id="rId3"/>
-              </a:rPr>
-              <a:t>https://profriehle.com</a:t>
-            </a:r>
-            <a:r>
-              <a:rPr b="0" lang="en" sz="900">
-                <a:solidFill>
-                  <a:schemeClr val="dk2"/>
-                </a:solidFill>
-              </a:rPr>
-              <a:t> </a:t>
-            </a:r>
-            <a:endParaRPr/>
-          </a:p>
-        </p:txBody>
-      </p:sp>
       <p:graphicFrame>
         <p:nvGraphicFramePr>
-          <p:cNvPr id="128" name="Google Shape;128;p21"/>
+          <p:cNvPr id="105" name="Google Shape;105;p18"/>
           <p:cNvGraphicFramePr/>
           <p:nvPr/>
         </p:nvGraphicFramePr>
@@ -7779,7 +7254,7 @@
             <a:tbl>
               <a:tblPr>
                 <a:noFill/>
-                <a:tableStyleId>{66B0EB45-EE49-450D-A477-25FF1C32F1AE}</a:tableStyleId>
+                <a:tableStyleId>{9632043C-C453-4AC7-B174-E80BCA9BE996}</a:tableStyleId>
               </a:tblPr>
               <a:tblGrid>
                 <a:gridCol w="1315250"/>
@@ -8573,12 +8048,12 @@
 </p:sld>
 </file>
 
-<file path=ppt/slides/slide15.xml><?xml version="1.0" encoding="utf-8"?>
+<file path=ppt/slides/slide12.xml><?xml version="1.0" encoding="utf-8"?>
 <p:sld xmlns:a="http://schemas.openxmlformats.org/drawingml/2006/main" xmlns:r="http://schemas.openxmlformats.org/officeDocument/2006/relationships" xmlns:mc="http://schemas.openxmlformats.org/markup-compatibility/2006" xmlns:mv="urn:schemas-microsoft-com:mac:vml" xmlns:p="http://schemas.openxmlformats.org/presentationml/2006/main" xmlns:c="http://schemas.openxmlformats.org/drawingml/2006/chart" xmlns:dgm="http://schemas.openxmlformats.org/drawingml/2006/diagram" xmlns:o="urn:schemas-microsoft-com:office:office" xmlns:v="urn:schemas-microsoft-com:vml" xmlns:pvml="urn:schemas-microsoft-com:office:powerpoint" xmlns:com="http://schemas.openxmlformats.org/drawingml/2006/compatibility" xmlns:p14="http://schemas.microsoft.com/office/powerpoint/2010/main" xmlns:p15="http://schemas.microsoft.com/office/powerpoint/2012/main" xmlns:ahyp="http://schemas.microsoft.com/office/drawing/2018/hyperlinkcolor">
   <p:cSld>
     <p:spTree>
       <p:nvGrpSpPr>
-        <p:cNvPr id="132" name="Shape 132"/>
+        <p:cNvPr id="109" name="Shape 109"/>
         <p:cNvGrpSpPr/>
         <p:nvPr/>
       </p:nvGrpSpPr>
@@ -8592,7 +8067,7 @@
       </p:grpSpPr>
       <p:sp>
         <p:nvSpPr>
-          <p:cNvPr id="133" name="Google Shape;133;p22"/>
+          <p:cNvPr id="110" name="Google Shape;110;p19"/>
           <p:cNvSpPr txBox="1"/>
           <p:nvPr>
             <p:ph type="title"/>
@@ -8625,6 +8100,1080 @@
             <a:r>
               <a:rPr lang="en"/>
               <a:t>Demo Preparation</a:t>
+            </a:r>
+            <a:endParaRPr/>
+          </a:p>
+        </p:txBody>
+      </p:sp>
+      <p:sp>
+        <p:nvSpPr>
+          <p:cNvPr id="111" name="Google Shape;111;p19"/>
+          <p:cNvSpPr txBox="1"/>
+          <p:nvPr>
+            <p:ph idx="12" type="sldNum"/>
+          </p:nvPr>
+        </p:nvSpPr>
+        <p:spPr>
+          <a:xfrm>
+            <a:off x="7315202" y="4416550"/>
+            <a:ext cx="1828800" cy="731400"/>
+          </a:xfrm>
+          <a:prstGeom prst="rect">
+            <a:avLst/>
+          </a:prstGeom>
+        </p:spPr>
+        <p:txBody>
+          <a:bodyPr anchorCtr="0" anchor="b" bIns="91425" lIns="91425" spcFirstLastPara="1" rIns="91425" wrap="square" tIns="91425">
+            <a:noAutofit/>
+          </a:bodyPr>
+          <a:lstStyle/>
+          <a:p>
+            <a:pPr indent="0" lvl="0" marL="0" rtl="0" algn="r">
+              <a:spcBef>
+                <a:spcPts val="0"/>
+              </a:spcBef>
+              <a:spcAft>
+                <a:spcPts val="0"/>
+              </a:spcAft>
+              <a:buNone/>
+            </a:pPr>
+            <a:fld id="{00000000-1234-1234-1234-123412341234}" type="slidenum">
+              <a:rPr lang="en"/>
+              <a:t>‹#›</a:t>
+            </a:fld>
+            <a:endParaRPr/>
+          </a:p>
+          <a:p>
+            <a:pPr indent="0" lvl="0" marL="0" rtl="0" algn="r">
+              <a:spcBef>
+                <a:spcPts val="0"/>
+              </a:spcBef>
+              <a:spcAft>
+                <a:spcPts val="0"/>
+              </a:spcAft>
+              <a:buNone/>
+            </a:pPr>
+            <a:r>
+              <a:rPr b="0" lang="en" sz="900" u="sng">
+                <a:solidFill>
+                  <a:schemeClr val="hlink"/>
+                </a:solidFill>
+                <a:hlinkClick r:id="rId3"/>
+              </a:rPr>
+              <a:t>https://profriehle.com</a:t>
+            </a:r>
+            <a:r>
+              <a:rPr b="0" lang="en" sz="900">
+                <a:solidFill>
+                  <a:schemeClr val="dk2"/>
+                </a:solidFill>
+              </a:rPr>
+              <a:t> </a:t>
+            </a:r>
+            <a:endParaRPr/>
+          </a:p>
+        </p:txBody>
+      </p:sp>
+      <p:sp>
+        <p:nvSpPr>
+          <p:cNvPr id="112" name="Google Shape;112;p19"/>
+          <p:cNvSpPr txBox="1"/>
+          <p:nvPr>
+            <p:ph idx="1" type="body"/>
+          </p:nvPr>
+        </p:nvSpPr>
+        <p:spPr>
+          <a:xfrm>
+            <a:off x="274320" y="914400"/>
+            <a:ext cx="4114800" cy="4114800"/>
+          </a:xfrm>
+          <a:prstGeom prst="rect">
+            <a:avLst/>
+          </a:prstGeom>
+        </p:spPr>
+        <p:txBody>
+          <a:bodyPr anchorCtr="0" anchor="t" bIns="91425" lIns="0" spcFirstLastPara="1" rIns="91425" wrap="square" tIns="0">
+            <a:noAutofit/>
+          </a:bodyPr>
+          <a:lstStyle/>
+          <a:p>
+            <a:pPr indent="0" lvl="0" marL="0" rtl="0" algn="l">
+              <a:spcBef>
+                <a:spcPts val="0"/>
+              </a:spcBef>
+              <a:spcAft>
+                <a:spcPts val="0"/>
+              </a:spcAft>
+              <a:buNone/>
+            </a:pPr>
+            <a:r>
+              <a:rPr b="1" lang="en"/>
+              <a:t>Dos</a:t>
+            </a:r>
+            <a:endParaRPr b="1"/>
+          </a:p>
+          <a:p>
+            <a:pPr indent="-342900" lvl="0" marL="457200" rtl="0" algn="l">
+              <a:spcBef>
+                <a:spcPts val="1200"/>
+              </a:spcBef>
+              <a:spcAft>
+                <a:spcPts val="0"/>
+              </a:spcAft>
+              <a:buSzPts val="1800"/>
+              <a:buChar char="●"/>
+            </a:pPr>
+            <a:r>
+              <a:rPr lang="en"/>
+              <a:t>Have a clean user </a:t>
+            </a:r>
+            <a:r>
+              <a:rPr lang="en"/>
+              <a:t>interface</a:t>
+            </a:r>
+            <a:endParaRPr/>
+          </a:p>
+          <a:p>
+            <a:pPr indent="-342900" lvl="0" marL="457200" rtl="0" algn="l">
+              <a:spcBef>
+                <a:spcPts val="1000"/>
+              </a:spcBef>
+              <a:spcAft>
+                <a:spcPts val="0"/>
+              </a:spcAft>
+              <a:buSzPts val="1800"/>
+              <a:buChar char="●"/>
+            </a:pPr>
+            <a:r>
+              <a:rPr lang="en"/>
+              <a:t>Have a story to tell, for example,</a:t>
+            </a:r>
+            <a:endParaRPr/>
+          </a:p>
+          <a:p>
+            <a:pPr indent="-317500" lvl="1" marL="914400" rtl="0" algn="l">
+              <a:spcBef>
+                <a:spcPts val="0"/>
+              </a:spcBef>
+              <a:spcAft>
+                <a:spcPts val="0"/>
+              </a:spcAft>
+              <a:buSzPts val="1400"/>
+              <a:buChar char="○"/>
+            </a:pPr>
+            <a:r>
+              <a:rPr lang="en"/>
+              <a:t>A day in the life of …</a:t>
+            </a:r>
+            <a:endParaRPr/>
+          </a:p>
+          <a:p>
+            <a:pPr indent="-317500" lvl="1" marL="914400" rtl="0" algn="l">
+              <a:spcBef>
+                <a:spcPts val="0"/>
+              </a:spcBef>
+              <a:spcAft>
+                <a:spcPts val="0"/>
+              </a:spcAft>
+              <a:buSzPts val="1400"/>
+              <a:buChar char="○"/>
+            </a:pPr>
+            <a:r>
+              <a:rPr lang="en"/>
+              <a:t>A workflow example</a:t>
+            </a:r>
+            <a:endParaRPr/>
+          </a:p>
+          <a:p>
+            <a:pPr indent="-342900" lvl="0" marL="457200" rtl="0" algn="l">
+              <a:spcBef>
+                <a:spcPts val="1000"/>
+              </a:spcBef>
+              <a:spcAft>
+                <a:spcPts val="0"/>
+              </a:spcAft>
+              <a:buSzPts val="1800"/>
+              <a:buChar char="●"/>
+            </a:pPr>
+            <a:r>
+              <a:rPr lang="en"/>
+              <a:t>Use domain terms and examples</a:t>
+            </a:r>
+            <a:endParaRPr/>
+          </a:p>
+          <a:p>
+            <a:pPr indent="-317500" lvl="1" marL="914400" rtl="0" algn="l">
+              <a:spcBef>
+                <a:spcPts val="0"/>
+              </a:spcBef>
+              <a:spcAft>
+                <a:spcPts val="0"/>
+              </a:spcAft>
+              <a:buSzPts val="1400"/>
+              <a:buChar char="○"/>
+            </a:pPr>
+            <a:r>
+              <a:rPr lang="en"/>
+              <a:t>In the user interface (labels, titles)</a:t>
+            </a:r>
+            <a:endParaRPr/>
+          </a:p>
+          <a:p>
+            <a:pPr indent="-317500" lvl="1" marL="914400" rtl="0" algn="l">
+              <a:spcBef>
+                <a:spcPts val="0"/>
+              </a:spcBef>
+              <a:spcAft>
+                <a:spcPts val="0"/>
+              </a:spcAft>
+              <a:buSzPts val="1400"/>
+              <a:buChar char="○"/>
+            </a:pPr>
+            <a:r>
+              <a:rPr lang="en"/>
+              <a:t>In the stories you tell</a:t>
+            </a:r>
+            <a:endParaRPr/>
+          </a:p>
+          <a:p>
+            <a:pPr indent="-342900" lvl="0" marL="457200" rtl="0" algn="l">
+              <a:spcBef>
+                <a:spcPts val="1000"/>
+              </a:spcBef>
+              <a:spcAft>
+                <a:spcPts val="0"/>
+              </a:spcAft>
+              <a:buSzPts val="1800"/>
+              <a:buChar char="●"/>
+            </a:pPr>
+            <a:r>
+              <a:rPr lang="en"/>
+              <a:t>Make the demo data reentrant</a:t>
+            </a:r>
+            <a:endParaRPr/>
+          </a:p>
+          <a:p>
+            <a:pPr indent="-317500" lvl="1" marL="914400" rtl="0" algn="l">
+              <a:spcBef>
+                <a:spcPts val="0"/>
+              </a:spcBef>
+              <a:spcAft>
+                <a:spcPts val="0"/>
+              </a:spcAft>
+              <a:buSzPts val="1400"/>
+              <a:buChar char="○"/>
+            </a:pPr>
+            <a:r>
+              <a:rPr lang="en"/>
+              <a:t>You will </a:t>
+            </a:r>
+            <a:r>
+              <a:rPr lang="en"/>
+              <a:t>have</a:t>
+            </a:r>
+            <a:r>
+              <a:rPr lang="en"/>
+              <a:t> to start over repeatedly</a:t>
+            </a:r>
+            <a:endParaRPr/>
+          </a:p>
+          <a:p>
+            <a:pPr indent="-317500" lvl="1" marL="914400" rtl="0" algn="l">
+              <a:spcBef>
+                <a:spcPts val="0"/>
+              </a:spcBef>
+              <a:spcAft>
+                <a:spcPts val="0"/>
+              </a:spcAft>
+              <a:buSzPts val="1400"/>
+              <a:buChar char="○"/>
+            </a:pPr>
+            <a:r>
+              <a:rPr lang="en"/>
+              <a:t>You want to start at the same point</a:t>
+            </a:r>
+            <a:endParaRPr/>
+          </a:p>
+          <a:p>
+            <a:pPr indent="0" lvl="0" marL="0" rtl="0" algn="l">
+              <a:spcBef>
+                <a:spcPts val="1000"/>
+              </a:spcBef>
+              <a:spcAft>
+                <a:spcPts val="1200"/>
+              </a:spcAft>
+              <a:buNone/>
+            </a:pPr>
+            <a:r>
+              <a:t/>
+            </a:r>
+            <a:endParaRPr/>
+          </a:p>
+        </p:txBody>
+      </p:sp>
+      <p:sp>
+        <p:nvSpPr>
+          <p:cNvPr id="113" name="Google Shape;113;p19"/>
+          <p:cNvSpPr txBox="1"/>
+          <p:nvPr>
+            <p:ph idx="2" type="body"/>
+          </p:nvPr>
+        </p:nvSpPr>
+        <p:spPr>
+          <a:xfrm>
+            <a:off x="4846320" y="914400"/>
+            <a:ext cx="4114800" cy="4114800"/>
+          </a:xfrm>
+          <a:prstGeom prst="rect">
+            <a:avLst/>
+          </a:prstGeom>
+        </p:spPr>
+        <p:txBody>
+          <a:bodyPr anchorCtr="0" anchor="t" bIns="0" lIns="0" spcFirstLastPara="1" rIns="0" wrap="square" tIns="0">
+            <a:noAutofit/>
+          </a:bodyPr>
+          <a:lstStyle/>
+          <a:p>
+            <a:pPr indent="0" lvl="0" marL="0" rtl="0" algn="l">
+              <a:spcBef>
+                <a:spcPts val="0"/>
+              </a:spcBef>
+              <a:spcAft>
+                <a:spcPts val="0"/>
+              </a:spcAft>
+              <a:buNone/>
+            </a:pPr>
+            <a:r>
+              <a:rPr b="1" lang="en"/>
+              <a:t>Don’ts</a:t>
+            </a:r>
+            <a:endParaRPr b="1"/>
+          </a:p>
+          <a:p>
+            <a:pPr indent="-342900" lvl="0" marL="457200" rtl="0" algn="l">
+              <a:spcBef>
+                <a:spcPts val="1200"/>
+              </a:spcBef>
+              <a:spcAft>
+                <a:spcPts val="0"/>
+              </a:spcAft>
+              <a:buSzPts val="1800"/>
+              <a:buChar char="●"/>
+            </a:pPr>
+            <a:r>
+              <a:rPr lang="en"/>
+              <a:t>Use “test1” or “user2” as labels</a:t>
+            </a:r>
+            <a:endParaRPr/>
+          </a:p>
+          <a:p>
+            <a:pPr indent="-342900" lvl="0" marL="457200" rtl="0" algn="l">
+              <a:spcBef>
+                <a:spcPts val="0"/>
+              </a:spcBef>
+              <a:spcAft>
+                <a:spcPts val="0"/>
+              </a:spcAft>
+              <a:buSzPts val="1800"/>
+              <a:buChar char="●"/>
+            </a:pPr>
+            <a:r>
+              <a:rPr lang="en"/>
+              <a:t>Not follow the advice on the left</a:t>
+            </a:r>
+            <a:endParaRPr/>
+          </a:p>
+          <a:p>
+            <a:pPr indent="0" lvl="0" marL="0" rtl="0" algn="l">
+              <a:spcBef>
+                <a:spcPts val="1200"/>
+              </a:spcBef>
+              <a:spcAft>
+                <a:spcPts val="1200"/>
+              </a:spcAft>
+              <a:buNone/>
+            </a:pPr>
+            <a:r>
+              <a:t/>
+            </a:r>
+            <a:endParaRPr/>
+          </a:p>
+        </p:txBody>
+      </p:sp>
+    </p:spTree>
+  </p:cSld>
+  <p:clrMapOvr>
+    <a:masterClrMapping/>
+  </p:clrMapOvr>
+</p:sld>
+</file>
+
+<file path=ppt/slides/slide13.xml><?xml version="1.0" encoding="utf-8"?>
+<p:sld xmlns:a="http://schemas.openxmlformats.org/drawingml/2006/main" xmlns:r="http://schemas.openxmlformats.org/officeDocument/2006/relationships" xmlns:mc="http://schemas.openxmlformats.org/markup-compatibility/2006" xmlns:mv="urn:schemas-microsoft-com:mac:vml" xmlns:p="http://schemas.openxmlformats.org/presentationml/2006/main" xmlns:c="http://schemas.openxmlformats.org/drawingml/2006/chart" xmlns:dgm="http://schemas.openxmlformats.org/drawingml/2006/diagram" xmlns:o="urn:schemas-microsoft-com:office:office" xmlns:v="urn:schemas-microsoft-com:vml" xmlns:pvml="urn:schemas-microsoft-com:office:powerpoint" xmlns:com="http://schemas.openxmlformats.org/drawingml/2006/compatibility" xmlns:p14="http://schemas.microsoft.com/office/powerpoint/2010/main" xmlns:p15="http://schemas.microsoft.com/office/powerpoint/2012/main" xmlns:ahyp="http://schemas.microsoft.com/office/drawing/2018/hyperlinkcolor">
+  <p:cSld>
+    <p:spTree>
+      <p:nvGrpSpPr>
+        <p:cNvPr id="117" name="Shape 117"/>
+        <p:cNvGrpSpPr/>
+        <p:nvPr/>
+      </p:nvGrpSpPr>
+      <p:grpSpPr>
+        <a:xfrm>
+          <a:off x="0" y="0"/>
+          <a:ext cx="0" cy="0"/>
+          <a:chOff x="0" y="0"/>
+          <a:chExt cx="0" cy="0"/>
+        </a:xfrm>
+      </p:grpSpPr>
+      <p:sp>
+        <p:nvSpPr>
+          <p:cNvPr id="118" name="Google Shape;118;p20"/>
+          <p:cNvSpPr txBox="1"/>
+          <p:nvPr>
+            <p:ph type="title"/>
+          </p:nvPr>
+        </p:nvSpPr>
+        <p:spPr>
+          <a:xfrm>
+            <a:off x="0" y="0"/>
+            <a:ext cx="9144000" cy="685800"/>
+          </a:xfrm>
+          <a:prstGeom prst="rect">
+            <a:avLst/>
+          </a:prstGeom>
+        </p:spPr>
+        <p:txBody>
+          <a:bodyPr anchorCtr="0" anchor="ctr" bIns="91425" lIns="274300" spcFirstLastPara="1" rIns="91425" wrap="square" tIns="91425">
+            <a:noAutofit/>
+          </a:bodyPr>
+          <a:lstStyle/>
+          <a:p>
+            <a:pPr indent="0" lvl="0" marL="0" rtl="0" algn="l">
+              <a:spcBef>
+                <a:spcPts val="0"/>
+              </a:spcBef>
+              <a:spcAft>
+                <a:spcPts val="0"/>
+              </a:spcAft>
+              <a:buNone/>
+            </a:pPr>
+            <a:r>
+              <a:rPr lang="en"/>
+              <a:t>Demo First! Slides… Fifth? Nineteenth?</a:t>
+            </a:r>
+            <a:endParaRPr/>
+          </a:p>
+        </p:txBody>
+      </p:sp>
+      <p:sp>
+        <p:nvSpPr>
+          <p:cNvPr id="119" name="Google Shape;119;p20"/>
+          <p:cNvSpPr txBox="1"/>
+          <p:nvPr>
+            <p:ph idx="1" type="body"/>
+          </p:nvPr>
+        </p:nvSpPr>
+        <p:spPr>
+          <a:xfrm>
+            <a:off x="274320" y="914400"/>
+            <a:ext cx="8595300" cy="4114800"/>
+          </a:xfrm>
+          <a:prstGeom prst="rect">
+            <a:avLst/>
+          </a:prstGeom>
+        </p:spPr>
+        <p:txBody>
+          <a:bodyPr anchorCtr="0" anchor="t" bIns="0" lIns="0" spcFirstLastPara="1" rIns="0" wrap="square" tIns="0">
+            <a:noAutofit/>
+          </a:bodyPr>
+          <a:lstStyle/>
+          <a:p>
+            <a:pPr indent="0" lvl="0" marL="0" rtl="0" algn="l">
+              <a:spcBef>
+                <a:spcPts val="0"/>
+              </a:spcBef>
+              <a:spcAft>
+                <a:spcPts val="0"/>
+              </a:spcAft>
+              <a:buNone/>
+            </a:pPr>
+            <a:r>
+              <a:rPr b="1" lang="en">
+                <a:solidFill>
+                  <a:schemeClr val="accent3"/>
+                </a:solidFill>
+              </a:rPr>
+              <a:t>Demo your software! That’s what it is about</a:t>
+            </a:r>
+            <a:endParaRPr b="1">
+              <a:solidFill>
+                <a:schemeClr val="accent3"/>
+              </a:solidFill>
+            </a:endParaRPr>
+          </a:p>
+          <a:p>
+            <a:pPr indent="0" lvl="0" marL="0" rtl="0" algn="l">
+              <a:spcBef>
+                <a:spcPts val="1200"/>
+              </a:spcBef>
+              <a:spcAft>
+                <a:spcPts val="0"/>
+              </a:spcAft>
+              <a:buNone/>
+            </a:pPr>
+            <a:r>
+              <a:rPr lang="en"/>
+              <a:t>A good approach is to demo a main feature or use case</a:t>
+            </a:r>
+            <a:endParaRPr/>
+          </a:p>
+          <a:p>
+            <a:pPr indent="-342900" lvl="0" marL="457200" rtl="0" algn="l">
+              <a:spcBef>
+                <a:spcPts val="1200"/>
+              </a:spcBef>
+              <a:spcAft>
+                <a:spcPts val="0"/>
+              </a:spcAft>
+              <a:buSzPts val="1800"/>
+              <a:buChar char="●"/>
+            </a:pPr>
+            <a:r>
+              <a:rPr lang="en"/>
+              <a:t>And only then explain it using slides</a:t>
+            </a:r>
+            <a:endParaRPr/>
+          </a:p>
+          <a:p>
+            <a:pPr indent="0" lvl="0" marL="0" rtl="0" algn="l">
+              <a:spcBef>
+                <a:spcPts val="1200"/>
+              </a:spcBef>
+              <a:spcAft>
+                <a:spcPts val="0"/>
+              </a:spcAft>
+              <a:buNone/>
+            </a:pPr>
+            <a:r>
+              <a:rPr lang="en"/>
+              <a:t>And then demo another </a:t>
+            </a:r>
+            <a:r>
+              <a:rPr lang="en"/>
+              <a:t>feature</a:t>
+            </a:r>
+            <a:r>
+              <a:rPr lang="en"/>
+              <a:t> or use case that adds to the previous one</a:t>
+            </a:r>
+            <a:endParaRPr/>
+          </a:p>
+          <a:p>
+            <a:pPr indent="-342900" lvl="0" marL="457200" rtl="0" algn="l">
+              <a:spcBef>
+                <a:spcPts val="1200"/>
+              </a:spcBef>
+              <a:spcAft>
+                <a:spcPts val="0"/>
+              </a:spcAft>
+              <a:buSzPts val="1800"/>
+              <a:buChar char="●"/>
+            </a:pPr>
+            <a:r>
+              <a:rPr lang="en"/>
+              <a:t>And then explain it using slides</a:t>
+            </a:r>
+            <a:endParaRPr/>
+          </a:p>
+          <a:p>
+            <a:pPr indent="0" lvl="0" marL="0" rtl="0" algn="l">
+              <a:spcBef>
+                <a:spcPts val="1200"/>
+              </a:spcBef>
+              <a:spcAft>
+                <a:spcPts val="0"/>
+              </a:spcAft>
+              <a:buNone/>
+            </a:pPr>
+            <a:r>
+              <a:rPr lang="en"/>
+              <a:t>And finally demo a third feature</a:t>
+            </a:r>
+            <a:endParaRPr/>
+          </a:p>
+          <a:p>
+            <a:pPr indent="-342900" lvl="0" marL="457200" rtl="0" algn="l">
+              <a:spcBef>
+                <a:spcPts val="1200"/>
+              </a:spcBef>
+              <a:spcAft>
+                <a:spcPts val="0"/>
+              </a:spcAft>
+              <a:buSzPts val="1800"/>
+              <a:buChar char="●"/>
+            </a:pPr>
+            <a:r>
+              <a:rPr lang="en"/>
+              <a:t>After which you will open the discussion</a:t>
+            </a:r>
+            <a:endParaRPr/>
+          </a:p>
+          <a:p>
+            <a:pPr indent="0" lvl="0" marL="0" rtl="0" algn="l">
+              <a:spcBef>
+                <a:spcPts val="1200"/>
+              </a:spcBef>
+              <a:spcAft>
+                <a:spcPts val="1200"/>
+              </a:spcAft>
+              <a:buNone/>
+            </a:pPr>
+            <a:r>
+              <a:rPr lang="en"/>
+              <a:t>Don’t be afraid of open time for questions</a:t>
+            </a:r>
+            <a:endParaRPr/>
+          </a:p>
+        </p:txBody>
+      </p:sp>
+      <p:sp>
+        <p:nvSpPr>
+          <p:cNvPr id="120" name="Google Shape;120;p20"/>
+          <p:cNvSpPr txBox="1"/>
+          <p:nvPr>
+            <p:ph idx="12" type="sldNum"/>
+          </p:nvPr>
+        </p:nvSpPr>
+        <p:spPr>
+          <a:xfrm>
+            <a:off x="7315202" y="4416550"/>
+            <a:ext cx="1828800" cy="731400"/>
+          </a:xfrm>
+          <a:prstGeom prst="rect">
+            <a:avLst/>
+          </a:prstGeom>
+        </p:spPr>
+        <p:txBody>
+          <a:bodyPr anchorCtr="0" anchor="b" bIns="91425" lIns="91425" spcFirstLastPara="1" rIns="91425" wrap="square" tIns="91425">
+            <a:noAutofit/>
+          </a:bodyPr>
+          <a:lstStyle/>
+          <a:p>
+            <a:pPr indent="0" lvl="0" marL="0" rtl="0" algn="r">
+              <a:spcBef>
+                <a:spcPts val="0"/>
+              </a:spcBef>
+              <a:spcAft>
+                <a:spcPts val="0"/>
+              </a:spcAft>
+              <a:buNone/>
+            </a:pPr>
+            <a:fld id="{00000000-1234-1234-1234-123412341234}" type="slidenum">
+              <a:rPr lang="en"/>
+              <a:t>‹#›</a:t>
+            </a:fld>
+            <a:endParaRPr/>
+          </a:p>
+          <a:p>
+            <a:pPr indent="0" lvl="0" marL="0" rtl="0" algn="r">
+              <a:spcBef>
+                <a:spcPts val="0"/>
+              </a:spcBef>
+              <a:spcAft>
+                <a:spcPts val="0"/>
+              </a:spcAft>
+              <a:buNone/>
+            </a:pPr>
+            <a:r>
+              <a:rPr b="0" lang="en" sz="900" u="sng">
+                <a:solidFill>
+                  <a:schemeClr val="hlink"/>
+                </a:solidFill>
+                <a:hlinkClick r:id="rId3"/>
+              </a:rPr>
+              <a:t>https://profriehle.com</a:t>
+            </a:r>
+            <a:r>
+              <a:rPr b="0" lang="en" sz="900">
+                <a:solidFill>
+                  <a:schemeClr val="dk2"/>
+                </a:solidFill>
+              </a:rPr>
+              <a:t> </a:t>
+            </a:r>
+            <a:endParaRPr/>
+          </a:p>
+        </p:txBody>
+      </p:sp>
+    </p:spTree>
+  </p:cSld>
+  <p:clrMapOvr>
+    <a:masterClrMapping/>
+  </p:clrMapOvr>
+</p:sld>
+</file>
+
+<file path=ppt/slides/slide14.xml><?xml version="1.0" encoding="utf-8"?>
+<p:sld xmlns:a="http://schemas.openxmlformats.org/drawingml/2006/main" xmlns:r="http://schemas.openxmlformats.org/officeDocument/2006/relationships" xmlns:mc="http://schemas.openxmlformats.org/markup-compatibility/2006" xmlns:mv="urn:schemas-microsoft-com:mac:vml" xmlns:p="http://schemas.openxmlformats.org/presentationml/2006/main" xmlns:c="http://schemas.openxmlformats.org/drawingml/2006/chart" xmlns:dgm="http://schemas.openxmlformats.org/drawingml/2006/diagram" xmlns:o="urn:schemas-microsoft-com:office:office" xmlns:v="urn:schemas-microsoft-com:vml" xmlns:pvml="urn:schemas-microsoft-com:office:powerpoint" xmlns:com="http://schemas.openxmlformats.org/drawingml/2006/compatibility" xmlns:p14="http://schemas.microsoft.com/office/powerpoint/2010/main" xmlns:p15="http://schemas.microsoft.com/office/powerpoint/2012/main" xmlns:ahyp="http://schemas.microsoft.com/office/drawing/2018/hyperlinkcolor">
+  <p:cSld>
+    <p:spTree>
+      <p:nvGrpSpPr>
+        <p:cNvPr id="124" name="Shape 124"/>
+        <p:cNvGrpSpPr/>
+        <p:nvPr/>
+      </p:nvGrpSpPr>
+      <p:grpSpPr>
+        <a:xfrm>
+          <a:off x="0" y="0"/>
+          <a:ext cx="0" cy="0"/>
+          <a:chOff x="0" y="0"/>
+          <a:chExt cx="0" cy="0"/>
+        </a:xfrm>
+      </p:grpSpPr>
+      <p:sp>
+        <p:nvSpPr>
+          <p:cNvPr id="125" name="Google Shape;125;p21"/>
+          <p:cNvSpPr txBox="1"/>
+          <p:nvPr>
+            <p:ph type="title"/>
+          </p:nvPr>
+        </p:nvSpPr>
+        <p:spPr>
+          <a:xfrm>
+            <a:off x="0" y="0"/>
+            <a:ext cx="9144000" cy="685800"/>
+          </a:xfrm>
+          <a:prstGeom prst="rect">
+            <a:avLst/>
+          </a:prstGeom>
+        </p:spPr>
+        <p:txBody>
+          <a:bodyPr anchorCtr="0" anchor="ctr" bIns="91425" lIns="274300" spcFirstLastPara="1" rIns="91425" wrap="square" tIns="91425">
+            <a:noAutofit/>
+          </a:bodyPr>
+          <a:lstStyle/>
+          <a:p>
+            <a:pPr indent="0" lvl="0" marL="0" rtl="0" algn="l">
+              <a:spcBef>
+                <a:spcPts val="0"/>
+              </a:spcBef>
+              <a:spcAft>
+                <a:spcPts val="0"/>
+              </a:spcAft>
+              <a:buNone/>
+            </a:pPr>
+            <a:r>
+              <a:rPr lang="en"/>
+              <a:t>One-Time Deliverable: Demo Day Video</a:t>
+            </a:r>
+            <a:endParaRPr/>
+          </a:p>
+        </p:txBody>
+      </p:sp>
+      <p:sp>
+        <p:nvSpPr>
+          <p:cNvPr id="126" name="Google Shape;126;p21"/>
+          <p:cNvSpPr txBox="1"/>
+          <p:nvPr>
+            <p:ph idx="1" type="body"/>
+          </p:nvPr>
+        </p:nvSpPr>
+        <p:spPr>
+          <a:xfrm>
+            <a:off x="274320" y="914400"/>
+            <a:ext cx="8595300" cy="4114800"/>
+          </a:xfrm>
+          <a:prstGeom prst="rect">
+            <a:avLst/>
+          </a:prstGeom>
+        </p:spPr>
+        <p:txBody>
+          <a:bodyPr anchorCtr="0" anchor="t" bIns="0" lIns="0" spcFirstLastPara="1" rIns="0" wrap="square" tIns="0">
+            <a:noAutofit/>
+          </a:bodyPr>
+          <a:lstStyle/>
+          <a:p>
+            <a:pPr indent="0" lvl="0" marL="0" rtl="0" algn="l">
+              <a:spcBef>
+                <a:spcPts val="0"/>
+              </a:spcBef>
+              <a:spcAft>
+                <a:spcPts val="0"/>
+              </a:spcAft>
+              <a:buNone/>
+            </a:pPr>
+            <a:r>
+              <a:rPr lang="en"/>
+              <a:t>Please create a 3 min. video demoing your work</a:t>
+            </a:r>
+            <a:endParaRPr/>
+          </a:p>
+          <a:p>
+            <a:pPr indent="-342900" lvl="0" marL="457200" rtl="0" algn="l">
+              <a:spcBef>
+                <a:spcPts val="1200"/>
+              </a:spcBef>
+              <a:spcAft>
+                <a:spcPts val="0"/>
+              </a:spcAft>
+              <a:buClr>
+                <a:schemeClr val="accent3"/>
+              </a:buClr>
+              <a:buSzPts val="1800"/>
+              <a:buChar char="●"/>
+            </a:pPr>
+            <a:r>
+              <a:rPr b="1" lang="en">
+                <a:solidFill>
+                  <a:schemeClr val="accent3"/>
+                </a:solidFill>
+              </a:rPr>
+              <a:t>You should show running software, not just talk about it!</a:t>
+            </a:r>
+            <a:endParaRPr b="1">
+              <a:solidFill>
+                <a:schemeClr val="accent3"/>
+              </a:solidFill>
+            </a:endParaRPr>
+          </a:p>
+          <a:p>
+            <a:pPr indent="0" lvl="0" marL="0" rtl="0" algn="l">
+              <a:spcBef>
+                <a:spcPts val="1200"/>
+              </a:spcBef>
+              <a:spcAft>
+                <a:spcPts val="0"/>
+              </a:spcAft>
+              <a:buNone/>
+            </a:pPr>
+            <a:r>
+              <a:rPr lang="en"/>
+              <a:t>The demo video will be your demo backup</a:t>
+            </a:r>
+            <a:endParaRPr/>
+          </a:p>
+          <a:p>
+            <a:pPr indent="-342900" lvl="0" marL="457200" rtl="0" algn="l">
+              <a:spcBef>
+                <a:spcPts val="1200"/>
+              </a:spcBef>
+              <a:spcAft>
+                <a:spcPts val="0"/>
+              </a:spcAft>
+              <a:buSzPts val="1800"/>
+              <a:buChar char="●"/>
+            </a:pPr>
+            <a:r>
+              <a:rPr lang="en"/>
+              <a:t>Will also be posted on our blog and on LinkedIn</a:t>
+            </a:r>
+            <a:endParaRPr/>
+          </a:p>
+        </p:txBody>
+      </p:sp>
+      <p:sp>
+        <p:nvSpPr>
+          <p:cNvPr id="127" name="Google Shape;127;p21"/>
+          <p:cNvSpPr txBox="1"/>
+          <p:nvPr>
+            <p:ph idx="12" type="sldNum"/>
+          </p:nvPr>
+        </p:nvSpPr>
+        <p:spPr>
+          <a:xfrm>
+            <a:off x="7315202" y="4416550"/>
+            <a:ext cx="1828800" cy="731400"/>
+          </a:xfrm>
+          <a:prstGeom prst="rect">
+            <a:avLst/>
+          </a:prstGeom>
+        </p:spPr>
+        <p:txBody>
+          <a:bodyPr anchorCtr="0" anchor="b" bIns="91425" lIns="91425" spcFirstLastPara="1" rIns="91425" wrap="square" tIns="91425">
+            <a:noAutofit/>
+          </a:bodyPr>
+          <a:lstStyle/>
+          <a:p>
+            <a:pPr indent="0" lvl="0" marL="0" rtl="0" algn="r">
+              <a:spcBef>
+                <a:spcPts val="0"/>
+              </a:spcBef>
+              <a:spcAft>
+                <a:spcPts val="0"/>
+              </a:spcAft>
+              <a:buNone/>
+            </a:pPr>
+            <a:fld id="{00000000-1234-1234-1234-123412341234}" type="slidenum">
+              <a:rPr lang="en"/>
+              <a:t>‹#›</a:t>
+            </a:fld>
+            <a:endParaRPr/>
+          </a:p>
+          <a:p>
+            <a:pPr indent="0" lvl="0" marL="0" rtl="0" algn="r">
+              <a:spcBef>
+                <a:spcPts val="0"/>
+              </a:spcBef>
+              <a:spcAft>
+                <a:spcPts val="0"/>
+              </a:spcAft>
+              <a:buNone/>
+            </a:pPr>
+            <a:r>
+              <a:rPr b="0" lang="en" sz="900" u="sng">
+                <a:solidFill>
+                  <a:schemeClr val="hlink"/>
+                </a:solidFill>
+                <a:hlinkClick r:id="rId3"/>
+              </a:rPr>
+              <a:t>https://profriehle.com</a:t>
+            </a:r>
+            <a:r>
+              <a:rPr b="0" lang="en" sz="900">
+                <a:solidFill>
+                  <a:schemeClr val="dk2"/>
+                </a:solidFill>
+              </a:rPr>
+              <a:t> </a:t>
+            </a:r>
+            <a:endParaRPr/>
+          </a:p>
+        </p:txBody>
+      </p:sp>
+    </p:spTree>
+  </p:cSld>
+  <p:clrMapOvr>
+    <a:masterClrMapping/>
+  </p:clrMapOvr>
+</p:sld>
+</file>
+
+<file path=ppt/slides/slide15.xml><?xml version="1.0" encoding="utf-8"?>
+<p:sld xmlns:a="http://schemas.openxmlformats.org/drawingml/2006/main" xmlns:r="http://schemas.openxmlformats.org/officeDocument/2006/relationships" xmlns:mc="http://schemas.openxmlformats.org/markup-compatibility/2006" xmlns:mv="urn:schemas-microsoft-com:mac:vml" xmlns:p="http://schemas.openxmlformats.org/presentationml/2006/main" xmlns:c="http://schemas.openxmlformats.org/drawingml/2006/chart" xmlns:dgm="http://schemas.openxmlformats.org/drawingml/2006/diagram" xmlns:o="urn:schemas-microsoft-com:office:office" xmlns:v="urn:schemas-microsoft-com:vml" xmlns:pvml="urn:schemas-microsoft-com:office:powerpoint" xmlns:com="http://schemas.openxmlformats.org/drawingml/2006/compatibility" xmlns:p14="http://schemas.microsoft.com/office/powerpoint/2010/main" xmlns:p15="http://schemas.microsoft.com/office/powerpoint/2012/main" xmlns:ahyp="http://schemas.microsoft.com/office/drawing/2018/hyperlinkcolor">
+  <p:cSld>
+    <p:spTree>
+      <p:nvGrpSpPr>
+        <p:cNvPr id="131" name="Shape 131"/>
+        <p:cNvGrpSpPr/>
+        <p:nvPr/>
+      </p:nvGrpSpPr>
+      <p:grpSpPr>
+        <a:xfrm>
+          <a:off x="0" y="0"/>
+          <a:ext cx="0" cy="0"/>
+          <a:chOff x="0" y="0"/>
+          <a:chExt cx="0" cy="0"/>
+        </a:xfrm>
+      </p:grpSpPr>
+      <p:sp>
+        <p:nvSpPr>
+          <p:cNvPr id="132" name="Google Shape;132;p22"/>
+          <p:cNvSpPr txBox="1"/>
+          <p:nvPr>
+            <p:ph type="title"/>
+          </p:nvPr>
+        </p:nvSpPr>
+        <p:spPr>
+          <a:xfrm>
+            <a:off x="0" y="0"/>
+            <a:ext cx="9144000" cy="685800"/>
+          </a:xfrm>
+          <a:prstGeom prst="rect">
+            <a:avLst/>
+          </a:prstGeom>
+        </p:spPr>
+        <p:txBody>
+          <a:bodyPr anchorCtr="0" anchor="ctr" bIns="91425" lIns="274300" spcFirstLastPara="1" rIns="91425" wrap="square" tIns="91425">
+            <a:noAutofit/>
+          </a:bodyPr>
+          <a:lstStyle/>
+          <a:p>
+            <a:pPr indent="0" lvl="0" marL="0" rtl="0" algn="l">
+              <a:spcBef>
+                <a:spcPts val="0"/>
+              </a:spcBef>
+              <a:spcAft>
+                <a:spcPts val="0"/>
+              </a:spcAft>
+              <a:buNone/>
+            </a:pPr>
+            <a:r>
+              <a:rPr lang="en"/>
+              <a:t>Demo Execution</a:t>
+            </a:r>
+            <a:endParaRPr/>
+          </a:p>
+        </p:txBody>
+      </p:sp>
+      <p:sp>
+        <p:nvSpPr>
+          <p:cNvPr id="133" name="Google Shape;133;p22"/>
+          <p:cNvSpPr txBox="1"/>
+          <p:nvPr>
+            <p:ph idx="1" type="body"/>
+          </p:nvPr>
+        </p:nvSpPr>
+        <p:spPr>
+          <a:xfrm>
+            <a:off x="274320" y="914400"/>
+            <a:ext cx="8595300" cy="4114800"/>
+          </a:xfrm>
+          <a:prstGeom prst="rect">
+            <a:avLst/>
+          </a:prstGeom>
+        </p:spPr>
+        <p:txBody>
+          <a:bodyPr anchorCtr="0" anchor="t" bIns="0" lIns="0" spcFirstLastPara="1" rIns="0" wrap="square" tIns="0">
+            <a:noAutofit/>
+          </a:bodyPr>
+          <a:lstStyle/>
+          <a:p>
+            <a:pPr indent="0" lvl="0" marL="0" rtl="0" algn="l">
+              <a:spcBef>
+                <a:spcPts val="0"/>
+              </a:spcBef>
+              <a:spcAft>
+                <a:spcPts val="0"/>
+              </a:spcAft>
+              <a:buNone/>
+            </a:pPr>
+            <a:r>
+              <a:rPr lang="en"/>
+              <a:t>Have two people ready to demo</a:t>
+            </a:r>
+            <a:endParaRPr/>
+          </a:p>
+          <a:p>
+            <a:pPr indent="-342900" lvl="0" marL="457200" rtl="0" algn="l">
+              <a:spcBef>
+                <a:spcPts val="1200"/>
+              </a:spcBef>
+              <a:spcAft>
+                <a:spcPts val="0"/>
+              </a:spcAft>
+              <a:buSzPts val="1800"/>
+              <a:buChar char="●"/>
+            </a:pPr>
+            <a:r>
+              <a:rPr lang="en"/>
+              <a:t>One explains what is going on (talks to people)</a:t>
+            </a:r>
+            <a:endParaRPr/>
+          </a:p>
+          <a:p>
+            <a:pPr indent="-342900" lvl="0" marL="457200" rtl="0" algn="l">
+              <a:spcBef>
+                <a:spcPts val="0"/>
+              </a:spcBef>
+              <a:spcAft>
+                <a:spcPts val="0"/>
+              </a:spcAft>
+              <a:buSzPts val="1800"/>
+              <a:buChar char="●"/>
+            </a:pPr>
+            <a:r>
+              <a:rPr lang="en"/>
+              <a:t>One demos the software in line with story</a:t>
             </a:r>
             <a:endParaRPr/>
           </a:p>
@@ -8699,332 +9248,6 @@
           </a:p>
         </p:txBody>
       </p:sp>
-      <p:sp>
-        <p:nvSpPr>
-          <p:cNvPr id="135" name="Google Shape;135;p22"/>
-          <p:cNvSpPr txBox="1"/>
-          <p:nvPr>
-            <p:ph idx="1" type="body"/>
-          </p:nvPr>
-        </p:nvSpPr>
-        <p:spPr>
-          <a:xfrm>
-            <a:off x="274320" y="914400"/>
-            <a:ext cx="4114800" cy="4114800"/>
-          </a:xfrm>
-          <a:prstGeom prst="rect">
-            <a:avLst/>
-          </a:prstGeom>
-        </p:spPr>
-        <p:txBody>
-          <a:bodyPr anchorCtr="0" anchor="t" bIns="91425" lIns="0" spcFirstLastPara="1" rIns="91425" wrap="square" tIns="0">
-            <a:noAutofit/>
-          </a:bodyPr>
-          <a:lstStyle/>
-          <a:p>
-            <a:pPr indent="0" lvl="0" marL="0" rtl="0" algn="l">
-              <a:spcBef>
-                <a:spcPts val="0"/>
-              </a:spcBef>
-              <a:spcAft>
-                <a:spcPts val="0"/>
-              </a:spcAft>
-              <a:buNone/>
-            </a:pPr>
-            <a:r>
-              <a:rPr b="1" lang="en"/>
-              <a:t>Dos</a:t>
-            </a:r>
-            <a:endParaRPr b="1"/>
-          </a:p>
-          <a:p>
-            <a:pPr indent="-342900" lvl="0" marL="457200" rtl="0" algn="l">
-              <a:spcBef>
-                <a:spcPts val="1200"/>
-              </a:spcBef>
-              <a:spcAft>
-                <a:spcPts val="0"/>
-              </a:spcAft>
-              <a:buSzPts val="1800"/>
-              <a:buChar char="●"/>
-            </a:pPr>
-            <a:r>
-              <a:rPr lang="en"/>
-              <a:t>Have a clean user </a:t>
-            </a:r>
-            <a:r>
-              <a:rPr lang="en"/>
-              <a:t>interface</a:t>
-            </a:r>
-            <a:endParaRPr/>
-          </a:p>
-          <a:p>
-            <a:pPr indent="-342900" lvl="0" marL="457200" rtl="0" algn="l">
-              <a:spcBef>
-                <a:spcPts val="1000"/>
-              </a:spcBef>
-              <a:spcAft>
-                <a:spcPts val="0"/>
-              </a:spcAft>
-              <a:buSzPts val="1800"/>
-              <a:buChar char="●"/>
-            </a:pPr>
-            <a:r>
-              <a:rPr lang="en"/>
-              <a:t>Have a story to tell, for example,</a:t>
-            </a:r>
-            <a:endParaRPr/>
-          </a:p>
-          <a:p>
-            <a:pPr indent="-317500" lvl="1" marL="914400" rtl="0" algn="l">
-              <a:spcBef>
-                <a:spcPts val="0"/>
-              </a:spcBef>
-              <a:spcAft>
-                <a:spcPts val="0"/>
-              </a:spcAft>
-              <a:buSzPts val="1400"/>
-              <a:buChar char="○"/>
-            </a:pPr>
-            <a:r>
-              <a:rPr lang="en"/>
-              <a:t>A day in the life of …</a:t>
-            </a:r>
-            <a:endParaRPr/>
-          </a:p>
-          <a:p>
-            <a:pPr indent="-317500" lvl="1" marL="914400" rtl="0" algn="l">
-              <a:spcBef>
-                <a:spcPts val="0"/>
-              </a:spcBef>
-              <a:spcAft>
-                <a:spcPts val="0"/>
-              </a:spcAft>
-              <a:buSzPts val="1400"/>
-              <a:buChar char="○"/>
-            </a:pPr>
-            <a:r>
-              <a:rPr lang="en"/>
-              <a:t>A workflow example</a:t>
-            </a:r>
-            <a:endParaRPr/>
-          </a:p>
-          <a:p>
-            <a:pPr indent="-342900" lvl="0" marL="457200" rtl="0" algn="l">
-              <a:spcBef>
-                <a:spcPts val="1000"/>
-              </a:spcBef>
-              <a:spcAft>
-                <a:spcPts val="0"/>
-              </a:spcAft>
-              <a:buSzPts val="1800"/>
-              <a:buChar char="●"/>
-            </a:pPr>
-            <a:r>
-              <a:rPr lang="en"/>
-              <a:t>Use domain terms and examples</a:t>
-            </a:r>
-            <a:endParaRPr/>
-          </a:p>
-          <a:p>
-            <a:pPr indent="-317500" lvl="1" marL="914400" rtl="0" algn="l">
-              <a:spcBef>
-                <a:spcPts val="0"/>
-              </a:spcBef>
-              <a:spcAft>
-                <a:spcPts val="0"/>
-              </a:spcAft>
-              <a:buSzPts val="1400"/>
-              <a:buChar char="○"/>
-            </a:pPr>
-            <a:r>
-              <a:rPr lang="en"/>
-              <a:t>In the user interface (labels, titles)</a:t>
-            </a:r>
-            <a:endParaRPr/>
-          </a:p>
-          <a:p>
-            <a:pPr indent="-317500" lvl="1" marL="914400" rtl="0" algn="l">
-              <a:spcBef>
-                <a:spcPts val="0"/>
-              </a:spcBef>
-              <a:spcAft>
-                <a:spcPts val="0"/>
-              </a:spcAft>
-              <a:buSzPts val="1400"/>
-              <a:buChar char="○"/>
-            </a:pPr>
-            <a:r>
-              <a:rPr lang="en"/>
-              <a:t>In the stories you tell</a:t>
-            </a:r>
-            <a:endParaRPr/>
-          </a:p>
-          <a:p>
-            <a:pPr indent="-342900" lvl="0" marL="457200" rtl="0" algn="l">
-              <a:spcBef>
-                <a:spcPts val="1000"/>
-              </a:spcBef>
-              <a:spcAft>
-                <a:spcPts val="0"/>
-              </a:spcAft>
-              <a:buSzPts val="1800"/>
-              <a:buChar char="●"/>
-            </a:pPr>
-            <a:r>
-              <a:rPr lang="en"/>
-              <a:t>Make the demo data reentrant</a:t>
-            </a:r>
-            <a:endParaRPr/>
-          </a:p>
-          <a:p>
-            <a:pPr indent="-317500" lvl="1" marL="914400" rtl="0" algn="l">
-              <a:spcBef>
-                <a:spcPts val="0"/>
-              </a:spcBef>
-              <a:spcAft>
-                <a:spcPts val="0"/>
-              </a:spcAft>
-              <a:buSzPts val="1400"/>
-              <a:buChar char="○"/>
-            </a:pPr>
-            <a:r>
-              <a:rPr lang="en"/>
-              <a:t>You will </a:t>
-            </a:r>
-            <a:r>
-              <a:rPr lang="en"/>
-              <a:t>have</a:t>
-            </a:r>
-            <a:r>
-              <a:rPr lang="en"/>
-              <a:t> to start over repeatedly</a:t>
-            </a:r>
-            <a:endParaRPr/>
-          </a:p>
-          <a:p>
-            <a:pPr indent="-317500" lvl="1" marL="914400" rtl="0" algn="l">
-              <a:spcBef>
-                <a:spcPts val="0"/>
-              </a:spcBef>
-              <a:spcAft>
-                <a:spcPts val="0"/>
-              </a:spcAft>
-              <a:buSzPts val="1400"/>
-              <a:buChar char="○"/>
-            </a:pPr>
-            <a:r>
-              <a:rPr lang="en"/>
-              <a:t>You want to start at the same point</a:t>
-            </a:r>
-            <a:endParaRPr/>
-          </a:p>
-          <a:p>
-            <a:pPr indent="0" lvl="0" marL="0" rtl="0" algn="l">
-              <a:spcBef>
-                <a:spcPts val="1000"/>
-              </a:spcBef>
-              <a:spcAft>
-                <a:spcPts val="1200"/>
-              </a:spcAft>
-              <a:buNone/>
-            </a:pPr>
-            <a:r>
-              <a:t/>
-            </a:r>
-            <a:endParaRPr/>
-          </a:p>
-        </p:txBody>
-      </p:sp>
-      <p:sp>
-        <p:nvSpPr>
-          <p:cNvPr id="136" name="Google Shape;136;p22"/>
-          <p:cNvSpPr txBox="1"/>
-          <p:nvPr>
-            <p:ph idx="2" type="body"/>
-          </p:nvPr>
-        </p:nvSpPr>
-        <p:spPr>
-          <a:xfrm>
-            <a:off x="4846320" y="914400"/>
-            <a:ext cx="4114800" cy="4114800"/>
-          </a:xfrm>
-          <a:prstGeom prst="rect">
-            <a:avLst/>
-          </a:prstGeom>
-        </p:spPr>
-        <p:txBody>
-          <a:bodyPr anchorCtr="0" anchor="t" bIns="0" lIns="0" spcFirstLastPara="1" rIns="0" wrap="square" tIns="0">
-            <a:noAutofit/>
-          </a:bodyPr>
-          <a:lstStyle/>
-          <a:p>
-            <a:pPr indent="0" lvl="0" marL="0" rtl="0" algn="l">
-              <a:spcBef>
-                <a:spcPts val="0"/>
-              </a:spcBef>
-              <a:spcAft>
-                <a:spcPts val="0"/>
-              </a:spcAft>
-              <a:buNone/>
-            </a:pPr>
-            <a:r>
-              <a:rPr b="1" lang="en"/>
-              <a:t>Don’ts</a:t>
-            </a:r>
-            <a:endParaRPr b="1"/>
-          </a:p>
-          <a:p>
-            <a:pPr indent="-342900" lvl="0" marL="457200" rtl="0" algn="l">
-              <a:spcBef>
-                <a:spcPts val="1200"/>
-              </a:spcBef>
-              <a:spcAft>
-                <a:spcPts val="0"/>
-              </a:spcAft>
-              <a:buSzPts val="1800"/>
-              <a:buChar char="●"/>
-            </a:pPr>
-            <a:r>
-              <a:rPr lang="en"/>
-              <a:t>Use “test1” or “user2” as labels</a:t>
-            </a:r>
-            <a:endParaRPr/>
-          </a:p>
-          <a:p>
-            <a:pPr indent="-342900" lvl="0" marL="457200" rtl="0" algn="l">
-              <a:spcBef>
-                <a:spcPts val="0"/>
-              </a:spcBef>
-              <a:spcAft>
-                <a:spcPts val="0"/>
-              </a:spcAft>
-              <a:buSzPts val="1800"/>
-              <a:buChar char="●"/>
-            </a:pPr>
-            <a:r>
-              <a:rPr lang="en"/>
-              <a:t>Not follow the advice on the left</a:t>
-            </a:r>
-            <a:endParaRPr/>
-          </a:p>
-          <a:p>
-            <a:pPr indent="0" lvl="0" marL="0" rtl="0" algn="l">
-              <a:spcBef>
-                <a:spcPts val="1200"/>
-              </a:spcBef>
-              <a:spcAft>
-                <a:spcPts val="1200"/>
-              </a:spcAft>
-              <a:buNone/>
-            </a:pPr>
-            <a:r>
-              <a:t/>
-            </a:r>
-            <a:endParaRPr/>
-          </a:p>
-        </p:txBody>
-      </p:sp>
     </p:spTree>
   </p:cSld>
   <p:clrMapOvr>
@@ -9038,7 +9261,7 @@
   <p:cSld>
     <p:spTree>
       <p:nvGrpSpPr>
-        <p:cNvPr id="140" name="Shape 140"/>
+        <p:cNvPr id="138" name="Shape 138"/>
         <p:cNvGrpSpPr/>
         <p:nvPr/>
       </p:nvGrpSpPr>
@@ -9052,7 +9275,72 @@
       </p:grpSpPr>
       <p:sp>
         <p:nvSpPr>
-          <p:cNvPr id="141" name="Google Shape;141;p23"/>
+          <p:cNvPr id="139" name="Google Shape;139;p23"/>
+          <p:cNvSpPr txBox="1"/>
+          <p:nvPr>
+            <p:ph type="title"/>
+          </p:nvPr>
+        </p:nvSpPr>
+        <p:spPr>
+          <a:xfrm>
+            <a:off x="0" y="-7"/>
+            <a:ext cx="9144000" cy="2386500"/>
+          </a:xfrm>
+          <a:prstGeom prst="rect">
+            <a:avLst/>
+          </a:prstGeom>
+        </p:spPr>
+        <p:txBody>
+          <a:bodyPr anchorCtr="0" anchor="b" bIns="274300" lIns="91425" spcFirstLastPara="1" rIns="91425" wrap="square" tIns="91425">
+            <a:noAutofit/>
+          </a:bodyPr>
+          <a:lstStyle/>
+          <a:p>
+            <a:pPr indent="0" lvl="0" marL="0" rtl="0" algn="ctr">
+              <a:spcBef>
+                <a:spcPts val="0"/>
+              </a:spcBef>
+              <a:spcAft>
+                <a:spcPts val="0"/>
+              </a:spcAft>
+              <a:buNone/>
+            </a:pPr>
+            <a:r>
+              <a:rPr lang="en"/>
+              <a:t>2. Final Release</a:t>
+            </a:r>
+            <a:endParaRPr/>
+          </a:p>
+        </p:txBody>
+      </p:sp>
+    </p:spTree>
+  </p:cSld>
+  <p:clrMapOvr>
+    <a:masterClrMapping/>
+  </p:clrMapOvr>
+</p:sld>
+</file>
+
+<file path=ppt/slides/slide17.xml><?xml version="1.0" encoding="utf-8"?>
+<p:sld xmlns:a="http://schemas.openxmlformats.org/drawingml/2006/main" xmlns:r="http://schemas.openxmlformats.org/officeDocument/2006/relationships" xmlns:mc="http://schemas.openxmlformats.org/markup-compatibility/2006" xmlns:mv="urn:schemas-microsoft-com:mac:vml" xmlns:p="http://schemas.openxmlformats.org/presentationml/2006/main" xmlns:c="http://schemas.openxmlformats.org/drawingml/2006/chart" xmlns:dgm="http://schemas.openxmlformats.org/drawingml/2006/diagram" xmlns:o="urn:schemas-microsoft-com:office:office" xmlns:v="urn:schemas-microsoft-com:vml" xmlns:pvml="urn:schemas-microsoft-com:office:powerpoint" xmlns:com="http://schemas.openxmlformats.org/drawingml/2006/compatibility" xmlns:p14="http://schemas.microsoft.com/office/powerpoint/2010/main" xmlns:p15="http://schemas.microsoft.com/office/powerpoint/2012/main" xmlns:ahyp="http://schemas.microsoft.com/office/drawing/2018/hyperlinkcolor">
+  <p:cSld>
+    <p:spTree>
+      <p:nvGrpSpPr>
+        <p:cNvPr id="143" name="Shape 143"/>
+        <p:cNvGrpSpPr/>
+        <p:nvPr/>
+      </p:nvGrpSpPr>
+      <p:grpSpPr>
+        <a:xfrm>
+          <a:off x="0" y="0"/>
+          <a:ext cx="0" cy="0"/>
+          <a:chOff x="0" y="0"/>
+          <a:chExt cx="0" cy="0"/>
+        </a:xfrm>
+      </p:grpSpPr>
+      <p:sp>
+        <p:nvSpPr>
+          <p:cNvPr id="144" name="Google Shape;144;p24"/>
           <p:cNvSpPr txBox="1"/>
           <p:nvPr>
             <p:ph type="title"/>
@@ -9084,7 +9372,11 @@
             </a:pPr>
             <a:r>
               <a:rPr lang="en"/>
-              <a:t>One-Time Deliverable: Demo Day Video</a:t>
+              <a:t>One-Time Deliverable: Final </a:t>
+            </a:r>
+            <a:r>
+              <a:rPr lang="en"/>
+              <a:t>Documentation</a:t>
             </a:r>
             <a:endParaRPr/>
           </a:p>
@@ -9092,7 +9384,7 @@
       </p:sp>
       <p:sp>
         <p:nvSpPr>
-          <p:cNvPr id="142" name="Google Shape;142;p23"/>
+          <p:cNvPr id="145" name="Google Shape;145;p24"/>
           <p:cNvSpPr txBox="1"/>
           <p:nvPr>
             <p:ph idx="1" type="body"/>
@@ -9118,74 +9410,13 @@
                 <a:spcPts val="0"/>
               </a:spcBef>
               <a:spcAft>
-                <a:spcPts val="0"/>
+                <a:spcPts val="1200"/>
               </a:spcAft>
               <a:buNone/>
             </a:pPr>
             <a:r>
               <a:rPr lang="en"/>
-              <a:t>Please create a 3 min. video demoing your work</a:t>
-            </a:r>
-            <a:endParaRPr/>
-          </a:p>
-          <a:p>
-            <a:pPr indent="-342900" lvl="0" marL="457200" rtl="0" algn="l">
-              <a:spcBef>
-                <a:spcPts val="1200"/>
-              </a:spcBef>
-              <a:spcAft>
-                <a:spcPts val="0"/>
-              </a:spcAft>
-              <a:buClr>
-                <a:schemeClr val="accent3"/>
-              </a:buClr>
-              <a:buSzPts val="1800"/>
-              <a:buChar char="●"/>
-            </a:pPr>
-            <a:r>
-              <a:rPr b="1" lang="en">
-                <a:solidFill>
-                  <a:schemeClr val="accent3"/>
-                </a:solidFill>
-              </a:rPr>
-              <a:t>You should show running software, not just talk about it!</a:t>
-            </a:r>
-            <a:endParaRPr b="1">
-              <a:solidFill>
-                <a:schemeClr val="accent3"/>
-              </a:solidFill>
-            </a:endParaRPr>
-          </a:p>
-          <a:p>
-            <a:pPr indent="0" lvl="0" marL="0" rtl="0" algn="l">
-              <a:spcBef>
-                <a:spcPts val="1200"/>
-              </a:spcBef>
-              <a:spcAft>
-                <a:spcPts val="0"/>
-              </a:spcAft>
-              <a:buNone/>
-            </a:pPr>
-            <a:r>
-              <a:rPr lang="en"/>
-              <a:t>The demo video will be your demo backup</a:t>
-            </a:r>
-            <a:endParaRPr/>
-          </a:p>
-          <a:p>
-            <a:pPr indent="-342900" lvl="0" marL="457200" rtl="0" algn="l">
-              <a:spcBef>
-                <a:spcPts val="1200"/>
-              </a:spcBef>
-              <a:spcAft>
-                <a:spcPts val="0"/>
-              </a:spcAft>
-              <a:buSzPts val="1800"/>
-              <a:buChar char="●"/>
-            </a:pPr>
-            <a:r>
-              <a:rPr lang="en"/>
-              <a:t>Will also be posted on our blog and on LinkedIn</a:t>
+              <a:t>Please clean-up and finalize your documentation</a:t>
             </a:r>
             <a:endParaRPr/>
           </a:p>
@@ -9193,7 +9424,7 @@
       </p:sp>
       <p:sp>
         <p:nvSpPr>
-          <p:cNvPr id="143" name="Google Shape;143;p23"/>
+          <p:cNvPr id="146" name="Google Shape;146;p24"/>
           <p:cNvSpPr txBox="1"/>
           <p:nvPr>
             <p:ph idx="12" type="sldNum"/>
@@ -9268,12 +9499,12 @@
 </p:sld>
 </file>
 
-<file path=ppt/slides/slide17.xml><?xml version="1.0" encoding="utf-8"?>
+<file path=ppt/slides/slide18.xml><?xml version="1.0" encoding="utf-8"?>
 <p:sld xmlns:a="http://schemas.openxmlformats.org/drawingml/2006/main" xmlns:r="http://schemas.openxmlformats.org/officeDocument/2006/relationships" xmlns:mc="http://schemas.openxmlformats.org/markup-compatibility/2006" xmlns:mv="urn:schemas-microsoft-com:mac:vml" xmlns:p="http://schemas.openxmlformats.org/presentationml/2006/main" xmlns:c="http://schemas.openxmlformats.org/drawingml/2006/chart" xmlns:dgm="http://schemas.openxmlformats.org/drawingml/2006/diagram" xmlns:o="urn:schemas-microsoft-com:office:office" xmlns:v="urn:schemas-microsoft-com:vml" xmlns:pvml="urn:schemas-microsoft-com:office:powerpoint" xmlns:com="http://schemas.openxmlformats.org/drawingml/2006/compatibility" xmlns:p14="http://schemas.microsoft.com/office/powerpoint/2010/main" xmlns:p15="http://schemas.microsoft.com/office/powerpoint/2012/main" xmlns:ahyp="http://schemas.microsoft.com/office/drawing/2018/hyperlinkcolor">
   <p:cSld>
     <p:spTree>
       <p:nvGrpSpPr>
-        <p:cNvPr id="147" name="Shape 147"/>
+        <p:cNvPr id="150" name="Shape 150"/>
         <p:cNvGrpSpPr/>
         <p:nvPr/>
       </p:nvGrpSpPr>
@@ -9287,7 +9518,7 @@
       </p:grpSpPr>
       <p:sp>
         <p:nvSpPr>
-          <p:cNvPr id="148" name="Google Shape;148;p24"/>
+          <p:cNvPr id="151" name="Google Shape;151;p25"/>
           <p:cNvSpPr txBox="1"/>
           <p:nvPr>
             <p:ph type="title"/>
@@ -9319,7 +9550,7 @@
             </a:pPr>
             <a:r>
               <a:rPr lang="en"/>
-              <a:t>Demo Execution</a:t>
+              <a:t>One-Time Deliverable: Final Planning Documents</a:t>
             </a:r>
             <a:endParaRPr/>
           </a:p>
@@ -9327,7 +9558,7 @@
       </p:sp>
       <p:sp>
         <p:nvSpPr>
-          <p:cNvPr id="149" name="Google Shape;149;p24"/>
+          <p:cNvPr id="152" name="Google Shape;152;p25"/>
           <p:cNvSpPr txBox="1"/>
           <p:nvPr>
             <p:ph idx="1" type="body"/>
@@ -9353,47 +9584,13 @@
                 <a:spcPts val="0"/>
               </a:spcBef>
               <a:spcAft>
-                <a:spcPts val="0"/>
+                <a:spcPts val="1200"/>
               </a:spcAft>
               <a:buNone/>
             </a:pPr>
             <a:r>
               <a:rPr lang="en"/>
-              <a:t>Have two people ready to demo</a:t>
-            </a:r>
-            <a:endParaRPr/>
-          </a:p>
-          <a:p>
-            <a:pPr indent="-342900" lvl="0" marL="457200" rtl="0" algn="l">
-              <a:spcBef>
-                <a:spcPts val="1200"/>
-              </a:spcBef>
-              <a:spcAft>
-                <a:spcPts val="0"/>
-              </a:spcAft>
-              <a:buSzPts val="1800"/>
-              <a:buChar char="●"/>
-            </a:pPr>
-            <a:r>
-              <a:rPr lang="en"/>
-              <a:t>One explains what is going on (talks to people)</a:t>
-            </a:r>
-            <a:endParaRPr/>
-          </a:p>
-          <a:p>
-            <a:pPr indent="-342900" lvl="0" marL="457200" rtl="0" algn="l">
-              <a:spcBef>
-                <a:spcPts val="0"/>
-              </a:spcBef>
-              <a:spcAft>
-                <a:spcPts val="0"/>
-              </a:spcAft>
-              <a:buSzPts val="1800"/>
-              <a:buChar char="●"/>
-            </a:pPr>
-            <a:r>
-              <a:rPr lang="en"/>
-              <a:t>One demos the software in line with story</a:t>
+              <a:t>Please clean up your planning documents, in particular the final release plan</a:t>
             </a:r>
             <a:endParaRPr/>
           </a:p>
@@ -9401,7 +9598,7 @@
       </p:sp>
       <p:sp>
         <p:nvSpPr>
-          <p:cNvPr id="150" name="Google Shape;150;p24"/>
+          <p:cNvPr id="153" name="Google Shape;153;p25"/>
           <p:cNvSpPr txBox="1"/>
           <p:nvPr>
             <p:ph idx="12" type="sldNum"/>
@@ -9476,12 +9673,12 @@
 </p:sld>
 </file>
 
-<file path=ppt/slides/slide18.xml><?xml version="1.0" encoding="utf-8"?>
+<file path=ppt/slides/slide19.xml><?xml version="1.0" encoding="utf-8"?>
 <p:sld xmlns:a="http://schemas.openxmlformats.org/drawingml/2006/main" xmlns:r="http://schemas.openxmlformats.org/officeDocument/2006/relationships" xmlns:mc="http://schemas.openxmlformats.org/markup-compatibility/2006" xmlns:mv="urn:schemas-microsoft-com:mac:vml" xmlns:p="http://schemas.openxmlformats.org/presentationml/2006/main" xmlns:c="http://schemas.openxmlformats.org/drawingml/2006/chart" xmlns:dgm="http://schemas.openxmlformats.org/drawingml/2006/diagram" xmlns:o="urn:schemas-microsoft-com:office:office" xmlns:v="urn:schemas-microsoft-com:vml" xmlns:pvml="urn:schemas-microsoft-com:office:powerpoint" xmlns:com="http://schemas.openxmlformats.org/drawingml/2006/compatibility" xmlns:p14="http://schemas.microsoft.com/office/powerpoint/2010/main" xmlns:p15="http://schemas.microsoft.com/office/powerpoint/2012/main" xmlns:ahyp="http://schemas.microsoft.com/office/drawing/2018/hyperlinkcolor">
   <p:cSld>
     <p:spTree>
       <p:nvGrpSpPr>
-        <p:cNvPr id="154" name="Shape 154"/>
+        <p:cNvPr id="157" name="Shape 157"/>
         <p:cNvGrpSpPr/>
         <p:nvPr/>
       </p:nvGrpSpPr>
@@ -9495,72 +9692,7 @@
       </p:grpSpPr>
       <p:sp>
         <p:nvSpPr>
-          <p:cNvPr id="155" name="Google Shape;155;p25"/>
-          <p:cNvSpPr txBox="1"/>
-          <p:nvPr>
-            <p:ph type="title"/>
-          </p:nvPr>
-        </p:nvSpPr>
-        <p:spPr>
-          <a:xfrm>
-            <a:off x="0" y="-7"/>
-            <a:ext cx="9144000" cy="2386500"/>
-          </a:xfrm>
-          <a:prstGeom prst="rect">
-            <a:avLst/>
-          </a:prstGeom>
-        </p:spPr>
-        <p:txBody>
-          <a:bodyPr anchorCtr="0" anchor="b" bIns="274300" lIns="91425" spcFirstLastPara="1" rIns="91425" wrap="square" tIns="91425">
-            <a:noAutofit/>
-          </a:bodyPr>
-          <a:lstStyle/>
-          <a:p>
-            <a:pPr indent="0" lvl="0" marL="0" rtl="0" algn="ctr">
-              <a:spcBef>
-                <a:spcPts val="0"/>
-              </a:spcBef>
-              <a:spcAft>
-                <a:spcPts val="0"/>
-              </a:spcAft>
-              <a:buNone/>
-            </a:pPr>
-            <a:r>
-              <a:rPr lang="en"/>
-              <a:t>2. Final Release</a:t>
-            </a:r>
-            <a:endParaRPr/>
-          </a:p>
-        </p:txBody>
-      </p:sp>
-    </p:spTree>
-  </p:cSld>
-  <p:clrMapOvr>
-    <a:masterClrMapping/>
-  </p:clrMapOvr>
-</p:sld>
-</file>
-
-<file path=ppt/slides/slide19.xml><?xml version="1.0" encoding="utf-8"?>
-<p:sld xmlns:a="http://schemas.openxmlformats.org/drawingml/2006/main" xmlns:r="http://schemas.openxmlformats.org/officeDocument/2006/relationships" xmlns:mc="http://schemas.openxmlformats.org/markup-compatibility/2006" xmlns:mv="urn:schemas-microsoft-com:mac:vml" xmlns:p="http://schemas.openxmlformats.org/presentationml/2006/main" xmlns:c="http://schemas.openxmlformats.org/drawingml/2006/chart" xmlns:dgm="http://schemas.openxmlformats.org/drawingml/2006/diagram" xmlns:o="urn:schemas-microsoft-com:office:office" xmlns:v="urn:schemas-microsoft-com:vml" xmlns:pvml="urn:schemas-microsoft-com:office:powerpoint" xmlns:com="http://schemas.openxmlformats.org/drawingml/2006/compatibility" xmlns:p14="http://schemas.microsoft.com/office/powerpoint/2010/main" xmlns:p15="http://schemas.microsoft.com/office/powerpoint/2012/main" xmlns:ahyp="http://schemas.microsoft.com/office/drawing/2018/hyperlinkcolor">
-  <p:cSld>
-    <p:spTree>
-      <p:nvGrpSpPr>
-        <p:cNvPr id="159" name="Shape 159"/>
-        <p:cNvGrpSpPr/>
-        <p:nvPr/>
-      </p:nvGrpSpPr>
-      <p:grpSpPr>
-        <a:xfrm>
-          <a:off x="0" y="0"/>
-          <a:ext cx="0" cy="0"/>
-          <a:chOff x="0" y="0"/>
-          <a:chExt cx="0" cy="0"/>
-        </a:xfrm>
-      </p:grpSpPr>
-      <p:sp>
-        <p:nvSpPr>
-          <p:cNvPr id="160" name="Google Shape;160;p26"/>
+          <p:cNvPr id="158" name="Google Shape;158;p26"/>
           <p:cNvSpPr txBox="1"/>
           <p:nvPr>
             <p:ph type="title"/>
@@ -9592,11 +9724,7 @@
             </a:pPr>
             <a:r>
               <a:rPr lang="en"/>
-              <a:t>One-Time Deliverable: Final </a:t>
-            </a:r>
-            <a:r>
-              <a:rPr lang="en"/>
-              <a:t>Documentation</a:t>
+              <a:t>One-Time Deliverable: Final Release Tag</a:t>
             </a:r>
             <a:endParaRPr/>
           </a:p>
@@ -9604,7 +9732,7 @@
       </p:sp>
       <p:sp>
         <p:nvSpPr>
-          <p:cNvPr id="161" name="Google Shape;161;p26"/>
+          <p:cNvPr id="159" name="Google Shape;159;p26"/>
           <p:cNvSpPr txBox="1"/>
           <p:nvPr>
             <p:ph idx="1" type="body"/>
@@ -9636,7 +9764,7 @@
             </a:pPr>
             <a:r>
               <a:rPr lang="en"/>
-              <a:t>Please clean-up and finalize your documentation</a:t>
+              <a:t>Please clean up your code base, in particular set the final-release tag</a:t>
             </a:r>
             <a:endParaRPr/>
           </a:p>
@@ -9644,7 +9772,7 @@
       </p:sp>
       <p:sp>
         <p:nvSpPr>
-          <p:cNvPr id="162" name="Google Shape;162;p26"/>
+          <p:cNvPr id="160" name="Google Shape;160;p26"/>
           <p:cNvSpPr txBox="1"/>
           <p:nvPr>
             <p:ph idx="12" type="sldNum"/>
@@ -10084,7 +10212,7 @@
   <p:cSld>
     <p:spTree>
       <p:nvGrpSpPr>
-        <p:cNvPr id="166" name="Shape 166"/>
+        <p:cNvPr id="164" name="Shape 164"/>
         <p:cNvGrpSpPr/>
         <p:nvPr/>
       </p:nvGrpSpPr>
@@ -10098,7 +10226,72 @@
       </p:grpSpPr>
       <p:sp>
         <p:nvSpPr>
-          <p:cNvPr id="167" name="Google Shape;167;p27"/>
+          <p:cNvPr id="165" name="Google Shape;165;p27"/>
+          <p:cNvSpPr txBox="1"/>
+          <p:nvPr>
+            <p:ph type="title"/>
+          </p:nvPr>
+        </p:nvSpPr>
+        <p:spPr>
+          <a:xfrm>
+            <a:off x="0" y="-7"/>
+            <a:ext cx="9144000" cy="2386500"/>
+          </a:xfrm>
+          <a:prstGeom prst="rect">
+            <a:avLst/>
+          </a:prstGeom>
+        </p:spPr>
+        <p:txBody>
+          <a:bodyPr anchorCtr="0" anchor="b" bIns="274300" lIns="91425" spcFirstLastPara="1" rIns="91425" wrap="square" tIns="91425">
+            <a:noAutofit/>
+          </a:bodyPr>
+          <a:lstStyle/>
+          <a:p>
+            <a:pPr indent="0" lvl="0" marL="0" rtl="0" algn="ctr">
+              <a:spcBef>
+                <a:spcPts val="0"/>
+              </a:spcBef>
+              <a:spcAft>
+                <a:spcPts val="0"/>
+              </a:spcAft>
+              <a:buNone/>
+            </a:pPr>
+            <a:r>
+              <a:rPr lang="en"/>
+              <a:t>3. After-work</a:t>
+            </a:r>
+            <a:endParaRPr/>
+          </a:p>
+        </p:txBody>
+      </p:sp>
+    </p:spTree>
+  </p:cSld>
+  <p:clrMapOvr>
+    <a:masterClrMapping/>
+  </p:clrMapOvr>
+</p:sld>
+</file>
+
+<file path=ppt/slides/slide21.xml><?xml version="1.0" encoding="utf-8"?>
+<p:sld xmlns:a="http://schemas.openxmlformats.org/drawingml/2006/main" xmlns:r="http://schemas.openxmlformats.org/officeDocument/2006/relationships" xmlns:mc="http://schemas.openxmlformats.org/markup-compatibility/2006" xmlns:mv="urn:schemas-microsoft-com:mac:vml" xmlns:p="http://schemas.openxmlformats.org/presentationml/2006/main" xmlns:c="http://schemas.openxmlformats.org/drawingml/2006/chart" xmlns:dgm="http://schemas.openxmlformats.org/drawingml/2006/diagram" xmlns:o="urn:schemas-microsoft-com:office:office" xmlns:v="urn:schemas-microsoft-com:vml" xmlns:pvml="urn:schemas-microsoft-com:office:powerpoint" xmlns:com="http://schemas.openxmlformats.org/drawingml/2006/compatibility" xmlns:p14="http://schemas.microsoft.com/office/powerpoint/2010/main" xmlns:p15="http://schemas.microsoft.com/office/powerpoint/2012/main" xmlns:ahyp="http://schemas.microsoft.com/office/drawing/2018/hyperlinkcolor">
+  <p:cSld>
+    <p:spTree>
+      <p:nvGrpSpPr>
+        <p:cNvPr id="169" name="Shape 169"/>
+        <p:cNvGrpSpPr/>
+        <p:nvPr/>
+      </p:nvGrpSpPr>
+      <p:grpSpPr>
+        <a:xfrm>
+          <a:off x="0" y="0"/>
+          <a:ext cx="0" cy="0"/>
+          <a:chOff x="0" y="0"/>
+          <a:chExt cx="0" cy="0"/>
+        </a:xfrm>
+      </p:grpSpPr>
+      <p:sp>
+        <p:nvSpPr>
+          <p:cNvPr id="170" name="Google Shape;170;p28"/>
           <p:cNvSpPr txBox="1"/>
           <p:nvPr>
             <p:ph type="title"/>
@@ -10130,7 +10323,7 @@
             </a:pPr>
             <a:r>
               <a:rPr lang="en"/>
-              <a:t>One-Time Deliverable: Final Planning Documents</a:t>
+              <a:t>One-Time Deliverable: Project Report</a:t>
             </a:r>
             <a:endParaRPr/>
           </a:p>
@@ -10138,7 +10331,7 @@
       </p:sp>
       <p:sp>
         <p:nvSpPr>
-          <p:cNvPr id="168" name="Google Shape;168;p27"/>
+          <p:cNvPr id="171" name="Google Shape;171;p28"/>
           <p:cNvSpPr txBox="1"/>
           <p:nvPr>
             <p:ph idx="1" type="body"/>
@@ -10164,13 +10357,30 @@
                 <a:spcPts val="0"/>
               </a:spcBef>
               <a:spcAft>
+                <a:spcPts val="0"/>
+              </a:spcAft>
+              <a:buNone/>
+            </a:pPr>
+            <a:r>
+              <a:rPr lang="en"/>
+              <a:t>Please create a project report using out template</a:t>
+            </a:r>
+            <a:endParaRPr/>
+          </a:p>
+          <a:p>
+            <a:pPr indent="-342900" lvl="0" marL="457200" rtl="0" algn="l">
+              <a:spcBef>
                 <a:spcPts val="1200"/>
-              </a:spcAft>
-              <a:buNone/>
+              </a:spcBef>
+              <a:spcAft>
+                <a:spcPts val="0"/>
+              </a:spcAft>
+              <a:buSzPts val="1800"/>
+              <a:buChar char="●"/>
             </a:pPr>
             <a:r>
               <a:rPr lang="en"/>
-              <a:t>Please clean up your planning documents, in particular the final release plan</a:t>
+              <a:t>The report will be posted on our blog and on LinkedIn (together with your video)</a:t>
             </a:r>
             <a:endParaRPr/>
           </a:p>
@@ -10178,7 +10388,7 @@
       </p:sp>
       <p:sp>
         <p:nvSpPr>
-          <p:cNvPr id="169" name="Google Shape;169;p27"/>
+          <p:cNvPr id="172" name="Google Shape;172;p28"/>
           <p:cNvSpPr txBox="1"/>
           <p:nvPr>
             <p:ph idx="12" type="sldNum"/>
@@ -10253,12 +10463,12 @@
 </p:sld>
 </file>
 
-<file path=ppt/slides/slide21.xml><?xml version="1.0" encoding="utf-8"?>
+<file path=ppt/slides/slide22.xml><?xml version="1.0" encoding="utf-8"?>
 <p:sld xmlns:a="http://schemas.openxmlformats.org/drawingml/2006/main" xmlns:r="http://schemas.openxmlformats.org/officeDocument/2006/relationships" xmlns:mc="http://schemas.openxmlformats.org/markup-compatibility/2006" xmlns:mv="urn:schemas-microsoft-com:mac:vml" xmlns:p="http://schemas.openxmlformats.org/presentationml/2006/main" xmlns:c="http://schemas.openxmlformats.org/drawingml/2006/chart" xmlns:dgm="http://schemas.openxmlformats.org/drawingml/2006/diagram" xmlns:o="urn:schemas-microsoft-com:office:office" xmlns:v="urn:schemas-microsoft-com:vml" xmlns:pvml="urn:schemas-microsoft-com:office:powerpoint" xmlns:com="http://schemas.openxmlformats.org/drawingml/2006/compatibility" xmlns:p14="http://schemas.microsoft.com/office/powerpoint/2010/main" xmlns:p15="http://schemas.microsoft.com/office/powerpoint/2012/main" xmlns:ahyp="http://schemas.microsoft.com/office/drawing/2018/hyperlinkcolor">
   <p:cSld>
     <p:spTree>
       <p:nvGrpSpPr>
-        <p:cNvPr id="173" name="Shape 173"/>
+        <p:cNvPr id="176" name="Shape 176"/>
         <p:cNvGrpSpPr/>
         <p:nvPr/>
       </p:nvGrpSpPr>
@@ -10272,7 +10482,7 @@
       </p:grpSpPr>
       <p:sp>
         <p:nvSpPr>
-          <p:cNvPr id="174" name="Google Shape;174;p28"/>
+          <p:cNvPr id="177" name="Google Shape;177;p29"/>
           <p:cNvSpPr txBox="1"/>
           <p:nvPr>
             <p:ph type="title"/>
@@ -10304,7 +10514,7 @@
             </a:pPr>
             <a:r>
               <a:rPr lang="en"/>
-              <a:t>One-Time Deliverable: Final Release Tag</a:t>
+              <a:t>One-Time Deliverable: Project Retrospective</a:t>
             </a:r>
             <a:endParaRPr/>
           </a:p>
@@ -10312,7 +10522,7 @@
       </p:sp>
       <p:sp>
         <p:nvSpPr>
-          <p:cNvPr id="175" name="Google Shape;175;p28"/>
+          <p:cNvPr id="178" name="Google Shape;178;p29"/>
           <p:cNvSpPr txBox="1"/>
           <p:nvPr>
             <p:ph idx="1" type="body"/>
@@ -10344,7 +10554,7 @@
             </a:pPr>
             <a:r>
               <a:rPr lang="en"/>
-              <a:t>Please clean up your code base, in particular set the final-release tag</a:t>
+              <a:t>Please perform a project retrospective (guided by your Scrum Master)</a:t>
             </a:r>
             <a:endParaRPr/>
           </a:p>
@@ -10352,7 +10562,7 @@
       </p:sp>
       <p:sp>
         <p:nvSpPr>
-          <p:cNvPr id="176" name="Google Shape;176;p28"/>
+          <p:cNvPr id="179" name="Google Shape;179;p29"/>
           <p:cNvSpPr txBox="1"/>
           <p:nvPr>
             <p:ph idx="12" type="sldNum"/>
@@ -10427,12 +10637,12 @@
 </p:sld>
 </file>
 
-<file path=ppt/slides/slide22.xml><?xml version="1.0" encoding="utf-8"?>
+<file path=ppt/slides/slide23.xml><?xml version="1.0" encoding="utf-8"?>
 <p:sld xmlns:a="http://schemas.openxmlformats.org/drawingml/2006/main" xmlns:r="http://schemas.openxmlformats.org/officeDocument/2006/relationships" xmlns:mc="http://schemas.openxmlformats.org/markup-compatibility/2006" xmlns:mv="urn:schemas-microsoft-com:mac:vml" xmlns:p="http://schemas.openxmlformats.org/presentationml/2006/main" xmlns:c="http://schemas.openxmlformats.org/drawingml/2006/chart" xmlns:dgm="http://schemas.openxmlformats.org/drawingml/2006/diagram" xmlns:o="urn:schemas-microsoft-com:office:office" xmlns:v="urn:schemas-microsoft-com:vml" xmlns:pvml="urn:schemas-microsoft-com:office:powerpoint" xmlns:com="http://schemas.openxmlformats.org/drawingml/2006/compatibility" xmlns:p14="http://schemas.microsoft.com/office/powerpoint/2010/main" xmlns:p15="http://schemas.microsoft.com/office/powerpoint/2012/main" xmlns:ahyp="http://schemas.microsoft.com/office/drawing/2018/hyperlinkcolor">
   <p:cSld>
     <p:spTree>
       <p:nvGrpSpPr>
-        <p:cNvPr id="180" name="Shape 180"/>
+        <p:cNvPr id="183" name="Shape 183"/>
         <p:cNvGrpSpPr/>
         <p:nvPr/>
       </p:nvGrpSpPr>
@@ -10446,7 +10656,784 @@
       </p:grpSpPr>
       <p:sp>
         <p:nvSpPr>
-          <p:cNvPr id="181" name="Google Shape;181;p29"/>
+          <p:cNvPr id="184" name="Google Shape;184;p30"/>
+          <p:cNvSpPr txBox="1"/>
+          <p:nvPr>
+            <p:ph type="title"/>
+          </p:nvPr>
+        </p:nvSpPr>
+        <p:spPr>
+          <a:xfrm>
+            <a:off x="0" y="0"/>
+            <a:ext cx="9144000" cy="685800"/>
+          </a:xfrm>
+          <a:prstGeom prst="rect">
+            <a:avLst/>
+          </a:prstGeom>
+        </p:spPr>
+        <p:txBody>
+          <a:bodyPr anchorCtr="0" anchor="ctr" bIns="91425" lIns="274300" spcFirstLastPara="1" rIns="91425" wrap="square" tIns="91425">
+            <a:noAutofit/>
+          </a:bodyPr>
+          <a:lstStyle/>
+          <a:p>
+            <a:pPr indent="0" lvl="0" marL="0" rtl="0" algn="l">
+              <a:spcBef>
+                <a:spcPts val="0"/>
+              </a:spcBef>
+              <a:spcAft>
+                <a:spcPts val="0"/>
+              </a:spcAft>
+              <a:buNone/>
+            </a:pPr>
+            <a:r>
+              <a:rPr lang="en"/>
+              <a:t>Summary</a:t>
+            </a:r>
+            <a:endParaRPr/>
+          </a:p>
+        </p:txBody>
+      </p:sp>
+      <p:sp>
+        <p:nvSpPr>
+          <p:cNvPr id="185" name="Google Shape;185;p30"/>
+          <p:cNvSpPr txBox="1"/>
+          <p:nvPr>
+            <p:ph idx="1" type="body"/>
+          </p:nvPr>
+        </p:nvSpPr>
+        <p:spPr>
+          <a:xfrm>
+            <a:off x="274320" y="914400"/>
+            <a:ext cx="8595300" cy="4114800"/>
+          </a:xfrm>
+          <a:prstGeom prst="rect">
+            <a:avLst/>
+          </a:prstGeom>
+        </p:spPr>
+        <p:txBody>
+          <a:bodyPr anchorCtr="0" anchor="t" bIns="0" lIns="0" spcFirstLastPara="1" rIns="0" wrap="square" tIns="0">
+            <a:noAutofit/>
+          </a:bodyPr>
+          <a:lstStyle/>
+          <a:p>
+            <a:pPr indent="-342900" lvl="0" marL="457200" rtl="0" algn="l">
+              <a:spcBef>
+                <a:spcPts val="0"/>
+              </a:spcBef>
+              <a:spcAft>
+                <a:spcPts val="0"/>
+              </a:spcAft>
+              <a:buSzPts val="1800"/>
+              <a:buAutoNum type="arabicPeriod"/>
+            </a:pPr>
+            <a:r>
+              <a:rPr lang="en"/>
+              <a:t>Demo day</a:t>
+            </a:r>
+            <a:endParaRPr/>
+          </a:p>
+          <a:p>
+            <a:pPr indent="-317500" lvl="1" marL="914400" rtl="0" algn="l">
+              <a:spcBef>
+                <a:spcPts val="1000"/>
+              </a:spcBef>
+              <a:spcAft>
+                <a:spcPts val="0"/>
+              </a:spcAft>
+              <a:buSzPts val="1400"/>
+              <a:buAutoNum type="alphaLcPeriod"/>
+            </a:pPr>
+            <a:r>
+              <a:rPr lang="en"/>
+              <a:t>Demo day slide</a:t>
+            </a:r>
+            <a:endParaRPr/>
+          </a:p>
+          <a:p>
+            <a:pPr indent="-317500" lvl="1" marL="914400" rtl="0" algn="l">
+              <a:spcBef>
+                <a:spcPts val="0"/>
+              </a:spcBef>
+              <a:spcAft>
+                <a:spcPts val="0"/>
+              </a:spcAft>
+              <a:buSzPts val="1400"/>
+              <a:buAutoNum type="alphaLcPeriod"/>
+            </a:pPr>
+            <a:r>
+              <a:rPr lang="en"/>
+              <a:t>Demo day posters</a:t>
+            </a:r>
+            <a:endParaRPr/>
+          </a:p>
+          <a:p>
+            <a:pPr indent="-317500" lvl="1" marL="914400" rtl="0" algn="l">
+              <a:spcBef>
+                <a:spcPts val="0"/>
+              </a:spcBef>
+              <a:spcAft>
+                <a:spcPts val="0"/>
+              </a:spcAft>
+              <a:buSzPts val="1400"/>
+              <a:buAutoNum type="alphaLcPeriod"/>
+            </a:pPr>
+            <a:r>
+              <a:rPr lang="en"/>
+              <a:t>Demo day video</a:t>
+            </a:r>
+            <a:endParaRPr/>
+          </a:p>
+          <a:p>
+            <a:pPr indent="-342900" lvl="0" marL="457200" rtl="0" algn="l">
+              <a:spcBef>
+                <a:spcPts val="1000"/>
+              </a:spcBef>
+              <a:spcAft>
+                <a:spcPts val="0"/>
+              </a:spcAft>
+              <a:buSzPts val="1800"/>
+              <a:buAutoNum type="arabicPeriod"/>
+            </a:pPr>
+            <a:r>
+              <a:rPr lang="en"/>
+              <a:t>Final release</a:t>
+            </a:r>
+            <a:endParaRPr/>
+          </a:p>
+          <a:p>
+            <a:pPr indent="-317500" lvl="1" marL="914400" rtl="0" algn="l">
+              <a:spcBef>
+                <a:spcPts val="1000"/>
+              </a:spcBef>
+              <a:spcAft>
+                <a:spcPts val="0"/>
+              </a:spcAft>
+              <a:buSzPts val="1400"/>
+              <a:buAutoNum type="alphaLcPeriod"/>
+            </a:pPr>
+            <a:r>
+              <a:rPr lang="en"/>
+              <a:t>Final documentation</a:t>
+            </a:r>
+            <a:endParaRPr/>
+          </a:p>
+          <a:p>
+            <a:pPr indent="-317500" lvl="1" marL="914400" rtl="0" algn="l">
+              <a:spcBef>
+                <a:spcPts val="0"/>
+              </a:spcBef>
+              <a:spcAft>
+                <a:spcPts val="0"/>
+              </a:spcAft>
+              <a:buSzPts val="1400"/>
+              <a:buAutoNum type="alphaLcPeriod"/>
+            </a:pPr>
+            <a:r>
+              <a:rPr lang="en"/>
+              <a:t>Final planning documents</a:t>
+            </a:r>
+            <a:endParaRPr/>
+          </a:p>
+          <a:p>
+            <a:pPr indent="-317500" lvl="1" marL="914400" rtl="0" algn="l">
+              <a:spcBef>
+                <a:spcPts val="0"/>
+              </a:spcBef>
+              <a:spcAft>
+                <a:spcPts val="0"/>
+              </a:spcAft>
+              <a:buSzPts val="1400"/>
+              <a:buAutoNum type="alphaLcPeriod"/>
+            </a:pPr>
+            <a:r>
+              <a:rPr lang="en"/>
+              <a:t>Final release tag</a:t>
+            </a:r>
+            <a:endParaRPr/>
+          </a:p>
+          <a:p>
+            <a:pPr indent="-342900" lvl="0" marL="457200" rtl="0" algn="l">
+              <a:spcBef>
+                <a:spcPts val="1000"/>
+              </a:spcBef>
+              <a:spcAft>
+                <a:spcPts val="0"/>
+              </a:spcAft>
+              <a:buSzPts val="1800"/>
+              <a:buAutoNum type="arabicPeriod"/>
+            </a:pPr>
+            <a:r>
+              <a:rPr lang="en"/>
+              <a:t>After-work</a:t>
+            </a:r>
+            <a:endParaRPr/>
+          </a:p>
+          <a:p>
+            <a:pPr indent="-317500" lvl="1" marL="914400" rtl="0" algn="l">
+              <a:spcBef>
+                <a:spcPts val="1000"/>
+              </a:spcBef>
+              <a:spcAft>
+                <a:spcPts val="0"/>
+              </a:spcAft>
+              <a:buSzPts val="1400"/>
+              <a:buAutoNum type="alphaLcPeriod"/>
+            </a:pPr>
+            <a:r>
+              <a:rPr lang="en"/>
+              <a:t>Project report</a:t>
+            </a:r>
+            <a:endParaRPr/>
+          </a:p>
+          <a:p>
+            <a:pPr indent="-317500" lvl="1" marL="914400" rtl="0" algn="l">
+              <a:spcBef>
+                <a:spcPts val="0"/>
+              </a:spcBef>
+              <a:spcAft>
+                <a:spcPts val="0"/>
+              </a:spcAft>
+              <a:buSzPts val="1400"/>
+              <a:buAutoNum type="alphaLcPeriod"/>
+            </a:pPr>
+            <a:r>
+              <a:rPr lang="en"/>
+              <a:t>Project retrospective</a:t>
+            </a:r>
+            <a:endParaRPr/>
+          </a:p>
+        </p:txBody>
+      </p:sp>
+      <p:sp>
+        <p:nvSpPr>
+          <p:cNvPr id="186" name="Google Shape;186;p30"/>
+          <p:cNvSpPr txBox="1"/>
+          <p:nvPr>
+            <p:ph idx="12" type="sldNum"/>
+          </p:nvPr>
+        </p:nvSpPr>
+        <p:spPr>
+          <a:xfrm>
+            <a:off x="7315202" y="4416550"/>
+            <a:ext cx="1828800" cy="731400"/>
+          </a:xfrm>
+          <a:prstGeom prst="rect">
+            <a:avLst/>
+          </a:prstGeom>
+        </p:spPr>
+        <p:txBody>
+          <a:bodyPr anchorCtr="0" anchor="b" bIns="91425" lIns="91425" spcFirstLastPara="1" rIns="91425" wrap="square" tIns="91425">
+            <a:noAutofit/>
+          </a:bodyPr>
+          <a:lstStyle/>
+          <a:p>
+            <a:pPr indent="0" lvl="0" marL="0" rtl="0" algn="r">
+              <a:spcBef>
+                <a:spcPts val="0"/>
+              </a:spcBef>
+              <a:spcAft>
+                <a:spcPts val="0"/>
+              </a:spcAft>
+              <a:buNone/>
+            </a:pPr>
+            <a:fld id="{00000000-1234-1234-1234-123412341234}" type="slidenum">
+              <a:rPr lang="en"/>
+              <a:t>‹#›</a:t>
+            </a:fld>
+            <a:endParaRPr/>
+          </a:p>
+          <a:p>
+            <a:pPr indent="0" lvl="0" marL="0" rtl="0" algn="r">
+              <a:spcBef>
+                <a:spcPts val="0"/>
+              </a:spcBef>
+              <a:spcAft>
+                <a:spcPts val="0"/>
+              </a:spcAft>
+              <a:buNone/>
+            </a:pPr>
+            <a:r>
+              <a:rPr b="0" lang="en" sz="900" u="sng">
+                <a:solidFill>
+                  <a:schemeClr val="hlink"/>
+                </a:solidFill>
+                <a:hlinkClick r:id="rId3"/>
+              </a:rPr>
+              <a:t>https://profriehle.com</a:t>
+            </a:r>
+            <a:r>
+              <a:rPr b="0" lang="en" sz="900">
+                <a:solidFill>
+                  <a:schemeClr val="dk2"/>
+                </a:solidFill>
+              </a:rPr>
+              <a:t> </a:t>
+            </a:r>
+            <a:endParaRPr/>
+          </a:p>
+        </p:txBody>
+      </p:sp>
+    </p:spTree>
+  </p:cSld>
+  <p:clrMapOvr>
+    <a:masterClrMapping/>
+  </p:clrMapOvr>
+</p:sld>
+</file>
+
+<file path=ppt/slides/slide24.xml><?xml version="1.0" encoding="utf-8"?>
+<p:sld xmlns:a="http://schemas.openxmlformats.org/drawingml/2006/main" xmlns:r="http://schemas.openxmlformats.org/officeDocument/2006/relationships" xmlns:mc="http://schemas.openxmlformats.org/markup-compatibility/2006" xmlns:mv="urn:schemas-microsoft-com:mac:vml" xmlns:p="http://schemas.openxmlformats.org/presentationml/2006/main" xmlns:c="http://schemas.openxmlformats.org/drawingml/2006/chart" xmlns:dgm="http://schemas.openxmlformats.org/drawingml/2006/diagram" xmlns:o="urn:schemas-microsoft-com:office:office" xmlns:v="urn:schemas-microsoft-com:vml" xmlns:pvml="urn:schemas-microsoft-com:office:powerpoint" xmlns:com="http://schemas.openxmlformats.org/drawingml/2006/compatibility" xmlns:p14="http://schemas.microsoft.com/office/powerpoint/2010/main" xmlns:p15="http://schemas.microsoft.com/office/powerpoint/2012/main" xmlns:ahyp="http://schemas.microsoft.com/office/drawing/2018/hyperlinkcolor">
+  <p:cSld>
+    <p:spTree>
+      <p:nvGrpSpPr>
+        <p:cNvPr id="190" name="Shape 190"/>
+        <p:cNvGrpSpPr/>
+        <p:nvPr/>
+      </p:nvGrpSpPr>
+      <p:grpSpPr>
+        <a:xfrm>
+          <a:off x="0" y="0"/>
+          <a:ext cx="0" cy="0"/>
+          <a:chOff x="0" y="0"/>
+          <a:chExt cx="0" cy="0"/>
+        </a:xfrm>
+      </p:grpSpPr>
+      <p:sp>
+        <p:nvSpPr>
+          <p:cNvPr id="191" name="Google Shape;191;p31"/>
+          <p:cNvSpPr txBox="1"/>
+          <p:nvPr>
+            <p:ph type="ctrTitle"/>
+          </p:nvPr>
+        </p:nvSpPr>
+        <p:spPr>
+          <a:xfrm>
+            <a:off x="0" y="0"/>
+            <a:ext cx="9144000" cy="2388900"/>
+          </a:xfrm>
+          <a:prstGeom prst="rect">
+            <a:avLst/>
+          </a:prstGeom>
+        </p:spPr>
+        <p:txBody>
+          <a:bodyPr anchorCtr="0" anchor="b" bIns="274300" lIns="91425" spcFirstLastPara="1" rIns="91425" wrap="square" tIns="91425">
+            <a:noAutofit/>
+          </a:bodyPr>
+          <a:lstStyle/>
+          <a:p>
+            <a:pPr indent="0" lvl="0" marL="0" rtl="0" algn="ctr">
+              <a:spcBef>
+                <a:spcPts val="0"/>
+              </a:spcBef>
+              <a:spcAft>
+                <a:spcPts val="0"/>
+              </a:spcAft>
+              <a:buNone/>
+            </a:pPr>
+            <a:r>
+              <a:rPr lang="en"/>
+              <a:t>Thank you! Any questions?</a:t>
+            </a:r>
+            <a:endParaRPr/>
+          </a:p>
+        </p:txBody>
+      </p:sp>
+      <p:sp>
+        <p:nvSpPr>
+          <p:cNvPr id="192" name="Google Shape;192;p31"/>
+          <p:cNvSpPr txBox="1"/>
+          <p:nvPr>
+            <p:ph idx="1" type="subTitle"/>
+          </p:nvPr>
+        </p:nvSpPr>
+        <p:spPr>
+          <a:xfrm>
+            <a:off x="0" y="2569475"/>
+            <a:ext cx="9144000" cy="2574000"/>
+          </a:xfrm>
+          <a:prstGeom prst="rect">
+            <a:avLst/>
+          </a:prstGeom>
+        </p:spPr>
+        <p:txBody>
+          <a:bodyPr anchorCtr="0" anchor="t" bIns="91425" lIns="91425" spcFirstLastPara="1" rIns="91425" wrap="square" tIns="274300">
+            <a:noAutofit/>
+          </a:bodyPr>
+          <a:lstStyle/>
+          <a:p>
+            <a:pPr indent="0" lvl="0" marL="0" rtl="0" algn="ctr">
+              <a:lnSpc>
+                <a:spcPct val="150000"/>
+              </a:lnSpc>
+              <a:spcBef>
+                <a:spcPts val="0"/>
+              </a:spcBef>
+              <a:spcAft>
+                <a:spcPts val="0"/>
+              </a:spcAft>
+              <a:buNone/>
+            </a:pPr>
+            <a:r>
+              <a:rPr lang="en" u="sng">
+                <a:solidFill>
+                  <a:schemeClr val="hlink"/>
+                </a:solidFill>
+                <a:hlinkClick r:id="rId3"/>
+              </a:rPr>
+              <a:t>dirk.riehle@fau.de</a:t>
+            </a:r>
+            <a:r>
+              <a:rPr lang="en"/>
+              <a:t> </a:t>
+            </a:r>
+            <a:r>
+              <a:rPr lang="en" sz="2400"/>
+              <a:t>–</a:t>
+            </a:r>
+            <a:r>
+              <a:rPr lang="en"/>
+              <a:t> </a:t>
+            </a:r>
+            <a:r>
+              <a:rPr lang="en" u="sng">
+                <a:solidFill>
+                  <a:schemeClr val="hlink"/>
+                </a:solidFill>
+                <a:hlinkClick r:id="rId4"/>
+              </a:rPr>
+              <a:t>https://oss.cs.fau.de</a:t>
+            </a:r>
+            <a:endParaRPr/>
+          </a:p>
+          <a:p>
+            <a:pPr indent="0" lvl="0" marL="0" rtl="0" algn="ctr">
+              <a:lnSpc>
+                <a:spcPct val="150000"/>
+              </a:lnSpc>
+              <a:spcBef>
+                <a:spcPts val="0"/>
+              </a:spcBef>
+              <a:spcAft>
+                <a:spcPts val="0"/>
+              </a:spcAft>
+              <a:buNone/>
+            </a:pPr>
+            <a:r>
+              <a:rPr lang="en" sz="2400" u="sng">
+                <a:solidFill>
+                  <a:schemeClr val="hlink"/>
+                </a:solidFill>
+                <a:hlinkClick r:id="rId5"/>
+              </a:rPr>
+              <a:t>dirk@riehle.org</a:t>
+            </a:r>
+            <a:r>
+              <a:rPr lang="en" sz="2400"/>
+              <a:t> – </a:t>
+            </a:r>
+            <a:r>
+              <a:rPr lang="en" sz="2400" u="sng">
+                <a:solidFill>
+                  <a:schemeClr val="hlink"/>
+                </a:solidFill>
+                <a:hlinkClick r:id="rId6"/>
+              </a:rPr>
+              <a:t>https://dirkriehle.com</a:t>
+            </a:r>
+            <a:r>
+              <a:rPr lang="en" sz="2400"/>
+              <a:t> – </a:t>
+            </a:r>
+            <a:r>
+              <a:rPr lang="en" sz="2400" u="sng">
+                <a:solidFill>
+                  <a:schemeClr val="hlink"/>
+                </a:solidFill>
+                <a:hlinkClick r:id="rId7"/>
+              </a:rPr>
+              <a:t>@dirkriehle</a:t>
+            </a:r>
+            <a:endParaRPr sz="2400"/>
+          </a:p>
+        </p:txBody>
+      </p:sp>
+    </p:spTree>
+  </p:cSld>
+  <p:clrMapOvr>
+    <a:masterClrMapping/>
+  </p:clrMapOvr>
+</p:sld>
+</file>
+
+<file path=ppt/slides/slide25.xml><?xml version="1.0" encoding="utf-8"?>
+<p:sld xmlns:a="http://schemas.openxmlformats.org/drawingml/2006/main" xmlns:r="http://schemas.openxmlformats.org/officeDocument/2006/relationships" xmlns:mc="http://schemas.openxmlformats.org/markup-compatibility/2006" xmlns:mv="urn:schemas-microsoft-com:mac:vml" xmlns:p="http://schemas.openxmlformats.org/presentationml/2006/main" xmlns:c="http://schemas.openxmlformats.org/drawingml/2006/chart" xmlns:dgm="http://schemas.openxmlformats.org/drawingml/2006/diagram" xmlns:o="urn:schemas-microsoft-com:office:office" xmlns:v="urn:schemas-microsoft-com:vml" xmlns:pvml="urn:schemas-microsoft-com:office:powerpoint" xmlns:com="http://schemas.openxmlformats.org/drawingml/2006/compatibility" xmlns:p14="http://schemas.microsoft.com/office/powerpoint/2010/main" xmlns:p15="http://schemas.microsoft.com/office/powerpoint/2012/main" xmlns:ahyp="http://schemas.microsoft.com/office/drawing/2018/hyperlinkcolor">
+  <p:cSld>
+    <p:spTree>
+      <p:nvGrpSpPr>
+        <p:cNvPr id="196" name="Shape 196"/>
+        <p:cNvGrpSpPr/>
+        <p:nvPr/>
+      </p:nvGrpSpPr>
+      <p:grpSpPr>
+        <a:xfrm>
+          <a:off x="0" y="0"/>
+          <a:ext cx="0" cy="0"/>
+          <a:chOff x="0" y="0"/>
+          <a:chExt cx="0" cy="0"/>
+        </a:xfrm>
+      </p:grpSpPr>
+      <p:sp>
+        <p:nvSpPr>
+          <p:cNvPr id="197" name="Google Shape;197;p32"/>
+          <p:cNvSpPr txBox="1"/>
+          <p:nvPr>
+            <p:ph type="title"/>
+          </p:nvPr>
+        </p:nvSpPr>
+        <p:spPr>
+          <a:xfrm>
+            <a:off x="0" y="0"/>
+            <a:ext cx="9144000" cy="685800"/>
+          </a:xfrm>
+          <a:prstGeom prst="rect">
+            <a:avLst/>
+          </a:prstGeom>
+        </p:spPr>
+        <p:txBody>
+          <a:bodyPr anchorCtr="0" anchor="ctr" bIns="91425" lIns="274300" spcFirstLastPara="1" rIns="91425" wrap="square" tIns="91425">
+            <a:noAutofit/>
+          </a:bodyPr>
+          <a:lstStyle/>
+          <a:p>
+            <a:pPr indent="0" lvl="0" marL="0" rtl="0" algn="l">
+              <a:spcBef>
+                <a:spcPts val="0"/>
+              </a:spcBef>
+              <a:spcAft>
+                <a:spcPts val="0"/>
+              </a:spcAft>
+              <a:buNone/>
+            </a:pPr>
+            <a:r>
+              <a:rPr lang="en"/>
+              <a:t>Legal Notices</a:t>
+            </a:r>
+            <a:endParaRPr/>
+          </a:p>
+        </p:txBody>
+      </p:sp>
+      <p:sp>
+        <p:nvSpPr>
+          <p:cNvPr id="198" name="Google Shape;198;p32"/>
+          <p:cNvSpPr txBox="1"/>
+          <p:nvPr>
+            <p:ph idx="12" type="sldNum"/>
+          </p:nvPr>
+        </p:nvSpPr>
+        <p:spPr>
+          <a:xfrm>
+            <a:off x="7315202" y="4416550"/>
+            <a:ext cx="1828800" cy="731400"/>
+          </a:xfrm>
+          <a:prstGeom prst="rect">
+            <a:avLst/>
+          </a:prstGeom>
+        </p:spPr>
+        <p:txBody>
+          <a:bodyPr anchorCtr="0" anchor="b" bIns="91425" lIns="91425" spcFirstLastPara="1" rIns="91425" wrap="square" tIns="91425">
+            <a:noAutofit/>
+          </a:bodyPr>
+          <a:lstStyle/>
+          <a:p>
+            <a:pPr indent="0" lvl="0" marL="0" rtl="0" algn="r">
+              <a:spcBef>
+                <a:spcPts val="0"/>
+              </a:spcBef>
+              <a:spcAft>
+                <a:spcPts val="0"/>
+              </a:spcAft>
+              <a:buNone/>
+            </a:pPr>
+            <a:fld id="{00000000-1234-1234-1234-123412341234}" type="slidenum">
+              <a:rPr lang="en"/>
+              <a:t>‹#›</a:t>
+            </a:fld>
+            <a:endParaRPr/>
+          </a:p>
+          <a:p>
+            <a:pPr indent="0" lvl="0" marL="0" rtl="0" algn="r">
+              <a:spcBef>
+                <a:spcPts val="0"/>
+              </a:spcBef>
+              <a:spcAft>
+                <a:spcPts val="0"/>
+              </a:spcAft>
+              <a:buNone/>
+            </a:pPr>
+            <a:r>
+              <a:rPr b="0" lang="en" sz="900" u="sng">
+                <a:solidFill>
+                  <a:schemeClr val="hlink"/>
+                </a:solidFill>
+                <a:hlinkClick r:id="rId3"/>
+              </a:rPr>
+              <a:t>https://profriehle.com</a:t>
+            </a:r>
+            <a:r>
+              <a:rPr b="0" lang="en" sz="900"/>
+              <a:t> </a:t>
+            </a:r>
+            <a:endParaRPr b="0" sz="900"/>
+          </a:p>
+        </p:txBody>
+      </p:sp>
+      <p:sp>
+        <p:nvSpPr>
+          <p:cNvPr id="199" name="Google Shape;199;p32"/>
+          <p:cNvSpPr txBox="1"/>
+          <p:nvPr>
+            <p:ph idx="1" type="body"/>
+          </p:nvPr>
+        </p:nvSpPr>
+        <p:spPr>
+          <a:xfrm>
+            <a:off x="274320" y="914400"/>
+            <a:ext cx="8595300" cy="4114800"/>
+          </a:xfrm>
+          <a:prstGeom prst="rect">
+            <a:avLst/>
+          </a:prstGeom>
+        </p:spPr>
+        <p:txBody>
+          <a:bodyPr anchorCtr="0" anchor="t" bIns="0" lIns="0" spcFirstLastPara="1" rIns="0" wrap="square" tIns="0">
+            <a:noAutofit/>
+          </a:bodyPr>
+          <a:lstStyle/>
+          <a:p>
+            <a:pPr indent="0" lvl="0" marL="0" rtl="0" algn="l">
+              <a:spcBef>
+                <a:spcPts val="0"/>
+              </a:spcBef>
+              <a:spcAft>
+                <a:spcPts val="0"/>
+              </a:spcAft>
+              <a:buNone/>
+            </a:pPr>
+            <a:r>
+              <a:rPr lang="en"/>
+              <a:t>License</a:t>
+            </a:r>
+            <a:endParaRPr/>
+          </a:p>
+          <a:p>
+            <a:pPr indent="-342900" lvl="0" marL="457200" rtl="0" algn="l">
+              <a:spcBef>
+                <a:spcPts val="1200"/>
+              </a:spcBef>
+              <a:spcAft>
+                <a:spcPts val="0"/>
+              </a:spcAft>
+              <a:buSzPts val="1800"/>
+              <a:buChar char="●"/>
+            </a:pPr>
+            <a:r>
+              <a:rPr lang="en"/>
+              <a:t>Licensed under the </a:t>
+            </a:r>
+            <a:r>
+              <a:rPr lang="en" u="sng">
+                <a:solidFill>
+                  <a:schemeClr val="hlink"/>
+                </a:solidFill>
+                <a:hlinkClick r:id="rId4"/>
+              </a:rPr>
+              <a:t>CC BY 4.0 International</a:t>
+            </a:r>
+            <a:r>
+              <a:rPr lang="en"/>
+              <a:t> license</a:t>
+            </a:r>
+            <a:endParaRPr/>
+          </a:p>
+          <a:p>
+            <a:pPr indent="0" lvl="0" marL="0" rtl="0" algn="l">
+              <a:spcBef>
+                <a:spcPts val="1200"/>
+              </a:spcBef>
+              <a:spcAft>
+                <a:spcPts val="0"/>
+              </a:spcAft>
+              <a:buNone/>
+            </a:pPr>
+            <a:r>
+              <a:rPr lang="en"/>
+              <a:t>Copyright</a:t>
+            </a:r>
+            <a:endParaRPr/>
+          </a:p>
+          <a:p>
+            <a:pPr indent="-342900" lvl="0" marL="457200" rtl="0" algn="l">
+              <a:spcBef>
+                <a:spcPts val="1200"/>
+              </a:spcBef>
+              <a:spcAft>
+                <a:spcPts val="0"/>
+              </a:spcAft>
+              <a:buSzPts val="1800"/>
+              <a:buChar char="●"/>
+            </a:pPr>
+            <a:r>
+              <a:rPr lang="en"/>
+              <a:t>© Copyright 2023 Dirk Riehle, some rights reserved</a:t>
+            </a:r>
+            <a:endParaRPr/>
+          </a:p>
+          <a:p>
+            <a:pPr indent="0" lvl="0" marL="0" rtl="0" algn="l">
+              <a:spcBef>
+                <a:spcPts val="1200"/>
+              </a:spcBef>
+              <a:spcAft>
+                <a:spcPts val="1200"/>
+              </a:spcAft>
+              <a:buNone/>
+            </a:pPr>
+            <a:r>
+              <a:t/>
+            </a:r>
+            <a:endParaRPr/>
+          </a:p>
+        </p:txBody>
+      </p:sp>
+    </p:spTree>
+  </p:cSld>
+  <p:clrMapOvr>
+    <a:masterClrMapping/>
+  </p:clrMapOvr>
+</p:sld>
+</file>
+
+<file path=ppt/slides/slide26.xml><?xml version="1.0" encoding="utf-8"?>
+<p:sld xmlns:a="http://schemas.openxmlformats.org/drawingml/2006/main" xmlns:r="http://schemas.openxmlformats.org/officeDocument/2006/relationships" xmlns:mc="http://schemas.openxmlformats.org/markup-compatibility/2006" xmlns:mv="urn:schemas-microsoft-com:mac:vml" xmlns:p="http://schemas.openxmlformats.org/presentationml/2006/main" xmlns:c="http://schemas.openxmlformats.org/drawingml/2006/chart" xmlns:dgm="http://schemas.openxmlformats.org/drawingml/2006/diagram" xmlns:o="urn:schemas-microsoft-com:office:office" xmlns:v="urn:schemas-microsoft-com:vml" xmlns:pvml="urn:schemas-microsoft-com:office:powerpoint" xmlns:com="http://schemas.openxmlformats.org/drawingml/2006/compatibility" xmlns:p14="http://schemas.microsoft.com/office/powerpoint/2010/main" xmlns:p15="http://schemas.microsoft.com/office/powerpoint/2012/main" xmlns:ahyp="http://schemas.microsoft.com/office/drawing/2018/hyperlinkcolor">
+  <p:cSld>
+    <p:spTree>
+      <p:nvGrpSpPr>
+        <p:cNvPr id="203" name="Shape 203"/>
+        <p:cNvGrpSpPr/>
+        <p:nvPr/>
+      </p:nvGrpSpPr>
+      <p:grpSpPr>
+        <a:xfrm>
+          <a:off x="0" y="0"/>
+          <a:ext cx="0" cy="0"/>
+          <a:chOff x="0" y="0"/>
+          <a:chExt cx="0" cy="0"/>
+        </a:xfrm>
+      </p:grpSpPr>
+      <p:sp>
+        <p:nvSpPr>
+          <p:cNvPr id="204" name="Google Shape;204;p33"/>
           <p:cNvSpPr txBox="1"/>
           <p:nvPr>
             <p:ph type="title"/>
@@ -10478,7 +11465,7 @@
             </a:pPr>
             <a:r>
               <a:rPr lang="en"/>
-              <a:t>3. After-work</a:t>
+              <a:t>Archive</a:t>
             </a:r>
             <a:endParaRPr/>
           </a:p>
@@ -10492,12 +11479,12 @@
 </p:sld>
 </file>
 
-<file path=ppt/slides/slide23.xml><?xml version="1.0" encoding="utf-8"?>
+<file path=ppt/slides/slide27.xml><?xml version="1.0" encoding="utf-8"?>
 <p:sld xmlns:a="http://schemas.openxmlformats.org/drawingml/2006/main" xmlns:r="http://schemas.openxmlformats.org/officeDocument/2006/relationships" xmlns:mc="http://schemas.openxmlformats.org/markup-compatibility/2006" xmlns:mv="urn:schemas-microsoft-com:mac:vml" xmlns:p="http://schemas.openxmlformats.org/presentationml/2006/main" xmlns:c="http://schemas.openxmlformats.org/drawingml/2006/chart" xmlns:dgm="http://schemas.openxmlformats.org/drawingml/2006/diagram" xmlns:o="urn:schemas-microsoft-com:office:office" xmlns:v="urn:schemas-microsoft-com:vml" xmlns:pvml="urn:schemas-microsoft-com:office:powerpoint" xmlns:com="http://schemas.openxmlformats.org/drawingml/2006/compatibility" xmlns:p14="http://schemas.microsoft.com/office/powerpoint/2010/main" xmlns:p15="http://schemas.microsoft.com/office/powerpoint/2012/main" xmlns:ahyp="http://schemas.microsoft.com/office/drawing/2018/hyperlinkcolor">
   <p:cSld>
     <p:spTree>
       <p:nvGrpSpPr>
-        <p:cNvPr id="185" name="Shape 185"/>
+        <p:cNvPr id="208" name="Shape 208"/>
         <p:cNvGrpSpPr/>
         <p:nvPr/>
       </p:nvGrpSpPr>
@@ -10511,7 +11498,7 @@
       </p:grpSpPr>
       <p:sp>
         <p:nvSpPr>
-          <p:cNvPr id="186" name="Google Shape;186;p30"/>
+          <p:cNvPr id="209" name="Google Shape;209;p34"/>
           <p:cNvSpPr txBox="1"/>
           <p:nvPr>
             <p:ph type="title"/>
@@ -10527,7 +11514,7 @@
           </a:prstGeom>
         </p:spPr>
         <p:txBody>
-          <a:bodyPr anchorCtr="0" anchor="ctr" bIns="91425" lIns="274300" spcFirstLastPara="1" rIns="91425" wrap="square" tIns="91425">
+          <a:bodyPr anchorCtr="0" anchor="ctr" bIns="0" lIns="274300" spcFirstLastPara="1" rIns="0" wrap="square" tIns="0">
             <a:noAutofit/>
           </a:bodyPr>
           <a:lstStyle/>
@@ -10543,7 +11530,7 @@
             </a:pPr>
             <a:r>
               <a:rPr lang="en"/>
-              <a:t>One-Time Deliverable: Project Report</a:t>
+              <a:t>Example Posters 1 / 2</a:t>
             </a:r>
             <a:endParaRPr/>
           </a:p>
@@ -10551,64 +11538,7 @@
       </p:sp>
       <p:sp>
         <p:nvSpPr>
-          <p:cNvPr id="187" name="Google Shape;187;p30"/>
-          <p:cNvSpPr txBox="1"/>
-          <p:nvPr>
-            <p:ph idx="1" type="body"/>
-          </p:nvPr>
-        </p:nvSpPr>
-        <p:spPr>
-          <a:xfrm>
-            <a:off x="274320" y="914400"/>
-            <a:ext cx="8595300" cy="4114800"/>
-          </a:xfrm>
-          <a:prstGeom prst="rect">
-            <a:avLst/>
-          </a:prstGeom>
-        </p:spPr>
-        <p:txBody>
-          <a:bodyPr anchorCtr="0" anchor="t" bIns="0" lIns="0" spcFirstLastPara="1" rIns="0" wrap="square" tIns="0">
-            <a:noAutofit/>
-          </a:bodyPr>
-          <a:lstStyle/>
-          <a:p>
-            <a:pPr indent="0" lvl="0" marL="0" rtl="0" algn="l">
-              <a:spcBef>
-                <a:spcPts val="0"/>
-              </a:spcBef>
-              <a:spcAft>
-                <a:spcPts val="0"/>
-              </a:spcAft>
-              <a:buNone/>
-            </a:pPr>
-            <a:r>
-              <a:rPr lang="en"/>
-              <a:t>Please create a project report using out template</a:t>
-            </a:r>
-            <a:endParaRPr/>
-          </a:p>
-          <a:p>
-            <a:pPr indent="-342900" lvl="0" marL="457200" rtl="0" algn="l">
-              <a:spcBef>
-                <a:spcPts val="1200"/>
-              </a:spcBef>
-              <a:spcAft>
-                <a:spcPts val="0"/>
-              </a:spcAft>
-              <a:buSzPts val="1800"/>
-              <a:buChar char="●"/>
-            </a:pPr>
-            <a:r>
-              <a:rPr lang="en"/>
-              <a:t>The report will be posted on our blog and on LinkedIn (together with your video)</a:t>
-            </a:r>
-            <a:endParaRPr/>
-          </a:p>
-        </p:txBody>
-      </p:sp>
-      <p:sp>
-        <p:nvSpPr>
-          <p:cNvPr id="188" name="Google Shape;188;p30"/>
+          <p:cNvPr id="210" name="Google Shape;210;p34"/>
           <p:cNvSpPr txBox="1"/>
           <p:nvPr>
             <p:ph idx="12" type="sldNum"/>
@@ -10675,6 +11605,74 @@
           </a:p>
         </p:txBody>
       </p:sp>
+      <p:pic>
+        <p:nvPicPr>
+          <p:cNvPr id="211" name="Google Shape;211;p34"/>
+          <p:cNvPicPr preferRelativeResize="0"/>
+          <p:nvPr/>
+        </p:nvPicPr>
+        <p:blipFill>
+          <a:blip r:embed="rId4">
+            <a:alphaModFix/>
+          </a:blip>
+          <a:stretch>
+            <a:fillRect/>
+          </a:stretch>
+        </p:blipFill>
+        <p:spPr>
+          <a:xfrm>
+            <a:off x="274320" y="914400"/>
+            <a:ext cx="2907791" cy="4114800"/>
+          </a:xfrm>
+          <a:prstGeom prst="rect">
+            <a:avLst/>
+          </a:prstGeom>
+          <a:noFill/>
+          <a:ln cap="flat" cmpd="sng" w="9525">
+            <a:solidFill>
+              <a:schemeClr val="dk2"/>
+            </a:solidFill>
+            <a:prstDash val="solid"/>
+            <a:round/>
+            <a:headEnd len="sm" w="sm" type="none"/>
+            <a:tailEnd len="sm" w="sm" type="none"/>
+          </a:ln>
+        </p:spPr>
+      </p:pic>
+      <p:pic>
+        <p:nvPicPr>
+          <p:cNvPr id="212" name="Google Shape;212;p34"/>
+          <p:cNvPicPr preferRelativeResize="0"/>
+          <p:nvPr/>
+        </p:nvPicPr>
+        <p:blipFill>
+          <a:blip r:embed="rId5">
+            <a:alphaModFix/>
+          </a:blip>
+          <a:stretch>
+            <a:fillRect/>
+          </a:stretch>
+        </p:blipFill>
+        <p:spPr>
+          <a:xfrm>
+            <a:off x="3474720" y="914400"/>
+            <a:ext cx="2907792" cy="4114800"/>
+          </a:xfrm>
+          <a:prstGeom prst="rect">
+            <a:avLst/>
+          </a:prstGeom>
+          <a:noFill/>
+          <a:ln cap="flat" cmpd="sng" w="9525">
+            <a:solidFill>
+              <a:schemeClr val="dk2"/>
+            </a:solidFill>
+            <a:prstDash val="solid"/>
+            <a:round/>
+            <a:headEnd len="sm" w="sm" type="none"/>
+            <a:tailEnd len="sm" w="sm" type="none"/>
+          </a:ln>
+        </p:spPr>
+      </p:pic>
     </p:spTree>
   </p:cSld>
   <p:clrMapOvr>
@@ -10683,12 +11681,12 @@
 </p:sld>
 </file>
 
-<file path=ppt/slides/slide24.xml><?xml version="1.0" encoding="utf-8"?>
+<file path=ppt/slides/slide28.xml><?xml version="1.0" encoding="utf-8"?>
 <p:sld xmlns:a="http://schemas.openxmlformats.org/drawingml/2006/main" xmlns:r="http://schemas.openxmlformats.org/officeDocument/2006/relationships" xmlns:mc="http://schemas.openxmlformats.org/markup-compatibility/2006" xmlns:mv="urn:schemas-microsoft-com:mac:vml" xmlns:p="http://schemas.openxmlformats.org/presentationml/2006/main" xmlns:c="http://schemas.openxmlformats.org/drawingml/2006/chart" xmlns:dgm="http://schemas.openxmlformats.org/drawingml/2006/diagram" xmlns:o="urn:schemas-microsoft-com:office:office" xmlns:v="urn:schemas-microsoft-com:vml" xmlns:pvml="urn:schemas-microsoft-com:office:powerpoint" xmlns:com="http://schemas.openxmlformats.org/drawingml/2006/compatibility" xmlns:p14="http://schemas.microsoft.com/office/powerpoint/2010/main" xmlns:p15="http://schemas.microsoft.com/office/powerpoint/2012/main" xmlns:ahyp="http://schemas.microsoft.com/office/drawing/2018/hyperlinkcolor">
   <p:cSld>
     <p:spTree>
       <p:nvGrpSpPr>
-        <p:cNvPr id="192" name="Shape 192"/>
+        <p:cNvPr id="216" name="Shape 216"/>
         <p:cNvGrpSpPr/>
         <p:nvPr/>
       </p:nvGrpSpPr>
@@ -10702,7 +11700,7 @@
       </p:grpSpPr>
       <p:sp>
         <p:nvSpPr>
-          <p:cNvPr id="193" name="Google Shape;193;p31"/>
+          <p:cNvPr id="217" name="Google Shape;217;p35"/>
           <p:cNvSpPr txBox="1"/>
           <p:nvPr>
             <p:ph type="title"/>
@@ -10718,7 +11716,7 @@
           </a:prstGeom>
         </p:spPr>
         <p:txBody>
-          <a:bodyPr anchorCtr="0" anchor="ctr" bIns="91425" lIns="274300" spcFirstLastPara="1" rIns="91425" wrap="square" tIns="91425">
+          <a:bodyPr anchorCtr="0" anchor="ctr" bIns="0" lIns="274300" spcFirstLastPara="1" rIns="0" wrap="square" tIns="0">
             <a:noAutofit/>
           </a:bodyPr>
           <a:lstStyle/>
@@ -10734,7 +11732,7 @@
             </a:pPr>
             <a:r>
               <a:rPr lang="en"/>
-              <a:t>One-Time Deliverable: Project Retrospective</a:t>
+              <a:t>Example Posters 2 / 2</a:t>
             </a:r>
             <a:endParaRPr/>
           </a:p>
@@ -10742,47 +11740,7 @@
       </p:sp>
       <p:sp>
         <p:nvSpPr>
-          <p:cNvPr id="194" name="Google Shape;194;p31"/>
-          <p:cNvSpPr txBox="1"/>
-          <p:nvPr>
-            <p:ph idx="1" type="body"/>
-          </p:nvPr>
-        </p:nvSpPr>
-        <p:spPr>
-          <a:xfrm>
-            <a:off x="274320" y="914400"/>
-            <a:ext cx="8595300" cy="4114800"/>
-          </a:xfrm>
-          <a:prstGeom prst="rect">
-            <a:avLst/>
-          </a:prstGeom>
-        </p:spPr>
-        <p:txBody>
-          <a:bodyPr anchorCtr="0" anchor="t" bIns="0" lIns="0" spcFirstLastPara="1" rIns="0" wrap="square" tIns="0">
-            <a:noAutofit/>
-          </a:bodyPr>
-          <a:lstStyle/>
-          <a:p>
-            <a:pPr indent="0" lvl="0" marL="0" rtl="0" algn="l">
-              <a:spcBef>
-                <a:spcPts val="0"/>
-              </a:spcBef>
-              <a:spcAft>
-                <a:spcPts val="1200"/>
-              </a:spcAft>
-              <a:buNone/>
-            </a:pPr>
-            <a:r>
-              <a:rPr lang="en"/>
-              <a:t>Please perform a project retrospective (guided by your Scrum Master)</a:t>
-            </a:r>
-            <a:endParaRPr/>
-          </a:p>
-        </p:txBody>
-      </p:sp>
-      <p:sp>
-        <p:nvSpPr>
-          <p:cNvPr id="195" name="Google Shape;195;p31"/>
+          <p:cNvPr id="218" name="Google Shape;218;p35"/>
           <p:cNvSpPr txBox="1"/>
           <p:nvPr>
             <p:ph idx="12" type="sldNum"/>
@@ -10849,783 +11807,74 @@
           </a:p>
         </p:txBody>
       </p:sp>
-    </p:spTree>
-  </p:cSld>
-  <p:clrMapOvr>
-    <a:masterClrMapping/>
-  </p:clrMapOvr>
-</p:sld>
-</file>
-
-<file path=ppt/slides/slide25.xml><?xml version="1.0" encoding="utf-8"?>
-<p:sld xmlns:a="http://schemas.openxmlformats.org/drawingml/2006/main" xmlns:r="http://schemas.openxmlformats.org/officeDocument/2006/relationships" xmlns:mc="http://schemas.openxmlformats.org/markup-compatibility/2006" xmlns:mv="urn:schemas-microsoft-com:mac:vml" xmlns:p="http://schemas.openxmlformats.org/presentationml/2006/main" xmlns:c="http://schemas.openxmlformats.org/drawingml/2006/chart" xmlns:dgm="http://schemas.openxmlformats.org/drawingml/2006/diagram" xmlns:o="urn:schemas-microsoft-com:office:office" xmlns:v="urn:schemas-microsoft-com:vml" xmlns:pvml="urn:schemas-microsoft-com:office:powerpoint" xmlns:com="http://schemas.openxmlformats.org/drawingml/2006/compatibility" xmlns:p14="http://schemas.microsoft.com/office/powerpoint/2010/main" xmlns:p15="http://schemas.microsoft.com/office/powerpoint/2012/main" xmlns:ahyp="http://schemas.microsoft.com/office/drawing/2018/hyperlinkcolor">
-  <p:cSld>
-    <p:spTree>
-      <p:nvGrpSpPr>
-        <p:cNvPr id="199" name="Shape 199"/>
-        <p:cNvGrpSpPr/>
-        <p:nvPr/>
-      </p:nvGrpSpPr>
-      <p:grpSpPr>
-        <a:xfrm>
-          <a:off x="0" y="0"/>
-          <a:ext cx="0" cy="0"/>
-          <a:chOff x="0" y="0"/>
-          <a:chExt cx="0" cy="0"/>
-        </a:xfrm>
-      </p:grpSpPr>
-      <p:sp>
-        <p:nvSpPr>
-          <p:cNvPr id="200" name="Google Shape;200;p32"/>
-          <p:cNvSpPr txBox="1"/>
-          <p:nvPr>
-            <p:ph type="title"/>
-          </p:nvPr>
-        </p:nvSpPr>
+      <p:pic>
+        <p:nvPicPr>
+          <p:cNvPr id="219" name="Google Shape;219;p35"/>
+          <p:cNvPicPr preferRelativeResize="0"/>
+          <p:nvPr/>
+        </p:nvPicPr>
+        <p:blipFill>
+          <a:blip r:embed="rId4">
+            <a:alphaModFix/>
+          </a:blip>
+          <a:stretch>
+            <a:fillRect/>
+          </a:stretch>
+        </p:blipFill>
         <p:spPr>
           <a:xfrm>
-            <a:off x="0" y="0"/>
-            <a:ext cx="9144000" cy="685800"/>
+            <a:off x="274320" y="914400"/>
+            <a:ext cx="2903908" cy="4114800"/>
           </a:xfrm>
           <a:prstGeom prst="rect">
             <a:avLst/>
           </a:prstGeom>
+          <a:noFill/>
+          <a:ln cap="flat" cmpd="sng" w="9525">
+            <a:solidFill>
+              <a:schemeClr val="dk2"/>
+            </a:solidFill>
+            <a:prstDash val="solid"/>
+            <a:round/>
+            <a:headEnd len="sm" w="sm" type="none"/>
+            <a:tailEnd len="sm" w="sm" type="none"/>
+          </a:ln>
         </p:spPr>
-        <p:txBody>
-          <a:bodyPr anchorCtr="0" anchor="ctr" bIns="91425" lIns="274300" spcFirstLastPara="1" rIns="91425" wrap="square" tIns="91425">
-            <a:noAutofit/>
-          </a:bodyPr>
-          <a:lstStyle/>
-          <a:p>
-            <a:pPr indent="0" lvl="0" marL="0" rtl="0" algn="l">
-              <a:spcBef>
-                <a:spcPts val="0"/>
-              </a:spcBef>
-              <a:spcAft>
-                <a:spcPts val="0"/>
-              </a:spcAft>
-              <a:buNone/>
-            </a:pPr>
-            <a:r>
-              <a:rPr lang="en"/>
-              <a:t>Summary</a:t>
-            </a:r>
-            <a:endParaRPr/>
-          </a:p>
-        </p:txBody>
-      </p:sp>
-      <p:sp>
-        <p:nvSpPr>
-          <p:cNvPr id="201" name="Google Shape;201;p32"/>
-          <p:cNvSpPr txBox="1"/>
-          <p:nvPr>
-            <p:ph idx="1" type="body"/>
-          </p:nvPr>
-        </p:nvSpPr>
+      </p:pic>
+      <p:pic>
+        <p:nvPicPr>
+          <p:cNvPr id="220" name="Google Shape;220;p35"/>
+          <p:cNvPicPr preferRelativeResize="0"/>
+          <p:nvPr/>
+        </p:nvPicPr>
+        <p:blipFill>
+          <a:blip r:embed="rId5">
+            <a:alphaModFix/>
+          </a:blip>
+          <a:stretch>
+            <a:fillRect/>
+          </a:stretch>
+        </p:blipFill>
         <p:spPr>
           <a:xfrm>
-            <a:off x="274320" y="914400"/>
-            <a:ext cx="8595300" cy="4114800"/>
+            <a:off x="3474720" y="914400"/>
+            <a:ext cx="2903908" cy="4114800"/>
           </a:xfrm>
           <a:prstGeom prst="rect">
             <a:avLst/>
           </a:prstGeom>
+          <a:noFill/>
+          <a:ln cap="flat" cmpd="sng" w="9525">
+            <a:solidFill>
+              <a:schemeClr val="dk2"/>
+            </a:solidFill>
+            <a:prstDash val="solid"/>
+            <a:round/>
+            <a:headEnd len="sm" w="sm" type="none"/>
+            <a:tailEnd len="sm" w="sm" type="none"/>
+          </a:ln>
         </p:spPr>
-        <p:txBody>
-          <a:bodyPr anchorCtr="0" anchor="t" bIns="0" lIns="0" spcFirstLastPara="1" rIns="0" wrap="square" tIns="0">
-            <a:noAutofit/>
-          </a:bodyPr>
-          <a:lstStyle/>
-          <a:p>
-            <a:pPr indent="-342900" lvl="0" marL="457200" rtl="0" algn="l">
-              <a:spcBef>
-                <a:spcPts val="0"/>
-              </a:spcBef>
-              <a:spcAft>
-                <a:spcPts val="0"/>
-              </a:spcAft>
-              <a:buSzPts val="1800"/>
-              <a:buAutoNum type="arabicPeriod"/>
-            </a:pPr>
-            <a:r>
-              <a:rPr lang="en"/>
-              <a:t>Demo day</a:t>
-            </a:r>
-            <a:endParaRPr/>
-          </a:p>
-          <a:p>
-            <a:pPr indent="-317500" lvl="1" marL="914400" rtl="0" algn="l">
-              <a:spcBef>
-                <a:spcPts val="1000"/>
-              </a:spcBef>
-              <a:spcAft>
-                <a:spcPts val="0"/>
-              </a:spcAft>
-              <a:buSzPts val="1400"/>
-              <a:buAutoNum type="alphaLcPeriod"/>
-            </a:pPr>
-            <a:r>
-              <a:rPr lang="en"/>
-              <a:t>Demo day slide</a:t>
-            </a:r>
-            <a:endParaRPr/>
-          </a:p>
-          <a:p>
-            <a:pPr indent="-317500" lvl="1" marL="914400" rtl="0" algn="l">
-              <a:spcBef>
-                <a:spcPts val="0"/>
-              </a:spcBef>
-              <a:spcAft>
-                <a:spcPts val="0"/>
-              </a:spcAft>
-              <a:buSzPts val="1400"/>
-              <a:buAutoNum type="alphaLcPeriod"/>
-            </a:pPr>
-            <a:r>
-              <a:rPr lang="en"/>
-              <a:t>Demo day posters</a:t>
-            </a:r>
-            <a:endParaRPr/>
-          </a:p>
-          <a:p>
-            <a:pPr indent="-317500" lvl="1" marL="914400" rtl="0" algn="l">
-              <a:spcBef>
-                <a:spcPts val="0"/>
-              </a:spcBef>
-              <a:spcAft>
-                <a:spcPts val="0"/>
-              </a:spcAft>
-              <a:buSzPts val="1400"/>
-              <a:buAutoNum type="alphaLcPeriod"/>
-            </a:pPr>
-            <a:r>
-              <a:rPr lang="en"/>
-              <a:t>Demo day video</a:t>
-            </a:r>
-            <a:endParaRPr/>
-          </a:p>
-          <a:p>
-            <a:pPr indent="-342900" lvl="0" marL="457200" rtl="0" algn="l">
-              <a:spcBef>
-                <a:spcPts val="1000"/>
-              </a:spcBef>
-              <a:spcAft>
-                <a:spcPts val="0"/>
-              </a:spcAft>
-              <a:buSzPts val="1800"/>
-              <a:buAutoNum type="arabicPeriod"/>
-            </a:pPr>
-            <a:r>
-              <a:rPr lang="en"/>
-              <a:t>Final release</a:t>
-            </a:r>
-            <a:endParaRPr/>
-          </a:p>
-          <a:p>
-            <a:pPr indent="-317500" lvl="1" marL="914400" rtl="0" algn="l">
-              <a:spcBef>
-                <a:spcPts val="1000"/>
-              </a:spcBef>
-              <a:spcAft>
-                <a:spcPts val="0"/>
-              </a:spcAft>
-              <a:buSzPts val="1400"/>
-              <a:buAutoNum type="alphaLcPeriod"/>
-            </a:pPr>
-            <a:r>
-              <a:rPr lang="en"/>
-              <a:t>Final documentation</a:t>
-            </a:r>
-            <a:endParaRPr/>
-          </a:p>
-          <a:p>
-            <a:pPr indent="-317500" lvl="1" marL="914400" rtl="0" algn="l">
-              <a:spcBef>
-                <a:spcPts val="0"/>
-              </a:spcBef>
-              <a:spcAft>
-                <a:spcPts val="0"/>
-              </a:spcAft>
-              <a:buSzPts val="1400"/>
-              <a:buAutoNum type="alphaLcPeriod"/>
-            </a:pPr>
-            <a:r>
-              <a:rPr lang="en"/>
-              <a:t>Final planning documents</a:t>
-            </a:r>
-            <a:endParaRPr/>
-          </a:p>
-          <a:p>
-            <a:pPr indent="-317500" lvl="1" marL="914400" rtl="0" algn="l">
-              <a:spcBef>
-                <a:spcPts val="0"/>
-              </a:spcBef>
-              <a:spcAft>
-                <a:spcPts val="0"/>
-              </a:spcAft>
-              <a:buSzPts val="1400"/>
-              <a:buAutoNum type="alphaLcPeriod"/>
-            </a:pPr>
-            <a:r>
-              <a:rPr lang="en"/>
-              <a:t>Final release tag</a:t>
-            </a:r>
-            <a:endParaRPr/>
-          </a:p>
-          <a:p>
-            <a:pPr indent="-342900" lvl="0" marL="457200" rtl="0" algn="l">
-              <a:spcBef>
-                <a:spcPts val="1000"/>
-              </a:spcBef>
-              <a:spcAft>
-                <a:spcPts val="0"/>
-              </a:spcAft>
-              <a:buSzPts val="1800"/>
-              <a:buAutoNum type="arabicPeriod"/>
-            </a:pPr>
-            <a:r>
-              <a:rPr lang="en"/>
-              <a:t>After-work</a:t>
-            </a:r>
-            <a:endParaRPr/>
-          </a:p>
-          <a:p>
-            <a:pPr indent="-317500" lvl="1" marL="914400" rtl="0" algn="l">
-              <a:spcBef>
-                <a:spcPts val="1000"/>
-              </a:spcBef>
-              <a:spcAft>
-                <a:spcPts val="0"/>
-              </a:spcAft>
-              <a:buSzPts val="1400"/>
-              <a:buAutoNum type="alphaLcPeriod"/>
-            </a:pPr>
-            <a:r>
-              <a:rPr lang="en"/>
-              <a:t>Project report</a:t>
-            </a:r>
-            <a:endParaRPr/>
-          </a:p>
-          <a:p>
-            <a:pPr indent="-317500" lvl="1" marL="914400" rtl="0" algn="l">
-              <a:spcBef>
-                <a:spcPts val="0"/>
-              </a:spcBef>
-              <a:spcAft>
-                <a:spcPts val="0"/>
-              </a:spcAft>
-              <a:buSzPts val="1400"/>
-              <a:buAutoNum type="alphaLcPeriod"/>
-            </a:pPr>
-            <a:r>
-              <a:rPr lang="en"/>
-              <a:t>Project retrospective</a:t>
-            </a:r>
-            <a:endParaRPr/>
-          </a:p>
-        </p:txBody>
-      </p:sp>
-      <p:sp>
-        <p:nvSpPr>
-          <p:cNvPr id="202" name="Google Shape;202;p32"/>
-          <p:cNvSpPr txBox="1"/>
-          <p:nvPr>
-            <p:ph idx="12" type="sldNum"/>
-          </p:nvPr>
-        </p:nvSpPr>
-        <p:spPr>
-          <a:xfrm>
-            <a:off x="7315202" y="4416550"/>
-            <a:ext cx="1828800" cy="731400"/>
-          </a:xfrm>
-          <a:prstGeom prst="rect">
-            <a:avLst/>
-          </a:prstGeom>
-        </p:spPr>
-        <p:txBody>
-          <a:bodyPr anchorCtr="0" anchor="b" bIns="91425" lIns="91425" spcFirstLastPara="1" rIns="91425" wrap="square" tIns="91425">
-            <a:noAutofit/>
-          </a:bodyPr>
-          <a:lstStyle/>
-          <a:p>
-            <a:pPr indent="0" lvl="0" marL="0" rtl="0" algn="r">
-              <a:spcBef>
-                <a:spcPts val="0"/>
-              </a:spcBef>
-              <a:spcAft>
-                <a:spcPts val="0"/>
-              </a:spcAft>
-              <a:buNone/>
-            </a:pPr>
-            <a:fld id="{00000000-1234-1234-1234-123412341234}" type="slidenum">
-              <a:rPr lang="en"/>
-              <a:t>‹#›</a:t>
-            </a:fld>
-            <a:endParaRPr/>
-          </a:p>
-          <a:p>
-            <a:pPr indent="0" lvl="0" marL="0" rtl="0" algn="r">
-              <a:spcBef>
-                <a:spcPts val="0"/>
-              </a:spcBef>
-              <a:spcAft>
-                <a:spcPts val="0"/>
-              </a:spcAft>
-              <a:buNone/>
-            </a:pPr>
-            <a:r>
-              <a:rPr b="0" lang="en" sz="900" u="sng">
-                <a:solidFill>
-                  <a:schemeClr val="hlink"/>
-                </a:solidFill>
-                <a:hlinkClick r:id="rId3"/>
-              </a:rPr>
-              <a:t>https://profriehle.com</a:t>
-            </a:r>
-            <a:r>
-              <a:rPr b="0" lang="en" sz="900">
-                <a:solidFill>
-                  <a:schemeClr val="dk2"/>
-                </a:solidFill>
-              </a:rPr>
-              <a:t> </a:t>
-            </a:r>
-            <a:endParaRPr/>
-          </a:p>
-        </p:txBody>
-      </p:sp>
-    </p:spTree>
-  </p:cSld>
-  <p:clrMapOvr>
-    <a:masterClrMapping/>
-  </p:clrMapOvr>
-</p:sld>
-</file>
-
-<file path=ppt/slides/slide26.xml><?xml version="1.0" encoding="utf-8"?>
-<p:sld xmlns:a="http://schemas.openxmlformats.org/drawingml/2006/main" xmlns:r="http://schemas.openxmlformats.org/officeDocument/2006/relationships" xmlns:mc="http://schemas.openxmlformats.org/markup-compatibility/2006" xmlns:mv="urn:schemas-microsoft-com:mac:vml" xmlns:p="http://schemas.openxmlformats.org/presentationml/2006/main" xmlns:c="http://schemas.openxmlformats.org/drawingml/2006/chart" xmlns:dgm="http://schemas.openxmlformats.org/drawingml/2006/diagram" xmlns:o="urn:schemas-microsoft-com:office:office" xmlns:v="urn:schemas-microsoft-com:vml" xmlns:pvml="urn:schemas-microsoft-com:office:powerpoint" xmlns:com="http://schemas.openxmlformats.org/drawingml/2006/compatibility" xmlns:p14="http://schemas.microsoft.com/office/powerpoint/2010/main" xmlns:p15="http://schemas.microsoft.com/office/powerpoint/2012/main" xmlns:ahyp="http://schemas.microsoft.com/office/drawing/2018/hyperlinkcolor">
-  <p:cSld>
-    <p:spTree>
-      <p:nvGrpSpPr>
-        <p:cNvPr id="206" name="Shape 206"/>
-        <p:cNvGrpSpPr/>
-        <p:nvPr/>
-      </p:nvGrpSpPr>
-      <p:grpSpPr>
-        <a:xfrm>
-          <a:off x="0" y="0"/>
-          <a:ext cx="0" cy="0"/>
-          <a:chOff x="0" y="0"/>
-          <a:chExt cx="0" cy="0"/>
-        </a:xfrm>
-      </p:grpSpPr>
-      <p:sp>
-        <p:nvSpPr>
-          <p:cNvPr id="207" name="Google Shape;207;p33"/>
-          <p:cNvSpPr txBox="1"/>
-          <p:nvPr>
-            <p:ph type="ctrTitle"/>
-          </p:nvPr>
-        </p:nvSpPr>
-        <p:spPr>
-          <a:xfrm>
-            <a:off x="0" y="0"/>
-            <a:ext cx="9144000" cy="2388900"/>
-          </a:xfrm>
-          <a:prstGeom prst="rect">
-            <a:avLst/>
-          </a:prstGeom>
-        </p:spPr>
-        <p:txBody>
-          <a:bodyPr anchorCtr="0" anchor="b" bIns="274300" lIns="91425" spcFirstLastPara="1" rIns="91425" wrap="square" tIns="91425">
-            <a:noAutofit/>
-          </a:bodyPr>
-          <a:lstStyle/>
-          <a:p>
-            <a:pPr indent="0" lvl="0" marL="0" rtl="0" algn="ctr">
-              <a:spcBef>
-                <a:spcPts val="0"/>
-              </a:spcBef>
-              <a:spcAft>
-                <a:spcPts val="0"/>
-              </a:spcAft>
-              <a:buNone/>
-            </a:pPr>
-            <a:r>
-              <a:rPr lang="en"/>
-              <a:t>Thank you! Any questions?</a:t>
-            </a:r>
-            <a:endParaRPr/>
-          </a:p>
-        </p:txBody>
-      </p:sp>
-      <p:sp>
-        <p:nvSpPr>
-          <p:cNvPr id="208" name="Google Shape;208;p33"/>
-          <p:cNvSpPr txBox="1"/>
-          <p:nvPr>
-            <p:ph idx="1" type="subTitle"/>
-          </p:nvPr>
-        </p:nvSpPr>
-        <p:spPr>
-          <a:xfrm>
-            <a:off x="0" y="2569475"/>
-            <a:ext cx="9144000" cy="2574000"/>
-          </a:xfrm>
-          <a:prstGeom prst="rect">
-            <a:avLst/>
-          </a:prstGeom>
-        </p:spPr>
-        <p:txBody>
-          <a:bodyPr anchorCtr="0" anchor="t" bIns="91425" lIns="91425" spcFirstLastPara="1" rIns="91425" wrap="square" tIns="274300">
-            <a:noAutofit/>
-          </a:bodyPr>
-          <a:lstStyle/>
-          <a:p>
-            <a:pPr indent="0" lvl="0" marL="0" rtl="0" algn="ctr">
-              <a:lnSpc>
-                <a:spcPct val="150000"/>
-              </a:lnSpc>
-              <a:spcBef>
-                <a:spcPts val="0"/>
-              </a:spcBef>
-              <a:spcAft>
-                <a:spcPts val="0"/>
-              </a:spcAft>
-              <a:buNone/>
-            </a:pPr>
-            <a:r>
-              <a:rPr lang="en" u="sng">
-                <a:solidFill>
-                  <a:schemeClr val="hlink"/>
-                </a:solidFill>
-                <a:hlinkClick r:id="rId3"/>
-              </a:rPr>
-              <a:t>dirk.riehle@fau.de</a:t>
-            </a:r>
-            <a:r>
-              <a:rPr lang="en"/>
-              <a:t> </a:t>
-            </a:r>
-            <a:r>
-              <a:rPr lang="en" sz="2400"/>
-              <a:t>–</a:t>
-            </a:r>
-            <a:r>
-              <a:rPr lang="en"/>
-              <a:t> </a:t>
-            </a:r>
-            <a:r>
-              <a:rPr lang="en" u="sng">
-                <a:solidFill>
-                  <a:schemeClr val="hlink"/>
-                </a:solidFill>
-                <a:hlinkClick r:id="rId4"/>
-              </a:rPr>
-              <a:t>https://oss.cs.fau.de</a:t>
-            </a:r>
-            <a:endParaRPr/>
-          </a:p>
-          <a:p>
-            <a:pPr indent="0" lvl="0" marL="0" rtl="0" algn="ctr">
-              <a:lnSpc>
-                <a:spcPct val="150000"/>
-              </a:lnSpc>
-              <a:spcBef>
-                <a:spcPts val="0"/>
-              </a:spcBef>
-              <a:spcAft>
-                <a:spcPts val="0"/>
-              </a:spcAft>
-              <a:buNone/>
-            </a:pPr>
-            <a:r>
-              <a:rPr lang="en" sz="2400" u="sng">
-                <a:solidFill>
-                  <a:schemeClr val="hlink"/>
-                </a:solidFill>
-                <a:hlinkClick r:id="rId5"/>
-              </a:rPr>
-              <a:t>dirk@riehle.org</a:t>
-            </a:r>
-            <a:r>
-              <a:rPr lang="en" sz="2400"/>
-              <a:t> – </a:t>
-            </a:r>
-            <a:r>
-              <a:rPr lang="en" sz="2400" u="sng">
-                <a:solidFill>
-                  <a:schemeClr val="hlink"/>
-                </a:solidFill>
-                <a:hlinkClick r:id="rId6"/>
-              </a:rPr>
-              <a:t>https://dirkriehle.com</a:t>
-            </a:r>
-            <a:r>
-              <a:rPr lang="en" sz="2400"/>
-              <a:t> – </a:t>
-            </a:r>
-            <a:r>
-              <a:rPr lang="en" sz="2400" u="sng">
-                <a:solidFill>
-                  <a:schemeClr val="hlink"/>
-                </a:solidFill>
-                <a:hlinkClick r:id="rId7"/>
-              </a:rPr>
-              <a:t>@dirkriehle</a:t>
-            </a:r>
-            <a:endParaRPr sz="2400"/>
-          </a:p>
-        </p:txBody>
-      </p:sp>
-    </p:spTree>
-  </p:cSld>
-  <p:clrMapOvr>
-    <a:masterClrMapping/>
-  </p:clrMapOvr>
-</p:sld>
-</file>
-
-<file path=ppt/slides/slide27.xml><?xml version="1.0" encoding="utf-8"?>
-<p:sld xmlns:a="http://schemas.openxmlformats.org/drawingml/2006/main" xmlns:r="http://schemas.openxmlformats.org/officeDocument/2006/relationships" xmlns:mc="http://schemas.openxmlformats.org/markup-compatibility/2006" xmlns:mv="urn:schemas-microsoft-com:mac:vml" xmlns:p="http://schemas.openxmlformats.org/presentationml/2006/main" xmlns:c="http://schemas.openxmlformats.org/drawingml/2006/chart" xmlns:dgm="http://schemas.openxmlformats.org/drawingml/2006/diagram" xmlns:o="urn:schemas-microsoft-com:office:office" xmlns:v="urn:schemas-microsoft-com:vml" xmlns:pvml="urn:schemas-microsoft-com:office:powerpoint" xmlns:com="http://schemas.openxmlformats.org/drawingml/2006/compatibility" xmlns:p14="http://schemas.microsoft.com/office/powerpoint/2010/main" xmlns:p15="http://schemas.microsoft.com/office/powerpoint/2012/main" xmlns:ahyp="http://schemas.microsoft.com/office/drawing/2018/hyperlinkcolor">
-  <p:cSld>
-    <p:spTree>
-      <p:nvGrpSpPr>
-        <p:cNvPr id="212" name="Shape 212"/>
-        <p:cNvGrpSpPr/>
-        <p:nvPr/>
-      </p:nvGrpSpPr>
-      <p:grpSpPr>
-        <a:xfrm>
-          <a:off x="0" y="0"/>
-          <a:ext cx="0" cy="0"/>
-          <a:chOff x="0" y="0"/>
-          <a:chExt cx="0" cy="0"/>
-        </a:xfrm>
-      </p:grpSpPr>
-      <p:sp>
-        <p:nvSpPr>
-          <p:cNvPr id="213" name="Google Shape;213;p34"/>
-          <p:cNvSpPr txBox="1"/>
-          <p:nvPr>
-            <p:ph type="title"/>
-          </p:nvPr>
-        </p:nvSpPr>
-        <p:spPr>
-          <a:xfrm>
-            <a:off x="0" y="0"/>
-            <a:ext cx="9144000" cy="685800"/>
-          </a:xfrm>
-          <a:prstGeom prst="rect">
-            <a:avLst/>
-          </a:prstGeom>
-        </p:spPr>
-        <p:txBody>
-          <a:bodyPr anchorCtr="0" anchor="ctr" bIns="91425" lIns="274300" spcFirstLastPara="1" rIns="91425" wrap="square" tIns="91425">
-            <a:noAutofit/>
-          </a:bodyPr>
-          <a:lstStyle/>
-          <a:p>
-            <a:pPr indent="0" lvl="0" marL="0" rtl="0" algn="l">
-              <a:spcBef>
-                <a:spcPts val="0"/>
-              </a:spcBef>
-              <a:spcAft>
-                <a:spcPts val="0"/>
-              </a:spcAft>
-              <a:buNone/>
-            </a:pPr>
-            <a:r>
-              <a:rPr lang="en"/>
-              <a:t>Legal Notices</a:t>
-            </a:r>
-            <a:endParaRPr/>
-          </a:p>
-        </p:txBody>
-      </p:sp>
-      <p:sp>
-        <p:nvSpPr>
-          <p:cNvPr id="214" name="Google Shape;214;p34"/>
-          <p:cNvSpPr txBox="1"/>
-          <p:nvPr>
-            <p:ph idx="12" type="sldNum"/>
-          </p:nvPr>
-        </p:nvSpPr>
-        <p:spPr>
-          <a:xfrm>
-            <a:off x="7315202" y="4416550"/>
-            <a:ext cx="1828800" cy="731400"/>
-          </a:xfrm>
-          <a:prstGeom prst="rect">
-            <a:avLst/>
-          </a:prstGeom>
-        </p:spPr>
-        <p:txBody>
-          <a:bodyPr anchorCtr="0" anchor="b" bIns="91425" lIns="91425" spcFirstLastPara="1" rIns="91425" wrap="square" tIns="91425">
-            <a:noAutofit/>
-          </a:bodyPr>
-          <a:lstStyle/>
-          <a:p>
-            <a:pPr indent="0" lvl="0" marL="0" rtl="0" algn="r">
-              <a:spcBef>
-                <a:spcPts val="0"/>
-              </a:spcBef>
-              <a:spcAft>
-                <a:spcPts val="0"/>
-              </a:spcAft>
-              <a:buNone/>
-            </a:pPr>
-            <a:fld id="{00000000-1234-1234-1234-123412341234}" type="slidenum">
-              <a:rPr lang="en"/>
-              <a:t>‹#›</a:t>
-            </a:fld>
-            <a:endParaRPr/>
-          </a:p>
-          <a:p>
-            <a:pPr indent="0" lvl="0" marL="0" rtl="0" algn="r">
-              <a:spcBef>
-                <a:spcPts val="0"/>
-              </a:spcBef>
-              <a:spcAft>
-                <a:spcPts val="0"/>
-              </a:spcAft>
-              <a:buNone/>
-            </a:pPr>
-            <a:r>
-              <a:rPr b="0" lang="en" sz="900" u="sng">
-                <a:solidFill>
-                  <a:schemeClr val="hlink"/>
-                </a:solidFill>
-                <a:hlinkClick r:id="rId3"/>
-              </a:rPr>
-              <a:t>https://profriehle.com</a:t>
-            </a:r>
-            <a:r>
-              <a:rPr b="0" lang="en" sz="900"/>
-              <a:t> </a:t>
-            </a:r>
-            <a:endParaRPr b="0" sz="900"/>
-          </a:p>
-        </p:txBody>
-      </p:sp>
-      <p:sp>
-        <p:nvSpPr>
-          <p:cNvPr id="215" name="Google Shape;215;p34"/>
-          <p:cNvSpPr txBox="1"/>
-          <p:nvPr>
-            <p:ph idx="1" type="body"/>
-          </p:nvPr>
-        </p:nvSpPr>
-        <p:spPr>
-          <a:xfrm>
-            <a:off x="274320" y="914400"/>
-            <a:ext cx="8595300" cy="4114800"/>
-          </a:xfrm>
-          <a:prstGeom prst="rect">
-            <a:avLst/>
-          </a:prstGeom>
-        </p:spPr>
-        <p:txBody>
-          <a:bodyPr anchorCtr="0" anchor="t" bIns="0" lIns="0" spcFirstLastPara="1" rIns="0" wrap="square" tIns="0">
-            <a:noAutofit/>
-          </a:bodyPr>
-          <a:lstStyle/>
-          <a:p>
-            <a:pPr indent="0" lvl="0" marL="0" rtl="0" algn="l">
-              <a:spcBef>
-                <a:spcPts val="0"/>
-              </a:spcBef>
-              <a:spcAft>
-                <a:spcPts val="0"/>
-              </a:spcAft>
-              <a:buNone/>
-            </a:pPr>
-            <a:r>
-              <a:rPr lang="en"/>
-              <a:t>License</a:t>
-            </a:r>
-            <a:endParaRPr/>
-          </a:p>
-          <a:p>
-            <a:pPr indent="-342900" lvl="0" marL="457200" rtl="0" algn="l">
-              <a:spcBef>
-                <a:spcPts val="1200"/>
-              </a:spcBef>
-              <a:spcAft>
-                <a:spcPts val="0"/>
-              </a:spcAft>
-              <a:buSzPts val="1800"/>
-              <a:buChar char="●"/>
-            </a:pPr>
-            <a:r>
-              <a:rPr lang="en"/>
-              <a:t>Licensed under the </a:t>
-            </a:r>
-            <a:r>
-              <a:rPr lang="en" u="sng">
-                <a:solidFill>
-                  <a:schemeClr val="hlink"/>
-                </a:solidFill>
-                <a:hlinkClick r:id="rId4"/>
-              </a:rPr>
-              <a:t>CC BY 4.0 International</a:t>
-            </a:r>
-            <a:r>
-              <a:rPr lang="en"/>
-              <a:t> license</a:t>
-            </a:r>
-            <a:endParaRPr/>
-          </a:p>
-          <a:p>
-            <a:pPr indent="0" lvl="0" marL="0" rtl="0" algn="l">
-              <a:spcBef>
-                <a:spcPts val="1200"/>
-              </a:spcBef>
-              <a:spcAft>
-                <a:spcPts val="0"/>
-              </a:spcAft>
-              <a:buNone/>
-            </a:pPr>
-            <a:r>
-              <a:rPr lang="en"/>
-              <a:t>Copyright</a:t>
-            </a:r>
-            <a:endParaRPr/>
-          </a:p>
-          <a:p>
-            <a:pPr indent="-342900" lvl="0" marL="457200" rtl="0" algn="l">
-              <a:spcBef>
-                <a:spcPts val="1200"/>
-              </a:spcBef>
-              <a:spcAft>
-                <a:spcPts val="0"/>
-              </a:spcAft>
-              <a:buSzPts val="1800"/>
-              <a:buChar char="●"/>
-            </a:pPr>
-            <a:r>
-              <a:rPr lang="en"/>
-              <a:t>© Copyright 2023 Dirk Riehle, some rights reserved</a:t>
-            </a:r>
-            <a:endParaRPr/>
-          </a:p>
-          <a:p>
-            <a:pPr indent="0" lvl="0" marL="0" rtl="0" algn="l">
-              <a:spcBef>
-                <a:spcPts val="1200"/>
-              </a:spcBef>
-              <a:spcAft>
-                <a:spcPts val="1200"/>
-              </a:spcAft>
-              <a:buNone/>
-            </a:pPr>
-            <a:r>
-              <a:t/>
-            </a:r>
-            <a:endParaRPr/>
-          </a:p>
-        </p:txBody>
-      </p:sp>
+      </p:pic>
     </p:spTree>
   </p:cSld>
   <p:clrMapOvr>
@@ -11920,21 +12169,6 @@
                 <a:spcPts val="1200"/>
               </a:spcBef>
               <a:spcAft>
-                <a:spcPts val="0"/>
-              </a:spcAft>
-              <a:buNone/>
-            </a:pPr>
-            <a:r>
-              <a:t/>
-            </a:r>
-            <a:endParaRPr/>
-          </a:p>
-          <a:p>
-            <a:pPr indent="0" lvl="0" marL="0" rtl="0" algn="l">
-              <a:spcBef>
-                <a:spcPts val="1200"/>
-              </a:spcBef>
-              <a:spcAft>
                 <a:spcPts val="1200"/>
               </a:spcAft>
               <a:buNone/>
@@ -12198,7 +12432,7 @@
             </a:pPr>
             <a:r>
               <a:rPr lang="en"/>
-              <a:t>One presentation booth (in-person) / demo room (online) for each project</a:t>
+              <a:t>One demo room (online) for each project</a:t>
             </a:r>
             <a:endParaRPr/>
           </a:p>
@@ -12420,7 +12654,7 @@
             <a:tbl>
               <a:tblPr>
                 <a:noFill/>
-                <a:tableStyleId>{F574F4D0-4C87-4EFE-9EAA-9E4A408D93CE}</a:tableStyleId>
+                <a:tableStyleId>{2393C29F-CEA0-4E41-90F9-873B6F0BA872}</a:tableStyleId>
               </a:tblPr>
               <a:tblGrid>
                 <a:gridCol w="1432550"/>
@@ -15494,7 +15728,19 @@
             </a:pPr>
             <a:r>
               <a:rPr lang="en"/>
-              <a:t>Please create one 16x9 slide to show during the demo day opening</a:t>
+              <a:t>Please create </a:t>
+            </a:r>
+            <a:r>
+              <a:rPr b="1" lang="en">
+                <a:solidFill>
+                  <a:schemeClr val="accent3"/>
+                </a:solidFill>
+              </a:rPr>
+              <a:t>one</a:t>
+            </a:r>
+            <a:r>
+              <a:rPr lang="en"/>
+              <a:t> 16x9 slide to show during the demo day opening</a:t>
             </a:r>
             <a:endParaRPr/>
           </a:p>
@@ -15530,6 +15776,209 @@
           <p:cNvPr id="82" name="Google Shape;82;p15"/>
           <p:cNvSpPr txBox="1"/>
           <p:nvPr>
+            <p:ph idx="1" type="body"/>
+          </p:nvPr>
+        </p:nvSpPr>
+        <p:spPr>
+          <a:xfrm>
+            <a:off x="274320" y="914400"/>
+            <a:ext cx="8595300" cy="4114800"/>
+          </a:xfrm>
+          <a:prstGeom prst="rect">
+            <a:avLst/>
+          </a:prstGeom>
+        </p:spPr>
+        <p:txBody>
+          <a:bodyPr anchorCtr="0" anchor="t" bIns="0" lIns="0" spcFirstLastPara="1" rIns="0" wrap="square" tIns="0">
+            <a:noAutofit/>
+          </a:bodyPr>
+          <a:lstStyle/>
+          <a:p>
+            <a:pPr indent="0" lvl="0" marL="0" rtl="0" algn="l">
+              <a:spcBef>
+                <a:spcPts val="0"/>
+              </a:spcBef>
+              <a:spcAft>
+                <a:spcPts val="0"/>
+              </a:spcAft>
+              <a:buNone/>
+            </a:pPr>
+            <a:r>
+              <a:rPr lang="en"/>
+              <a:t>We will create Zoom breakout rooms for each project</a:t>
+            </a:r>
+            <a:endParaRPr/>
+          </a:p>
+          <a:p>
+            <a:pPr indent="0" lvl="0" marL="0" rtl="0" algn="l">
+              <a:spcBef>
+                <a:spcPts val="1200"/>
+              </a:spcBef>
+              <a:spcAft>
+                <a:spcPts val="0"/>
+              </a:spcAft>
+              <a:buNone/>
+            </a:pPr>
+            <a:r>
+              <a:rPr lang="en"/>
+              <a:t>You will demo your work in your breakout room</a:t>
+            </a:r>
+            <a:endParaRPr/>
+          </a:p>
+          <a:p>
+            <a:pPr indent="-342900" lvl="0" marL="457200" rtl="0" algn="l">
+              <a:spcBef>
+                <a:spcPts val="1200"/>
+              </a:spcBef>
+              <a:spcAft>
+                <a:spcPts val="0"/>
+              </a:spcAft>
+              <a:buSzPts val="1800"/>
+              <a:buChar char="●"/>
+            </a:pPr>
+            <a:r>
+              <a:rPr b="1" lang="en"/>
+              <a:t>Demo your project using your laptop</a:t>
+            </a:r>
+            <a:endParaRPr b="1"/>
+          </a:p>
+          <a:p>
+            <a:pPr indent="-342900" lvl="0" marL="457200" rtl="0" algn="l">
+              <a:spcBef>
+                <a:spcPts val="0"/>
+              </a:spcBef>
+              <a:spcAft>
+                <a:spcPts val="0"/>
+              </a:spcAft>
+              <a:buSzPts val="1800"/>
+              <a:buChar char="●"/>
+            </a:pPr>
+            <a:r>
+              <a:rPr lang="en"/>
+              <a:t>Support your demo using a slide deck; should contain</a:t>
+            </a:r>
+            <a:endParaRPr/>
+          </a:p>
+          <a:p>
+            <a:pPr indent="-317500" lvl="1" marL="914400" rtl="0" algn="l">
+              <a:spcBef>
+                <a:spcPts val="0"/>
+              </a:spcBef>
+              <a:spcAft>
+                <a:spcPts val="0"/>
+              </a:spcAft>
+              <a:buSzPts val="1400"/>
+              <a:buChar char="○"/>
+            </a:pPr>
+            <a:r>
+              <a:rPr lang="en"/>
+              <a:t>One slide on product management</a:t>
+            </a:r>
+            <a:endParaRPr/>
+          </a:p>
+          <a:p>
+            <a:pPr indent="-317500" lvl="1" marL="914400" rtl="0" algn="l">
+              <a:spcBef>
+                <a:spcPts val="0"/>
+              </a:spcBef>
+              <a:spcAft>
+                <a:spcPts val="0"/>
+              </a:spcAft>
+              <a:buSzPts val="1400"/>
+              <a:buChar char="○"/>
+            </a:pPr>
+            <a:r>
+              <a:rPr lang="en"/>
+              <a:t>One slide on software development</a:t>
+            </a:r>
+            <a:endParaRPr/>
+          </a:p>
+          <a:p>
+            <a:pPr indent="-317500" lvl="1" marL="914400" rtl="0" algn="l">
+              <a:spcBef>
+                <a:spcPts val="0"/>
+              </a:spcBef>
+              <a:spcAft>
+                <a:spcPts val="0"/>
+              </a:spcAft>
+              <a:buSzPts val="1400"/>
+              <a:buChar char="○"/>
+            </a:pPr>
+            <a:r>
+              <a:rPr lang="en"/>
+              <a:t>A team photo slide (can be screenshot)</a:t>
+            </a:r>
+            <a:endParaRPr/>
+          </a:p>
+          <a:p>
+            <a:pPr indent="-342900" lvl="0" marL="457200" rtl="0" algn="l">
+              <a:spcBef>
+                <a:spcPts val="1000"/>
+              </a:spcBef>
+              <a:spcAft>
+                <a:spcPts val="0"/>
+              </a:spcAft>
+              <a:buSzPts val="1800"/>
+              <a:buChar char="●"/>
+            </a:pPr>
+            <a:r>
+              <a:rPr lang="en"/>
+              <a:t>Have the demo day video ready as a backup</a:t>
+            </a:r>
+            <a:endParaRPr/>
+          </a:p>
+          <a:p>
+            <a:pPr indent="0" lvl="0" marL="0" rtl="0" algn="l">
+              <a:spcBef>
+                <a:spcPts val="1200"/>
+              </a:spcBef>
+              <a:spcAft>
+                <a:spcPts val="0"/>
+              </a:spcAft>
+              <a:buNone/>
+            </a:pPr>
+            <a:r>
+              <a:t/>
+            </a:r>
+            <a:endParaRPr/>
+          </a:p>
+          <a:p>
+            <a:pPr indent="0" lvl="0" marL="0" rtl="0" algn="l">
+              <a:spcBef>
+                <a:spcPts val="1200"/>
+              </a:spcBef>
+              <a:spcAft>
+                <a:spcPts val="0"/>
+              </a:spcAft>
+              <a:buNone/>
+            </a:pPr>
+            <a:r>
+              <a:t/>
+            </a:r>
+            <a:endParaRPr/>
+          </a:p>
+          <a:p>
+            <a:pPr indent="0" lvl="0" marL="0" rtl="0" algn="l">
+              <a:spcBef>
+                <a:spcPts val="1200"/>
+              </a:spcBef>
+              <a:spcAft>
+                <a:spcPts val="1200"/>
+              </a:spcAft>
+              <a:buNone/>
+            </a:pPr>
+            <a:r>
+              <a:t/>
+            </a:r>
+            <a:endParaRPr/>
+          </a:p>
+        </p:txBody>
+      </p:sp>
+      <p:sp>
+        <p:nvSpPr>
+          <p:cNvPr id="83" name="Google Shape;83;p15"/>
+          <p:cNvSpPr txBox="1"/>
+          <p:nvPr>
             <p:ph type="title"/>
           </p:nvPr>
         </p:nvSpPr>
@@ -15559,7 +16008,7 @@
             </a:pPr>
             <a:r>
               <a:rPr lang="en"/>
-              <a:t>In-Person Presentation Booth</a:t>
+              <a:t>Online Demo Room</a:t>
             </a:r>
             <a:endParaRPr/>
           </a:p>
@@ -15567,7 +16016,7 @@
       </p:sp>
       <p:sp>
         <p:nvSpPr>
-          <p:cNvPr id="83" name="Google Shape;83;p15"/>
+          <p:cNvPr id="84" name="Google Shape;84;p15"/>
           <p:cNvSpPr txBox="1"/>
           <p:nvPr>
             <p:ph idx="12" type="sldNum"/>
@@ -15629,195 +16078,6 @@
                 </a:solidFill>
               </a:rPr>
               <a:t> </a:t>
-            </a:r>
-            <a:endParaRPr/>
-          </a:p>
-        </p:txBody>
-      </p:sp>
-      <p:sp>
-        <p:nvSpPr>
-          <p:cNvPr id="84" name="Google Shape;84;p15"/>
-          <p:cNvSpPr txBox="1"/>
-          <p:nvPr>
-            <p:ph idx="1" type="body"/>
-          </p:nvPr>
-        </p:nvSpPr>
-        <p:spPr>
-          <a:xfrm>
-            <a:off x="274320" y="914400"/>
-            <a:ext cx="8595300" cy="4114800"/>
-          </a:xfrm>
-          <a:prstGeom prst="rect">
-            <a:avLst/>
-          </a:prstGeom>
-        </p:spPr>
-        <p:txBody>
-          <a:bodyPr anchorCtr="0" anchor="t" bIns="0" lIns="0" spcFirstLastPara="1" rIns="0" wrap="square" tIns="0">
-            <a:noAutofit/>
-          </a:bodyPr>
-          <a:lstStyle/>
-          <a:p>
-            <a:pPr indent="0" lvl="0" marL="0" rtl="0" algn="l">
-              <a:spcBef>
-                <a:spcPts val="0"/>
-              </a:spcBef>
-              <a:spcAft>
-                <a:spcPts val="0"/>
-              </a:spcAft>
-              <a:buNone/>
-            </a:pPr>
-            <a:r>
-              <a:rPr lang="en"/>
-              <a:t>You (students)</a:t>
-            </a:r>
-            <a:r>
-              <a:rPr lang="en"/>
-              <a:t> are given a “presentation booth”</a:t>
-            </a:r>
-            <a:endParaRPr/>
-          </a:p>
-          <a:p>
-            <a:pPr indent="-342900" lvl="0" marL="457200" rtl="0" algn="l">
-              <a:spcBef>
-                <a:spcPts val="1200"/>
-              </a:spcBef>
-              <a:spcAft>
-                <a:spcPts val="0"/>
-              </a:spcAft>
-              <a:buSzPts val="1800"/>
-              <a:buChar char="●"/>
-            </a:pPr>
-            <a:r>
-              <a:rPr lang="en"/>
-              <a:t>The booth is a table plus </a:t>
-            </a:r>
-            <a:r>
-              <a:rPr lang="en"/>
-              <a:t>pinboards</a:t>
-            </a:r>
-            <a:r>
-              <a:rPr lang="en"/>
-              <a:t> for posters</a:t>
-            </a:r>
-            <a:endParaRPr/>
-          </a:p>
-          <a:p>
-            <a:pPr indent="-342900" lvl="0" marL="457200" rtl="0" algn="l">
-              <a:spcBef>
-                <a:spcPts val="0"/>
-              </a:spcBef>
-              <a:spcAft>
-                <a:spcPts val="0"/>
-              </a:spcAft>
-              <a:buSzPts val="1800"/>
-              <a:buChar char="●"/>
-            </a:pPr>
-            <a:r>
-              <a:rPr lang="en"/>
-              <a:t>Please pin your posters to the pinboards and be ready to discuss them</a:t>
-            </a:r>
-            <a:endParaRPr/>
-          </a:p>
-          <a:p>
-            <a:pPr indent="0" lvl="0" marL="0" rtl="0" algn="l">
-              <a:spcBef>
-                <a:spcPts val="1200"/>
-              </a:spcBef>
-              <a:spcAft>
-                <a:spcPts val="0"/>
-              </a:spcAft>
-              <a:buNone/>
-            </a:pPr>
-            <a:r>
-              <a:rPr lang="en"/>
-              <a:t>You will demo your work in this booth</a:t>
-            </a:r>
-            <a:endParaRPr/>
-          </a:p>
-          <a:p>
-            <a:pPr indent="-342900" lvl="0" marL="457200" rtl="0" algn="l">
-              <a:spcBef>
-                <a:spcPts val="1200"/>
-              </a:spcBef>
-              <a:spcAft>
-                <a:spcPts val="0"/>
-              </a:spcAft>
-              <a:buSzPts val="1800"/>
-              <a:buChar char="●"/>
-            </a:pPr>
-            <a:r>
-              <a:rPr lang="en"/>
-              <a:t>Demo your project, </a:t>
-            </a:r>
-            <a:r>
-              <a:rPr lang="en"/>
-              <a:t>usually using your laptop</a:t>
-            </a:r>
-            <a:endParaRPr/>
-          </a:p>
-          <a:p>
-            <a:pPr indent="-342900" lvl="0" marL="457200" rtl="0" algn="l">
-              <a:spcBef>
-                <a:spcPts val="0"/>
-              </a:spcBef>
-              <a:spcAft>
-                <a:spcPts val="0"/>
-              </a:spcAft>
-              <a:buSzPts val="1800"/>
-              <a:buChar char="●"/>
-            </a:pPr>
-            <a:r>
-              <a:rPr lang="en"/>
-              <a:t>Explain your work using the posters</a:t>
-            </a:r>
-            <a:endParaRPr/>
-          </a:p>
-          <a:p>
-            <a:pPr indent="-342900" lvl="0" marL="457200" rtl="0" algn="l">
-              <a:spcBef>
-                <a:spcPts val="0"/>
-              </a:spcBef>
-              <a:spcAft>
-                <a:spcPts val="0"/>
-              </a:spcAft>
-              <a:buSzPts val="1800"/>
-              <a:buChar char="●"/>
-            </a:pPr>
-            <a:r>
-              <a:rPr lang="en"/>
-              <a:t>Support the demo with a slide deck</a:t>
-            </a:r>
-            <a:endParaRPr/>
-          </a:p>
-          <a:p>
-            <a:pPr indent="-342900" lvl="0" marL="457200" rtl="0" algn="l">
-              <a:spcBef>
-                <a:spcPts val="0"/>
-              </a:spcBef>
-              <a:spcAft>
-                <a:spcPts val="0"/>
-              </a:spcAft>
-              <a:buSzPts val="1800"/>
-              <a:buChar char="●"/>
-            </a:pPr>
-            <a:r>
-              <a:rPr lang="en"/>
-              <a:t>Have the demo day video ready as a backup</a:t>
-            </a:r>
-            <a:endParaRPr/>
-          </a:p>
-          <a:p>
-            <a:pPr indent="0" lvl="0" marL="0" rtl="0" algn="l">
-              <a:spcBef>
-                <a:spcPts val="1200"/>
-              </a:spcBef>
-              <a:spcAft>
-                <a:spcPts val="1200"/>
-              </a:spcAft>
-              <a:buNone/>
-            </a:pPr>
-            <a:r>
-              <a:t/>
             </a:r>
             <a:endParaRPr/>
           </a:p>
@@ -15853,6 +16113,46 @@
           <p:cNvPr id="89" name="Google Shape;89;p16"/>
           <p:cNvSpPr txBox="1"/>
           <p:nvPr>
+            <p:ph type="title"/>
+          </p:nvPr>
+        </p:nvSpPr>
+        <p:spPr>
+          <a:xfrm>
+            <a:off x="0" y="0"/>
+            <a:ext cx="9144000" cy="685800"/>
+          </a:xfrm>
+          <a:prstGeom prst="rect">
+            <a:avLst/>
+          </a:prstGeom>
+        </p:spPr>
+        <p:txBody>
+          <a:bodyPr anchorCtr="0" anchor="ctr" bIns="91425" lIns="274300" spcFirstLastPara="1" rIns="91425" wrap="square" tIns="91425">
+            <a:noAutofit/>
+          </a:bodyPr>
+          <a:lstStyle/>
+          <a:p>
+            <a:pPr indent="0" lvl="0" marL="0" rtl="0" algn="l">
+              <a:spcBef>
+                <a:spcPts val="0"/>
+              </a:spcBef>
+              <a:spcAft>
+                <a:spcPts val="0"/>
+              </a:spcAft>
+              <a:buNone/>
+            </a:pPr>
+            <a:r>
+              <a:rPr lang="en"/>
+              <a:t>Use of Corporate Identities</a:t>
+            </a:r>
+            <a:endParaRPr/>
+          </a:p>
+        </p:txBody>
+      </p:sp>
+      <p:sp>
+        <p:nvSpPr>
+          <p:cNvPr id="90" name="Google Shape;90;p16"/>
+          <p:cNvSpPr txBox="1"/>
+          <p:nvPr>
             <p:ph idx="1" type="body"/>
           </p:nvPr>
         </p:nvSpPr>
@@ -15882,7 +16182,7 @@
             </a:pPr>
             <a:r>
               <a:rPr lang="en"/>
-              <a:t>We will create Zoom breakout rooms for each project</a:t>
+              <a:t>Please use your university logo</a:t>
             </a:r>
             <a:endParaRPr/>
           </a:p>
@@ -15898,109 +16198,23 @@
             </a:pPr>
             <a:r>
               <a:rPr lang="en"/>
-              <a:t>You will demo your work in your breakout room</a:t>
-            </a:r>
-            <a:endParaRPr/>
-          </a:p>
-          <a:p>
-            <a:pPr indent="-342900" lvl="0" marL="457200" rtl="0" algn="l">
+              <a:t>Please use your team logo</a:t>
+            </a:r>
+            <a:endParaRPr/>
+          </a:p>
+          <a:p>
+            <a:pPr indent="0" lvl="0" marL="0" rtl="0" algn="l">
               <a:spcBef>
                 <a:spcPts val="1200"/>
               </a:spcBef>
               <a:spcAft>
                 <a:spcPts val="0"/>
               </a:spcAft>
-              <a:buSzPts val="1800"/>
-              <a:buChar char="●"/>
+              <a:buNone/>
             </a:pPr>
             <a:r>
               <a:rPr lang="en"/>
-              <a:t>Demo your project using your laptop</a:t>
-            </a:r>
-            <a:endParaRPr/>
-          </a:p>
-          <a:p>
-            <a:pPr indent="-342900" lvl="0" marL="457200" rtl="0" algn="l">
-              <a:spcBef>
-                <a:spcPts val="0"/>
-              </a:spcBef>
-              <a:spcAft>
-                <a:spcPts val="0"/>
-              </a:spcAft>
-              <a:buSzPts val="1800"/>
-              <a:buChar char="●"/>
-            </a:pPr>
-            <a:r>
-              <a:rPr lang="en"/>
-              <a:t>Explain your work using a slide deck; should contain</a:t>
-            </a:r>
-            <a:endParaRPr/>
-          </a:p>
-          <a:p>
-            <a:pPr indent="-317500" lvl="1" marL="914400" rtl="0" algn="l">
-              <a:spcBef>
-                <a:spcPts val="0"/>
-              </a:spcBef>
-              <a:spcAft>
-                <a:spcPts val="0"/>
-              </a:spcAft>
-              <a:buSzPts val="1400"/>
-              <a:buChar char="○"/>
-            </a:pPr>
-            <a:r>
-              <a:rPr lang="en"/>
-              <a:t>One slide on product management</a:t>
-            </a:r>
-            <a:endParaRPr/>
-          </a:p>
-          <a:p>
-            <a:pPr indent="-317500" lvl="1" marL="914400" rtl="0" algn="l">
-              <a:spcBef>
-                <a:spcPts val="0"/>
-              </a:spcBef>
-              <a:spcAft>
-                <a:spcPts val="0"/>
-              </a:spcAft>
-              <a:buSzPts val="1400"/>
-              <a:buChar char="○"/>
-            </a:pPr>
-            <a:r>
-              <a:rPr lang="en"/>
-              <a:t>One slide on software development</a:t>
-            </a:r>
-            <a:endParaRPr/>
-          </a:p>
-          <a:p>
-            <a:pPr indent="-317500" lvl="1" marL="914400" rtl="0" algn="l">
-              <a:spcBef>
-                <a:spcPts val="0"/>
-              </a:spcBef>
-              <a:spcAft>
-                <a:spcPts val="0"/>
-              </a:spcAft>
-              <a:buSzPts val="1400"/>
-              <a:buChar char="○"/>
-            </a:pPr>
-            <a:r>
-              <a:rPr lang="en"/>
-              <a:t>A team photo slide (can be screenshot)</a:t>
-            </a:r>
-            <a:endParaRPr/>
-          </a:p>
-          <a:p>
-            <a:pPr indent="-342900" lvl="0" marL="457200" rtl="0" algn="l">
-              <a:spcBef>
-                <a:spcPts val="1000"/>
-              </a:spcBef>
-              <a:spcAft>
-                <a:spcPts val="0"/>
-              </a:spcAft>
-              <a:buSzPts val="1800"/>
-              <a:buChar char="●"/>
-            </a:pPr>
-            <a:r>
-              <a:rPr lang="en"/>
-              <a:t>Have the demo day video ready as a backup</a:t>
+              <a:t>Please use your industry partner logo, but ask first</a:t>
             </a:r>
             <a:endParaRPr/>
           </a:p>
@@ -16010,82 +16224,12 @@
                 <a:spcPts val="1200"/>
               </a:spcBef>
               <a:spcAft>
-                <a:spcPts val="0"/>
+                <a:spcPts val="1200"/>
               </a:spcAft>
               <a:buNone/>
             </a:pPr>
             <a:r>
               <a:t/>
-            </a:r>
-            <a:endParaRPr/>
-          </a:p>
-          <a:p>
-            <a:pPr indent="0" lvl="0" marL="0" rtl="0" algn="l">
-              <a:spcBef>
-                <a:spcPts val="1200"/>
-              </a:spcBef>
-              <a:spcAft>
-                <a:spcPts val="0"/>
-              </a:spcAft>
-              <a:buNone/>
-            </a:pPr>
-            <a:r>
-              <a:t/>
-            </a:r>
-            <a:endParaRPr/>
-          </a:p>
-          <a:p>
-            <a:pPr indent="0" lvl="0" marL="0" rtl="0" algn="l">
-              <a:spcBef>
-                <a:spcPts val="1200"/>
-              </a:spcBef>
-              <a:spcAft>
-                <a:spcPts val="1200"/>
-              </a:spcAft>
-              <a:buNone/>
-            </a:pPr>
-            <a:r>
-              <a:t/>
-            </a:r>
-            <a:endParaRPr/>
-          </a:p>
-        </p:txBody>
-      </p:sp>
-      <p:sp>
-        <p:nvSpPr>
-          <p:cNvPr id="90" name="Google Shape;90;p16"/>
-          <p:cNvSpPr txBox="1"/>
-          <p:nvPr>
-            <p:ph type="title"/>
-          </p:nvPr>
-        </p:nvSpPr>
-        <p:spPr>
-          <a:xfrm>
-            <a:off x="0" y="0"/>
-            <a:ext cx="9144000" cy="685800"/>
-          </a:xfrm>
-          <a:prstGeom prst="rect">
-            <a:avLst/>
-          </a:prstGeom>
-        </p:spPr>
-        <p:txBody>
-          <a:bodyPr anchorCtr="0" anchor="ctr" bIns="91425" lIns="274300" spcFirstLastPara="1" rIns="91425" wrap="square" tIns="91425">
-            <a:noAutofit/>
-          </a:bodyPr>
-          <a:lstStyle/>
-          <a:p>
-            <a:pPr indent="0" lvl="0" marL="0" rtl="0" algn="l">
-              <a:spcBef>
-                <a:spcPts val="0"/>
-              </a:spcBef>
-              <a:spcAft>
-                <a:spcPts val="0"/>
-              </a:spcAft>
-              <a:buNone/>
-            </a:pPr>
-            <a:r>
-              <a:rPr lang="en"/>
-              <a:t>Online Demo Room</a:t>
             </a:r>
             <a:endParaRPr/>
           </a:p>
@@ -16169,6 +16313,285 @@
 </file>
 
 <file path=ppt/theme/theme1.xml><?xml version="1.0" encoding="utf-8"?>
+<a:theme xmlns:a="http://schemas.openxmlformats.org/drawingml/2006/main" xmlns:r="http://schemas.openxmlformats.org/officeDocument/2006/relationships" name="AMOS Slides Template">
+  <a:themeElements>
+    <a:clrScheme name="Simple Light">
+      <a:dk1>
+        <a:srgbClr val="000000"/>
+      </a:dk1>
+      <a:lt1>
+        <a:srgbClr val="FFFFFF"/>
+      </a:lt1>
+      <a:dk2>
+        <a:srgbClr val="404040"/>
+      </a:dk2>
+      <a:lt2>
+        <a:srgbClr val="808080"/>
+      </a:lt2>
+      <a:accent1>
+        <a:srgbClr val="D0D0D0"/>
+      </a:accent1>
+      <a:accent2>
+        <a:srgbClr val="4169E1"/>
+      </a:accent2>
+      <a:accent3>
+        <a:srgbClr val="D50D01"/>
+      </a:accent3>
+      <a:accent4>
+        <a:srgbClr val="FEB612"/>
+      </a:accent4>
+      <a:accent5>
+        <a:srgbClr val="4CAF50"/>
+      </a:accent5>
+      <a:accent6>
+        <a:srgbClr val="8E44AD"/>
+      </a:accent6>
+      <a:hlink>
+        <a:srgbClr val="34A3C5"/>
+      </a:hlink>
+      <a:folHlink>
+        <a:srgbClr val="0097A7"/>
+      </a:folHlink>
+    </a:clrScheme>
+    <a:fontScheme name="Office">
+      <a:majorFont>
+        <a:latin typeface="Arial"/>
+        <a:ea typeface=""/>
+        <a:cs typeface=""/>
+        <a:font script="Jpan" typeface="ＭＳ Ｐゴシック"/>
+        <a:font script="Hang" typeface="맑은 고딕"/>
+        <a:font script="Hans" typeface="宋体"/>
+        <a:font script="Hant" typeface="新細明體"/>
+        <a:font script="Arab" typeface="Times New Roman"/>
+        <a:font script="Hebr" typeface="Times New Roman"/>
+        <a:font script="Thai" typeface="Angsana New"/>
+        <a:font script="Ethi" typeface="Nyala"/>
+        <a:font script="Beng" typeface="Vrinda"/>
+        <a:font script="Gujr" typeface="Shruti"/>
+        <a:font script="Khmr" typeface="MoolBoran"/>
+        <a:font script="Knda" typeface="Tunga"/>
+        <a:font script="Guru" typeface="Raavi"/>
+        <a:font script="Cans" typeface="Euphemia"/>
+        <a:font script="Cher" typeface="Plantagenet Cherokee"/>
+        <a:font script="Yiii" typeface="Microsoft Yi Baiti"/>
+        <a:font script="Tibt" typeface="Microsoft Himalaya"/>
+        <a:font script="Thaa" typeface="MV Boli"/>
+        <a:font script="Deva" typeface="Mangal"/>
+        <a:font script="Telu" typeface="Gautami"/>
+        <a:font script="Taml" typeface="Latha"/>
+        <a:font script="Syrc" typeface="Estrangelo Edessa"/>
+        <a:font script="Orya" typeface="Kalinga"/>
+        <a:font script="Mlym" typeface="Kartika"/>
+        <a:font script="Laoo" typeface="DokChampa"/>
+        <a:font script="Sinh" typeface="Iskoola Pota"/>
+        <a:font script="Mong" typeface="Mongolian Baiti"/>
+        <a:font script="Viet" typeface="Times New Roman"/>
+        <a:font script="Uigh" typeface="Microsoft Uighur"/>
+        <a:font script="Geor" typeface="Sylfaen"/>
+      </a:majorFont>
+      <a:minorFont>
+        <a:latin typeface="Arial"/>
+        <a:ea typeface=""/>
+        <a:cs typeface=""/>
+        <a:font script="Jpan" typeface="ＭＳ Ｐゴシック"/>
+        <a:font script="Hang" typeface="맑은 고딕"/>
+        <a:font script="Hans" typeface="宋体"/>
+        <a:font script="Hant" typeface="新細明體"/>
+        <a:font script="Arab" typeface="Arial"/>
+        <a:font script="Hebr" typeface="Arial"/>
+        <a:font script="Thai" typeface="Cordia New"/>
+        <a:font script="Ethi" typeface="Nyala"/>
+        <a:font script="Beng" typeface="Vrinda"/>
+        <a:font script="Gujr" typeface="Shruti"/>
+        <a:font script="Khmr" typeface="DaunPenh"/>
+        <a:font script="Knda" typeface="Tunga"/>
+        <a:font script="Guru" typeface="Raavi"/>
+        <a:font script="Cans" typeface="Euphemia"/>
+        <a:font script="Cher" typeface="Plantagenet Cherokee"/>
+        <a:font script="Yiii" typeface="Microsoft Yi Baiti"/>
+        <a:font script="Tibt" typeface="Microsoft Himalaya"/>
+        <a:font script="Thaa" typeface="MV Boli"/>
+        <a:font script="Deva" typeface="Mangal"/>
+        <a:font script="Telu" typeface="Gautami"/>
+        <a:font script="Taml" typeface="Latha"/>
+        <a:font script="Syrc" typeface="Estrangelo Edessa"/>
+        <a:font script="Orya" typeface="Kalinga"/>
+        <a:font script="Mlym" typeface="Kartika"/>
+        <a:font script="Laoo" typeface="DokChampa"/>
+        <a:font script="Sinh" typeface="Iskoola Pota"/>
+        <a:font script="Mong" typeface="Mongolian Baiti"/>
+        <a:font script="Viet" typeface="Arial"/>
+        <a:font script="Uigh" typeface="Microsoft Uighur"/>
+        <a:font script="Geor" typeface="Sylfaen"/>
+      </a:minorFont>
+    </a:fontScheme>
+    <a:fmtScheme name="Office">
+      <a:fillStyleLst>
+        <a:solidFill>
+          <a:schemeClr val="phClr"/>
+        </a:solidFill>
+        <a:gradFill rotWithShape="1">
+          <a:gsLst>
+            <a:gs pos="0">
+              <a:schemeClr val="phClr">
+                <a:tint val="50000"/>
+                <a:satMod val="300000"/>
+              </a:schemeClr>
+            </a:gs>
+            <a:gs pos="35000">
+              <a:schemeClr val="phClr">
+                <a:tint val="37000"/>
+                <a:satMod val="300000"/>
+              </a:schemeClr>
+            </a:gs>
+            <a:gs pos="100000">
+              <a:schemeClr val="phClr">
+                <a:tint val="15000"/>
+                <a:satMod val="350000"/>
+              </a:schemeClr>
+            </a:gs>
+          </a:gsLst>
+          <a:lin ang="16200000" scaled="1"/>
+        </a:gradFill>
+        <a:gradFill rotWithShape="1">
+          <a:gsLst>
+            <a:gs pos="0">
+              <a:schemeClr val="phClr">
+                <a:tint val="100000"/>
+                <a:shade val="100000"/>
+                <a:satMod val="130000"/>
+              </a:schemeClr>
+            </a:gs>
+            <a:gs pos="100000">
+              <a:schemeClr val="phClr">
+                <a:tint val="50000"/>
+                <a:shade val="100000"/>
+                <a:satMod val="350000"/>
+              </a:schemeClr>
+            </a:gs>
+          </a:gsLst>
+          <a:lin ang="16200000" scaled="0"/>
+        </a:gradFill>
+      </a:fillStyleLst>
+      <a:lnStyleLst>
+        <a:ln w="9525" cap="flat" cmpd="sng" algn="ctr">
+          <a:solidFill>
+            <a:schemeClr val="phClr">
+              <a:shade val="95000"/>
+              <a:satMod val="105000"/>
+            </a:schemeClr>
+          </a:solidFill>
+          <a:prstDash val="solid"/>
+        </a:ln>
+        <a:ln w="25400" cap="flat" cmpd="sng" algn="ctr">
+          <a:solidFill>
+            <a:schemeClr val="phClr"/>
+          </a:solidFill>
+          <a:prstDash val="solid"/>
+        </a:ln>
+        <a:ln w="38100" cap="flat" cmpd="sng" algn="ctr">
+          <a:solidFill>
+            <a:schemeClr val="phClr"/>
+          </a:solidFill>
+          <a:prstDash val="solid"/>
+        </a:ln>
+      </a:lnStyleLst>
+      <a:effectStyleLst>
+        <a:effectStyle>
+          <a:effectLst>
+            <a:outerShdw blurRad="40000" dist="20000" dir="5400000" rotWithShape="0">
+              <a:srgbClr val="000000">
+                <a:alpha val="38000"/>
+              </a:srgbClr>
+            </a:outerShdw>
+          </a:effectLst>
+        </a:effectStyle>
+        <a:effectStyle>
+          <a:effectLst>
+            <a:outerShdw blurRad="40000" dist="23000" dir="5400000" rotWithShape="0">
+              <a:srgbClr val="000000">
+                <a:alpha val="35000"/>
+              </a:srgbClr>
+            </a:outerShdw>
+          </a:effectLst>
+        </a:effectStyle>
+        <a:effectStyle>
+          <a:effectLst>
+            <a:outerShdw blurRad="40000" dist="23000" dir="5400000" rotWithShape="0">
+              <a:srgbClr val="000000">
+                <a:alpha val="35000"/>
+              </a:srgbClr>
+            </a:outerShdw>
+          </a:effectLst>
+          <a:scene3d>
+            <a:camera prst="orthographicFront">
+              <a:rot lat="0" lon="0" rev="0"/>
+            </a:camera>
+            <a:lightRig rig="threePt" dir="t">
+              <a:rot lat="0" lon="0" rev="1200000"/>
+            </a:lightRig>
+          </a:scene3d>
+          <a:sp3d>
+            <a:bevelT w="63500" h="25400"/>
+          </a:sp3d>
+        </a:effectStyle>
+      </a:effectStyleLst>
+      <a:bgFillStyleLst>
+        <a:solidFill>
+          <a:schemeClr val="phClr"/>
+        </a:solidFill>
+        <a:gradFill rotWithShape="1">
+          <a:gsLst>
+            <a:gs pos="0">
+              <a:schemeClr val="phClr">
+                <a:tint val="40000"/>
+                <a:satMod val="350000"/>
+              </a:schemeClr>
+            </a:gs>
+            <a:gs pos="40000">
+              <a:schemeClr val="phClr">
+                <a:tint val="45000"/>
+                <a:shade val="99000"/>
+                <a:satMod val="350000"/>
+              </a:schemeClr>
+            </a:gs>
+            <a:gs pos="100000">
+              <a:schemeClr val="phClr">
+                <a:shade val="20000"/>
+                <a:satMod val="255000"/>
+              </a:schemeClr>
+            </a:gs>
+          </a:gsLst>
+          <a:path path="circle">
+            <a:fillToRect l="50000" t="-80000" r="50000" b="180000"/>
+          </a:path>
+        </a:gradFill>
+        <a:gradFill rotWithShape="1">
+          <a:gsLst>
+            <a:gs pos="0">
+              <a:schemeClr val="phClr">
+                <a:tint val="80000"/>
+                <a:satMod val="300000"/>
+              </a:schemeClr>
+            </a:gs>
+            <a:gs pos="100000">
+              <a:schemeClr val="phClr">
+                <a:shade val="30000"/>
+                <a:satMod val="200000"/>
+              </a:schemeClr>
+            </a:gs>
+          </a:gsLst>
+          <a:path path="circle">
+            <a:fillToRect l="50000" t="50000" r="50000" b="50000"/>
+          </a:path>
+        </a:gradFill>
+      </a:bgFillStyleLst>
+    </a:fmtScheme>
+  </a:themeElements>
+</a:theme>
+</file>
+
+<file path=ppt/theme/theme2.xml><?xml version="1.0" encoding="utf-8"?>
 <a:theme xmlns:a="http://schemas.openxmlformats.org/drawingml/2006/main" xmlns:r="http://schemas.openxmlformats.org/officeDocument/2006/relationships">
   <a:themeElements>
     <a:clrScheme name="Default">
@@ -16445,283 +16868,4 @@
     </a:fmtScheme>
   </a:themeElements>
 </a:theme>
-</file>
-
-<file path=ppt/theme/theme2.xml><?xml version="1.0" encoding="utf-8"?>
-<a:theme xmlns:a="http://schemas.openxmlformats.org/drawingml/2006/main" xmlns:r="http://schemas.openxmlformats.org/officeDocument/2006/relationships" name="AMOS Slides Template">
-  <a:themeElements>
-    <a:clrScheme name="Simple Light">
-      <a:dk1>
-        <a:srgbClr val="000000"/>
-      </a:dk1>
-      <a:lt1>
-        <a:srgbClr val="FFFFFF"/>
-      </a:lt1>
-      <a:dk2>
-        <a:srgbClr val="404040"/>
-      </a:dk2>
-      <a:lt2>
-        <a:srgbClr val="808080"/>
-      </a:lt2>
-      <a:accent1>
-        <a:srgbClr val="D0D0D0"/>
-      </a:accent1>
-      <a:accent2>
-        <a:srgbClr val="4169E1"/>
-      </a:accent2>
-      <a:accent3>
-        <a:srgbClr val="D50D01"/>
-      </a:accent3>
-      <a:accent4>
-        <a:srgbClr val="FEB612"/>
-      </a:accent4>
-      <a:accent5>
-        <a:srgbClr val="4CAF50"/>
-      </a:accent5>
-      <a:accent6>
-        <a:srgbClr val="8E44AD"/>
-      </a:accent6>
-      <a:hlink>
-        <a:srgbClr val="34A3C5"/>
-      </a:hlink>
-      <a:folHlink>
-        <a:srgbClr val="0097A7"/>
-      </a:folHlink>
-    </a:clrScheme>
-    <a:fontScheme name="Office">
-      <a:majorFont>
-        <a:latin typeface="Arial"/>
-        <a:ea typeface=""/>
-        <a:cs typeface=""/>
-        <a:font script="Jpan" typeface="ＭＳ Ｐゴシック"/>
-        <a:font script="Hang" typeface="맑은 고딕"/>
-        <a:font script="Hans" typeface="宋体"/>
-        <a:font script="Hant" typeface="新細明體"/>
-        <a:font script="Arab" typeface="Times New Roman"/>
-        <a:font script="Hebr" typeface="Times New Roman"/>
-        <a:font script="Thai" typeface="Angsana New"/>
-        <a:font script="Ethi" typeface="Nyala"/>
-        <a:font script="Beng" typeface="Vrinda"/>
-        <a:font script="Gujr" typeface="Shruti"/>
-        <a:font script="Khmr" typeface="MoolBoran"/>
-        <a:font script="Knda" typeface="Tunga"/>
-        <a:font script="Guru" typeface="Raavi"/>
-        <a:font script="Cans" typeface="Euphemia"/>
-        <a:font script="Cher" typeface="Plantagenet Cherokee"/>
-        <a:font script="Yiii" typeface="Microsoft Yi Baiti"/>
-        <a:font script="Tibt" typeface="Microsoft Himalaya"/>
-        <a:font script="Thaa" typeface="MV Boli"/>
-        <a:font script="Deva" typeface="Mangal"/>
-        <a:font script="Telu" typeface="Gautami"/>
-        <a:font script="Taml" typeface="Latha"/>
-        <a:font script="Syrc" typeface="Estrangelo Edessa"/>
-        <a:font script="Orya" typeface="Kalinga"/>
-        <a:font script="Mlym" typeface="Kartika"/>
-        <a:font script="Laoo" typeface="DokChampa"/>
-        <a:font script="Sinh" typeface="Iskoola Pota"/>
-        <a:font script="Mong" typeface="Mongolian Baiti"/>
-        <a:font script="Viet" typeface="Times New Roman"/>
-        <a:font script="Uigh" typeface="Microsoft Uighur"/>
-        <a:font script="Geor" typeface="Sylfaen"/>
-      </a:majorFont>
-      <a:minorFont>
-        <a:latin typeface="Arial"/>
-        <a:ea typeface=""/>
-        <a:cs typeface=""/>
-        <a:font script="Jpan" typeface="ＭＳ Ｐゴシック"/>
-        <a:font script="Hang" typeface="맑은 고딕"/>
-        <a:font script="Hans" typeface="宋体"/>
-        <a:font script="Hant" typeface="新細明體"/>
-        <a:font script="Arab" typeface="Arial"/>
-        <a:font script="Hebr" typeface="Arial"/>
-        <a:font script="Thai" typeface="Cordia New"/>
-        <a:font script="Ethi" typeface="Nyala"/>
-        <a:font script="Beng" typeface="Vrinda"/>
-        <a:font script="Gujr" typeface="Shruti"/>
-        <a:font script="Khmr" typeface="DaunPenh"/>
-        <a:font script="Knda" typeface="Tunga"/>
-        <a:font script="Guru" typeface="Raavi"/>
-        <a:font script="Cans" typeface="Euphemia"/>
-        <a:font script="Cher" typeface="Plantagenet Cherokee"/>
-        <a:font script="Yiii" typeface="Microsoft Yi Baiti"/>
-        <a:font script="Tibt" typeface="Microsoft Himalaya"/>
-        <a:font script="Thaa" typeface="MV Boli"/>
-        <a:font script="Deva" typeface="Mangal"/>
-        <a:font script="Telu" typeface="Gautami"/>
-        <a:font script="Taml" typeface="Latha"/>
-        <a:font script="Syrc" typeface="Estrangelo Edessa"/>
-        <a:font script="Orya" typeface="Kalinga"/>
-        <a:font script="Mlym" typeface="Kartika"/>
-        <a:font script="Laoo" typeface="DokChampa"/>
-        <a:font script="Sinh" typeface="Iskoola Pota"/>
-        <a:font script="Mong" typeface="Mongolian Baiti"/>
-        <a:font script="Viet" typeface="Arial"/>
-        <a:font script="Uigh" typeface="Microsoft Uighur"/>
-        <a:font script="Geor" typeface="Sylfaen"/>
-      </a:minorFont>
-    </a:fontScheme>
-    <a:fmtScheme name="Office">
-      <a:fillStyleLst>
-        <a:solidFill>
-          <a:schemeClr val="phClr"/>
-        </a:solidFill>
-        <a:gradFill rotWithShape="1">
-          <a:gsLst>
-            <a:gs pos="0">
-              <a:schemeClr val="phClr">
-                <a:tint val="50000"/>
-                <a:satMod val="300000"/>
-              </a:schemeClr>
-            </a:gs>
-            <a:gs pos="35000">
-              <a:schemeClr val="phClr">
-                <a:tint val="37000"/>
-                <a:satMod val="300000"/>
-              </a:schemeClr>
-            </a:gs>
-            <a:gs pos="100000">
-              <a:schemeClr val="phClr">
-                <a:tint val="15000"/>
-                <a:satMod val="350000"/>
-              </a:schemeClr>
-            </a:gs>
-          </a:gsLst>
-          <a:lin ang="16200000" scaled="1"/>
-        </a:gradFill>
-        <a:gradFill rotWithShape="1">
-          <a:gsLst>
-            <a:gs pos="0">
-              <a:schemeClr val="phClr">
-                <a:tint val="100000"/>
-                <a:shade val="100000"/>
-                <a:satMod val="130000"/>
-              </a:schemeClr>
-            </a:gs>
-            <a:gs pos="100000">
-              <a:schemeClr val="phClr">
-                <a:tint val="50000"/>
-                <a:shade val="100000"/>
-                <a:satMod val="350000"/>
-              </a:schemeClr>
-            </a:gs>
-          </a:gsLst>
-          <a:lin ang="16200000" scaled="0"/>
-        </a:gradFill>
-      </a:fillStyleLst>
-      <a:lnStyleLst>
-        <a:ln w="9525" cap="flat" cmpd="sng" algn="ctr">
-          <a:solidFill>
-            <a:schemeClr val="phClr">
-              <a:shade val="95000"/>
-              <a:satMod val="105000"/>
-            </a:schemeClr>
-          </a:solidFill>
-          <a:prstDash val="solid"/>
-        </a:ln>
-        <a:ln w="25400" cap="flat" cmpd="sng" algn="ctr">
-          <a:solidFill>
-            <a:schemeClr val="phClr"/>
-          </a:solidFill>
-          <a:prstDash val="solid"/>
-        </a:ln>
-        <a:ln w="38100" cap="flat" cmpd="sng" algn="ctr">
-          <a:solidFill>
-            <a:schemeClr val="phClr"/>
-          </a:solidFill>
-          <a:prstDash val="solid"/>
-        </a:ln>
-      </a:lnStyleLst>
-      <a:effectStyleLst>
-        <a:effectStyle>
-          <a:effectLst>
-            <a:outerShdw blurRad="40000" dist="20000" dir="5400000" rotWithShape="0">
-              <a:srgbClr val="000000">
-                <a:alpha val="38000"/>
-              </a:srgbClr>
-            </a:outerShdw>
-          </a:effectLst>
-        </a:effectStyle>
-        <a:effectStyle>
-          <a:effectLst>
-            <a:outerShdw blurRad="40000" dist="23000" dir="5400000" rotWithShape="0">
-              <a:srgbClr val="000000">
-                <a:alpha val="35000"/>
-              </a:srgbClr>
-            </a:outerShdw>
-          </a:effectLst>
-        </a:effectStyle>
-        <a:effectStyle>
-          <a:effectLst>
-            <a:outerShdw blurRad="40000" dist="23000" dir="5400000" rotWithShape="0">
-              <a:srgbClr val="000000">
-                <a:alpha val="35000"/>
-              </a:srgbClr>
-            </a:outerShdw>
-          </a:effectLst>
-          <a:scene3d>
-            <a:camera prst="orthographicFront">
-              <a:rot lat="0" lon="0" rev="0"/>
-            </a:camera>
-            <a:lightRig rig="threePt" dir="t">
-              <a:rot lat="0" lon="0" rev="1200000"/>
-            </a:lightRig>
-          </a:scene3d>
-          <a:sp3d>
-            <a:bevelT w="63500" h="25400"/>
-          </a:sp3d>
-        </a:effectStyle>
-      </a:effectStyleLst>
-      <a:bgFillStyleLst>
-        <a:solidFill>
-          <a:schemeClr val="phClr"/>
-        </a:solidFill>
-        <a:gradFill rotWithShape="1">
-          <a:gsLst>
-            <a:gs pos="0">
-              <a:schemeClr val="phClr">
-                <a:tint val="40000"/>
-                <a:satMod val="350000"/>
-              </a:schemeClr>
-            </a:gs>
-            <a:gs pos="40000">
-              <a:schemeClr val="phClr">
-                <a:tint val="45000"/>
-                <a:shade val="99000"/>
-                <a:satMod val="350000"/>
-              </a:schemeClr>
-            </a:gs>
-            <a:gs pos="100000">
-              <a:schemeClr val="phClr">
-                <a:shade val="20000"/>
-                <a:satMod val="255000"/>
-              </a:schemeClr>
-            </a:gs>
-          </a:gsLst>
-          <a:path path="circle">
-            <a:fillToRect l="50000" t="-80000" r="50000" b="180000"/>
-          </a:path>
-        </a:gradFill>
-        <a:gradFill rotWithShape="1">
-          <a:gsLst>
-            <a:gs pos="0">
-              <a:schemeClr val="phClr">
-                <a:tint val="80000"/>
-                <a:satMod val="300000"/>
-              </a:schemeClr>
-            </a:gs>
-            <a:gs pos="100000">
-              <a:schemeClr val="phClr">
-                <a:shade val="30000"/>
-                <a:satMod val="200000"/>
-              </a:schemeClr>
-            </a:gs>
-          </a:gsLst>
-          <a:path path="circle">
-            <a:fillToRect l="50000" t="50000" r="50000" b="50000"/>
-          </a:path>
-        </a:gradFill>
-      </a:bgFillStyleLst>
-    </a:fmtScheme>
-  </a:themeElements>
-</a:theme>
 </file>